--- a/English/6.Visuals/13.The KPI.pptx
+++ b/English/6.Visuals/13.The KPI.pptx
@@ -5,32 +5,29 @@
     <p:sldMasterId id="2147483648" r:id="rId1"/>
   </p:sldMasterIdLst>
   <p:notesMasterIdLst>
-    <p:notesMasterId r:id="rId19"/>
+    <p:notesMasterId r:id="rId16"/>
   </p:notesMasterIdLst>
   <p:sldIdLst>
     <p:sldId id="256" r:id="rId2"/>
     <p:sldId id="257" r:id="rId3"/>
-    <p:sldId id="259" r:id="rId4"/>
-    <p:sldId id="260" r:id="rId5"/>
-    <p:sldId id="261" r:id="rId6"/>
-    <p:sldId id="263" r:id="rId7"/>
-    <p:sldId id="264" r:id="rId8"/>
-    <p:sldId id="265" r:id="rId9"/>
+    <p:sldId id="273" r:id="rId4"/>
+    <p:sldId id="261" r:id="rId5"/>
+    <p:sldId id="263" r:id="rId6"/>
+    <p:sldId id="274" r:id="rId7"/>
+    <p:sldId id="275" r:id="rId8"/>
+    <p:sldId id="276" r:id="rId9"/>
     <p:sldId id="266" r:id="rId10"/>
     <p:sldId id="262" r:id="rId11"/>
-    <p:sldId id="267" r:id="rId12"/>
-    <p:sldId id="268" r:id="rId13"/>
-    <p:sldId id="269" r:id="rId14"/>
-    <p:sldId id="270" r:id="rId15"/>
-    <p:sldId id="271" r:id="rId16"/>
-    <p:sldId id="272" r:id="rId17"/>
-    <p:sldId id="258" r:id="rId18"/>
+    <p:sldId id="268" r:id="rId12"/>
+    <p:sldId id="270" r:id="rId13"/>
+    <p:sldId id="278" r:id="rId14"/>
+    <p:sldId id="258" r:id="rId15"/>
   </p:sldIdLst>
   <p:sldSz cx="12192000" cy="6858000"/>
   <p:notesSz cx="6858000" cy="9144000"/>
   <p:defaultTextStyle>
     <a:defPPr>
-      <a:defRPr lang="en-US"/>
+      <a:defRPr lang="en"/>
     </a:defPPr>
     <a:lvl1pPr marL="0" algn="l" defTabSz="914400" rtl="0" eaLnBrk="1" latinLnBrk="0" hangingPunct="1">
       <a:defRPr sz="1800" kern="1200">
@@ -213,7 +210,7 @@
           <a:p>
             <a:fld id="{056BA3B8-9F76-4D81-B71D-76CB85363062}" type="datetimeFigureOut">
               <a:rPr lang="en-US" smtClean="0"/>
-              <a:t>1/5/2025</a:t>
+              <a:t>4/3/2025</a:t>
             </a:fld>
             <a:endParaRPr lang="en-US"/>
           </a:p>
@@ -481,6 +478,174 @@
 </p:notesMaster>
 </file>
 
+<file path=ppt/notesSlides/notesSlide1.xml><?xml version="1.0" encoding="utf-8"?>
+<p:notes xmlns:a="http://schemas.openxmlformats.org/drawingml/2006/main" xmlns:r="http://schemas.openxmlformats.org/officeDocument/2006/relationships" xmlns:p="http://schemas.openxmlformats.org/presentationml/2006/main">
+  <p:cSld>
+    <p:spTree>
+      <p:nvGrpSpPr>
+        <p:cNvPr id="1" name=""/>
+        <p:cNvGrpSpPr/>
+        <p:nvPr/>
+      </p:nvGrpSpPr>
+      <p:grpSpPr>
+        <a:xfrm>
+          <a:off x="0" y="0"/>
+          <a:ext cx="0" cy="0"/>
+          <a:chOff x="0" y="0"/>
+          <a:chExt cx="0" cy="0"/>
+        </a:xfrm>
+      </p:grpSpPr>
+      <p:sp>
+        <p:nvSpPr>
+          <p:cNvPr id="2" name="Slide Image Placeholder 1"/>
+          <p:cNvSpPr>
+            <a:spLocks noGrp="1" noRot="1" noChangeAspect="1"/>
+          </p:cNvSpPr>
+          <p:nvPr>
+            <p:ph type="sldImg"/>
+          </p:nvPr>
+        </p:nvSpPr>
+        <p:spPr/>
+      </p:sp>
+      <p:sp>
+        <p:nvSpPr>
+          <p:cNvPr id="3" name="Notes Placeholder 2"/>
+          <p:cNvSpPr>
+            <a:spLocks noGrp="1"/>
+          </p:cNvSpPr>
+          <p:nvPr>
+            <p:ph type="body" idx="1"/>
+          </p:nvPr>
+        </p:nvSpPr>
+        <p:spPr/>
+        <p:txBody>
+          <a:bodyPr/>
+          <a:lstStyle/>
+          <a:p>
+            <a:endParaRPr lang="en-US" dirty="0"/>
+          </a:p>
+        </p:txBody>
+      </p:sp>
+      <p:sp>
+        <p:nvSpPr>
+          <p:cNvPr id="4" name="Slide Number Placeholder 3"/>
+          <p:cNvSpPr>
+            <a:spLocks noGrp="1"/>
+          </p:cNvSpPr>
+          <p:nvPr>
+            <p:ph type="sldNum" sz="quarter" idx="10"/>
+          </p:nvPr>
+        </p:nvSpPr>
+        <p:spPr/>
+        <p:txBody>
+          <a:bodyPr/>
+          <a:lstStyle/>
+          <a:p>
+            <a:fld id="{C583D03D-12F8-4E91-BBC2-CE3A863157FF}" type="slidenum">
+              <a:rPr lang="en-US" smtClean="0"/>
+              <a:t>7</a:t>
+            </a:fld>
+            <a:endParaRPr lang="en-US"/>
+          </a:p>
+        </p:txBody>
+      </p:sp>
+    </p:spTree>
+    <p:extLst>
+      <p:ext uri="{BB962C8B-B14F-4D97-AF65-F5344CB8AC3E}">
+        <p14:creationId xmlns:p14="http://schemas.microsoft.com/office/powerpoint/2010/main" val="2988332854"/>
+      </p:ext>
+    </p:extLst>
+  </p:cSld>
+  <p:clrMapOvr>
+    <a:masterClrMapping/>
+  </p:clrMapOvr>
+</p:notes>
+</file>
+
+<file path=ppt/notesSlides/notesSlide2.xml><?xml version="1.0" encoding="utf-8"?>
+<p:notes xmlns:a="http://schemas.openxmlformats.org/drawingml/2006/main" xmlns:r="http://schemas.openxmlformats.org/officeDocument/2006/relationships" xmlns:p="http://schemas.openxmlformats.org/presentationml/2006/main">
+  <p:cSld>
+    <p:spTree>
+      <p:nvGrpSpPr>
+        <p:cNvPr id="1" name=""/>
+        <p:cNvGrpSpPr/>
+        <p:nvPr/>
+      </p:nvGrpSpPr>
+      <p:grpSpPr>
+        <a:xfrm>
+          <a:off x="0" y="0"/>
+          <a:ext cx="0" cy="0"/>
+          <a:chOff x="0" y="0"/>
+          <a:chExt cx="0" cy="0"/>
+        </a:xfrm>
+      </p:grpSpPr>
+      <p:sp>
+        <p:nvSpPr>
+          <p:cNvPr id="2" name="Slide Image Placeholder 1"/>
+          <p:cNvSpPr>
+            <a:spLocks noGrp="1" noRot="1" noChangeAspect="1"/>
+          </p:cNvSpPr>
+          <p:nvPr>
+            <p:ph type="sldImg"/>
+          </p:nvPr>
+        </p:nvSpPr>
+        <p:spPr/>
+      </p:sp>
+      <p:sp>
+        <p:nvSpPr>
+          <p:cNvPr id="3" name="Notes Placeholder 2"/>
+          <p:cNvSpPr>
+            <a:spLocks noGrp="1"/>
+          </p:cNvSpPr>
+          <p:nvPr>
+            <p:ph type="body" idx="1"/>
+          </p:nvPr>
+        </p:nvSpPr>
+        <p:spPr/>
+        <p:txBody>
+          <a:bodyPr/>
+          <a:lstStyle/>
+          <a:p>
+            <a:endParaRPr lang="en-US" dirty="0"/>
+          </a:p>
+        </p:txBody>
+      </p:sp>
+      <p:sp>
+        <p:nvSpPr>
+          <p:cNvPr id="4" name="Slide Number Placeholder 3"/>
+          <p:cNvSpPr>
+            <a:spLocks noGrp="1"/>
+          </p:cNvSpPr>
+          <p:nvPr>
+            <p:ph type="sldNum" sz="quarter" idx="10"/>
+          </p:nvPr>
+        </p:nvSpPr>
+        <p:spPr/>
+        <p:txBody>
+          <a:bodyPr/>
+          <a:lstStyle/>
+          <a:p>
+            <a:fld id="{C583D03D-12F8-4E91-BBC2-CE3A863157FF}" type="slidenum">
+              <a:rPr lang="en-US" smtClean="0"/>
+              <a:t>8</a:t>
+            </a:fld>
+            <a:endParaRPr lang="en-US"/>
+          </a:p>
+        </p:txBody>
+      </p:sp>
+    </p:spTree>
+    <p:extLst>
+      <p:ext uri="{BB962C8B-B14F-4D97-AF65-F5344CB8AC3E}">
+        <p14:creationId xmlns:p14="http://schemas.microsoft.com/office/powerpoint/2010/main" val="3202495815"/>
+      </p:ext>
+    </p:extLst>
+  </p:cSld>
+  <p:clrMapOvr>
+    <a:masterClrMapping/>
+  </p:clrMapOvr>
+</p:notes>
+</file>
+
 <file path=ppt/slideLayouts/slideLayout1.xml><?xml version="1.0" encoding="utf-8"?>
 <p:sldLayout xmlns:a="http://schemas.openxmlformats.org/drawingml/2006/main" xmlns:r="http://schemas.openxmlformats.org/officeDocument/2006/relationships" xmlns:p="http://schemas.openxmlformats.org/presentationml/2006/main" type="title" preserve="1">
   <p:cSld name="Title Slide">
@@ -612,7 +777,7 @@
           <a:p>
             <a:fld id="{6F01DA4D-20EA-48D2-973C-0311EC3005D6}" type="datetimeFigureOut">
               <a:rPr lang="en-US" smtClean="0"/>
-              <a:t>1/5/2025</a:t>
+              <a:t>4/3/2025</a:t>
             </a:fld>
             <a:endParaRPr lang="en-US"/>
           </a:p>
@@ -782,7 +947,7 @@
           <a:p>
             <a:fld id="{6F01DA4D-20EA-48D2-973C-0311EC3005D6}" type="datetimeFigureOut">
               <a:rPr lang="en-US" smtClean="0"/>
-              <a:t>1/5/2025</a:t>
+              <a:t>4/3/2025</a:t>
             </a:fld>
             <a:endParaRPr lang="en-US"/>
           </a:p>
@@ -962,7 +1127,7 @@
           <a:p>
             <a:fld id="{6F01DA4D-20EA-48D2-973C-0311EC3005D6}" type="datetimeFigureOut">
               <a:rPr lang="en-US" smtClean="0"/>
-              <a:t>1/5/2025</a:t>
+              <a:t>4/3/2025</a:t>
             </a:fld>
             <a:endParaRPr lang="en-US"/>
           </a:p>
@@ -1132,7 +1297,7 @@
           <a:p>
             <a:fld id="{6F01DA4D-20EA-48D2-973C-0311EC3005D6}" type="datetimeFigureOut">
               <a:rPr lang="en-US" smtClean="0"/>
-              <a:t>1/5/2025</a:t>
+              <a:t>4/3/2025</a:t>
             </a:fld>
             <a:endParaRPr lang="en-US"/>
           </a:p>
@@ -1378,7 +1543,7 @@
           <a:p>
             <a:fld id="{6F01DA4D-20EA-48D2-973C-0311EC3005D6}" type="datetimeFigureOut">
               <a:rPr lang="en-US" smtClean="0"/>
-              <a:t>1/5/2025</a:t>
+              <a:t>4/3/2025</a:t>
             </a:fld>
             <a:endParaRPr lang="en-US"/>
           </a:p>
@@ -1610,7 +1775,7 @@
           <a:p>
             <a:fld id="{6F01DA4D-20EA-48D2-973C-0311EC3005D6}" type="datetimeFigureOut">
               <a:rPr lang="en-US" smtClean="0"/>
-              <a:t>1/5/2025</a:t>
+              <a:t>4/3/2025</a:t>
             </a:fld>
             <a:endParaRPr lang="en-US"/>
           </a:p>
@@ -1977,7 +2142,7 @@
           <a:p>
             <a:fld id="{6F01DA4D-20EA-48D2-973C-0311EC3005D6}" type="datetimeFigureOut">
               <a:rPr lang="en-US" smtClean="0"/>
-              <a:t>1/5/2025</a:t>
+              <a:t>4/3/2025</a:t>
             </a:fld>
             <a:endParaRPr lang="en-US"/>
           </a:p>
@@ -2095,7 +2260,7 @@
           <a:p>
             <a:fld id="{6F01DA4D-20EA-48D2-973C-0311EC3005D6}" type="datetimeFigureOut">
               <a:rPr lang="en-US" smtClean="0"/>
-              <a:t>1/5/2025</a:t>
+              <a:t>4/3/2025</a:t>
             </a:fld>
             <a:endParaRPr lang="en-US"/>
           </a:p>
@@ -2190,7 +2355,7 @@
           <a:p>
             <a:fld id="{6F01DA4D-20EA-48D2-973C-0311EC3005D6}" type="datetimeFigureOut">
               <a:rPr lang="en-US" smtClean="0"/>
-              <a:t>1/5/2025</a:t>
+              <a:t>4/3/2025</a:t>
             </a:fld>
             <a:endParaRPr lang="en-US"/>
           </a:p>
@@ -2467,7 +2632,7 @@
           <a:p>
             <a:fld id="{6F01DA4D-20EA-48D2-973C-0311EC3005D6}" type="datetimeFigureOut">
               <a:rPr lang="en-US" smtClean="0"/>
-              <a:t>1/5/2025</a:t>
+              <a:t>4/3/2025</a:t>
             </a:fld>
             <a:endParaRPr lang="en-US"/>
           </a:p>
@@ -2720,7 +2885,7 @@
           <a:p>
             <a:fld id="{6F01DA4D-20EA-48D2-973C-0311EC3005D6}" type="datetimeFigureOut">
               <a:rPr lang="en-US" smtClean="0"/>
-              <a:t>1/5/2025</a:t>
+              <a:t>4/3/2025</a:t>
             </a:fld>
             <a:endParaRPr lang="en-US"/>
           </a:p>
@@ -2933,7 +3098,7 @@
           <a:p>
             <a:fld id="{6F01DA4D-20EA-48D2-973C-0311EC3005D6}" type="datetimeFigureOut">
               <a:rPr lang="en-US" smtClean="0"/>
-              <a:t>1/5/2025</a:t>
+              <a:t>4/3/2025</a:t>
             </a:fld>
             <a:endParaRPr lang="en-US"/>
           </a:p>
@@ -3370,7 +3535,7 @@
           <a:p>
             <a:pPr algn="ctr"/>
             <a:r>
-              <a:rPr lang="fr-FR" sz="8000" b="1" dirty="0" smtClean="0">
+              <a:rPr lang="en" sz="8000" b="1" dirty="0" smtClean="0">
                 <a:solidFill>
                   <a:srgbClr val="7030A0"/>
                 </a:solidFill>
@@ -3378,7 +3543,7 @@
                 <a:ea typeface="Verdana" panose="020B0604030504040204" pitchFamily="34" charset="0"/>
                 <a:cs typeface="Segoe UI" panose="020B0502040204020203" pitchFamily="34" charset="0"/>
               </a:rPr>
-              <a:t>The KPI</a:t>
+              <a:t>KPIs</a:t>
             </a:r>
             <a:endParaRPr lang="en-US" sz="8000" b="1" dirty="0">
               <a:solidFill>
@@ -3415,7 +3580,7 @@
           <a:p>
             <a:pPr algn="ctr"/>
             <a:r>
-              <a:rPr lang="fr-FR" sz="8000" b="1" dirty="0" smtClean="0">
+              <a:rPr lang="en" sz="8000" b="1" dirty="0" smtClean="0">
                 <a:solidFill>
                   <a:schemeClr val="bg1"/>
                 </a:solidFill>
@@ -3423,7 +3588,7 @@
                 <a:ea typeface="Verdana" panose="020B0604030504040204" pitchFamily="34" charset="0"/>
                 <a:cs typeface="Segoe UI" panose="020B0502040204020203" pitchFamily="34" charset="0"/>
               </a:rPr>
-              <a:t>The KPI</a:t>
+              <a:t>KPIs</a:t>
             </a:r>
             <a:endParaRPr lang="en-US" sz="8000" b="1" dirty="0">
               <a:solidFill>
@@ -3489,18 +3654,11 @@
           <a:lstStyle/>
           <a:p>
             <a:r>
-              <a:rPr lang="en-US" sz="3600" b="1" dirty="0" smtClean="0">
-                <a:latin typeface="Segoe UI" panose="020B0502040204020203" pitchFamily="34" charset="0"/>
-                <a:cs typeface="Segoe UI" panose="020B0502040204020203" pitchFamily="34" charset="0"/>
-              </a:rPr>
-              <a:t>The Custom </a:t>
-            </a:r>
-            <a:r>
-              <a:rPr lang="en-US" sz="3600" b="1" dirty="0" smtClean="0">
-                <a:latin typeface="Segoe UI" panose="020B0502040204020203" pitchFamily="34" charset="0"/>
-                <a:cs typeface="Segoe UI" panose="020B0502040204020203" pitchFamily="34" charset="0"/>
-              </a:rPr>
-              <a:t>KPI</a:t>
+              <a:rPr lang="en" sz="3600" b="1" dirty="0" smtClean="0">
+                <a:latin typeface="Segoe UI" panose="020B0502040204020203" pitchFamily="34" charset="0"/>
+                <a:cs typeface="Segoe UI" panose="020B0502040204020203" pitchFamily="34" charset="0"/>
+              </a:rPr>
+              <a:t>The personalized KPI</a:t>
             </a:r>
             <a:endParaRPr lang="en-US" sz="3600" b="1" dirty="0">
               <a:latin typeface="Segoe UI" panose="020B0502040204020203" pitchFamily="34" charset="0"/>
@@ -3548,7 +3706,7 @@
         <p:spPr>
           <a:xfrm>
             <a:off x="323133" y="192505"/>
-            <a:ext cx="1199367" cy="461665"/>
+            <a:ext cx="1215397" cy="461665"/>
           </a:xfrm>
           <a:prstGeom prst="rect">
             <a:avLst/>
@@ -3562,13 +3720,13 @@
           <a:lstStyle/>
           <a:p>
             <a:r>
-              <a:rPr lang="en-US" sz="2400" dirty="0" smtClean="0">
-                <a:latin typeface="Segoe UI" panose="020B0502040204020203" pitchFamily="34" charset="0"/>
-                <a:cs typeface="Segoe UI" panose="020B0502040204020203" pitchFamily="34" charset="0"/>
-              </a:rPr>
-              <a:t>The KPI</a:t>
-            </a:r>
-            <a:endParaRPr lang="en-US" sz="2400" dirty="0">
+              <a:rPr lang="en" sz="2400" b="1" dirty="0" smtClean="0">
+                <a:latin typeface="Segoe UI" panose="020B0502040204020203" pitchFamily="34" charset="0"/>
+                <a:cs typeface="Segoe UI" panose="020B0502040204020203" pitchFamily="34" charset="0"/>
+              </a:rPr>
+              <a:t>KPIs</a:t>
+            </a:r>
+            <a:endParaRPr lang="en-US" sz="2400" b="1" dirty="0">
               <a:latin typeface="Segoe UI" panose="020B0502040204020203" pitchFamily="34" charset="0"/>
               <a:cs typeface="Segoe UI" panose="020B0502040204020203" pitchFamily="34" charset="0"/>
             </a:endParaRPr>
@@ -3583,8 +3741,8 @@
         </p:nvSpPr>
         <p:spPr>
           <a:xfrm>
-            <a:off x="429345" y="771048"/>
-            <a:ext cx="4168962" cy="369332"/>
+            <a:off x="429345" y="750422"/>
+            <a:ext cx="9665146" cy="369332"/>
           </a:xfrm>
           <a:prstGeom prst="rect">
             <a:avLst/>
@@ -3598,434 +3756,56 @@
           <a:lstStyle/>
           <a:p>
             <a:r>
-              <a:rPr lang="en-US" dirty="0" smtClean="0">
-                <a:latin typeface="Segoe UI" panose="020B0502040204020203" pitchFamily="34" charset="0"/>
-                <a:cs typeface="Segoe UI" panose="020B0502040204020203" pitchFamily="34" charset="0"/>
-              </a:rPr>
-              <a:t>Let’s see how to create custom KPI now</a:t>
-            </a:r>
-            <a:endParaRPr lang="en-US" b="1" dirty="0">
-              <a:latin typeface="Segoe UI" panose="020B0502040204020203" pitchFamily="34" charset="0"/>
-              <a:cs typeface="Segoe UI" panose="020B0502040204020203" pitchFamily="34" charset="0"/>
-            </a:endParaRPr>
-          </a:p>
-        </p:txBody>
-      </p:sp>
-      <p:sp>
-        <p:nvSpPr>
-          <p:cNvPr id="4" name="TextBox 3"/>
-          <p:cNvSpPr txBox="1"/>
-          <p:nvPr/>
-        </p:nvSpPr>
-        <p:spPr>
-          <a:xfrm>
-            <a:off x="429345" y="1257258"/>
-            <a:ext cx="7628435" cy="369332"/>
-          </a:xfrm>
-          <a:prstGeom prst="rect">
-            <a:avLst/>
-          </a:prstGeom>
-          <a:noFill/>
-        </p:spPr>
-        <p:txBody>
-          <a:bodyPr wrap="none" rtlCol="0">
-            <a:spAutoFit/>
-          </a:bodyPr>
-          <a:lstStyle/>
-          <a:p>
-            <a:r>
-              <a:rPr lang="en-US" dirty="0" smtClean="0">
-                <a:latin typeface="Segoe UI" panose="020B0502040204020203" pitchFamily="34" charset="0"/>
-                <a:cs typeface="Segoe UI" panose="020B0502040204020203" pitchFamily="34" charset="0"/>
-              </a:rPr>
-              <a:t>First create a slicer and configure it to show the </a:t>
-            </a:r>
-            <a:r>
-              <a:rPr lang="en-US" b="1" dirty="0" smtClean="0">
-                <a:latin typeface="Segoe UI" panose="020B0502040204020203" pitchFamily="34" charset="0"/>
-                <a:cs typeface="Segoe UI" panose="020B0502040204020203" pitchFamily="34" charset="0"/>
-              </a:rPr>
-              <a:t>Year</a:t>
-            </a:r>
-            <a:r>
-              <a:rPr lang="en-US" dirty="0" smtClean="0">
-                <a:latin typeface="Segoe UI" panose="020B0502040204020203" pitchFamily="34" charset="0"/>
-                <a:cs typeface="Segoe UI" panose="020B0502040204020203" pitchFamily="34" charset="0"/>
-              </a:rPr>
-              <a:t> field from </a:t>
-            </a:r>
-            <a:r>
-              <a:rPr lang="en-US" b="1" dirty="0" err="1" smtClean="0">
-                <a:latin typeface="Segoe UI" panose="020B0502040204020203" pitchFamily="34" charset="0"/>
-                <a:cs typeface="Segoe UI" panose="020B0502040204020203" pitchFamily="34" charset="0"/>
-              </a:rPr>
-              <a:t>DimDate</a:t>
-            </a:r>
-            <a:r>
-              <a:rPr lang="en-US" b="1" dirty="0" smtClean="0">
-                <a:latin typeface="Segoe UI" panose="020B0502040204020203" pitchFamily="34" charset="0"/>
-                <a:cs typeface="Segoe UI" panose="020B0502040204020203" pitchFamily="34" charset="0"/>
-              </a:rPr>
-              <a:t> </a:t>
-            </a:r>
-            <a:endParaRPr lang="en-US" b="1" dirty="0">
-              <a:latin typeface="Segoe UI" panose="020B0502040204020203" pitchFamily="34" charset="0"/>
-              <a:cs typeface="Segoe UI" panose="020B0502040204020203" pitchFamily="34" charset="0"/>
-            </a:endParaRPr>
-          </a:p>
-        </p:txBody>
-      </p:sp>
-      <p:pic>
-        <p:nvPicPr>
-          <p:cNvPr id="3" name="Picture 2"/>
-          <p:cNvPicPr>
-            <a:picLocks noChangeAspect="1"/>
-          </p:cNvPicPr>
-          <p:nvPr/>
-        </p:nvPicPr>
-        <p:blipFill>
-          <a:blip r:embed="rId2"/>
-          <a:stretch>
-            <a:fillRect/>
-          </a:stretch>
-        </p:blipFill>
-        <p:spPr>
-          <a:xfrm>
-            <a:off x="533395" y="1840838"/>
-            <a:ext cx="2079176" cy="1882330"/>
-          </a:xfrm>
-          <a:prstGeom prst="rect">
-            <a:avLst/>
-          </a:prstGeom>
-          <a:ln>
-            <a:noFill/>
-          </a:ln>
-          <a:effectLst>
-            <a:outerShdw blurRad="292100" dist="139700" dir="2700000" algn="tl" rotWithShape="0">
-              <a:srgbClr val="333333">
-                <a:alpha val="65000"/>
-              </a:srgbClr>
-            </a:outerShdw>
-          </a:effectLst>
-        </p:spPr>
-      </p:pic>
-      <p:pic>
-        <p:nvPicPr>
-          <p:cNvPr id="6" name="Picture 5"/>
-          <p:cNvPicPr>
-            <a:picLocks noChangeAspect="1"/>
-          </p:cNvPicPr>
-          <p:nvPr/>
-        </p:nvPicPr>
-        <p:blipFill>
-          <a:blip r:embed="rId3"/>
-          <a:stretch>
-            <a:fillRect/>
-          </a:stretch>
-        </p:blipFill>
-        <p:spPr>
-          <a:xfrm>
-            <a:off x="2939063" y="1840838"/>
-            <a:ext cx="1762371" cy="4391638"/>
-          </a:xfrm>
-          <a:prstGeom prst="rect">
-            <a:avLst/>
-          </a:prstGeom>
-          <a:ln>
-            <a:noFill/>
-          </a:ln>
-          <a:effectLst>
-            <a:outerShdw blurRad="292100" dist="139700" dir="2700000" algn="tl" rotWithShape="0">
-              <a:srgbClr val="333333">
-                <a:alpha val="65000"/>
-              </a:srgbClr>
-            </a:outerShdw>
-          </a:effectLst>
-        </p:spPr>
-      </p:pic>
-      <p:sp>
-        <p:nvSpPr>
-          <p:cNvPr id="7" name="Rectangle 6"/>
-          <p:cNvSpPr/>
-          <p:nvPr/>
-        </p:nvSpPr>
-        <p:spPr>
-          <a:xfrm>
-            <a:off x="3540722" y="1986929"/>
-            <a:ext cx="440012" cy="412512"/>
-          </a:xfrm>
-          <a:prstGeom prst="rect">
-            <a:avLst/>
-          </a:prstGeom>
-          <a:solidFill>
-            <a:srgbClr val="FF0000">
-              <a:alpha val="25000"/>
-            </a:srgbClr>
-          </a:solidFill>
-          <a:ln>
-            <a:noFill/>
-          </a:ln>
-        </p:spPr>
-        <p:style>
-          <a:lnRef idx="2">
-            <a:schemeClr val="accent1">
-              <a:shade val="50000"/>
-            </a:schemeClr>
-          </a:lnRef>
-          <a:fillRef idx="1">
-            <a:schemeClr val="accent1"/>
-          </a:fillRef>
-          <a:effectRef idx="0">
-            <a:schemeClr val="accent1"/>
-          </a:effectRef>
-          <a:fontRef idx="minor">
-            <a:schemeClr val="lt1"/>
-          </a:fontRef>
-        </p:style>
-        <p:txBody>
-          <a:bodyPr rtlCol="0" anchor="ctr"/>
-          <a:lstStyle/>
-          <a:p>
-            <a:pPr algn="ctr"/>
-            <a:endParaRPr lang="en-US"/>
-          </a:p>
-        </p:txBody>
-      </p:sp>
-      <p:sp>
-        <p:nvSpPr>
-          <p:cNvPr id="8" name="Rectangle 7"/>
-          <p:cNvSpPr/>
-          <p:nvPr/>
-        </p:nvSpPr>
-        <p:spPr>
-          <a:xfrm>
-            <a:off x="2939063" y="3310656"/>
-            <a:ext cx="1199800" cy="412512"/>
-          </a:xfrm>
-          <a:prstGeom prst="rect">
-            <a:avLst/>
-          </a:prstGeom>
-          <a:solidFill>
-            <a:srgbClr val="FF0000">
-              <a:alpha val="25000"/>
-            </a:srgbClr>
-          </a:solidFill>
-          <a:ln>
-            <a:noFill/>
-          </a:ln>
-        </p:spPr>
-        <p:style>
-          <a:lnRef idx="2">
-            <a:schemeClr val="accent1">
-              <a:shade val="50000"/>
-            </a:schemeClr>
-          </a:lnRef>
-          <a:fillRef idx="1">
-            <a:schemeClr val="accent1"/>
-          </a:fillRef>
-          <a:effectRef idx="0">
-            <a:schemeClr val="accent1"/>
-          </a:effectRef>
-          <a:fontRef idx="minor">
-            <a:schemeClr val="lt1"/>
-          </a:fontRef>
-        </p:style>
-        <p:txBody>
-          <a:bodyPr rtlCol="0" anchor="ctr"/>
-          <a:lstStyle/>
-          <a:p>
-            <a:pPr algn="ctr"/>
-            <a:endParaRPr lang="en-US"/>
-          </a:p>
-        </p:txBody>
-      </p:sp>
-      <p:sp>
-        <p:nvSpPr>
-          <p:cNvPr id="9" name="Rectangle 8"/>
-          <p:cNvSpPr/>
-          <p:nvPr/>
-        </p:nvSpPr>
-        <p:spPr>
-          <a:xfrm>
-            <a:off x="3043762" y="4359054"/>
-            <a:ext cx="1390734" cy="275329"/>
-          </a:xfrm>
-          <a:prstGeom prst="rect">
-            <a:avLst/>
-          </a:prstGeom>
-          <a:solidFill>
-            <a:srgbClr val="FF0000">
-              <a:alpha val="25000"/>
-            </a:srgbClr>
-          </a:solidFill>
-          <a:ln>
-            <a:noFill/>
-          </a:ln>
-        </p:spPr>
-        <p:style>
-          <a:lnRef idx="2">
-            <a:schemeClr val="accent1">
-              <a:shade val="50000"/>
-            </a:schemeClr>
-          </a:lnRef>
-          <a:fillRef idx="1">
-            <a:schemeClr val="accent1"/>
-          </a:fillRef>
-          <a:effectRef idx="0">
-            <a:schemeClr val="accent1"/>
-          </a:effectRef>
-          <a:fontRef idx="minor">
-            <a:schemeClr val="lt1"/>
-          </a:fontRef>
-        </p:style>
-        <p:txBody>
-          <a:bodyPr rtlCol="0" anchor="ctr"/>
-          <a:lstStyle/>
-          <a:p>
-            <a:pPr algn="ctr"/>
-            <a:endParaRPr lang="en-US"/>
-          </a:p>
-        </p:txBody>
-      </p:sp>
-    </p:spTree>
-    <p:extLst>
-      <p:ext uri="{BB962C8B-B14F-4D97-AF65-F5344CB8AC3E}">
-        <p14:creationId xmlns:p14="http://schemas.microsoft.com/office/powerpoint/2010/main" val="3358175791"/>
-      </p:ext>
-    </p:extLst>
-  </p:cSld>
-  <p:clrMapOvr>
-    <a:masterClrMapping/>
-  </p:clrMapOvr>
-</p:sld>
-</file>
-
-<file path=ppt/slides/slide12.xml><?xml version="1.0" encoding="utf-8"?>
-<p:sld xmlns:a="http://schemas.openxmlformats.org/drawingml/2006/main" xmlns:r="http://schemas.openxmlformats.org/officeDocument/2006/relationships" xmlns:p="http://schemas.openxmlformats.org/presentationml/2006/main">
-  <p:cSld>
-    <p:spTree>
-      <p:nvGrpSpPr>
-        <p:cNvPr id="1" name=""/>
-        <p:cNvGrpSpPr/>
-        <p:nvPr/>
-      </p:nvGrpSpPr>
-      <p:grpSpPr>
-        <a:xfrm>
-          <a:off x="0" y="0"/>
-          <a:ext cx="0" cy="0"/>
-          <a:chOff x="0" y="0"/>
-          <a:chExt cx="0" cy="0"/>
-        </a:xfrm>
-      </p:grpSpPr>
-      <p:sp>
-        <p:nvSpPr>
-          <p:cNvPr id="2" name="TextBox 1"/>
-          <p:cNvSpPr txBox="1"/>
-          <p:nvPr/>
-        </p:nvSpPr>
-        <p:spPr>
-          <a:xfrm>
-            <a:off x="323133" y="192505"/>
-            <a:ext cx="1199367" cy="461665"/>
-          </a:xfrm>
-          <a:prstGeom prst="rect">
-            <a:avLst/>
-          </a:prstGeom>
-          <a:noFill/>
-        </p:spPr>
-        <p:txBody>
-          <a:bodyPr wrap="none" rtlCol="0">
-            <a:spAutoFit/>
-          </a:bodyPr>
-          <a:lstStyle/>
-          <a:p>
-            <a:r>
-              <a:rPr lang="en-US" sz="2400" dirty="0" smtClean="0">
-                <a:latin typeface="Segoe UI" panose="020B0502040204020203" pitchFamily="34" charset="0"/>
-                <a:cs typeface="Segoe UI" panose="020B0502040204020203" pitchFamily="34" charset="0"/>
-              </a:rPr>
-              <a:t>The KPI</a:t>
-            </a:r>
-            <a:endParaRPr lang="en-US" sz="2400" dirty="0">
-              <a:latin typeface="Segoe UI" panose="020B0502040204020203" pitchFamily="34" charset="0"/>
-              <a:cs typeface="Segoe UI" panose="020B0502040204020203" pitchFamily="34" charset="0"/>
-            </a:endParaRPr>
-          </a:p>
-        </p:txBody>
-      </p:sp>
-      <p:sp>
-        <p:nvSpPr>
-          <p:cNvPr id="5" name="TextBox 4"/>
-          <p:cNvSpPr txBox="1"/>
-          <p:nvPr/>
-        </p:nvSpPr>
-        <p:spPr>
-          <a:xfrm>
-            <a:off x="429345" y="750422"/>
-            <a:ext cx="9475927" cy="369332"/>
-          </a:xfrm>
-          <a:prstGeom prst="rect">
-            <a:avLst/>
-          </a:prstGeom>
-          <a:noFill/>
-        </p:spPr>
-        <p:txBody>
-          <a:bodyPr wrap="none" rtlCol="0">
-            <a:spAutoFit/>
-          </a:bodyPr>
-          <a:lstStyle/>
-          <a:p>
-            <a:r>
-              <a:rPr lang="en-US" dirty="0" smtClean="0">
-                <a:latin typeface="Segoe UI" panose="020B0502040204020203" pitchFamily="34" charset="0"/>
-                <a:cs typeface="Segoe UI" panose="020B0502040204020203" pitchFamily="34" charset="0"/>
-              </a:rPr>
-              <a:t>Then add a Table visual with </a:t>
-            </a:r>
-            <a:r>
-              <a:rPr lang="en-US" b="1" dirty="0" smtClean="0">
-                <a:latin typeface="Segoe UI" panose="020B0502040204020203" pitchFamily="34" charset="0"/>
-                <a:cs typeface="Segoe UI" panose="020B0502040204020203" pitchFamily="34" charset="0"/>
-              </a:rPr>
-              <a:t>Month</a:t>
-            </a:r>
-            <a:r>
-              <a:rPr lang="en-US" dirty="0" smtClean="0">
-                <a:latin typeface="Segoe UI" panose="020B0502040204020203" pitchFamily="34" charset="0"/>
-                <a:cs typeface="Segoe UI" panose="020B0502040204020203" pitchFamily="34" charset="0"/>
-              </a:rPr>
-              <a:t> field from </a:t>
-            </a:r>
-            <a:r>
-              <a:rPr lang="en-US" b="1" dirty="0" err="1" smtClean="0">
-                <a:latin typeface="Segoe UI" panose="020B0502040204020203" pitchFamily="34" charset="0"/>
-                <a:cs typeface="Segoe UI" panose="020B0502040204020203" pitchFamily="34" charset="0"/>
-              </a:rPr>
-              <a:t>DimDate</a:t>
-            </a:r>
-            <a:r>
-              <a:rPr lang="en-US" dirty="0" smtClean="0">
-                <a:latin typeface="Segoe UI" panose="020B0502040204020203" pitchFamily="34" charset="0"/>
-                <a:cs typeface="Segoe UI" panose="020B0502040204020203" pitchFamily="34" charset="0"/>
-              </a:rPr>
-              <a:t> and </a:t>
-            </a:r>
-            <a:r>
-              <a:rPr lang="en-US" b="1" dirty="0" err="1" smtClean="0">
-                <a:latin typeface="Segoe UI" panose="020B0502040204020203" pitchFamily="34" charset="0"/>
-                <a:cs typeface="Segoe UI" panose="020B0502040204020203" pitchFamily="34" charset="0"/>
-              </a:rPr>
-              <a:t>SalesQuantity</a:t>
-            </a:r>
-            <a:r>
-              <a:rPr lang="en-US" dirty="0" smtClean="0">
-                <a:latin typeface="Segoe UI" panose="020B0502040204020203" pitchFamily="34" charset="0"/>
-                <a:cs typeface="Segoe UI" panose="020B0502040204020203" pitchFamily="34" charset="0"/>
-              </a:rPr>
-              <a:t> from </a:t>
-            </a:r>
-            <a:r>
-              <a:rPr lang="en-US" b="1" dirty="0" err="1" smtClean="0">
+              <a:rPr lang="en" dirty="0" smtClean="0">
+                <a:latin typeface="Segoe UI" panose="020B0502040204020203" pitchFamily="34" charset="0"/>
+                <a:cs typeface="Segoe UI" panose="020B0502040204020203" pitchFamily="34" charset="0"/>
+              </a:rPr>
+              <a:t>Add a table visual with the </a:t>
+            </a:r>
+            <a:r>
+              <a:rPr lang="en" b="1" dirty="0" smtClean="0">
+                <a:latin typeface="Segoe UI" panose="020B0502040204020203" pitchFamily="34" charset="0"/>
+                <a:cs typeface="Segoe UI" panose="020B0502040204020203" pitchFamily="34" charset="0"/>
+              </a:rPr>
+              <a:t>Month field </a:t>
+            </a:r>
+            <a:r>
+              <a:rPr lang="en" dirty="0" smtClean="0">
+                <a:latin typeface="Segoe UI" panose="020B0502040204020203" pitchFamily="34" charset="0"/>
+                <a:cs typeface="Segoe UI" panose="020B0502040204020203" pitchFamily="34" charset="0"/>
+              </a:rPr>
+              <a:t>from </a:t>
+            </a:r>
+            <a:r>
+              <a:rPr lang="en" b="1" dirty="0" smtClean="0">
+                <a:latin typeface="Segoe UI" panose="020B0502040204020203" pitchFamily="34" charset="0"/>
+                <a:cs typeface="Segoe UI" panose="020B0502040204020203" pitchFamily="34" charset="0"/>
+              </a:rPr>
+              <a:t>DimDate </a:t>
+            </a:r>
+            <a:r>
+              <a:rPr lang="en" dirty="0" smtClean="0">
+                <a:latin typeface="Segoe UI" panose="020B0502040204020203" pitchFamily="34" charset="0"/>
+                <a:cs typeface="Segoe UI" panose="020B0502040204020203" pitchFamily="34" charset="0"/>
+              </a:rPr>
+              <a:t>and </a:t>
+            </a:r>
+            <a:r>
+              <a:rPr lang="en" b="1" dirty="0" smtClean="0">
+                <a:latin typeface="Segoe UI" panose="020B0502040204020203" pitchFamily="34" charset="0"/>
+                <a:cs typeface="Segoe UI" panose="020B0502040204020203" pitchFamily="34" charset="0"/>
+              </a:rPr>
+              <a:t>SalesQuantity </a:t>
+            </a:r>
+            <a:r>
+              <a:rPr lang="en" dirty="0" smtClean="0">
+                <a:latin typeface="Segoe UI" panose="020B0502040204020203" pitchFamily="34" charset="0"/>
+                <a:cs typeface="Segoe UI" panose="020B0502040204020203" pitchFamily="34" charset="0"/>
+              </a:rPr>
+              <a:t>from </a:t>
+            </a:r>
+            <a:r>
+              <a:rPr lang="en" b="1" dirty="0" smtClean="0">
                 <a:latin typeface="Segoe UI" panose="020B0502040204020203" pitchFamily="34" charset="0"/>
                 <a:cs typeface="Segoe UI" panose="020B0502040204020203" pitchFamily="34" charset="0"/>
               </a:rPr>
@@ -4085,6 +3865,373 @@
 </p:sld>
 </file>
 
+<file path=ppt/slides/slide12.xml><?xml version="1.0" encoding="utf-8"?>
+<p:sld xmlns:a="http://schemas.openxmlformats.org/drawingml/2006/main" xmlns:r="http://schemas.openxmlformats.org/officeDocument/2006/relationships" xmlns:p="http://schemas.openxmlformats.org/presentationml/2006/main">
+  <p:cSld>
+    <p:spTree>
+      <p:nvGrpSpPr>
+        <p:cNvPr id="1" name=""/>
+        <p:cNvGrpSpPr/>
+        <p:nvPr/>
+      </p:nvGrpSpPr>
+      <p:grpSpPr>
+        <a:xfrm>
+          <a:off x="0" y="0"/>
+          <a:ext cx="0" cy="0"/>
+          <a:chOff x="0" y="0"/>
+          <a:chExt cx="0" cy="0"/>
+        </a:xfrm>
+      </p:grpSpPr>
+      <p:sp>
+        <p:nvSpPr>
+          <p:cNvPr id="2" name="TextBox 1"/>
+          <p:cNvSpPr txBox="1"/>
+          <p:nvPr/>
+        </p:nvSpPr>
+        <p:spPr>
+          <a:xfrm>
+            <a:off x="323133" y="192505"/>
+            <a:ext cx="1215397" cy="461665"/>
+          </a:xfrm>
+          <a:prstGeom prst="rect">
+            <a:avLst/>
+          </a:prstGeom>
+          <a:noFill/>
+        </p:spPr>
+        <p:txBody>
+          <a:bodyPr wrap="none" rtlCol="0">
+            <a:spAutoFit/>
+          </a:bodyPr>
+          <a:lstStyle/>
+          <a:p>
+            <a:r>
+              <a:rPr lang="en" sz="2400" b="1" dirty="0" smtClean="0">
+                <a:latin typeface="Segoe UI" panose="020B0502040204020203" pitchFamily="34" charset="0"/>
+                <a:cs typeface="Segoe UI" panose="020B0502040204020203" pitchFamily="34" charset="0"/>
+              </a:rPr>
+              <a:t>KPIs</a:t>
+            </a:r>
+            <a:endParaRPr lang="en-US" sz="2400" b="1" dirty="0">
+              <a:latin typeface="Segoe UI" panose="020B0502040204020203" pitchFamily="34" charset="0"/>
+              <a:cs typeface="Segoe UI" panose="020B0502040204020203" pitchFamily="34" charset="0"/>
+            </a:endParaRPr>
+          </a:p>
+        </p:txBody>
+      </p:sp>
+      <p:sp>
+        <p:nvSpPr>
+          <p:cNvPr id="5" name="TextBox 4"/>
+          <p:cNvSpPr txBox="1"/>
+          <p:nvPr/>
+        </p:nvSpPr>
+        <p:spPr>
+          <a:xfrm>
+            <a:off x="415595" y="729797"/>
+            <a:ext cx="10483511" cy="369332"/>
+          </a:xfrm>
+          <a:prstGeom prst="rect">
+            <a:avLst/>
+          </a:prstGeom>
+          <a:noFill/>
+        </p:spPr>
+        <p:txBody>
+          <a:bodyPr wrap="none" rtlCol="0">
+            <a:spAutoFit/>
+          </a:bodyPr>
+          <a:lstStyle/>
+          <a:p>
+            <a:r>
+              <a:rPr lang="en" dirty="0" smtClean="0">
+                <a:latin typeface="Segoe UI" panose="020B0502040204020203" pitchFamily="34" charset="0"/>
+                <a:cs typeface="Segoe UI" panose="020B0502040204020203" pitchFamily="34" charset="0"/>
+              </a:rPr>
+              <a:t>Add a calculated column that returns a particular shape based on whether the goal was met or not</a:t>
+            </a:r>
+            <a:endParaRPr lang="en-US" b="1" dirty="0">
+              <a:latin typeface="Segoe UI" panose="020B0502040204020203" pitchFamily="34" charset="0"/>
+              <a:cs typeface="Segoe UI" panose="020B0502040204020203" pitchFamily="34" charset="0"/>
+            </a:endParaRPr>
+          </a:p>
+        </p:txBody>
+      </p:sp>
+      <p:sp>
+        <p:nvSpPr>
+          <p:cNvPr id="7" name="TextBox 6"/>
+          <p:cNvSpPr txBox="1"/>
+          <p:nvPr/>
+        </p:nvSpPr>
+        <p:spPr>
+          <a:xfrm>
+            <a:off x="415595" y="2079236"/>
+            <a:ext cx="7911268" cy="369332"/>
+          </a:xfrm>
+          <a:prstGeom prst="rect">
+            <a:avLst/>
+          </a:prstGeom>
+          <a:noFill/>
+        </p:spPr>
+        <p:txBody>
+          <a:bodyPr wrap="none" rtlCol="0">
+            <a:spAutoFit/>
+          </a:bodyPr>
+          <a:lstStyle/>
+          <a:p>
+            <a:r>
+              <a:rPr lang="en" dirty="0" smtClean="0">
+                <a:latin typeface="Segoe UI" panose="020B0502040204020203" pitchFamily="34" charset="0"/>
+                <a:cs typeface="Segoe UI" panose="020B0502040204020203" pitchFamily="34" charset="0"/>
+              </a:rPr>
+              <a:t>The above measure compares the amount of </a:t>
+            </a:r>
+            <a:r>
+              <a:rPr lang="en" b="1" dirty="0" smtClean="0">
+                <a:latin typeface="Segoe UI" panose="020B0502040204020203" pitchFamily="34" charset="0"/>
+                <a:cs typeface="Segoe UI" panose="020B0502040204020203" pitchFamily="34" charset="0"/>
+              </a:rPr>
+              <a:t>Turnover </a:t>
+            </a:r>
+            <a:r>
+              <a:rPr lang="en" dirty="0" smtClean="0">
+                <a:latin typeface="Segoe UI" panose="020B0502040204020203" pitchFamily="34" charset="0"/>
+                <a:cs typeface="Segoe UI" panose="020B0502040204020203" pitchFamily="34" charset="0"/>
+              </a:rPr>
+              <a:t>to a </a:t>
+            </a:r>
+            <a:r>
+              <a:rPr lang="en" b="1" dirty="0" smtClean="0">
+                <a:latin typeface="Segoe UI" panose="020B0502040204020203" pitchFamily="34" charset="0"/>
+                <a:cs typeface="Segoe UI" panose="020B0502040204020203" pitchFamily="34" charset="0"/>
+              </a:rPr>
+              <a:t>target</a:t>
+            </a:r>
+            <a:endParaRPr lang="en-US" b="1" dirty="0">
+              <a:latin typeface="Segoe UI" panose="020B0502040204020203" pitchFamily="34" charset="0"/>
+              <a:cs typeface="Segoe UI" panose="020B0502040204020203" pitchFamily="34" charset="0"/>
+            </a:endParaRPr>
+          </a:p>
+        </p:txBody>
+      </p:sp>
+      <p:sp>
+        <p:nvSpPr>
+          <p:cNvPr id="3" name="Rectangle 2"/>
+          <p:cNvSpPr/>
+          <p:nvPr/>
+        </p:nvSpPr>
+        <p:spPr>
+          <a:xfrm>
+            <a:off x="415595" y="1266017"/>
+            <a:ext cx="10761141" cy="646331"/>
+          </a:xfrm>
+          <a:prstGeom prst="rect">
+            <a:avLst/>
+          </a:prstGeom>
+        </p:spPr>
+        <p:txBody>
+          <a:bodyPr wrap="square">
+            <a:spAutoFit/>
+          </a:bodyPr>
+          <a:lstStyle/>
+          <a:p>
+            <a:r>
+              <a:rPr lang="en" dirty="0">
+                <a:solidFill>
+                  <a:srgbClr val="000000"/>
+                </a:solidFill>
+                <a:latin typeface="Consolas" panose="020B0609020204030204" pitchFamily="49" charset="0"/>
+              </a:rPr>
+              <a:t>KPI Turnover = </a:t>
+            </a:r>
+            <a:r>
+              <a:rPr lang="en" dirty="0">
+                <a:solidFill>
+                  <a:srgbClr val="3165BB"/>
+                </a:solidFill>
+                <a:latin typeface="Consolas" panose="020B0609020204030204" pitchFamily="49" charset="0"/>
+              </a:rPr>
+              <a:t>IF </a:t>
+            </a:r>
+            <a:r>
+              <a:rPr lang="en" dirty="0">
+                <a:solidFill>
+                  <a:srgbClr val="000000"/>
+                </a:solidFill>
+                <a:latin typeface="Consolas" panose="020B0609020204030204" pitchFamily="49" charset="0"/>
+              </a:rPr>
+              <a:t>( </a:t>
+            </a:r>
+            <a:r>
+              <a:rPr lang="en" dirty="0" err="1">
+                <a:solidFill>
+                  <a:srgbClr val="001080"/>
+                </a:solidFill>
+                <a:latin typeface="Consolas" panose="020B0609020204030204" pitchFamily="49" charset="0"/>
+              </a:rPr>
+              <a:t>SalesFact </a:t>
+            </a:r>
+            <a:r>
+              <a:rPr lang="en" dirty="0">
+                <a:solidFill>
+                  <a:srgbClr val="001080"/>
+                </a:solidFill>
+                <a:latin typeface="Consolas" panose="020B0609020204030204" pitchFamily="49" charset="0"/>
+              </a:rPr>
+              <a:t>[ Turnover ] </a:t>
+            </a:r>
+            <a:r>
+              <a:rPr lang="en" dirty="0">
+                <a:solidFill>
+                  <a:srgbClr val="000000"/>
+                </a:solidFill>
+                <a:latin typeface="Consolas" panose="020B0609020204030204" pitchFamily="49" charset="0"/>
+              </a:rPr>
+              <a:t>&gt; </a:t>
+            </a:r>
+            <a:r>
+              <a:rPr lang="en" dirty="0" err="1">
+                <a:solidFill>
+                  <a:srgbClr val="001080"/>
+                </a:solidFill>
+                <a:latin typeface="Consolas" panose="020B0609020204030204" pitchFamily="49" charset="0"/>
+              </a:rPr>
+              <a:t>SalesFact </a:t>
+            </a:r>
+            <a:r>
+              <a:rPr lang="en" dirty="0">
+                <a:solidFill>
+                  <a:srgbClr val="001080"/>
+                </a:solidFill>
+                <a:latin typeface="Consolas" panose="020B0609020204030204" pitchFamily="49" charset="0"/>
+              </a:rPr>
+              <a:t>[ Target ] </a:t>
+            </a:r>
+            <a:r>
+              <a:rPr lang="en" dirty="0">
+                <a:solidFill>
+                  <a:srgbClr val="000000"/>
+                </a:solidFill>
+                <a:latin typeface="Consolas" panose="020B0609020204030204" pitchFamily="49" charset="0"/>
+              </a:rPr>
+              <a:t>, </a:t>
+            </a:r>
+            <a:r>
+              <a:rPr lang="en" dirty="0">
+                <a:solidFill>
+                  <a:srgbClr val="3165BB"/>
+                </a:solidFill>
+                <a:latin typeface="Consolas" panose="020B0609020204030204" pitchFamily="49" charset="0"/>
+              </a:rPr>
+              <a:t>UNICHAR </a:t>
+            </a:r>
+            <a:r>
+              <a:rPr lang="en" dirty="0">
+                <a:solidFill>
+                  <a:srgbClr val="000000"/>
+                </a:solidFill>
+                <a:latin typeface="Consolas" panose="020B0609020204030204" pitchFamily="49" charset="0"/>
+              </a:rPr>
+              <a:t>( </a:t>
+            </a:r>
+            <a:r>
+              <a:rPr lang="en" dirty="0">
+                <a:solidFill>
+                  <a:srgbClr val="098658"/>
+                </a:solidFill>
+                <a:latin typeface="Consolas" panose="020B0609020204030204" pitchFamily="49" charset="0"/>
+              </a:rPr>
+              <a:t>128994 </a:t>
+            </a:r>
+            <a:r>
+              <a:rPr lang="en" dirty="0">
+                <a:solidFill>
+                  <a:srgbClr val="000000"/>
+                </a:solidFill>
+                <a:latin typeface="Consolas" panose="020B0609020204030204" pitchFamily="49" charset="0"/>
+              </a:rPr>
+              <a:t>), </a:t>
+            </a:r>
+            <a:r>
+              <a:rPr lang="en" dirty="0">
+                <a:solidFill>
+                  <a:srgbClr val="3165BB"/>
+                </a:solidFill>
+                <a:latin typeface="Consolas" panose="020B0609020204030204" pitchFamily="49" charset="0"/>
+              </a:rPr>
+              <a:t>UNICHAR </a:t>
+            </a:r>
+            <a:r>
+              <a:rPr lang="en" dirty="0">
+                <a:solidFill>
+                  <a:srgbClr val="000000"/>
+                </a:solidFill>
+                <a:latin typeface="Consolas" panose="020B0609020204030204" pitchFamily="49" charset="0"/>
+              </a:rPr>
+              <a:t>( </a:t>
+            </a:r>
+            <a:r>
+              <a:rPr lang="en" dirty="0">
+                <a:solidFill>
+                  <a:srgbClr val="098658"/>
+                </a:solidFill>
+                <a:latin typeface="Consolas" panose="020B0609020204030204" pitchFamily="49" charset="0"/>
+              </a:rPr>
+              <a:t>128308 </a:t>
+            </a:r>
+            <a:r>
+              <a:rPr lang="en" dirty="0">
+                <a:solidFill>
+                  <a:srgbClr val="000000"/>
+                </a:solidFill>
+                <a:latin typeface="Consolas" panose="020B0609020204030204" pitchFamily="49" charset="0"/>
+              </a:rPr>
+              <a:t>))</a:t>
+            </a:r>
+            <a:endParaRPr lang="fr-FR" b="0" dirty="0">
+              <a:solidFill>
+                <a:srgbClr val="000000"/>
+              </a:solidFill>
+              <a:effectLst/>
+              <a:latin typeface="Consolas" panose="020B0609020204030204" pitchFamily="49" charset="0"/>
+            </a:endParaRPr>
+          </a:p>
+        </p:txBody>
+      </p:sp>
+      <p:pic>
+        <p:nvPicPr>
+          <p:cNvPr id="4" name="Picture 3"/>
+          <p:cNvPicPr>
+            <a:picLocks noChangeAspect="1"/>
+          </p:cNvPicPr>
+          <p:nvPr/>
+        </p:nvPicPr>
+        <p:blipFill>
+          <a:blip r:embed="rId2"/>
+          <a:stretch>
+            <a:fillRect/>
+          </a:stretch>
+        </p:blipFill>
+        <p:spPr>
+          <a:xfrm>
+            <a:off x="415595" y="2615456"/>
+            <a:ext cx="7752682" cy="1891866"/>
+          </a:xfrm>
+          <a:prstGeom prst="rect">
+            <a:avLst/>
+          </a:prstGeom>
+        </p:spPr>
+      </p:pic>
+    </p:spTree>
+    <p:extLst>
+      <p:ext uri="{BB962C8B-B14F-4D97-AF65-F5344CB8AC3E}">
+        <p14:creationId xmlns:p14="http://schemas.microsoft.com/office/powerpoint/2010/main" val="3612593302"/>
+      </p:ext>
+    </p:extLst>
+  </p:cSld>
+  <p:clrMapOvr>
+    <a:masterClrMapping/>
+  </p:clrMapOvr>
+</p:sld>
+</file>
+
 <file path=ppt/slides/slide13.xml><?xml version="1.0" encoding="utf-8"?>
 <p:sld xmlns:a="http://schemas.openxmlformats.org/drawingml/2006/main" xmlns:r="http://schemas.openxmlformats.org/officeDocument/2006/relationships" xmlns:p="http://schemas.openxmlformats.org/presentationml/2006/main">
   <p:cSld>
@@ -4111,7 +4258,7 @@
         <p:spPr>
           <a:xfrm>
             <a:off x="323133" y="192505"/>
-            <a:ext cx="1199367" cy="461665"/>
+            <a:ext cx="1215397" cy="461665"/>
           </a:xfrm>
           <a:prstGeom prst="rect">
             <a:avLst/>
@@ -4125,13 +4272,13 @@
           <a:lstStyle/>
           <a:p>
             <a:r>
-              <a:rPr lang="en-US" sz="2400" dirty="0" smtClean="0">
-                <a:latin typeface="Segoe UI" panose="020B0502040204020203" pitchFamily="34" charset="0"/>
-                <a:cs typeface="Segoe UI" panose="020B0502040204020203" pitchFamily="34" charset="0"/>
-              </a:rPr>
-              <a:t>The KPI</a:t>
-            </a:r>
-            <a:endParaRPr lang="en-US" sz="2400" dirty="0">
+              <a:rPr lang="en" sz="2400" b="1" dirty="0" smtClean="0">
+                <a:latin typeface="Segoe UI" panose="020B0502040204020203" pitchFamily="34" charset="0"/>
+                <a:cs typeface="Segoe UI" panose="020B0502040204020203" pitchFamily="34" charset="0"/>
+              </a:rPr>
+              <a:t>KPIs</a:t>
+            </a:r>
+            <a:endParaRPr lang="en-US" sz="2400" b="1" dirty="0">
               <a:latin typeface="Segoe UI" panose="020B0502040204020203" pitchFamily="34" charset="0"/>
               <a:cs typeface="Segoe UI" panose="020B0502040204020203" pitchFamily="34" charset="0"/>
             </a:endParaRPr>
@@ -4140,106 +4287,230 @@
       </p:sp>
       <p:sp>
         <p:nvSpPr>
-          <p:cNvPr id="5" name="TextBox 4"/>
-          <p:cNvSpPr txBox="1"/>
-          <p:nvPr/>
-        </p:nvSpPr>
-        <p:spPr>
-          <a:xfrm>
-            <a:off x="429345" y="750422"/>
-            <a:ext cx="8500853" cy="369332"/>
-          </a:xfrm>
-          <a:prstGeom prst="rect">
-            <a:avLst/>
-          </a:prstGeom>
-          <a:noFill/>
-        </p:spPr>
-        <p:txBody>
-          <a:bodyPr wrap="none" rtlCol="0">
-            <a:spAutoFit/>
-          </a:bodyPr>
-          <a:lstStyle/>
-          <a:p>
-            <a:r>
-              <a:rPr lang="en-US" dirty="0" smtClean="0">
-                <a:latin typeface="Segoe UI" panose="020B0502040204020203" pitchFamily="34" charset="0"/>
-                <a:cs typeface="Segoe UI" panose="020B0502040204020203" pitchFamily="34" charset="0"/>
-              </a:rPr>
-              <a:t>Let’s create a measure that represents the KPI indicator, first make a visit to this site</a:t>
-            </a:r>
-            <a:endParaRPr lang="en-US" b="1" dirty="0">
-              <a:latin typeface="Segoe UI" panose="020B0502040204020203" pitchFamily="34" charset="0"/>
-              <a:cs typeface="Segoe UI" panose="020B0502040204020203" pitchFamily="34" charset="0"/>
-            </a:endParaRPr>
-          </a:p>
-        </p:txBody>
-      </p:sp>
-      <p:sp>
-        <p:nvSpPr>
           <p:cNvPr id="3" name="Rectangle 2"/>
           <p:cNvSpPr/>
           <p:nvPr/>
         </p:nvSpPr>
         <p:spPr>
           <a:xfrm>
-            <a:off x="429345" y="1216006"/>
-            <a:ext cx="5936049" cy="369332"/>
+            <a:off x="482600" y="934072"/>
+            <a:ext cx="10058400" cy="2031325"/>
           </a:xfrm>
           <a:prstGeom prst="rect">
             <a:avLst/>
           </a:prstGeom>
         </p:spPr>
         <p:txBody>
-          <a:bodyPr wrap="none">
+          <a:bodyPr wrap="square">
             <a:spAutoFit/>
           </a:bodyPr>
           <a:lstStyle/>
           <a:p>
             <a:r>
-              <a:rPr lang="en-US" dirty="0"/>
-              <a:t>https://exceleratorbi.com.au/dax-unichar-function-power-bi/</a:t>
-            </a:r>
-          </a:p>
-        </p:txBody>
-      </p:sp>
-      <p:pic>
-        <p:nvPicPr>
-          <p:cNvPr id="4" name="Picture 3"/>
-          <p:cNvPicPr>
-            <a:picLocks noChangeAspect="1"/>
-          </p:cNvPicPr>
-          <p:nvPr/>
-        </p:nvPicPr>
-        <p:blipFill>
-          <a:blip r:embed="rId2"/>
-          <a:stretch>
-            <a:fillRect/>
-          </a:stretch>
-        </p:blipFill>
-        <p:spPr>
-          <a:xfrm>
-            <a:off x="550014" y="1681590"/>
-            <a:ext cx="6286273" cy="4393189"/>
-          </a:xfrm>
-          <a:prstGeom prst="rect">
-            <a:avLst/>
-          </a:prstGeom>
-          <a:ln>
-            <a:noFill/>
-          </a:ln>
-          <a:effectLst>
-            <a:outerShdw blurRad="292100" dist="139700" dir="2700000" algn="tl" rotWithShape="0">
-              <a:srgbClr val="333333">
-                <a:alpha val="65000"/>
-              </a:srgbClr>
-            </a:outerShdw>
-          </a:effectLst>
-        </p:spPr>
-      </p:pic>
+              <a:rPr lang="en" b="1" dirty="0" smtClean="0">
+                <a:latin typeface="Segoe UI" panose="020B0502040204020203" pitchFamily="34" charset="0"/>
+                <a:cs typeface="Segoe UI" panose="020B0502040204020203" pitchFamily="34" charset="0"/>
+              </a:rPr>
+              <a:t>For </a:t>
+            </a:r>
+            <a:r>
+              <a:rPr lang="en" b="1" dirty="0">
+                <a:latin typeface="Segoe UI" panose="020B0502040204020203" pitchFamily="34" charset="0"/>
+                <a:cs typeface="Segoe UI" panose="020B0502040204020203" pitchFamily="34" charset="0"/>
+              </a:rPr>
+              <a:t>more advanced alternatives to the standard KPI </a:t>
+            </a:r>
+            <a:r>
+              <a:rPr lang="en" dirty="0">
+                <a:latin typeface="Segoe UI" panose="020B0502040204020203" pitchFamily="34" charset="0"/>
+                <a:cs typeface="Segoe UI" panose="020B0502040204020203" pitchFamily="34" charset="0"/>
+              </a:rPr>
+              <a:t>, here are some interesting visuals on </a:t>
+            </a:r>
+            <a:r>
+              <a:rPr lang="en" dirty="0" err="1">
+                <a:latin typeface="Segoe UI" panose="020B0502040204020203" pitchFamily="34" charset="0"/>
+                <a:cs typeface="Segoe UI" panose="020B0502040204020203" pitchFamily="34" charset="0"/>
+              </a:rPr>
+              <a:t>AppSource</a:t>
+            </a:r>
+            <a:r>
+              <a:rPr lang="en" dirty="0">
+                <a:latin typeface="Segoe UI" panose="020B0502040204020203" pitchFamily="34" charset="0"/>
+                <a:cs typeface="Segoe UI" panose="020B0502040204020203" pitchFamily="34" charset="0"/>
+              </a:rPr>
+              <a:t> </a:t>
+            </a:r>
+            <a:r>
+              <a:rPr lang="en" dirty="0" smtClean="0">
+                <a:latin typeface="Segoe UI" panose="020B0502040204020203" pitchFamily="34" charset="0"/>
+                <a:cs typeface="Segoe UI" panose="020B0502040204020203" pitchFamily="34" charset="0"/>
+              </a:rPr>
+              <a:t>:</a:t>
+            </a:r>
+          </a:p>
+          <a:p>
+            <a:endParaRPr lang="fr-FR" dirty="0">
+              <a:latin typeface="Segoe UI" panose="020B0502040204020203" pitchFamily="34" charset="0"/>
+              <a:cs typeface="Segoe UI" panose="020B0502040204020203" pitchFamily="34" charset="0"/>
+            </a:endParaRPr>
+          </a:p>
+          <a:p>
+            <a:pPr lvl="1">
+              <a:buFont typeface="Arial" panose="020B0604020202020204" pitchFamily="34" charset="0"/>
+              <a:buChar char="•"/>
+            </a:pPr>
+            <a:r>
+              <a:rPr lang="en" b="1" dirty="0">
+                <a:latin typeface="Segoe UI" panose="020B0502040204020203" pitchFamily="34" charset="0"/>
+                <a:cs typeface="Segoe UI" panose="020B0502040204020203" pitchFamily="34" charset="0"/>
+              </a:rPr>
+              <a:t>"Advanced </a:t>
+            </a:r>
+            <a:r>
+              <a:rPr lang="en" b="1" dirty="0" err="1">
+                <a:latin typeface="Segoe UI" panose="020B0502040204020203" pitchFamily="34" charset="0"/>
+                <a:cs typeface="Segoe UI" panose="020B0502040204020203" pitchFamily="34" charset="0"/>
+              </a:rPr>
+              <a:t>Card </a:t>
+            </a:r>
+            <a:r>
+              <a:rPr lang="en" b="1" dirty="0">
+                <a:latin typeface="Segoe UI" panose="020B0502040204020203" pitchFamily="34" charset="0"/>
+                <a:cs typeface="Segoe UI" panose="020B0502040204020203" pitchFamily="34" charset="0"/>
+              </a:rPr>
+              <a:t>" </a:t>
+            </a:r>
+            <a:r>
+              <a:rPr lang="en" dirty="0">
+                <a:latin typeface="Segoe UI" panose="020B0502040204020203" pitchFamily="34" charset="0"/>
+                <a:cs typeface="Segoe UI" panose="020B0502040204020203" pitchFamily="34" charset="0"/>
+              </a:rPr>
+              <a:t>→ Allows you to display indicators with dynamic colors.</a:t>
+            </a:r>
+          </a:p>
+          <a:p>
+            <a:pPr lvl="1">
+              <a:buFont typeface="Arial" panose="020B0604020202020204" pitchFamily="34" charset="0"/>
+              <a:buChar char="•"/>
+            </a:pPr>
+            <a:r>
+              <a:rPr lang="en" b="1" dirty="0">
+                <a:latin typeface="Segoe UI" panose="020B0502040204020203" pitchFamily="34" charset="0"/>
+                <a:cs typeface="Segoe UI" panose="020B0502040204020203" pitchFamily="34" charset="0"/>
+              </a:rPr>
+              <a:t>"Bullet Chart" </a:t>
+            </a:r>
+            <a:r>
+              <a:rPr lang="en" dirty="0">
+                <a:latin typeface="Segoe UI" panose="020B0502040204020203" pitchFamily="34" charset="0"/>
+                <a:cs typeface="Segoe UI" panose="020B0502040204020203" pitchFamily="34" charset="0"/>
+              </a:rPr>
+              <a:t>→ Compares an actual value to a target.</a:t>
+            </a:r>
+          </a:p>
+          <a:p>
+            <a:pPr lvl="1">
+              <a:buFont typeface="Arial" panose="020B0604020202020204" pitchFamily="34" charset="0"/>
+              <a:buChar char="•"/>
+            </a:pPr>
+            <a:r>
+              <a:rPr lang="en" b="1" dirty="0">
+                <a:latin typeface="Segoe UI" panose="020B0502040204020203" pitchFamily="34" charset="0"/>
+                <a:cs typeface="Segoe UI" panose="020B0502040204020203" pitchFamily="34" charset="0"/>
+              </a:rPr>
+              <a:t>"Smart KPI List" ( </a:t>
+            </a:r>
+            <a:r>
+              <a:rPr lang="en" b="1" dirty="0" err="1">
+                <a:latin typeface="Segoe UI" panose="020B0502040204020203" pitchFamily="34" charset="0"/>
+                <a:cs typeface="Segoe UI" panose="020B0502040204020203" pitchFamily="34" charset="0"/>
+              </a:rPr>
+              <a:t>OKViz </a:t>
+            </a:r>
+            <a:r>
+              <a:rPr lang="en" b="1" dirty="0">
+                <a:latin typeface="Segoe UI" panose="020B0502040204020203" pitchFamily="34" charset="0"/>
+                <a:cs typeface="Segoe UI" panose="020B0502040204020203" pitchFamily="34" charset="0"/>
+              </a:rPr>
+              <a:t>) </a:t>
+            </a:r>
+            <a:r>
+              <a:rPr lang="en" dirty="0">
+                <a:latin typeface="Segoe UI" panose="020B0502040204020203" pitchFamily="34" charset="0"/>
+                <a:cs typeface="Segoe UI" panose="020B0502040204020203" pitchFamily="34" charset="0"/>
+              </a:rPr>
+              <a:t>→ Displays multiple </a:t>
+            </a:r>
+            <a:r>
+              <a:rPr lang="en" dirty="0" err="1">
+                <a:latin typeface="Segoe UI" panose="020B0502040204020203" pitchFamily="34" charset="0"/>
+                <a:cs typeface="Segoe UI" panose="020B0502040204020203" pitchFamily="34" charset="0"/>
+              </a:rPr>
+              <a:t>KPIs </a:t>
+            </a:r>
+            <a:r>
+              <a:rPr lang="en" dirty="0">
+                <a:latin typeface="Segoe UI" panose="020B0502040204020203" pitchFamily="34" charset="0"/>
+                <a:cs typeface="Segoe UI" panose="020B0502040204020203" pitchFamily="34" charset="0"/>
+              </a:rPr>
+              <a:t>with color codes.</a:t>
+            </a:r>
+          </a:p>
+          <a:p>
+            <a:pPr lvl="1">
+              <a:buFont typeface="Arial" panose="020B0604020202020204" pitchFamily="34" charset="0"/>
+              <a:buChar char="•"/>
+            </a:pPr>
+            <a:r>
+              <a:rPr lang="en" b="1" dirty="0">
+                <a:latin typeface="Segoe UI" panose="020B0502040204020203" pitchFamily="34" charset="0"/>
+                <a:cs typeface="Segoe UI" panose="020B0502040204020203" pitchFamily="34" charset="0"/>
+              </a:rPr>
+              <a:t>" </a:t>
+            </a:r>
+            <a:r>
+              <a:rPr lang="en" b="1" dirty="0" err="1">
+                <a:latin typeface="Segoe UI" panose="020B0502040204020203" pitchFamily="34" charset="0"/>
+                <a:cs typeface="Segoe UI" panose="020B0502040204020203" pitchFamily="34" charset="0"/>
+              </a:rPr>
+              <a:t>Card</a:t>
+            </a:r>
+            <a:r>
+              <a:rPr lang="en" b="1" dirty="0">
+                <a:latin typeface="Segoe UI" panose="020B0502040204020203" pitchFamily="34" charset="0"/>
+                <a:cs typeface="Segoe UI" panose="020B0502040204020203" pitchFamily="34" charset="0"/>
+              </a:rPr>
+              <a:t> </a:t>
+            </a:r>
+            <a:r>
+              <a:rPr lang="en" b="1" dirty="0" err="1">
+                <a:latin typeface="Segoe UI" panose="020B0502040204020203" pitchFamily="34" charset="0"/>
+                <a:cs typeface="Segoe UI" panose="020B0502040204020203" pitchFamily="34" charset="0"/>
+              </a:rPr>
+              <a:t>with </a:t>
+            </a:r>
+            <a:r>
+              <a:rPr lang="en" b="1" dirty="0">
+                <a:latin typeface="Segoe UI" panose="020B0502040204020203" pitchFamily="34" charset="0"/>
+                <a:cs typeface="Segoe UI" panose="020B0502040204020203" pitchFamily="34" charset="0"/>
+              </a:rPr>
+              <a:t>States" </a:t>
+            </a:r>
+            <a:r>
+              <a:rPr lang="en" dirty="0">
+                <a:latin typeface="Segoe UI" panose="020B0502040204020203" pitchFamily="34" charset="0"/>
+                <a:cs typeface="Segoe UI" panose="020B0502040204020203" pitchFamily="34" charset="0"/>
+              </a:rPr>
+              <a:t>→ Indicates whether the goal is achieved with colors.</a:t>
+            </a:r>
+          </a:p>
+        </p:txBody>
+      </p:sp>
     </p:spTree>
     <p:extLst>
       <p:ext uri="{BB962C8B-B14F-4D97-AF65-F5344CB8AC3E}">
-        <p14:creationId xmlns:p14="http://schemas.microsoft.com/office/powerpoint/2010/main" val="3857299310"/>
+        <p14:creationId xmlns:p14="http://schemas.microsoft.com/office/powerpoint/2010/main" val="110582642"/>
       </p:ext>
     </p:extLst>
   </p:cSld>
@@ -4250,1085 +4521,6 @@
 </file>
 
 <file path=ppt/slides/slide14.xml><?xml version="1.0" encoding="utf-8"?>
-<p:sld xmlns:a="http://schemas.openxmlformats.org/drawingml/2006/main" xmlns:r="http://schemas.openxmlformats.org/officeDocument/2006/relationships" xmlns:p="http://schemas.openxmlformats.org/presentationml/2006/main">
-  <p:cSld>
-    <p:spTree>
-      <p:nvGrpSpPr>
-        <p:cNvPr id="1" name=""/>
-        <p:cNvGrpSpPr/>
-        <p:nvPr/>
-      </p:nvGrpSpPr>
-      <p:grpSpPr>
-        <a:xfrm>
-          <a:off x="0" y="0"/>
-          <a:ext cx="0" cy="0"/>
-          <a:chOff x="0" y="0"/>
-          <a:chExt cx="0" cy="0"/>
-        </a:xfrm>
-      </p:grpSpPr>
-      <p:sp>
-        <p:nvSpPr>
-          <p:cNvPr id="2" name="TextBox 1"/>
-          <p:cNvSpPr txBox="1"/>
-          <p:nvPr/>
-        </p:nvSpPr>
-        <p:spPr>
-          <a:xfrm>
-            <a:off x="323133" y="192505"/>
-            <a:ext cx="1199367" cy="461665"/>
-          </a:xfrm>
-          <a:prstGeom prst="rect">
-            <a:avLst/>
-          </a:prstGeom>
-          <a:noFill/>
-        </p:spPr>
-        <p:txBody>
-          <a:bodyPr wrap="none" rtlCol="0">
-            <a:spAutoFit/>
-          </a:bodyPr>
-          <a:lstStyle/>
-          <a:p>
-            <a:r>
-              <a:rPr lang="en-US" sz="2400" dirty="0" smtClean="0">
-                <a:latin typeface="Segoe UI" panose="020B0502040204020203" pitchFamily="34" charset="0"/>
-                <a:cs typeface="Segoe UI" panose="020B0502040204020203" pitchFamily="34" charset="0"/>
-              </a:rPr>
-              <a:t>The KPI</a:t>
-            </a:r>
-            <a:endParaRPr lang="en-US" sz="2400" dirty="0">
-              <a:latin typeface="Segoe UI" panose="020B0502040204020203" pitchFamily="34" charset="0"/>
-              <a:cs typeface="Segoe UI" panose="020B0502040204020203" pitchFamily="34" charset="0"/>
-            </a:endParaRPr>
-          </a:p>
-        </p:txBody>
-      </p:sp>
-      <p:sp>
-        <p:nvSpPr>
-          <p:cNvPr id="5" name="TextBox 4"/>
-          <p:cNvSpPr txBox="1"/>
-          <p:nvPr/>
-        </p:nvSpPr>
-        <p:spPr>
-          <a:xfrm>
-            <a:off x="415595" y="729797"/>
-            <a:ext cx="10087120" cy="646331"/>
-          </a:xfrm>
-          <a:prstGeom prst="rect">
-            <a:avLst/>
-          </a:prstGeom>
-          <a:noFill/>
-        </p:spPr>
-        <p:txBody>
-          <a:bodyPr wrap="none" rtlCol="0">
-            <a:spAutoFit/>
-          </a:bodyPr>
-          <a:lstStyle/>
-          <a:p>
-            <a:r>
-              <a:rPr lang="en-US" dirty="0" smtClean="0">
-                <a:latin typeface="Segoe UI" panose="020B0502040204020203" pitchFamily="34" charset="0"/>
-                <a:cs typeface="Segoe UI" panose="020B0502040204020203" pitchFamily="34" charset="0"/>
-              </a:rPr>
-              <a:t>The above site is used to generate special indicators forms that are useful for the Power BI visuals </a:t>
-            </a:r>
-          </a:p>
-          <a:p>
-            <a:r>
-              <a:rPr lang="en-US" dirty="0" smtClean="0">
-                <a:latin typeface="Segoe UI" panose="020B0502040204020203" pitchFamily="34" charset="0"/>
-                <a:cs typeface="Segoe UI" panose="020B0502040204020203" pitchFamily="34" charset="0"/>
-              </a:rPr>
-              <a:t>especially the Power bi custom KPI</a:t>
-            </a:r>
-            <a:endParaRPr lang="en-US" b="1" dirty="0">
-              <a:latin typeface="Segoe UI" panose="020B0502040204020203" pitchFamily="34" charset="0"/>
-              <a:cs typeface="Segoe UI" panose="020B0502040204020203" pitchFamily="34" charset="0"/>
-            </a:endParaRPr>
-          </a:p>
-        </p:txBody>
-      </p:sp>
-      <p:sp>
-        <p:nvSpPr>
-          <p:cNvPr id="6" name="Rectangle 5"/>
-          <p:cNvSpPr/>
-          <p:nvPr/>
-        </p:nvSpPr>
-        <p:spPr>
-          <a:xfrm>
-            <a:off x="415595" y="1520507"/>
-            <a:ext cx="10859713" cy="646331"/>
-          </a:xfrm>
-          <a:prstGeom prst="rect">
-            <a:avLst/>
-          </a:prstGeom>
-        </p:spPr>
-        <p:txBody>
-          <a:bodyPr wrap="square">
-            <a:spAutoFit/>
-          </a:bodyPr>
-          <a:lstStyle/>
-          <a:p>
-            <a:r>
-              <a:rPr lang="en-US" dirty="0">
-                <a:solidFill>
-                  <a:srgbClr val="000000"/>
-                </a:solidFill>
-                <a:latin typeface="Consolas" panose="020B0609020204030204" pitchFamily="49" charset="0"/>
-              </a:rPr>
-              <a:t>Return Quantity KPI = </a:t>
-            </a:r>
-            <a:r>
-              <a:rPr lang="en-US" dirty="0">
-                <a:solidFill>
-                  <a:srgbClr val="3165BB"/>
-                </a:solidFill>
-                <a:latin typeface="Consolas" panose="020B0609020204030204" pitchFamily="49" charset="0"/>
-              </a:rPr>
-              <a:t>IF</a:t>
-            </a:r>
-            <a:r>
-              <a:rPr lang="en-US" dirty="0">
-                <a:solidFill>
-                  <a:srgbClr val="000000"/>
-                </a:solidFill>
-                <a:latin typeface="Consolas" panose="020B0609020204030204" pitchFamily="49" charset="0"/>
-              </a:rPr>
-              <a:t>(</a:t>
-            </a:r>
-            <a:r>
-              <a:rPr lang="en-US" dirty="0">
-                <a:solidFill>
-                  <a:srgbClr val="3165BB"/>
-                </a:solidFill>
-                <a:latin typeface="Consolas" panose="020B0609020204030204" pitchFamily="49" charset="0"/>
-              </a:rPr>
-              <a:t>SUM</a:t>
-            </a:r>
-            <a:r>
-              <a:rPr lang="en-US" dirty="0">
-                <a:solidFill>
-                  <a:srgbClr val="000000"/>
-                </a:solidFill>
-                <a:latin typeface="Consolas" panose="020B0609020204030204" pitchFamily="49" charset="0"/>
-              </a:rPr>
-              <a:t>(</a:t>
-            </a:r>
-            <a:r>
-              <a:rPr lang="en-US" dirty="0" err="1">
-                <a:solidFill>
-                  <a:srgbClr val="001080"/>
-                </a:solidFill>
-                <a:latin typeface="Consolas" panose="020B0609020204030204" pitchFamily="49" charset="0"/>
-              </a:rPr>
-              <a:t>FactSales</a:t>
-            </a:r>
-            <a:r>
-              <a:rPr lang="en-US" dirty="0">
-                <a:solidFill>
-                  <a:srgbClr val="001080"/>
-                </a:solidFill>
-                <a:latin typeface="Consolas" panose="020B0609020204030204" pitchFamily="49" charset="0"/>
-              </a:rPr>
-              <a:t>[</a:t>
-            </a:r>
-            <a:r>
-              <a:rPr lang="en-US" dirty="0" err="1">
-                <a:solidFill>
-                  <a:srgbClr val="001080"/>
-                </a:solidFill>
-                <a:latin typeface="Consolas" panose="020B0609020204030204" pitchFamily="49" charset="0"/>
-              </a:rPr>
-              <a:t>ReturnQuantity</a:t>
-            </a:r>
-            <a:r>
-              <a:rPr lang="en-US" dirty="0">
-                <a:solidFill>
-                  <a:srgbClr val="001080"/>
-                </a:solidFill>
-                <a:latin typeface="Consolas" panose="020B0609020204030204" pitchFamily="49" charset="0"/>
-              </a:rPr>
-              <a:t>]</a:t>
-            </a:r>
-            <a:r>
-              <a:rPr lang="en-US" dirty="0">
-                <a:solidFill>
-                  <a:srgbClr val="000000"/>
-                </a:solidFill>
-                <a:latin typeface="Consolas" panose="020B0609020204030204" pitchFamily="49" charset="0"/>
-              </a:rPr>
-              <a:t>)&gt;</a:t>
-            </a:r>
-            <a:r>
-              <a:rPr lang="en-US" dirty="0">
-                <a:solidFill>
-                  <a:srgbClr val="098658"/>
-                </a:solidFill>
-                <a:latin typeface="Consolas" panose="020B0609020204030204" pitchFamily="49" charset="0"/>
-              </a:rPr>
-              <a:t>38000</a:t>
-            </a:r>
-            <a:r>
-              <a:rPr lang="en-US" dirty="0">
-                <a:solidFill>
-                  <a:srgbClr val="000000"/>
-                </a:solidFill>
-                <a:latin typeface="Consolas" panose="020B0609020204030204" pitchFamily="49" charset="0"/>
-              </a:rPr>
-              <a:t>=</a:t>
-            </a:r>
-            <a:r>
-              <a:rPr lang="en-US" dirty="0">
-                <a:solidFill>
-                  <a:srgbClr val="3165BB"/>
-                </a:solidFill>
-                <a:latin typeface="Consolas" panose="020B0609020204030204" pitchFamily="49" charset="0"/>
-              </a:rPr>
-              <a:t>TRUE</a:t>
-            </a:r>
-            <a:r>
-              <a:rPr lang="en-US" dirty="0">
-                <a:solidFill>
-                  <a:srgbClr val="000000"/>
-                </a:solidFill>
-                <a:latin typeface="Consolas" panose="020B0609020204030204" pitchFamily="49" charset="0"/>
-              </a:rPr>
-              <a:t>(),</a:t>
-            </a:r>
-            <a:r>
-              <a:rPr lang="en-US" dirty="0">
-                <a:solidFill>
-                  <a:srgbClr val="3165BB"/>
-                </a:solidFill>
-                <a:latin typeface="Consolas" panose="020B0609020204030204" pitchFamily="49" charset="0"/>
-              </a:rPr>
-              <a:t>UNICHAR</a:t>
-            </a:r>
-            <a:r>
-              <a:rPr lang="en-US" dirty="0">
-                <a:solidFill>
-                  <a:srgbClr val="000000"/>
-                </a:solidFill>
-                <a:latin typeface="Consolas" panose="020B0609020204030204" pitchFamily="49" charset="0"/>
-              </a:rPr>
-              <a:t>(</a:t>
-            </a:r>
-            <a:r>
-              <a:rPr lang="en-US" dirty="0">
-                <a:solidFill>
-                  <a:srgbClr val="098658"/>
-                </a:solidFill>
-                <a:latin typeface="Consolas" panose="020B0609020204030204" pitchFamily="49" charset="0"/>
-              </a:rPr>
-              <a:t>11167</a:t>
-            </a:r>
-            <a:r>
-              <a:rPr lang="en-US" dirty="0">
-                <a:solidFill>
-                  <a:srgbClr val="000000"/>
-                </a:solidFill>
-                <a:latin typeface="Consolas" panose="020B0609020204030204" pitchFamily="49" charset="0"/>
-              </a:rPr>
-              <a:t>),</a:t>
-            </a:r>
-            <a:r>
-              <a:rPr lang="en-US" dirty="0">
-                <a:solidFill>
-                  <a:srgbClr val="3165BB"/>
-                </a:solidFill>
-                <a:latin typeface="Consolas" panose="020B0609020204030204" pitchFamily="49" charset="0"/>
-              </a:rPr>
-              <a:t>UNICHAR</a:t>
-            </a:r>
-            <a:r>
-              <a:rPr lang="en-US" dirty="0">
-                <a:solidFill>
-                  <a:srgbClr val="000000"/>
-                </a:solidFill>
-                <a:latin typeface="Consolas" panose="020B0609020204030204" pitchFamily="49" charset="0"/>
-              </a:rPr>
-              <a:t>(</a:t>
-            </a:r>
-            <a:r>
-              <a:rPr lang="en-US" dirty="0">
-                <a:solidFill>
-                  <a:srgbClr val="098658"/>
-                </a:solidFill>
-                <a:latin typeface="Consolas" panose="020B0609020204030204" pitchFamily="49" charset="0"/>
-              </a:rPr>
-              <a:t>11165</a:t>
-            </a:r>
-            <a:r>
-              <a:rPr lang="en-US" dirty="0">
-                <a:solidFill>
-                  <a:srgbClr val="000000"/>
-                </a:solidFill>
-                <a:latin typeface="Consolas" panose="020B0609020204030204" pitchFamily="49" charset="0"/>
-              </a:rPr>
-              <a:t>))</a:t>
-            </a:r>
-            <a:endParaRPr lang="en-US" b="0" dirty="0">
-              <a:solidFill>
-                <a:srgbClr val="000000"/>
-              </a:solidFill>
-              <a:effectLst/>
-              <a:latin typeface="Consolas" panose="020B0609020204030204" pitchFamily="49" charset="0"/>
-            </a:endParaRPr>
-          </a:p>
-        </p:txBody>
-      </p:sp>
-      <p:sp>
-        <p:nvSpPr>
-          <p:cNvPr id="7" name="TextBox 6"/>
-          <p:cNvSpPr txBox="1"/>
-          <p:nvPr/>
-        </p:nvSpPr>
-        <p:spPr>
-          <a:xfrm>
-            <a:off x="478617" y="2401613"/>
-            <a:ext cx="9869625" cy="369332"/>
-          </a:xfrm>
-          <a:prstGeom prst="rect">
-            <a:avLst/>
-          </a:prstGeom>
-          <a:noFill/>
-        </p:spPr>
-        <p:txBody>
-          <a:bodyPr wrap="none" rtlCol="0">
-            <a:spAutoFit/>
-          </a:bodyPr>
-          <a:lstStyle/>
-          <a:p>
-            <a:r>
-              <a:rPr lang="en-US" dirty="0" smtClean="0">
-                <a:latin typeface="Segoe UI" panose="020B0502040204020203" pitchFamily="34" charset="0"/>
-                <a:cs typeface="Segoe UI" panose="020B0502040204020203" pitchFamily="34" charset="0"/>
-              </a:rPr>
-              <a:t>The above measure compare the amount of the return quantity to a threshold which is 38000  </a:t>
-            </a:r>
-            <a:endParaRPr lang="en-US" b="1" dirty="0">
-              <a:latin typeface="Segoe UI" panose="020B0502040204020203" pitchFamily="34" charset="0"/>
-              <a:cs typeface="Segoe UI" panose="020B0502040204020203" pitchFamily="34" charset="0"/>
-            </a:endParaRPr>
-          </a:p>
-        </p:txBody>
-      </p:sp>
-      <p:pic>
-        <p:nvPicPr>
-          <p:cNvPr id="8" name="Picture 7"/>
-          <p:cNvPicPr>
-            <a:picLocks noChangeAspect="1"/>
-          </p:cNvPicPr>
-          <p:nvPr/>
-        </p:nvPicPr>
-        <p:blipFill>
-          <a:blip r:embed="rId2"/>
-          <a:stretch>
-            <a:fillRect/>
-          </a:stretch>
-        </p:blipFill>
-        <p:spPr>
-          <a:xfrm>
-            <a:off x="3701547" y="3005720"/>
-            <a:ext cx="3515216" cy="3315163"/>
-          </a:xfrm>
-          <a:prstGeom prst="rect">
-            <a:avLst/>
-          </a:prstGeom>
-          <a:ln>
-            <a:noFill/>
-          </a:ln>
-          <a:effectLst>
-            <a:outerShdw blurRad="292100" dist="139700" dir="2700000" algn="tl" rotWithShape="0">
-              <a:srgbClr val="333333">
-                <a:alpha val="65000"/>
-              </a:srgbClr>
-            </a:outerShdw>
-          </a:effectLst>
-        </p:spPr>
-      </p:pic>
-      <p:pic>
-        <p:nvPicPr>
-          <p:cNvPr id="9" name="Picture 8"/>
-          <p:cNvPicPr>
-            <a:picLocks noChangeAspect="1"/>
-          </p:cNvPicPr>
-          <p:nvPr/>
-        </p:nvPicPr>
-        <p:blipFill>
-          <a:blip r:embed="rId3"/>
-          <a:stretch>
-            <a:fillRect/>
-          </a:stretch>
-        </p:blipFill>
-        <p:spPr>
-          <a:xfrm>
-            <a:off x="7593864" y="3005720"/>
-            <a:ext cx="4058216" cy="2743583"/>
-          </a:xfrm>
-          <a:prstGeom prst="rect">
-            <a:avLst/>
-          </a:prstGeom>
-          <a:ln>
-            <a:noFill/>
-          </a:ln>
-          <a:effectLst>
-            <a:outerShdw blurRad="292100" dist="139700" dir="2700000" algn="tl" rotWithShape="0">
-              <a:srgbClr val="333333">
-                <a:alpha val="65000"/>
-              </a:srgbClr>
-            </a:outerShdw>
-          </a:effectLst>
-        </p:spPr>
-      </p:pic>
-      <p:sp>
-        <p:nvSpPr>
-          <p:cNvPr id="10" name="Rectangle 9"/>
-          <p:cNvSpPr/>
-          <p:nvPr/>
-        </p:nvSpPr>
-        <p:spPr>
-          <a:xfrm>
-            <a:off x="8708811" y="5997717"/>
-            <a:ext cx="2108975" cy="646331"/>
-          </a:xfrm>
-          <a:prstGeom prst="rect">
-            <a:avLst/>
-          </a:prstGeom>
-        </p:spPr>
-        <p:txBody>
-          <a:bodyPr wrap="none">
-            <a:spAutoFit/>
-          </a:bodyPr>
-          <a:lstStyle/>
-          <a:p>
-            <a:r>
-              <a:rPr lang="en-US" b="1" dirty="0" smtClean="0">
-                <a:latin typeface="Segoe UI" panose="020B0502040204020203" pitchFamily="34" charset="0"/>
-                <a:cs typeface="Segoe UI" panose="020B0502040204020203" pitchFamily="34" charset="0"/>
-              </a:rPr>
-              <a:t>Codes table from </a:t>
-            </a:r>
-          </a:p>
-          <a:p>
-            <a:endParaRPr lang="en-US" b="1" dirty="0"/>
-          </a:p>
-        </p:txBody>
-      </p:sp>
-      <p:sp>
-        <p:nvSpPr>
-          <p:cNvPr id="11" name="Rectangle 10"/>
-          <p:cNvSpPr/>
-          <p:nvPr/>
-        </p:nvSpPr>
-        <p:spPr>
-          <a:xfrm>
-            <a:off x="8794892" y="6300374"/>
-            <a:ext cx="1936812" cy="338554"/>
-          </a:xfrm>
-          <a:prstGeom prst="rect">
-            <a:avLst/>
-          </a:prstGeom>
-        </p:spPr>
-        <p:txBody>
-          <a:bodyPr wrap="none">
-            <a:spAutoFit/>
-          </a:bodyPr>
-          <a:lstStyle/>
-          <a:p>
-            <a:r>
-              <a:rPr lang="en-US" sz="1600" dirty="0"/>
-              <a:t>exceleratorbi.com.au</a:t>
-            </a:r>
-          </a:p>
-        </p:txBody>
-      </p:sp>
-      <p:sp>
-        <p:nvSpPr>
-          <p:cNvPr id="12" name="Rectangle 11"/>
-          <p:cNvSpPr/>
-          <p:nvPr/>
-        </p:nvSpPr>
-        <p:spPr>
-          <a:xfrm>
-            <a:off x="8794892" y="4627001"/>
-            <a:ext cx="802870" cy="309383"/>
-          </a:xfrm>
-          <a:prstGeom prst="rect">
-            <a:avLst/>
-          </a:prstGeom>
-          <a:solidFill>
-            <a:srgbClr val="FF0000">
-              <a:alpha val="25000"/>
-            </a:srgbClr>
-          </a:solidFill>
-          <a:ln>
-            <a:noFill/>
-          </a:ln>
-        </p:spPr>
-        <p:style>
-          <a:lnRef idx="2">
-            <a:schemeClr val="accent1">
-              <a:shade val="50000"/>
-            </a:schemeClr>
-          </a:lnRef>
-          <a:fillRef idx="1">
-            <a:schemeClr val="accent1"/>
-          </a:fillRef>
-          <a:effectRef idx="0">
-            <a:schemeClr val="accent1"/>
-          </a:effectRef>
-          <a:fontRef idx="minor">
-            <a:schemeClr val="lt1"/>
-          </a:fontRef>
-        </p:style>
-        <p:txBody>
-          <a:bodyPr rtlCol="0" anchor="ctr"/>
-          <a:lstStyle/>
-          <a:p>
-            <a:pPr algn="ctr"/>
-            <a:endParaRPr lang="en-US"/>
-          </a:p>
-        </p:txBody>
-      </p:sp>
-      <p:sp>
-        <p:nvSpPr>
-          <p:cNvPr id="13" name="Rectangle 12"/>
-          <p:cNvSpPr/>
-          <p:nvPr/>
-        </p:nvSpPr>
-        <p:spPr>
-          <a:xfrm>
-            <a:off x="8794892" y="5016467"/>
-            <a:ext cx="802870" cy="309383"/>
-          </a:xfrm>
-          <a:prstGeom prst="rect">
-            <a:avLst/>
-          </a:prstGeom>
-          <a:solidFill>
-            <a:srgbClr val="FF0000">
-              <a:alpha val="25000"/>
-            </a:srgbClr>
-          </a:solidFill>
-          <a:ln>
-            <a:noFill/>
-          </a:ln>
-        </p:spPr>
-        <p:style>
-          <a:lnRef idx="2">
-            <a:schemeClr val="accent1">
-              <a:shade val="50000"/>
-            </a:schemeClr>
-          </a:lnRef>
-          <a:fillRef idx="1">
-            <a:schemeClr val="accent1"/>
-          </a:fillRef>
-          <a:effectRef idx="0">
-            <a:schemeClr val="accent1"/>
-          </a:effectRef>
-          <a:fontRef idx="minor">
-            <a:schemeClr val="lt1"/>
-          </a:fontRef>
-        </p:style>
-        <p:txBody>
-          <a:bodyPr rtlCol="0" anchor="ctr"/>
-          <a:lstStyle/>
-          <a:p>
-            <a:pPr algn="ctr"/>
-            <a:endParaRPr lang="en-US"/>
-          </a:p>
-        </p:txBody>
-      </p:sp>
-    </p:spTree>
-    <p:extLst>
-      <p:ext uri="{BB962C8B-B14F-4D97-AF65-F5344CB8AC3E}">
-        <p14:creationId xmlns:p14="http://schemas.microsoft.com/office/powerpoint/2010/main" val="3612593302"/>
-      </p:ext>
-    </p:extLst>
-  </p:cSld>
-  <p:clrMapOvr>
-    <a:masterClrMapping/>
-  </p:clrMapOvr>
-</p:sld>
-</file>
-
-<file path=ppt/slides/slide15.xml><?xml version="1.0" encoding="utf-8"?>
-<p:sld xmlns:a="http://schemas.openxmlformats.org/drawingml/2006/main" xmlns:r="http://schemas.openxmlformats.org/officeDocument/2006/relationships" xmlns:p="http://schemas.openxmlformats.org/presentationml/2006/main">
-  <p:cSld>
-    <p:spTree>
-      <p:nvGrpSpPr>
-        <p:cNvPr id="1" name=""/>
-        <p:cNvGrpSpPr/>
-        <p:nvPr/>
-      </p:nvGrpSpPr>
-      <p:grpSpPr>
-        <a:xfrm>
-          <a:off x="0" y="0"/>
-          <a:ext cx="0" cy="0"/>
-          <a:chOff x="0" y="0"/>
-          <a:chExt cx="0" cy="0"/>
-        </a:xfrm>
-      </p:grpSpPr>
-      <p:pic>
-        <p:nvPicPr>
-          <p:cNvPr id="4" name="Picture 3"/>
-          <p:cNvPicPr>
-            <a:picLocks noChangeAspect="1"/>
-          </p:cNvPicPr>
-          <p:nvPr/>
-        </p:nvPicPr>
-        <p:blipFill>
-          <a:blip r:embed="rId2"/>
-          <a:stretch>
-            <a:fillRect/>
-          </a:stretch>
-        </p:blipFill>
-        <p:spPr>
-          <a:xfrm>
-            <a:off x="430792" y="3033104"/>
-            <a:ext cx="1536494" cy="3330455"/>
-          </a:xfrm>
-          <a:prstGeom prst="rect">
-            <a:avLst/>
-          </a:prstGeom>
-        </p:spPr>
-      </p:pic>
-      <p:sp>
-        <p:nvSpPr>
-          <p:cNvPr id="2" name="TextBox 1"/>
-          <p:cNvSpPr txBox="1"/>
-          <p:nvPr/>
-        </p:nvSpPr>
-        <p:spPr>
-          <a:xfrm>
-            <a:off x="323133" y="192505"/>
-            <a:ext cx="1199367" cy="461665"/>
-          </a:xfrm>
-          <a:prstGeom prst="rect">
-            <a:avLst/>
-          </a:prstGeom>
-          <a:noFill/>
-        </p:spPr>
-        <p:txBody>
-          <a:bodyPr wrap="none" rtlCol="0">
-            <a:spAutoFit/>
-          </a:bodyPr>
-          <a:lstStyle/>
-          <a:p>
-            <a:r>
-              <a:rPr lang="en-US" sz="2400" dirty="0" smtClean="0">
-                <a:latin typeface="Segoe UI" panose="020B0502040204020203" pitchFamily="34" charset="0"/>
-                <a:cs typeface="Segoe UI" panose="020B0502040204020203" pitchFamily="34" charset="0"/>
-              </a:rPr>
-              <a:t>The KPI</a:t>
-            </a:r>
-            <a:endParaRPr lang="en-US" sz="2400" dirty="0">
-              <a:latin typeface="Segoe UI" panose="020B0502040204020203" pitchFamily="34" charset="0"/>
-              <a:cs typeface="Segoe UI" panose="020B0502040204020203" pitchFamily="34" charset="0"/>
-            </a:endParaRPr>
-          </a:p>
-        </p:txBody>
-      </p:sp>
-      <p:sp>
-        <p:nvSpPr>
-          <p:cNvPr id="5" name="TextBox 4"/>
-          <p:cNvSpPr txBox="1"/>
-          <p:nvPr/>
-        </p:nvSpPr>
-        <p:spPr>
-          <a:xfrm>
-            <a:off x="415595" y="729797"/>
-            <a:ext cx="11440440" cy="369332"/>
-          </a:xfrm>
-          <a:prstGeom prst="rect">
-            <a:avLst/>
-          </a:prstGeom>
-          <a:noFill/>
-        </p:spPr>
-        <p:txBody>
-          <a:bodyPr wrap="none" rtlCol="0">
-            <a:spAutoFit/>
-          </a:bodyPr>
-          <a:lstStyle/>
-          <a:p>
-            <a:r>
-              <a:rPr lang="en-US" dirty="0" smtClean="0">
-                <a:latin typeface="Segoe UI" panose="020B0502040204020203" pitchFamily="34" charset="0"/>
-                <a:cs typeface="Segoe UI" panose="020B0502040204020203" pitchFamily="34" charset="0"/>
-              </a:rPr>
-              <a:t>We can mak</a:t>
-            </a:r>
-            <a:r>
-              <a:rPr lang="en-US" dirty="0" smtClean="0">
-                <a:latin typeface="Segoe UI" panose="020B0502040204020203" pitchFamily="34" charset="0"/>
-                <a:cs typeface="Segoe UI" panose="020B0502040204020203" pitchFamily="34" charset="0"/>
-              </a:rPr>
-              <a:t>e the indicator more convivial by adding a formatting condition on the font color of the indicators</a:t>
-            </a:r>
-            <a:endParaRPr lang="en-US" b="1" dirty="0">
-              <a:latin typeface="Segoe UI" panose="020B0502040204020203" pitchFamily="34" charset="0"/>
-              <a:cs typeface="Segoe UI" panose="020B0502040204020203" pitchFamily="34" charset="0"/>
-            </a:endParaRPr>
-          </a:p>
-        </p:txBody>
-      </p:sp>
-      <p:pic>
-        <p:nvPicPr>
-          <p:cNvPr id="3" name="Picture 2"/>
-          <p:cNvPicPr>
-            <a:picLocks noChangeAspect="1"/>
-          </p:cNvPicPr>
-          <p:nvPr/>
-        </p:nvPicPr>
-        <p:blipFill rotWithShape="1">
-          <a:blip r:embed="rId3"/>
-          <a:srcRect b="71845"/>
-          <a:stretch/>
-        </p:blipFill>
-        <p:spPr>
-          <a:xfrm>
-            <a:off x="501182" y="1236634"/>
-            <a:ext cx="1476063" cy="1417190"/>
-          </a:xfrm>
-          <a:prstGeom prst="rect">
-            <a:avLst/>
-          </a:prstGeom>
-        </p:spPr>
-      </p:pic>
-      <p:sp>
-        <p:nvSpPr>
-          <p:cNvPr id="14" name="Rectangle 13"/>
-          <p:cNvSpPr/>
-          <p:nvPr/>
-        </p:nvSpPr>
-        <p:spPr>
-          <a:xfrm>
-            <a:off x="1082488" y="1409413"/>
-            <a:ext cx="440012" cy="412512"/>
-          </a:xfrm>
-          <a:prstGeom prst="rect">
-            <a:avLst/>
-          </a:prstGeom>
-          <a:solidFill>
-            <a:srgbClr val="FF0000">
-              <a:alpha val="25000"/>
-            </a:srgbClr>
-          </a:solidFill>
-          <a:ln>
-            <a:noFill/>
-          </a:ln>
-        </p:spPr>
-        <p:style>
-          <a:lnRef idx="2">
-            <a:schemeClr val="accent1">
-              <a:shade val="50000"/>
-            </a:schemeClr>
-          </a:lnRef>
-          <a:fillRef idx="1">
-            <a:schemeClr val="accent1"/>
-          </a:fillRef>
-          <a:effectRef idx="0">
-            <a:schemeClr val="accent1"/>
-          </a:effectRef>
-          <a:fontRef idx="minor">
-            <a:schemeClr val="lt1"/>
-          </a:fontRef>
-        </p:style>
-        <p:txBody>
-          <a:bodyPr rtlCol="0" anchor="ctr"/>
-          <a:lstStyle/>
-          <a:p>
-            <a:pPr algn="ctr"/>
-            <a:endParaRPr lang="en-US"/>
-          </a:p>
-        </p:txBody>
-      </p:sp>
-      <p:sp>
-        <p:nvSpPr>
-          <p:cNvPr id="15" name="Rectangle 14"/>
-          <p:cNvSpPr/>
-          <p:nvPr/>
-        </p:nvSpPr>
-        <p:spPr>
-          <a:xfrm>
-            <a:off x="501182" y="2695074"/>
-            <a:ext cx="1466104" cy="338030"/>
-          </a:xfrm>
-          <a:prstGeom prst="rect">
-            <a:avLst/>
-          </a:prstGeom>
-          <a:solidFill>
-            <a:srgbClr val="FF0000">
-              <a:alpha val="25000"/>
-            </a:srgbClr>
-          </a:solidFill>
-          <a:ln>
-            <a:noFill/>
-          </a:ln>
-        </p:spPr>
-        <p:style>
-          <a:lnRef idx="2">
-            <a:schemeClr val="accent1">
-              <a:shade val="50000"/>
-            </a:schemeClr>
-          </a:lnRef>
-          <a:fillRef idx="1">
-            <a:schemeClr val="accent1"/>
-          </a:fillRef>
-          <a:effectRef idx="0">
-            <a:schemeClr val="accent1"/>
-          </a:effectRef>
-          <a:fontRef idx="minor">
-            <a:schemeClr val="lt1"/>
-          </a:fontRef>
-        </p:style>
-        <p:txBody>
-          <a:bodyPr rtlCol="0" anchor="ctr"/>
-          <a:lstStyle/>
-          <a:p>
-            <a:pPr algn="ctr"/>
-            <a:endParaRPr lang="en-US"/>
-          </a:p>
-        </p:txBody>
-      </p:sp>
-      <p:sp>
-        <p:nvSpPr>
-          <p:cNvPr id="16" name="Rectangle 15"/>
-          <p:cNvSpPr/>
-          <p:nvPr/>
-        </p:nvSpPr>
-        <p:spPr>
-          <a:xfrm>
-            <a:off x="579401" y="4764505"/>
-            <a:ext cx="1397844" cy="433137"/>
-          </a:xfrm>
-          <a:prstGeom prst="rect">
-            <a:avLst/>
-          </a:prstGeom>
-          <a:solidFill>
-            <a:srgbClr val="FF0000">
-              <a:alpha val="25000"/>
-            </a:srgbClr>
-          </a:solidFill>
-          <a:ln>
-            <a:noFill/>
-          </a:ln>
-        </p:spPr>
-        <p:style>
-          <a:lnRef idx="2">
-            <a:schemeClr val="accent1">
-              <a:shade val="50000"/>
-            </a:schemeClr>
-          </a:lnRef>
-          <a:fillRef idx="1">
-            <a:schemeClr val="accent1"/>
-          </a:fillRef>
-          <a:effectRef idx="0">
-            <a:schemeClr val="accent1"/>
-          </a:effectRef>
-          <a:fontRef idx="minor">
-            <a:schemeClr val="lt1"/>
-          </a:fontRef>
-        </p:style>
-        <p:txBody>
-          <a:bodyPr rtlCol="0" anchor="ctr"/>
-          <a:lstStyle/>
-          <a:p>
-            <a:pPr algn="ctr"/>
-            <a:endParaRPr lang="en-US"/>
-          </a:p>
-        </p:txBody>
-      </p:sp>
-      <p:pic>
-        <p:nvPicPr>
-          <p:cNvPr id="17" name="Picture 16"/>
-          <p:cNvPicPr>
-            <a:picLocks noChangeAspect="1"/>
-          </p:cNvPicPr>
-          <p:nvPr/>
-        </p:nvPicPr>
-        <p:blipFill>
-          <a:blip r:embed="rId4"/>
-          <a:stretch>
-            <a:fillRect/>
-          </a:stretch>
-        </p:blipFill>
-        <p:spPr>
-          <a:xfrm>
-            <a:off x="2267028" y="1174756"/>
-            <a:ext cx="9434043" cy="4862384"/>
-          </a:xfrm>
-          <a:prstGeom prst="rect">
-            <a:avLst/>
-          </a:prstGeom>
-          <a:ln>
-            <a:noFill/>
-          </a:ln>
-          <a:effectLst>
-            <a:outerShdw blurRad="292100" dist="139700" dir="2700000" algn="tl" rotWithShape="0">
-              <a:srgbClr val="333333">
-                <a:alpha val="65000"/>
-              </a:srgbClr>
-            </a:outerShdw>
-          </a:effectLst>
-        </p:spPr>
-      </p:pic>
-    </p:spTree>
-    <p:extLst>
-      <p:ext uri="{BB962C8B-B14F-4D97-AF65-F5344CB8AC3E}">
-        <p14:creationId xmlns:p14="http://schemas.microsoft.com/office/powerpoint/2010/main" val="3425516976"/>
-      </p:ext>
-    </p:extLst>
-  </p:cSld>
-  <p:clrMapOvr>
-    <a:masterClrMapping/>
-  </p:clrMapOvr>
-</p:sld>
-</file>
-
-<file path=ppt/slides/slide16.xml><?xml version="1.0" encoding="utf-8"?>
-<p:sld xmlns:a="http://schemas.openxmlformats.org/drawingml/2006/main" xmlns:r="http://schemas.openxmlformats.org/officeDocument/2006/relationships" xmlns:p="http://schemas.openxmlformats.org/presentationml/2006/main">
-  <p:cSld>
-    <p:spTree>
-      <p:nvGrpSpPr>
-        <p:cNvPr id="1" name=""/>
-        <p:cNvGrpSpPr/>
-        <p:nvPr/>
-      </p:nvGrpSpPr>
-      <p:grpSpPr>
-        <a:xfrm>
-          <a:off x="0" y="0"/>
-          <a:ext cx="0" cy="0"/>
-          <a:chOff x="0" y="0"/>
-          <a:chExt cx="0" cy="0"/>
-        </a:xfrm>
-      </p:grpSpPr>
-      <p:sp>
-        <p:nvSpPr>
-          <p:cNvPr id="2" name="TextBox 1"/>
-          <p:cNvSpPr txBox="1"/>
-          <p:nvPr/>
-        </p:nvSpPr>
-        <p:spPr>
-          <a:xfrm>
-            <a:off x="323133" y="192505"/>
-            <a:ext cx="1199367" cy="461665"/>
-          </a:xfrm>
-          <a:prstGeom prst="rect">
-            <a:avLst/>
-          </a:prstGeom>
-          <a:noFill/>
-        </p:spPr>
-        <p:txBody>
-          <a:bodyPr wrap="none" rtlCol="0">
-            <a:spAutoFit/>
-          </a:bodyPr>
-          <a:lstStyle/>
-          <a:p>
-            <a:r>
-              <a:rPr lang="en-US" sz="2400" dirty="0" smtClean="0">
-                <a:latin typeface="Segoe UI" panose="020B0502040204020203" pitchFamily="34" charset="0"/>
-                <a:cs typeface="Segoe UI" panose="020B0502040204020203" pitchFamily="34" charset="0"/>
-              </a:rPr>
-              <a:t>The KPI</a:t>
-            </a:r>
-            <a:endParaRPr lang="en-US" sz="2400" dirty="0">
-              <a:latin typeface="Segoe UI" panose="020B0502040204020203" pitchFamily="34" charset="0"/>
-              <a:cs typeface="Segoe UI" panose="020B0502040204020203" pitchFamily="34" charset="0"/>
-            </a:endParaRPr>
-          </a:p>
-        </p:txBody>
-      </p:sp>
-      <p:sp>
-        <p:nvSpPr>
-          <p:cNvPr id="5" name="TextBox 4"/>
-          <p:cNvSpPr txBox="1"/>
-          <p:nvPr/>
-        </p:nvSpPr>
-        <p:spPr>
-          <a:xfrm>
-            <a:off x="415595" y="729797"/>
-            <a:ext cx="11440440" cy="369332"/>
-          </a:xfrm>
-          <a:prstGeom prst="rect">
-            <a:avLst/>
-          </a:prstGeom>
-          <a:noFill/>
-        </p:spPr>
-        <p:txBody>
-          <a:bodyPr wrap="none" rtlCol="0">
-            <a:spAutoFit/>
-          </a:bodyPr>
-          <a:lstStyle/>
-          <a:p>
-            <a:r>
-              <a:rPr lang="en-US" dirty="0" smtClean="0">
-                <a:latin typeface="Segoe UI" panose="020B0502040204020203" pitchFamily="34" charset="0"/>
-                <a:cs typeface="Segoe UI" panose="020B0502040204020203" pitchFamily="34" charset="0"/>
-              </a:rPr>
-              <a:t>We can mak</a:t>
-            </a:r>
-            <a:r>
-              <a:rPr lang="en-US" dirty="0" smtClean="0">
-                <a:latin typeface="Segoe UI" panose="020B0502040204020203" pitchFamily="34" charset="0"/>
-                <a:cs typeface="Segoe UI" panose="020B0502040204020203" pitchFamily="34" charset="0"/>
-              </a:rPr>
-              <a:t>e the indicator more convivial by adding a formatting condition on the font color of the indicators</a:t>
-            </a:r>
-            <a:endParaRPr lang="en-US" b="1" dirty="0">
-              <a:latin typeface="Segoe UI" panose="020B0502040204020203" pitchFamily="34" charset="0"/>
-              <a:cs typeface="Segoe UI" panose="020B0502040204020203" pitchFamily="34" charset="0"/>
-            </a:endParaRPr>
-          </a:p>
-        </p:txBody>
-      </p:sp>
-      <p:pic>
-        <p:nvPicPr>
-          <p:cNvPr id="6" name="Picture 5"/>
-          <p:cNvPicPr>
-            <a:picLocks noChangeAspect="1"/>
-          </p:cNvPicPr>
-          <p:nvPr/>
-        </p:nvPicPr>
-        <p:blipFill>
-          <a:blip r:embed="rId2"/>
-          <a:stretch>
-            <a:fillRect/>
-          </a:stretch>
-        </p:blipFill>
-        <p:spPr>
-          <a:xfrm>
-            <a:off x="3087519" y="1632525"/>
-            <a:ext cx="5315692" cy="4239217"/>
-          </a:xfrm>
-          <a:prstGeom prst="rect">
-            <a:avLst/>
-          </a:prstGeom>
-          <a:ln>
-            <a:noFill/>
-          </a:ln>
-          <a:effectLst>
-            <a:outerShdw blurRad="292100" dist="139700" dir="2700000" algn="tl" rotWithShape="0">
-              <a:srgbClr val="333333">
-                <a:alpha val="65000"/>
-              </a:srgbClr>
-            </a:outerShdw>
-          </a:effectLst>
-        </p:spPr>
-      </p:pic>
-    </p:spTree>
-    <p:extLst>
-      <p:ext uri="{BB962C8B-B14F-4D97-AF65-F5344CB8AC3E}">
-        <p14:creationId xmlns:p14="http://schemas.microsoft.com/office/powerpoint/2010/main" val="2864188791"/>
-      </p:ext>
-    </p:extLst>
-  </p:cSld>
-  <p:clrMapOvr>
-    <a:masterClrMapping/>
-  </p:clrMapOvr>
-</p:sld>
-</file>
-
-<file path=ppt/slides/slide17.xml><?xml version="1.0" encoding="utf-8"?>
 <p:sld xmlns:a="http://schemas.openxmlformats.org/drawingml/2006/main" xmlns:r="http://schemas.openxmlformats.org/officeDocument/2006/relationships" xmlns:p="http://schemas.openxmlformats.org/presentationml/2006/main">
   <p:cSld>
     <p:bg>
@@ -5400,8 +4592,8 @@
         </p:nvSpPr>
         <p:spPr>
           <a:xfrm>
-            <a:off x="2916199" y="2162433"/>
-            <a:ext cx="6230360" cy="1569660"/>
+            <a:off x="2742917" y="2575026"/>
+            <a:ext cx="6937304" cy="1569660"/>
           </a:xfrm>
           <a:prstGeom prst="rect">
             <a:avLst/>
@@ -5409,7 +4601,7 @@
           <a:noFill/>
         </p:spPr>
         <p:txBody>
-          <a:bodyPr wrap="none" rtlCol="0">
+          <a:bodyPr wrap="square" rtlCol="0">
             <a:spAutoFit/>
           </a:bodyPr>
           <a:lstStyle/>
@@ -5444,8 +4636,8 @@
         </p:nvSpPr>
         <p:spPr>
           <a:xfrm>
-            <a:off x="2990336" y="2217861"/>
-            <a:ext cx="6230360" cy="1569660"/>
+            <a:off x="2656380" y="2507341"/>
+            <a:ext cx="7110377" cy="1569660"/>
           </a:xfrm>
           <a:prstGeom prst="rect">
             <a:avLst/>
@@ -5453,7 +4645,7 @@
           <a:noFill/>
         </p:spPr>
         <p:txBody>
-          <a:bodyPr wrap="none" rtlCol="0">
+          <a:bodyPr wrap="square" rtlCol="0">
             <a:spAutoFit/>
           </a:bodyPr>
           <a:lstStyle/>
@@ -5519,7 +4711,7 @@
         <p:spPr>
           <a:xfrm>
             <a:off x="323133" y="192505"/>
-            <a:ext cx="1199367" cy="461665"/>
+            <a:ext cx="1215397" cy="461665"/>
           </a:xfrm>
           <a:prstGeom prst="rect">
             <a:avLst/>
@@ -5533,13 +4725,13 @@
           <a:lstStyle/>
           <a:p>
             <a:r>
-              <a:rPr lang="en-US" sz="2400" dirty="0" smtClean="0">
-                <a:latin typeface="Segoe UI" panose="020B0502040204020203" pitchFamily="34" charset="0"/>
-                <a:cs typeface="Segoe UI" panose="020B0502040204020203" pitchFamily="34" charset="0"/>
-              </a:rPr>
-              <a:t>The KPI</a:t>
-            </a:r>
-            <a:endParaRPr lang="en-US" sz="2400" dirty="0">
+              <a:rPr lang="en" sz="2400" b="1" dirty="0" smtClean="0">
+                <a:latin typeface="Segoe UI" panose="020B0502040204020203" pitchFamily="34" charset="0"/>
+                <a:cs typeface="Segoe UI" panose="020B0502040204020203" pitchFamily="34" charset="0"/>
+              </a:rPr>
+              <a:t>KPIs</a:t>
+            </a:r>
+            <a:endParaRPr lang="en-US" sz="2400" b="1" dirty="0">
               <a:latin typeface="Segoe UI" panose="020B0502040204020203" pitchFamily="34" charset="0"/>
               <a:cs typeface="Segoe UI" panose="020B0502040204020203" pitchFamily="34" charset="0"/>
             </a:endParaRPr>
@@ -5554,8 +4746,8 @@
         </p:nvSpPr>
         <p:spPr>
           <a:xfrm>
-            <a:off x="429345" y="771048"/>
-            <a:ext cx="3704860" cy="369332"/>
+            <a:off x="429344" y="771048"/>
+            <a:ext cx="9202793" cy="369332"/>
           </a:xfrm>
           <a:prstGeom prst="rect">
             <a:avLst/>
@@ -5563,31 +4755,24 @@
           <a:noFill/>
         </p:spPr>
         <p:txBody>
-          <a:bodyPr wrap="none" rtlCol="0">
+          <a:bodyPr wrap="square" rtlCol="0">
             <a:spAutoFit/>
           </a:bodyPr>
           <a:lstStyle/>
           <a:p>
             <a:r>
-              <a:rPr lang="en-US" dirty="0" smtClean="0">
-                <a:latin typeface="Segoe UI" panose="020B0502040204020203" pitchFamily="34" charset="0"/>
-                <a:cs typeface="Segoe UI" panose="020B0502040204020203" pitchFamily="34" charset="0"/>
-              </a:rPr>
-              <a:t>Note: This lab uses </a:t>
-            </a:r>
-            <a:r>
-              <a:rPr lang="en-US" b="1" dirty="0" smtClean="0">
-                <a:latin typeface="Segoe UI" panose="020B0502040204020203" pitchFamily="34" charset="0"/>
-                <a:cs typeface="Segoe UI" panose="020B0502040204020203" pitchFamily="34" charset="0"/>
-              </a:rPr>
-              <a:t>Sales</a:t>
-            </a:r>
-            <a:r>
-              <a:rPr lang="en-US" dirty="0" smtClean="0">
-                <a:latin typeface="Segoe UI" panose="020B0502040204020203" pitchFamily="34" charset="0"/>
-                <a:cs typeface="Segoe UI" panose="020B0502040204020203" pitchFamily="34" charset="0"/>
-              </a:rPr>
-              <a:t> database </a:t>
+              <a:rPr lang="en" b="1" dirty="0" smtClean="0">
+                <a:latin typeface="Segoe UI" panose="020B0502040204020203" pitchFamily="34" charset="0"/>
+                <a:cs typeface="Segoe UI" panose="020B0502040204020203" pitchFamily="34" charset="0"/>
+              </a:rPr>
+              <a:t>Note: </a:t>
+            </a:r>
+            <a:r>
+              <a:rPr lang="en" dirty="0" smtClean="0">
+                <a:latin typeface="Segoe UI" panose="020B0502040204020203" pitchFamily="34" charset="0"/>
+                <a:cs typeface="Segoe UI" panose="020B0502040204020203" pitchFamily="34" charset="0"/>
+              </a:rPr>
+              <a:t>This workshop uses directly entered data</a:t>
             </a:r>
             <a:endParaRPr lang="en-US" dirty="0">
               <a:latin typeface="Segoe UI" panose="020B0502040204020203" pitchFamily="34" charset="0"/>
@@ -5596,90 +4781,437 @@
           </a:p>
         </p:txBody>
       </p:sp>
-      <p:sp>
-        <p:nvSpPr>
-          <p:cNvPr id="6" name="TextBox 5"/>
-          <p:cNvSpPr txBox="1"/>
-          <p:nvPr/>
-        </p:nvSpPr>
-        <p:spPr>
-          <a:xfrm>
-            <a:off x="518722" y="1257258"/>
-            <a:ext cx="3276666" cy="369332"/>
-          </a:xfrm>
-          <a:prstGeom prst="rect">
-            <a:avLst/>
-          </a:prstGeom>
-          <a:noFill/>
-        </p:spPr>
-        <p:txBody>
-          <a:bodyPr wrap="none" rtlCol="0">
-            <a:spAutoFit/>
-          </a:bodyPr>
-          <a:lstStyle/>
-          <a:p>
-            <a:r>
-              <a:rPr lang="en-US" dirty="0" smtClean="0">
-                <a:latin typeface="Segoe UI" panose="020B0502040204020203" pitchFamily="34" charset="0"/>
-                <a:cs typeface="Segoe UI" panose="020B0502040204020203" pitchFamily="34" charset="0"/>
-              </a:rPr>
-              <a:t>Add  </a:t>
-            </a:r>
-            <a:r>
-              <a:rPr lang="en-US" b="1" dirty="0" smtClean="0">
-                <a:latin typeface="Segoe UI" panose="020B0502040204020203" pitchFamily="34" charset="0"/>
-                <a:cs typeface="Segoe UI" panose="020B0502040204020203" pitchFamily="34" charset="0"/>
-              </a:rPr>
-              <a:t>KPI</a:t>
-            </a:r>
-            <a:r>
-              <a:rPr lang="en-US" dirty="0" smtClean="0">
-                <a:latin typeface="Segoe UI" panose="020B0502040204020203" pitchFamily="34" charset="0"/>
-                <a:cs typeface="Segoe UI" panose="020B0502040204020203" pitchFamily="34" charset="0"/>
-              </a:rPr>
-              <a:t> visual into the scene </a:t>
-            </a:r>
-            <a:endParaRPr lang="en-US" dirty="0">
-              <a:latin typeface="Segoe UI" panose="020B0502040204020203" pitchFamily="34" charset="0"/>
-              <a:cs typeface="Segoe UI" panose="020B0502040204020203" pitchFamily="34" charset="0"/>
-            </a:endParaRPr>
-          </a:p>
-        </p:txBody>
-      </p:sp>
-      <p:pic>
-        <p:nvPicPr>
-          <p:cNvPr id="7" name="Picture 6"/>
-          <p:cNvPicPr>
-            <a:picLocks noChangeAspect="1"/>
-          </p:cNvPicPr>
-          <p:nvPr/>
-        </p:nvPicPr>
-        <p:blipFill>
-          <a:blip r:embed="rId2"/>
-          <a:stretch>
-            <a:fillRect/>
-          </a:stretch>
-        </p:blipFill>
-        <p:spPr>
-          <a:xfrm>
-            <a:off x="635584" y="1953992"/>
-            <a:ext cx="2753109" cy="2991267"/>
-          </a:xfrm>
-          <a:prstGeom prst="rect">
-            <a:avLst/>
-          </a:prstGeom>
-          <a:ln>
-            <a:noFill/>
-          </a:ln>
-          <a:effectLst>
-            <a:outerShdw blurRad="292100" dist="139700" dir="2700000" algn="tl" rotWithShape="0">
-              <a:srgbClr val="333333">
-                <a:alpha val="65000"/>
-              </a:srgbClr>
-            </a:outerShdw>
-          </a:effectLst>
-        </p:spPr>
-      </p:pic>
+      <p:graphicFrame>
+        <p:nvGraphicFramePr>
+          <p:cNvPr id="11" name="Table 10"/>
+          <p:cNvGraphicFramePr>
+            <a:graphicFrameLocks noGrp="1"/>
+          </p:cNvGraphicFramePr>
+          <p:nvPr>
+            <p:extLst>
+              <p:ext uri="{D42A27DB-BD31-4B8C-83A1-F6EECF244321}">
+                <p14:modId xmlns:p14="http://schemas.microsoft.com/office/powerpoint/2010/main" val="3661759786"/>
+              </p:ext>
+            </p:extLst>
+          </p:nvPr>
+        </p:nvGraphicFramePr>
+        <p:xfrm>
+          <a:off x="508762" y="1333982"/>
+          <a:ext cx="5837036" cy="1842355"/>
+        </p:xfrm>
+        <a:graphic>
+          <a:graphicData uri="http://schemas.openxmlformats.org/drawingml/2006/table">
+            <a:tbl>
+              <a:tblPr>
+                <a:tableStyleId>{5C22544A-7EE6-4342-B048-85BDC9FD1C3A}</a:tableStyleId>
+              </a:tblPr>
+              <a:tblGrid>
+                <a:gridCol w="1686713">
+                  <a:extLst>
+                    <a:ext uri="{9D8B030D-6E8A-4147-A177-3AD203B41FA5}">
+                      <a16:colId xmlns:a16="http://schemas.microsoft.com/office/drawing/2014/main" val="3320605290"/>
+                    </a:ext>
+                  </a:extLst>
+                </a:gridCol>
+                <a:gridCol w="1764633">
+                  <a:extLst>
+                    <a:ext uri="{9D8B030D-6E8A-4147-A177-3AD203B41FA5}">
+                      <a16:colId xmlns:a16="http://schemas.microsoft.com/office/drawing/2014/main" val="3103651137"/>
+                    </a:ext>
+                  </a:extLst>
+                </a:gridCol>
+                <a:gridCol w="2385690">
+                  <a:extLst>
+                    <a:ext uri="{9D8B030D-6E8A-4147-A177-3AD203B41FA5}">
+                      <a16:colId xmlns:a16="http://schemas.microsoft.com/office/drawing/2014/main" val="1005298939"/>
+                    </a:ext>
+                  </a:extLst>
+                </a:gridCol>
+              </a:tblGrid>
+              <a:tr h="368471">
+                <a:tc>
+                  <a:txBody>
+                    <a:bodyPr/>
+                    <a:lstStyle/>
+                    <a:p>
+                      <a:pPr algn="ctr" fontAlgn="ctr"/>
+                      <a:r>
+                        <a:rPr lang="en" sz="1800" b="1" u="none" strike="noStrike" dirty="0">
+                          <a:effectLst/>
+                        </a:rPr>
+                        <a:t>Date</a:t>
+                      </a:r>
+                      <a:endParaRPr lang="en-US" sz="1800" b="1" i="0" u="none" strike="noStrike" dirty="0">
+                        <a:solidFill>
+                          <a:srgbClr val="000000"/>
+                        </a:solidFill>
+                        <a:effectLst/>
+                        <a:latin typeface="Calibri" panose="020F0502020204030204" pitchFamily="34" charset="0"/>
+                      </a:endParaRPr>
+                    </a:p>
+                  </a:txBody>
+                  <a:tcPr marL="6350" marR="6350" marT="6350" marB="0" anchor="ctr"/>
+                </a:tc>
+                <a:tc>
+                  <a:txBody>
+                    <a:bodyPr/>
+                    <a:lstStyle/>
+                    <a:p>
+                      <a:pPr algn="ctr" fontAlgn="ctr"/>
+                      <a:r>
+                        <a:rPr lang="en" sz="1800" b="1" u="none" strike="noStrike">
+                          <a:effectLst/>
+                        </a:rPr>
+                        <a:t>Turnover</a:t>
+                      </a:r>
+                      <a:endParaRPr lang="en-US" sz="1800" b="1" i="0" u="none" strike="noStrike">
+                        <a:solidFill>
+                          <a:srgbClr val="000000"/>
+                        </a:solidFill>
+                        <a:effectLst/>
+                        <a:latin typeface="Calibri" panose="020F0502020204030204" pitchFamily="34" charset="0"/>
+                      </a:endParaRPr>
+                    </a:p>
+                  </a:txBody>
+                  <a:tcPr marL="6350" marR="6350" marT="6350" marB="0" anchor="ctr"/>
+                </a:tc>
+                <a:tc>
+                  <a:txBody>
+                    <a:bodyPr/>
+                    <a:lstStyle/>
+                    <a:p>
+                      <a:pPr algn="ctr" fontAlgn="ctr"/>
+                      <a:r>
+                        <a:rPr lang="en" sz="1800" b="1" u="none" strike="noStrike">
+                          <a:effectLst/>
+                        </a:rPr>
+                        <a:t>Objective</a:t>
+                      </a:r>
+                      <a:endParaRPr lang="en-US" sz="1800" b="1" i="0" u="none" strike="noStrike">
+                        <a:solidFill>
+                          <a:srgbClr val="000000"/>
+                        </a:solidFill>
+                        <a:effectLst/>
+                        <a:latin typeface="Calibri" panose="020F0502020204030204" pitchFamily="34" charset="0"/>
+                      </a:endParaRPr>
+                    </a:p>
+                  </a:txBody>
+                  <a:tcPr marL="6350" marR="6350" marT="6350" marB="0" anchor="ctr"/>
+                </a:tc>
+                <a:extLst>
+                  <a:ext uri="{0D108BD9-81ED-4DB2-BD59-A6C34878D82A}">
+                    <a16:rowId xmlns:a16="http://schemas.microsoft.com/office/drawing/2014/main" val="861119464"/>
+                  </a:ext>
+                </a:extLst>
+              </a:tr>
+              <a:tr h="368471">
+                <a:tc>
+                  <a:txBody>
+                    <a:bodyPr/>
+                    <a:lstStyle/>
+                    <a:p>
+                      <a:pPr algn="ctr" fontAlgn="ctr"/>
+                      <a:r>
+                        <a:rPr lang="en" sz="1800" b="1" u="none" strike="noStrike" dirty="0">
+                          <a:effectLst/>
+                        </a:rPr>
+                        <a:t>01/01/2025</a:t>
+                      </a:r>
+                      <a:endParaRPr lang="en-US" sz="1800" b="1" i="0" u="none" strike="noStrike" dirty="0">
+                        <a:solidFill>
+                          <a:srgbClr val="000000"/>
+                        </a:solidFill>
+                        <a:effectLst/>
+                        <a:latin typeface="Calibri" panose="020F0502020204030204" pitchFamily="34" charset="0"/>
+                      </a:endParaRPr>
+                    </a:p>
+                  </a:txBody>
+                  <a:tcPr marL="6350" marR="6350" marT="6350" marB="0" anchor="ctr"/>
+                </a:tc>
+                <a:tc>
+                  <a:txBody>
+                    <a:bodyPr/>
+                    <a:lstStyle/>
+                    <a:p>
+                      <a:pPr algn="ctr" fontAlgn="ctr"/>
+                      <a:r>
+                        <a:rPr lang="en" sz="1800" b="1" u="none" strike="noStrike" dirty="0" smtClean="0">
+                          <a:effectLst/>
+                        </a:rPr>
+                        <a:t>€ </a:t>
+                      </a:r>
+                      <a:endParaRPr lang="en-US" sz="1800" b="1" i="0" u="none" strike="noStrike" dirty="0">
+                        <a:solidFill>
+                          <a:srgbClr val="000000"/>
+                        </a:solidFill>
+                        <a:effectLst/>
+                        <a:latin typeface="Calibri" panose="020F0502020204030204" pitchFamily="34" charset="0"/>
+                      </a:endParaRPr>
+                    </a:p>
+                  </a:txBody>
+                  <a:tcPr marL="6350" marR="6350" marT="6350" marB="0" anchor="ctr"/>
+                </a:tc>
+                <a:tc>
+                  <a:txBody>
+                    <a:bodyPr/>
+                    <a:lstStyle/>
+                    <a:p>
+                      <a:pPr algn="ctr" fontAlgn="ctr"/>
+                      <a:r>
+                        <a:rPr lang="en" sz="1800" b="1" u="none" strike="noStrike" dirty="0">
+                          <a:effectLst/>
+                        </a:rPr>
+                        <a:t>€10,000.00</a:t>
+                      </a:r>
+                      <a:endParaRPr lang="en-US" sz="1800" b="1" i="0" u="none" strike="noStrike" dirty="0">
+                        <a:solidFill>
+                          <a:srgbClr val="000000"/>
+                        </a:solidFill>
+                        <a:effectLst/>
+                        <a:latin typeface="Calibri" panose="020F0502020204030204" pitchFamily="34" charset="0"/>
+                      </a:endParaRPr>
+                    </a:p>
+                  </a:txBody>
+                  <a:tcPr marL="6350" marR="6350" marT="6350" marB="0" anchor="ctr"/>
+                </a:tc>
+                <a:extLst>
+                  <a:ext uri="{0D108BD9-81ED-4DB2-BD59-A6C34878D82A}">
+                    <a16:rowId xmlns:a16="http://schemas.microsoft.com/office/drawing/2014/main" val="864880022"/>
+                  </a:ext>
+                </a:extLst>
+              </a:tr>
+              <a:tr h="368471">
+                <a:tc>
+                  <a:txBody>
+                    <a:bodyPr/>
+                    <a:lstStyle/>
+                    <a:p>
+                      <a:pPr algn="ctr" fontAlgn="ctr"/>
+                      <a:r>
+                        <a:rPr lang="en" sz="1800" b="1" u="none" strike="noStrike" dirty="0">
+                          <a:effectLst/>
+                        </a:rPr>
+                        <a:t>01/02/2025</a:t>
+                      </a:r>
+                      <a:endParaRPr lang="en-US" sz="1800" b="1" i="0" u="none" strike="noStrike" dirty="0">
+                        <a:solidFill>
+                          <a:srgbClr val="000000"/>
+                        </a:solidFill>
+                        <a:effectLst/>
+                        <a:latin typeface="Calibri" panose="020F0502020204030204" pitchFamily="34" charset="0"/>
+                      </a:endParaRPr>
+                    </a:p>
+                  </a:txBody>
+                  <a:tcPr marL="6350" marR="6350" marT="6350" marB="0" anchor="ctr"/>
+                </a:tc>
+                <a:tc>
+                  <a:txBody>
+                    <a:bodyPr/>
+                    <a:lstStyle/>
+                    <a:p>
+                      <a:pPr algn="ctr" fontAlgn="ctr"/>
+                      <a:r>
+                        <a:rPr lang="en" sz="1800" b="1" u="none" strike="noStrike" dirty="0">
+                          <a:effectLst/>
+                        </a:rPr>
+                        <a:t>€7,000.00</a:t>
+                      </a:r>
+                      <a:endParaRPr lang="en-US" sz="1800" b="1" i="0" u="none" strike="noStrike" dirty="0">
+                        <a:solidFill>
+                          <a:srgbClr val="000000"/>
+                        </a:solidFill>
+                        <a:effectLst/>
+                        <a:latin typeface="Calibri" panose="020F0502020204030204" pitchFamily="34" charset="0"/>
+                      </a:endParaRPr>
+                    </a:p>
+                  </a:txBody>
+                  <a:tcPr marL="6350" marR="6350" marT="6350" marB="0" anchor="ctr"/>
+                </a:tc>
+                <a:tc>
+                  <a:txBody>
+                    <a:bodyPr/>
+                    <a:lstStyle/>
+                    <a:p>
+                      <a:pPr algn="ctr" fontAlgn="ctr"/>
+                      <a:r>
+                        <a:rPr lang="en" sz="1800" b="1" u="none" strike="noStrike" dirty="0">
+                          <a:effectLst/>
+                        </a:rPr>
+                        <a:t>€10,000.00</a:t>
+                      </a:r>
+                      <a:endParaRPr lang="en-US" sz="1800" b="1" i="0" u="none" strike="noStrike" dirty="0">
+                        <a:solidFill>
+                          <a:srgbClr val="000000"/>
+                        </a:solidFill>
+                        <a:effectLst/>
+                        <a:latin typeface="Calibri" panose="020F0502020204030204" pitchFamily="34" charset="0"/>
+                      </a:endParaRPr>
+                    </a:p>
+                  </a:txBody>
+                  <a:tcPr marL="6350" marR="6350" marT="6350" marB="0" anchor="ctr"/>
+                </a:tc>
+                <a:extLst>
+                  <a:ext uri="{0D108BD9-81ED-4DB2-BD59-A6C34878D82A}">
+                    <a16:rowId xmlns:a16="http://schemas.microsoft.com/office/drawing/2014/main" val="2581237549"/>
+                  </a:ext>
+                </a:extLst>
+              </a:tr>
+              <a:tr h="368471">
+                <a:tc>
+                  <a:txBody>
+                    <a:bodyPr/>
+                    <a:lstStyle/>
+                    <a:p>
+                      <a:pPr algn="ctr" fontAlgn="ctr"/>
+                      <a:r>
+                        <a:rPr lang="en" sz="1800" b="1" u="none" strike="noStrike" dirty="0">
+                          <a:effectLst/>
+                        </a:rPr>
+                        <a:t>03/01/2025</a:t>
+                      </a:r>
+                      <a:endParaRPr lang="en-US" sz="1800" b="1" i="0" u="none" strike="noStrike" dirty="0">
+                        <a:solidFill>
+                          <a:srgbClr val="000000"/>
+                        </a:solidFill>
+                        <a:effectLst/>
+                        <a:latin typeface="Calibri" panose="020F0502020204030204" pitchFamily="34" charset="0"/>
+                      </a:endParaRPr>
+                    </a:p>
+                  </a:txBody>
+                  <a:tcPr marL="6350" marR="6350" marT="6350" marB="0" anchor="ctr"/>
+                </a:tc>
+                <a:tc>
+                  <a:txBody>
+                    <a:bodyPr/>
+                    <a:lstStyle/>
+                    <a:p>
+                      <a:pPr algn="ctr" fontAlgn="ctr"/>
+                      <a:r>
+                        <a:rPr lang="en" sz="1800" b="1" u="none" strike="noStrike" dirty="0">
+                          <a:effectLst/>
+                        </a:rPr>
+                        <a:t>€9,500.00</a:t>
+                      </a:r>
+                      <a:endParaRPr lang="en-US" sz="1800" b="1" i="0" u="none" strike="noStrike" dirty="0">
+                        <a:solidFill>
+                          <a:srgbClr val="000000"/>
+                        </a:solidFill>
+                        <a:effectLst/>
+                        <a:latin typeface="Calibri" panose="020F0502020204030204" pitchFamily="34" charset="0"/>
+                      </a:endParaRPr>
+                    </a:p>
+                  </a:txBody>
+                  <a:tcPr marL="6350" marR="6350" marT="6350" marB="0" anchor="ctr"/>
+                </a:tc>
+                <a:tc>
+                  <a:txBody>
+                    <a:bodyPr/>
+                    <a:lstStyle/>
+                    <a:p>
+                      <a:pPr algn="ctr" fontAlgn="ctr"/>
+                      <a:r>
+                        <a:rPr lang="en" sz="1800" b="1" u="none" strike="noStrike" dirty="0">
+                          <a:effectLst/>
+                        </a:rPr>
+                        <a:t>€10,000.00</a:t>
+                      </a:r>
+                      <a:endParaRPr lang="en-US" sz="1800" b="1" i="0" u="none" strike="noStrike" dirty="0">
+                        <a:solidFill>
+                          <a:srgbClr val="000000"/>
+                        </a:solidFill>
+                        <a:effectLst/>
+                        <a:latin typeface="Calibri" panose="020F0502020204030204" pitchFamily="34" charset="0"/>
+                      </a:endParaRPr>
+                    </a:p>
+                  </a:txBody>
+                  <a:tcPr marL="6350" marR="6350" marT="6350" marB="0" anchor="ctr"/>
+                </a:tc>
+                <a:extLst>
+                  <a:ext uri="{0D108BD9-81ED-4DB2-BD59-A6C34878D82A}">
+                    <a16:rowId xmlns:a16="http://schemas.microsoft.com/office/drawing/2014/main" val="2208964733"/>
+                  </a:ext>
+                </a:extLst>
+              </a:tr>
+              <a:tr h="368471">
+                <a:tc>
+                  <a:txBody>
+                    <a:bodyPr/>
+                    <a:lstStyle/>
+                    <a:p>
+                      <a:pPr algn="ctr" fontAlgn="ctr"/>
+                      <a:r>
+                        <a:rPr lang="en" sz="1800" b="1" u="none" strike="noStrike">
+                          <a:effectLst/>
+                        </a:rPr>
+                        <a:t>04/01/2025</a:t>
+                      </a:r>
+                      <a:endParaRPr lang="en-US" sz="1800" b="1" i="0" u="none" strike="noStrike">
+                        <a:solidFill>
+                          <a:srgbClr val="000000"/>
+                        </a:solidFill>
+                        <a:effectLst/>
+                        <a:latin typeface="Calibri" panose="020F0502020204030204" pitchFamily="34" charset="0"/>
+                      </a:endParaRPr>
+                    </a:p>
+                  </a:txBody>
+                  <a:tcPr marL="6350" marR="6350" marT="6350" marB="0" anchor="ctr"/>
+                </a:tc>
+                <a:tc>
+                  <a:txBody>
+                    <a:bodyPr/>
+                    <a:lstStyle/>
+                    <a:p>
+                      <a:pPr algn="ctr" fontAlgn="ctr"/>
+                      <a:r>
+                        <a:rPr lang="en" sz="1800" b="1" u="none" strike="noStrike" dirty="0">
+                          <a:effectLst/>
+                        </a:rPr>
+                        <a:t>€11,000.00</a:t>
+                      </a:r>
+                      <a:endParaRPr lang="en-US" sz="1800" b="1" i="0" u="none" strike="noStrike" dirty="0">
+                        <a:solidFill>
+                          <a:srgbClr val="000000"/>
+                        </a:solidFill>
+                        <a:effectLst/>
+                        <a:latin typeface="Calibri" panose="020F0502020204030204" pitchFamily="34" charset="0"/>
+                      </a:endParaRPr>
+                    </a:p>
+                  </a:txBody>
+                  <a:tcPr marL="6350" marR="6350" marT="6350" marB="0" anchor="ctr"/>
+                </a:tc>
+                <a:tc>
+                  <a:txBody>
+                    <a:bodyPr/>
+                    <a:lstStyle/>
+                    <a:p>
+                      <a:pPr algn="ctr" fontAlgn="ctr"/>
+                      <a:r>
+                        <a:rPr lang="en" sz="1800" b="1" u="none" strike="noStrike" dirty="0">
+                          <a:effectLst/>
+                        </a:rPr>
+                        <a:t>€10,000.00</a:t>
+                      </a:r>
+                      <a:endParaRPr lang="en-US" sz="1800" b="1" i="0" u="none" strike="noStrike" dirty="0">
+                        <a:solidFill>
+                          <a:srgbClr val="000000"/>
+                        </a:solidFill>
+                        <a:effectLst/>
+                        <a:latin typeface="Calibri" panose="020F0502020204030204" pitchFamily="34" charset="0"/>
+                      </a:endParaRPr>
+                    </a:p>
+                  </a:txBody>
+                  <a:tcPr marL="6350" marR="6350" marT="6350" marB="0" anchor="ctr"/>
+                </a:tc>
+                <a:extLst>
+                  <a:ext uri="{0D108BD9-81ED-4DB2-BD59-A6C34878D82A}">
+                    <a16:rowId xmlns:a16="http://schemas.microsoft.com/office/drawing/2014/main" val="1479946481"/>
+                  </a:ext>
+                </a:extLst>
+              </a:tr>
+            </a:tbl>
+          </a:graphicData>
+        </a:graphic>
+      </p:graphicFrame>
     </p:spTree>
     <p:extLst>
       <p:ext uri="{BB962C8B-B14F-4D97-AF65-F5344CB8AC3E}">
@@ -5719,7 +5251,7 @@
         <p:spPr>
           <a:xfrm>
             <a:off x="323133" y="192505"/>
-            <a:ext cx="1199367" cy="461665"/>
+            <a:ext cx="1215397" cy="461665"/>
           </a:xfrm>
           <a:prstGeom prst="rect">
             <a:avLst/>
@@ -5733,13 +5265,13 @@
           <a:lstStyle/>
           <a:p>
             <a:r>
-              <a:rPr lang="en-US" sz="2400" dirty="0" smtClean="0">
-                <a:latin typeface="Segoe UI" panose="020B0502040204020203" pitchFamily="34" charset="0"/>
-                <a:cs typeface="Segoe UI" panose="020B0502040204020203" pitchFamily="34" charset="0"/>
-              </a:rPr>
-              <a:t>The KPI</a:t>
-            </a:r>
-            <a:endParaRPr lang="en-US" sz="2400" dirty="0">
+              <a:rPr lang="en" sz="2400" b="1" dirty="0" smtClean="0">
+                <a:latin typeface="Segoe UI" panose="020B0502040204020203" pitchFamily="34" charset="0"/>
+                <a:cs typeface="Segoe UI" panose="020B0502040204020203" pitchFamily="34" charset="0"/>
+              </a:rPr>
+              <a:t>KPIs</a:t>
+            </a:r>
+            <a:endParaRPr lang="en-US" sz="2400" b="1" dirty="0">
               <a:latin typeface="Segoe UI" panose="020B0502040204020203" pitchFamily="34" charset="0"/>
               <a:cs typeface="Segoe UI" panose="020B0502040204020203" pitchFamily="34" charset="0"/>
             </a:endParaRPr>
@@ -5748,14 +5280,14 @@
       </p:sp>
       <p:sp>
         <p:nvSpPr>
-          <p:cNvPr id="5" name="TextBox 4"/>
+          <p:cNvPr id="6" name="TextBox 5"/>
           <p:cNvSpPr txBox="1"/>
           <p:nvPr/>
         </p:nvSpPr>
         <p:spPr>
           <a:xfrm>
-            <a:off x="429345" y="771048"/>
-            <a:ext cx="3704860" cy="369332"/>
+            <a:off x="374343" y="748495"/>
+            <a:ext cx="4733922" cy="369332"/>
           </a:xfrm>
           <a:prstGeom prst="rect">
             <a:avLst/>
@@ -5763,31 +5295,24 @@
           <a:noFill/>
         </p:spPr>
         <p:txBody>
-          <a:bodyPr wrap="none" rtlCol="0">
+          <a:bodyPr wrap="square" rtlCol="0">
             <a:spAutoFit/>
           </a:bodyPr>
           <a:lstStyle/>
           <a:p>
             <a:r>
-              <a:rPr lang="en-US" dirty="0" smtClean="0">
-                <a:latin typeface="Segoe UI" panose="020B0502040204020203" pitchFamily="34" charset="0"/>
-                <a:cs typeface="Segoe UI" panose="020B0502040204020203" pitchFamily="34" charset="0"/>
-              </a:rPr>
-              <a:t>Note: This lab uses </a:t>
-            </a:r>
-            <a:r>
-              <a:rPr lang="en-US" b="1" dirty="0" smtClean="0">
-                <a:latin typeface="Segoe UI" panose="020B0502040204020203" pitchFamily="34" charset="0"/>
-                <a:cs typeface="Segoe UI" panose="020B0502040204020203" pitchFamily="34" charset="0"/>
-              </a:rPr>
-              <a:t>Sales</a:t>
-            </a:r>
-            <a:r>
-              <a:rPr lang="en-US" dirty="0" smtClean="0">
-                <a:latin typeface="Segoe UI" panose="020B0502040204020203" pitchFamily="34" charset="0"/>
-                <a:cs typeface="Segoe UI" panose="020B0502040204020203" pitchFamily="34" charset="0"/>
-              </a:rPr>
-              <a:t> database </a:t>
+              <a:rPr lang="en" b="1" dirty="0" smtClean="0">
+                <a:latin typeface="Segoe UI" panose="020B0502040204020203" pitchFamily="34" charset="0"/>
+                <a:cs typeface="Segoe UI" panose="020B0502040204020203" pitchFamily="34" charset="0"/>
+              </a:rPr>
+              <a:t>KPI </a:t>
+            </a:r>
+            <a:r>
+              <a:rPr lang="en" dirty="0" smtClean="0">
+                <a:latin typeface="Segoe UI" panose="020B0502040204020203" pitchFamily="34" charset="0"/>
+                <a:cs typeface="Segoe UI" panose="020B0502040204020203" pitchFamily="34" charset="0"/>
+              </a:rPr>
+              <a:t>visual in the scene</a:t>
             </a:r>
             <a:endParaRPr lang="en-US" dirty="0">
               <a:latin typeface="Segoe UI" panose="020B0502040204020203" pitchFamily="34" charset="0"/>
@@ -5796,16 +5321,80 @@
           </a:p>
         </p:txBody>
       </p:sp>
-      <p:sp>
-        <p:nvSpPr>
-          <p:cNvPr id="6" name="TextBox 5"/>
+      <p:pic>
+        <p:nvPicPr>
+          <p:cNvPr id="7" name="Picture 6"/>
+          <p:cNvPicPr>
+            <a:picLocks noChangeAspect="1"/>
+          </p:cNvPicPr>
+          <p:nvPr/>
+        </p:nvPicPr>
+        <p:blipFill>
+          <a:blip r:embed="rId2"/>
+          <a:stretch>
+            <a:fillRect/>
+          </a:stretch>
+        </p:blipFill>
+        <p:spPr>
+          <a:xfrm>
+            <a:off x="374343" y="1342101"/>
+            <a:ext cx="2753109" cy="2991267"/>
+          </a:xfrm>
+          <a:prstGeom prst="rect">
+            <a:avLst/>
+          </a:prstGeom>
+          <a:ln>
+            <a:noFill/>
+          </a:ln>
+          <a:effectLst>
+            <a:outerShdw blurRad="292100" dist="139700" dir="2700000" algn="tl" rotWithShape="0">
+              <a:srgbClr val="333333">
+                <a:alpha val="65000"/>
+              </a:srgbClr>
+            </a:outerShdw>
+          </a:effectLst>
+        </p:spPr>
+      </p:pic>
+    </p:spTree>
+    <p:extLst>
+      <p:ext uri="{BB962C8B-B14F-4D97-AF65-F5344CB8AC3E}">
+        <p14:creationId xmlns:p14="http://schemas.microsoft.com/office/powerpoint/2010/main" val="4139724227"/>
+      </p:ext>
+    </p:extLst>
+  </p:cSld>
+  <p:clrMapOvr>
+    <a:masterClrMapping/>
+  </p:clrMapOvr>
+</p:sld>
+</file>
+
+<file path=ppt/slides/slide4.xml><?xml version="1.0" encoding="utf-8"?>
+<p:sld xmlns:a="http://schemas.openxmlformats.org/drawingml/2006/main" xmlns:r="http://schemas.openxmlformats.org/officeDocument/2006/relationships" xmlns:p="http://schemas.openxmlformats.org/presentationml/2006/main">
+  <p:cSld>
+    <p:spTree>
+      <p:nvGrpSpPr>
+        <p:cNvPr id="1" name=""/>
+        <p:cNvGrpSpPr/>
+        <p:nvPr/>
+      </p:nvGrpSpPr>
+      <p:grpSpPr>
+        <a:xfrm>
+          <a:off x="0" y="0"/>
+          <a:ext cx="0" cy="0"/>
+          <a:chOff x="0" y="0"/>
+          <a:chExt cx="0" cy="0"/>
+        </a:xfrm>
+      </p:grpSpPr>
+      <p:sp>
+        <p:nvSpPr>
+          <p:cNvPr id="2" name="TextBox 1"/>
           <p:cNvSpPr txBox="1"/>
           <p:nvPr/>
         </p:nvSpPr>
         <p:spPr>
           <a:xfrm>
-            <a:off x="499628" y="1089085"/>
-            <a:ext cx="6680162" cy="523220"/>
+            <a:off x="323133" y="192505"/>
+            <a:ext cx="1215397" cy="461665"/>
           </a:xfrm>
           <a:prstGeom prst="rect">
             <a:avLst/>
@@ -5819,103 +5408,1340 @@
           <a:lstStyle/>
           <a:p>
             <a:r>
-              <a:rPr lang="fr-FR" dirty="0" err="1" smtClean="0">
-                <a:latin typeface="Segoe UI" panose="020B0502040204020203" pitchFamily="34" charset="0"/>
-                <a:cs typeface="Segoe UI" panose="020B0502040204020203" pitchFamily="34" charset="0"/>
-              </a:rPr>
-              <a:t>Try</a:t>
-            </a:r>
-            <a:r>
-              <a:rPr lang="fr-FR" dirty="0" smtClean="0">
-                <a:latin typeface="Segoe UI" panose="020B0502040204020203" pitchFamily="34" charset="0"/>
-                <a:cs typeface="Segoe UI" panose="020B0502040204020203" pitchFamily="34" charset="0"/>
-              </a:rPr>
-              <a:t> to </a:t>
-            </a:r>
-            <a:r>
-              <a:rPr lang="fr-FR" dirty="0" err="1" smtClean="0">
-                <a:latin typeface="Segoe UI" panose="020B0502040204020203" pitchFamily="34" charset="0"/>
-                <a:cs typeface="Segoe UI" panose="020B0502040204020203" pitchFamily="34" charset="0"/>
-              </a:rPr>
-              <a:t>add</a:t>
-            </a:r>
-            <a:r>
-              <a:rPr lang="fr-FR" dirty="0" smtClean="0">
-                <a:latin typeface="Segoe UI" panose="020B0502040204020203" pitchFamily="34" charset="0"/>
-                <a:cs typeface="Segoe UI" panose="020B0502040204020203" pitchFamily="34" charset="0"/>
-              </a:rPr>
-              <a:t> </a:t>
-            </a:r>
-            <a:r>
-              <a:rPr lang="fr-FR" b="1" dirty="0" err="1" smtClean="0">
-                <a:latin typeface="Segoe UI" panose="020B0502040204020203" pitchFamily="34" charset="0"/>
-                <a:cs typeface="Segoe UI" panose="020B0502040204020203" pitchFamily="34" charset="0"/>
-              </a:rPr>
-              <a:t>SalesQuantity</a:t>
-            </a:r>
-            <a:r>
-              <a:rPr lang="fr-FR" dirty="0" smtClean="0">
-                <a:latin typeface="Segoe UI" panose="020B0502040204020203" pitchFamily="34" charset="0"/>
-                <a:cs typeface="Segoe UI" panose="020B0502040204020203" pitchFamily="34" charset="0"/>
-              </a:rPr>
-              <a:t> to </a:t>
-            </a:r>
-            <a:r>
-              <a:rPr lang="fr-FR" b="1" dirty="0" smtClean="0">
-                <a:latin typeface="Segoe UI" panose="020B0502040204020203" pitchFamily="34" charset="0"/>
-                <a:cs typeface="Segoe UI" panose="020B0502040204020203" pitchFamily="34" charset="0"/>
-              </a:rPr>
-              <a:t>Value</a:t>
-            </a:r>
-            <a:r>
-              <a:rPr lang="fr-FR" dirty="0" smtClean="0">
-                <a:latin typeface="Segoe UI" panose="020B0502040204020203" pitchFamily="34" charset="0"/>
-                <a:cs typeface="Segoe UI" panose="020B0502040204020203" pitchFamily="34" charset="0"/>
-              </a:rPr>
-              <a:t> </a:t>
-            </a:r>
-            <a:r>
-              <a:rPr lang="fr-FR" dirty="0" err="1" smtClean="0">
-                <a:latin typeface="Segoe UI" panose="020B0502040204020203" pitchFamily="34" charset="0"/>
-                <a:cs typeface="Segoe UI" panose="020B0502040204020203" pitchFamily="34" charset="0"/>
-              </a:rPr>
-              <a:t>field</a:t>
-            </a:r>
-            <a:r>
-              <a:rPr lang="fr-FR" dirty="0" smtClean="0">
-                <a:latin typeface="Segoe UI" panose="020B0502040204020203" pitchFamily="34" charset="0"/>
-                <a:cs typeface="Segoe UI" panose="020B0502040204020203" pitchFamily="34" charset="0"/>
-              </a:rPr>
-              <a:t> and observe the </a:t>
-            </a:r>
-            <a:r>
-              <a:rPr lang="fr-FR" sz="2800" dirty="0" smtClean="0">
-                <a:latin typeface="Segoe UI" panose="020B0502040204020203" pitchFamily="34" charset="0"/>
-                <a:cs typeface="Segoe UI" panose="020B0502040204020203" pitchFamily="34" charset="0"/>
-              </a:rPr>
-              <a:t>i </a:t>
-            </a:r>
-            <a:r>
-              <a:rPr lang="fr-FR" sz="2000" dirty="0" err="1" smtClean="0">
-                <a:latin typeface="Segoe UI" panose="020B0502040204020203" pitchFamily="34" charset="0"/>
-                <a:cs typeface="Segoe UI" panose="020B0502040204020203" pitchFamily="34" charset="0"/>
-              </a:rPr>
-              <a:t>sign</a:t>
-            </a:r>
-            <a:r>
-              <a:rPr lang="fr-FR" dirty="0" smtClean="0">
-                <a:latin typeface="Segoe UI" panose="020B0502040204020203" pitchFamily="34" charset="0"/>
-                <a:cs typeface="Segoe UI" panose="020B0502040204020203" pitchFamily="34" charset="0"/>
-              </a:rPr>
-              <a:t> </a:t>
-            </a:r>
-            <a:endParaRPr lang="en-US" dirty="0">
+              <a:rPr lang="en" sz="2400" b="1" dirty="0" smtClean="0">
+                <a:latin typeface="Segoe UI" panose="020B0502040204020203" pitchFamily="34" charset="0"/>
+                <a:cs typeface="Segoe UI" panose="020B0502040204020203" pitchFamily="34" charset="0"/>
+              </a:rPr>
+              <a:t>KPIs</a:t>
+            </a:r>
+            <a:endParaRPr lang="en-US" sz="2400" b="1" dirty="0">
               <a:latin typeface="Segoe UI" panose="020B0502040204020203" pitchFamily="34" charset="0"/>
               <a:cs typeface="Segoe UI" panose="020B0502040204020203" pitchFamily="34" charset="0"/>
             </a:endParaRPr>
           </a:p>
         </p:txBody>
       </p:sp>
+      <p:sp>
+        <p:nvSpPr>
+          <p:cNvPr id="4" name="Rectangle 1"/>
+          <p:cNvSpPr>
+            <a:spLocks noChangeArrowheads="1"/>
+          </p:cNvSpPr>
+          <p:nvPr/>
+        </p:nvSpPr>
+        <p:spPr bwMode="auto">
+          <a:xfrm>
+            <a:off x="323133" y="948650"/>
+            <a:ext cx="9374233" cy="2585323"/>
+          </a:xfrm>
+          <a:prstGeom prst="rect">
+            <a:avLst/>
+          </a:prstGeom>
+          <a:noFill/>
+          <a:ln>
+            <a:noFill/>
+          </a:ln>
+          <a:effectLst/>
+          <a:extLst>
+            <a:ext uri="{909E8E84-426E-40DD-AFC4-6F175D3DCCD1}">
+              <a14:hiddenFill xmlns:a14="http://schemas.microsoft.com/office/drawing/2010/main">
+                <a:solidFill>
+                  <a:schemeClr val="accent1"/>
+                </a:solidFill>
+              </a14:hiddenFill>
+            </a:ext>
+            <a:ext uri="{91240B29-F687-4F45-9708-019B960494DF}">
+              <a14:hiddenLine xmlns:a14="http://schemas.microsoft.com/office/drawing/2010/main" w="9525">
+                <a:solidFill>
+                  <a:schemeClr val="tx1"/>
+                </a:solidFill>
+                <a:miter lim="800000"/>
+                <a:headEnd/>
+                <a:tailEnd/>
+              </a14:hiddenLine>
+            </a:ext>
+            <a:ext uri="{AF507438-7753-43E0-B8FC-AC1667EBCBE1}">
+              <a14:hiddenEffects xmlns:a14="http://schemas.microsoft.com/office/drawing/2010/main">
+                <a:effectLst>
+                  <a:outerShdw dist="35921" dir="2700000" algn="ctr" rotWithShape="0">
+                    <a:schemeClr val="bg2"/>
+                  </a:outerShdw>
+                </a:effectLst>
+              </a14:hiddenEffects>
+            </a:ext>
+          </a:extLst>
+        </p:spPr>
+        <p:txBody>
+          <a:bodyPr vert="horz" wrap="none" lIns="91440" tIns="45720" rIns="91440" bIns="45720" numCol="1" anchor="ctr" anchorCtr="0" compatLnSpc="1">
+            <a:prstTxWarp prst="textNoShape">
+              <a:avLst/>
+            </a:prstTxWarp>
+            <a:spAutoFit/>
+          </a:bodyPr>
+          <a:lstStyle/>
+          <a:p>
+            <a:pPr marL="0" marR="0" lvl="0" indent="0" algn="l" defTabSz="914400" rtl="0" eaLnBrk="0" fontAlgn="base" latinLnBrk="0" hangingPunct="0">
+              <a:lnSpc>
+                <a:spcPct val="100000"/>
+              </a:lnSpc>
+              <a:spcBef>
+                <a:spcPct val="0"/>
+              </a:spcBef>
+              <a:spcAft>
+                <a:spcPct val="0"/>
+              </a:spcAft>
+              <a:buClrTx/>
+              <a:buSzTx/>
+              <a:tabLst/>
+            </a:pPr>
+            <a:r>
+              <a:rPr kumimoji="0" lang="en" altLang="en-US" b="1" i="0" u="none" strike="noStrike" cap="none" normalizeH="0" baseline="0" dirty="0" smtClean="0">
+                <a:ln>
+                  <a:noFill/>
+                </a:ln>
+                <a:solidFill>
+                  <a:schemeClr val="tx1"/>
+                </a:solidFill>
+                <a:effectLst/>
+                <a:latin typeface="Segoe UI" panose="020B0502040204020203" pitchFamily="34" charset="0"/>
+                <a:cs typeface="Segoe UI" panose="020B0502040204020203" pitchFamily="34" charset="0"/>
+              </a:rPr>
+              <a:t>Import data</a:t>
+            </a:r>
+            <a:endParaRPr kumimoji="0" lang="fr-FR" altLang="en-US" b="0" i="0" u="none" strike="noStrike" cap="none" normalizeH="0" baseline="0" dirty="0" smtClean="0">
+              <a:ln>
+                <a:noFill/>
+              </a:ln>
+              <a:solidFill>
+                <a:schemeClr val="tx1"/>
+              </a:solidFill>
+              <a:effectLst/>
+              <a:latin typeface="Segoe UI" panose="020B0502040204020203" pitchFamily="34" charset="0"/>
+              <a:cs typeface="Segoe UI" panose="020B0502040204020203" pitchFamily="34" charset="0"/>
+            </a:endParaRPr>
+          </a:p>
+          <a:p>
+            <a:pPr lvl="1" eaLnBrk="0" fontAlgn="base" hangingPunct="0">
+              <a:spcBef>
+                <a:spcPct val="0"/>
+              </a:spcBef>
+              <a:spcAft>
+                <a:spcPct val="0"/>
+              </a:spcAft>
+              <a:buFontTx/>
+              <a:buChar char="•"/>
+            </a:pPr>
+            <a:r>
+              <a:rPr kumimoji="0" lang="en" altLang="en-US" b="0" i="0" u="none" strike="noStrike" cap="none" normalizeH="0" baseline="0" dirty="0" smtClean="0">
+                <a:ln>
+                  <a:noFill/>
+                </a:ln>
+                <a:solidFill>
+                  <a:schemeClr val="tx1"/>
+                </a:solidFill>
+                <a:effectLst/>
+                <a:latin typeface="Segoe UI" panose="020B0502040204020203" pitchFamily="34" charset="0"/>
+                <a:cs typeface="Segoe UI" panose="020B0502040204020203" pitchFamily="34" charset="0"/>
+              </a:rPr>
+              <a:t>Load the </a:t>
+            </a:r>
+            <a:r>
+              <a:rPr kumimoji="0" lang="en" altLang="en-US" b="1" i="0" u="none" strike="noStrike" cap="none" normalizeH="0" baseline="0" dirty="0" smtClean="0">
+                <a:ln>
+                  <a:noFill/>
+                </a:ln>
+                <a:solidFill>
+                  <a:schemeClr val="tx1"/>
+                </a:solidFill>
+                <a:effectLst/>
+                <a:latin typeface="Segoe UI" panose="020B0502040204020203" pitchFamily="34" charset="0"/>
+                <a:cs typeface="Segoe UI" panose="020B0502040204020203" pitchFamily="34" charset="0"/>
+              </a:rPr>
+              <a:t>Sales table </a:t>
+            </a:r>
+            <a:r>
+              <a:rPr kumimoji="0" lang="en" altLang="en-US" b="0" i="0" u="none" strike="noStrike" cap="none" normalizeH="0" baseline="0" dirty="0" smtClean="0">
+                <a:ln>
+                  <a:noFill/>
+                </a:ln>
+                <a:solidFill>
+                  <a:schemeClr val="tx1"/>
+                </a:solidFill>
+                <a:effectLst/>
+                <a:latin typeface="Segoe UI" panose="020B0502040204020203" pitchFamily="34" charset="0"/>
+                <a:cs typeface="Segoe UI" panose="020B0502040204020203" pitchFamily="34" charset="0"/>
+              </a:rPr>
+              <a:t>into Power BI.</a:t>
+            </a:r>
+          </a:p>
+          <a:p>
+            <a:pPr lvl="1" eaLnBrk="0" fontAlgn="base" hangingPunct="0">
+              <a:spcBef>
+                <a:spcPct val="0"/>
+              </a:spcBef>
+              <a:spcAft>
+                <a:spcPct val="0"/>
+              </a:spcAft>
+              <a:buFontTx/>
+              <a:buChar char="•"/>
+            </a:pPr>
+            <a:r>
+              <a:rPr kumimoji="0" lang="en" altLang="en-US" b="0" i="0" u="none" strike="noStrike" cap="none" normalizeH="0" baseline="0" dirty="0" smtClean="0">
+                <a:ln>
+                  <a:noFill/>
+                </a:ln>
+                <a:solidFill>
+                  <a:schemeClr val="tx1"/>
+                </a:solidFill>
+                <a:effectLst/>
+                <a:latin typeface="Segoe UI" panose="020B0502040204020203" pitchFamily="34" charset="0"/>
+                <a:cs typeface="Segoe UI" panose="020B0502040204020203" pitchFamily="34" charset="0"/>
+              </a:rPr>
+              <a:t>Make sure that the </a:t>
+            </a:r>
+            <a:r>
+              <a:rPr kumimoji="0" lang="en" altLang="en-US" b="1" i="0" u="none" strike="noStrike" cap="none" normalizeH="0" baseline="0" dirty="0" smtClean="0">
+                <a:ln>
+                  <a:noFill/>
+                </a:ln>
+                <a:solidFill>
+                  <a:schemeClr val="tx1"/>
+                </a:solidFill>
+                <a:effectLst/>
+                <a:latin typeface="Segoe UI" panose="020B0502040204020203" pitchFamily="34" charset="0"/>
+                <a:cs typeface="Segoe UI" panose="020B0502040204020203" pitchFamily="34" charset="0"/>
+              </a:rPr>
+              <a:t>Date column </a:t>
+            </a:r>
+            <a:r>
+              <a:rPr kumimoji="0" lang="en" altLang="en-US" b="0" i="0" u="none" strike="noStrike" cap="none" normalizeH="0" baseline="0" dirty="0" smtClean="0">
+                <a:ln>
+                  <a:noFill/>
+                </a:ln>
+                <a:solidFill>
+                  <a:schemeClr val="tx1"/>
+                </a:solidFill>
+                <a:effectLst/>
+                <a:latin typeface="Segoe UI" panose="020B0502040204020203" pitchFamily="34" charset="0"/>
+                <a:cs typeface="Segoe UI" panose="020B0502040204020203" pitchFamily="34" charset="0"/>
+              </a:rPr>
+              <a:t>is recognized as a date type field.</a:t>
+            </a:r>
+          </a:p>
+          <a:p>
+            <a:pPr marL="0" marR="0" lvl="0" indent="0" algn="l" defTabSz="914400" rtl="0" eaLnBrk="0" fontAlgn="base" latinLnBrk="0" hangingPunct="0">
+              <a:lnSpc>
+                <a:spcPct val="100000"/>
+              </a:lnSpc>
+              <a:spcBef>
+                <a:spcPct val="0"/>
+              </a:spcBef>
+              <a:spcAft>
+                <a:spcPct val="0"/>
+              </a:spcAft>
+              <a:buClrTx/>
+              <a:buSzTx/>
+              <a:tabLst/>
+            </a:pPr>
+            <a:r>
+              <a:rPr kumimoji="0" lang="en" altLang="en-US" b="1" i="0" u="none" strike="noStrike" cap="none" normalizeH="0" baseline="0" dirty="0" smtClean="0">
+                <a:ln>
+                  <a:noFill/>
+                </a:ln>
+                <a:solidFill>
+                  <a:schemeClr val="tx1"/>
+                </a:solidFill>
+                <a:effectLst/>
+                <a:latin typeface="Segoe UI" panose="020B0502040204020203" pitchFamily="34" charset="0"/>
+                <a:cs typeface="Segoe UI" panose="020B0502040204020203" pitchFamily="34" charset="0"/>
+              </a:rPr>
+              <a:t>Add a KPI visual</a:t>
+            </a:r>
+            <a:endParaRPr kumimoji="0" lang="fr-FR" altLang="en-US" b="0" i="0" u="none" strike="noStrike" cap="none" normalizeH="0" baseline="0" dirty="0" smtClean="0">
+              <a:ln>
+                <a:noFill/>
+              </a:ln>
+              <a:solidFill>
+                <a:schemeClr val="tx1"/>
+              </a:solidFill>
+              <a:effectLst/>
+              <a:latin typeface="Segoe UI" panose="020B0502040204020203" pitchFamily="34" charset="0"/>
+              <a:cs typeface="Segoe UI" panose="020B0502040204020203" pitchFamily="34" charset="0"/>
+            </a:endParaRPr>
+          </a:p>
+          <a:p>
+            <a:pPr lvl="1" eaLnBrk="0" fontAlgn="base" hangingPunct="0">
+              <a:spcBef>
+                <a:spcPct val="0"/>
+              </a:spcBef>
+              <a:spcAft>
+                <a:spcPct val="0"/>
+              </a:spcAft>
+              <a:buFontTx/>
+              <a:buChar char="•"/>
+            </a:pPr>
+            <a:r>
+              <a:rPr kumimoji="0" lang="en" altLang="en-US" b="0" i="0" u="none" strike="noStrike" cap="none" normalizeH="0" baseline="0" dirty="0" smtClean="0">
+                <a:ln>
+                  <a:noFill/>
+                </a:ln>
+                <a:solidFill>
+                  <a:schemeClr val="tx1"/>
+                </a:solidFill>
+                <a:effectLst/>
+                <a:latin typeface="Segoe UI" panose="020B0502040204020203" pitchFamily="34" charset="0"/>
+                <a:cs typeface="Segoe UI" panose="020B0502040204020203" pitchFamily="34" charset="0"/>
+              </a:rPr>
+              <a:t>In Power BI Desktop, click </a:t>
+            </a:r>
+            <a:r>
+              <a:rPr kumimoji="0" lang="en" altLang="en-US" b="1" i="0" u="none" strike="noStrike" cap="none" normalizeH="0" baseline="0" dirty="0" smtClean="0">
+                <a:ln>
+                  <a:noFill/>
+                </a:ln>
+                <a:solidFill>
+                  <a:schemeClr val="tx1"/>
+                </a:solidFill>
+                <a:effectLst/>
+                <a:latin typeface="Segoe UI" panose="020B0502040204020203" pitchFamily="34" charset="0"/>
+                <a:cs typeface="Segoe UI" panose="020B0502040204020203" pitchFamily="34" charset="0"/>
+              </a:rPr>
+              <a:t>KPI </a:t>
+            </a:r>
+            <a:r>
+              <a:rPr kumimoji="0" lang="en" altLang="en-US" b="0" i="0" u="none" strike="noStrike" cap="none" normalizeH="0" baseline="0" dirty="0" smtClean="0">
+                <a:ln>
+                  <a:noFill/>
+                </a:ln>
+                <a:solidFill>
+                  <a:schemeClr val="tx1"/>
+                </a:solidFill>
+                <a:effectLst/>
+                <a:latin typeface="Segoe UI" panose="020B0502040204020203" pitchFamily="34" charset="0"/>
+                <a:cs typeface="Segoe UI" panose="020B0502040204020203" pitchFamily="34" charset="0"/>
+              </a:rPr>
+              <a:t>in the visuals pane.</a:t>
+            </a:r>
+          </a:p>
+          <a:p>
+            <a:pPr lvl="1" eaLnBrk="0" fontAlgn="base" hangingPunct="0">
+              <a:spcBef>
+                <a:spcPct val="0"/>
+              </a:spcBef>
+              <a:spcAft>
+                <a:spcPct val="0"/>
+              </a:spcAft>
+              <a:buFontTx/>
+              <a:buChar char="•"/>
+            </a:pPr>
+            <a:r>
+              <a:rPr kumimoji="0" lang="en" altLang="en-US" b="0" i="0" u="none" strike="noStrike" cap="none" normalizeH="0" baseline="0" dirty="0" smtClean="0">
+                <a:ln>
+                  <a:noFill/>
+                </a:ln>
+                <a:solidFill>
+                  <a:schemeClr val="tx1"/>
+                </a:solidFill>
+                <a:effectLst/>
+                <a:latin typeface="Segoe UI" panose="020B0502040204020203" pitchFamily="34" charset="0"/>
+                <a:cs typeface="Segoe UI" panose="020B0502040204020203" pitchFamily="34" charset="0"/>
+              </a:rPr>
+              <a:t>Drag </a:t>
+            </a:r>
+            <a:r>
+              <a:rPr kumimoji="0" lang="en" altLang="en-US" b="1" i="0" u="none" strike="noStrike" cap="none" normalizeH="0" baseline="0" dirty="0" smtClean="0">
+                <a:ln>
+                  <a:noFill/>
+                </a:ln>
+                <a:solidFill>
+                  <a:schemeClr val="tx1"/>
+                </a:solidFill>
+                <a:effectLst/>
+                <a:latin typeface="Segoe UI" panose="020B0502040204020203" pitchFamily="34" charset="0"/>
+                <a:cs typeface="Segoe UI" panose="020B0502040204020203" pitchFamily="34" charset="0"/>
+              </a:rPr>
+              <a:t>Turnover </a:t>
+            </a:r>
+            <a:r>
+              <a:rPr kumimoji="0" lang="en" altLang="en-US" b="0" i="0" u="none" strike="noStrike" cap="none" normalizeH="0" baseline="0" dirty="0" smtClean="0">
+                <a:ln>
+                  <a:noFill/>
+                </a:ln>
+                <a:solidFill>
+                  <a:schemeClr val="tx1"/>
+                </a:solidFill>
+                <a:effectLst/>
+                <a:latin typeface="Segoe UI" panose="020B0502040204020203" pitchFamily="34" charset="0"/>
+                <a:cs typeface="Segoe UI" panose="020B0502040204020203" pitchFamily="34" charset="0"/>
+              </a:rPr>
+              <a:t>into the </a:t>
+            </a:r>
+            <a:r>
+              <a:rPr kumimoji="0" lang="en" altLang="en-US" b="1" i="0" u="none" strike="noStrike" cap="none" normalizeH="0" baseline="0" dirty="0" smtClean="0">
+                <a:ln>
+                  <a:noFill/>
+                </a:ln>
+                <a:solidFill>
+                  <a:schemeClr val="tx1"/>
+                </a:solidFill>
+                <a:effectLst/>
+                <a:latin typeface="Segoe UI" panose="020B0502040204020203" pitchFamily="34" charset="0"/>
+                <a:cs typeface="Segoe UI" panose="020B0502040204020203" pitchFamily="34" charset="0"/>
+              </a:rPr>
+              <a:t>Value field </a:t>
+            </a:r>
+            <a:r>
+              <a:rPr kumimoji="0" lang="en" altLang="en-US" b="0" i="0" u="none" strike="noStrike" cap="none" normalizeH="0" baseline="0" dirty="0" smtClean="0">
+                <a:ln>
+                  <a:noFill/>
+                </a:ln>
+                <a:solidFill>
+                  <a:schemeClr val="tx1"/>
+                </a:solidFill>
+                <a:effectLst/>
+                <a:latin typeface="Segoe UI" panose="020B0502040204020203" pitchFamily="34" charset="0"/>
+                <a:cs typeface="Segoe UI" panose="020B0502040204020203" pitchFamily="34" charset="0"/>
+              </a:rPr>
+              <a:t>.</a:t>
+            </a:r>
+          </a:p>
+          <a:p>
+            <a:pPr lvl="1" eaLnBrk="0" fontAlgn="base" hangingPunct="0">
+              <a:spcBef>
+                <a:spcPct val="0"/>
+              </a:spcBef>
+              <a:spcAft>
+                <a:spcPct val="0"/>
+              </a:spcAft>
+              <a:buFontTx/>
+              <a:buChar char="•"/>
+            </a:pPr>
+            <a:r>
+              <a:rPr kumimoji="0" lang="en" altLang="en-US" b="0" i="0" u="none" strike="noStrike" cap="none" normalizeH="0" baseline="0" dirty="0" smtClean="0">
+                <a:ln>
+                  <a:noFill/>
+                </a:ln>
+                <a:solidFill>
+                  <a:schemeClr val="tx1"/>
+                </a:solidFill>
+                <a:effectLst/>
+                <a:latin typeface="Segoe UI" panose="020B0502040204020203" pitchFamily="34" charset="0"/>
+                <a:cs typeface="Segoe UI" panose="020B0502040204020203" pitchFamily="34" charset="0"/>
+              </a:rPr>
+              <a:t>Drag </a:t>
+            </a:r>
+            <a:r>
+              <a:rPr kumimoji="0" lang="en" altLang="en-US" b="1" i="0" u="none" strike="noStrike" cap="none" normalizeH="0" baseline="0" dirty="0" smtClean="0">
+                <a:ln>
+                  <a:noFill/>
+                </a:ln>
+                <a:solidFill>
+                  <a:schemeClr val="tx1"/>
+                </a:solidFill>
+                <a:effectLst/>
+                <a:latin typeface="Segoe UI" panose="020B0502040204020203" pitchFamily="34" charset="0"/>
+                <a:cs typeface="Segoe UI" panose="020B0502040204020203" pitchFamily="34" charset="0"/>
+              </a:rPr>
+              <a:t>Target </a:t>
+            </a:r>
+            <a:r>
+              <a:rPr kumimoji="0" lang="en" altLang="en-US" b="0" i="0" u="none" strike="noStrike" cap="none" normalizeH="0" baseline="0" dirty="0" smtClean="0">
+                <a:ln>
+                  <a:noFill/>
+                </a:ln>
+                <a:solidFill>
+                  <a:schemeClr val="tx1"/>
+                </a:solidFill>
+                <a:effectLst/>
+                <a:latin typeface="Segoe UI" panose="020B0502040204020203" pitchFamily="34" charset="0"/>
+                <a:cs typeface="Segoe UI" panose="020B0502040204020203" pitchFamily="34" charset="0"/>
+              </a:rPr>
+              <a:t>into the </a:t>
+            </a:r>
+            <a:r>
+              <a:rPr kumimoji="0" lang="en" altLang="en-US" b="1" i="0" u="none" strike="noStrike" cap="none" normalizeH="0" baseline="0" dirty="0" smtClean="0">
+                <a:ln>
+                  <a:noFill/>
+                </a:ln>
+                <a:solidFill>
+                  <a:schemeClr val="tx1"/>
+                </a:solidFill>
+                <a:effectLst/>
+                <a:latin typeface="Segoe UI" panose="020B0502040204020203" pitchFamily="34" charset="0"/>
+                <a:cs typeface="Segoe UI" panose="020B0502040204020203" pitchFamily="34" charset="0"/>
+              </a:rPr>
+              <a:t>Target Value field </a:t>
+            </a:r>
+            <a:r>
+              <a:rPr kumimoji="0" lang="en" altLang="en-US" b="0" i="0" u="none" strike="noStrike" cap="none" normalizeH="0" baseline="0" dirty="0" smtClean="0">
+                <a:ln>
+                  <a:noFill/>
+                </a:ln>
+                <a:solidFill>
+                  <a:schemeClr val="tx1"/>
+                </a:solidFill>
+                <a:effectLst/>
+                <a:latin typeface="Segoe UI" panose="020B0502040204020203" pitchFamily="34" charset="0"/>
+                <a:cs typeface="Segoe UI" panose="020B0502040204020203" pitchFamily="34" charset="0"/>
+              </a:rPr>
+              <a:t>.</a:t>
+            </a:r>
+          </a:p>
+          <a:p>
+            <a:pPr lvl="1" eaLnBrk="0" fontAlgn="base" hangingPunct="0">
+              <a:spcBef>
+                <a:spcPct val="0"/>
+              </a:spcBef>
+              <a:spcAft>
+                <a:spcPct val="0"/>
+              </a:spcAft>
+              <a:buFontTx/>
+              <a:buChar char="•"/>
+            </a:pPr>
+            <a:r>
+              <a:rPr kumimoji="0" lang="en" altLang="en-US" b="0" i="0" u="none" strike="noStrike" cap="none" normalizeH="0" baseline="0" dirty="0" smtClean="0">
+                <a:ln>
+                  <a:noFill/>
+                </a:ln>
+                <a:solidFill>
+                  <a:schemeClr val="tx1"/>
+                </a:solidFill>
+                <a:effectLst/>
+                <a:latin typeface="Segoe UI" panose="020B0502040204020203" pitchFamily="34" charset="0"/>
+                <a:cs typeface="Segoe UI" panose="020B0502040204020203" pitchFamily="34" charset="0"/>
+              </a:rPr>
+              <a:t>Drag </a:t>
+            </a:r>
+            <a:r>
+              <a:rPr kumimoji="0" lang="en" altLang="en-US" b="1" i="0" u="none" strike="noStrike" cap="none" normalizeH="0" baseline="0" dirty="0" smtClean="0">
+                <a:ln>
+                  <a:noFill/>
+                </a:ln>
+                <a:solidFill>
+                  <a:schemeClr val="tx1"/>
+                </a:solidFill>
+                <a:effectLst/>
+                <a:latin typeface="Segoe UI" panose="020B0502040204020203" pitchFamily="34" charset="0"/>
+                <a:cs typeface="Segoe UI" panose="020B0502040204020203" pitchFamily="34" charset="0"/>
+              </a:rPr>
+              <a:t>Date into the Axis </a:t>
+            </a:r>
+            <a:r>
+              <a:rPr kumimoji="0" lang="en" altLang="en-US" b="0" i="0" u="none" strike="noStrike" cap="none" normalizeH="0" baseline="0" dirty="0" smtClean="0">
+                <a:ln>
+                  <a:noFill/>
+                </a:ln>
+                <a:solidFill>
+                  <a:schemeClr val="tx1"/>
+                </a:solidFill>
+                <a:effectLst/>
+                <a:latin typeface="Segoe UI" panose="020B0502040204020203" pitchFamily="34" charset="0"/>
+                <a:cs typeface="Segoe UI" panose="020B0502040204020203" pitchFamily="34" charset="0"/>
+              </a:rPr>
+              <a:t>field to view the trend.</a:t>
+            </a:r>
+          </a:p>
+          <a:p>
+            <a:pPr lvl="1" eaLnBrk="0" fontAlgn="base" hangingPunct="0">
+              <a:spcBef>
+                <a:spcPct val="0"/>
+              </a:spcBef>
+              <a:spcAft>
+                <a:spcPct val="0"/>
+              </a:spcAft>
+            </a:pPr>
+            <a:endParaRPr kumimoji="0" lang="fr-FR" altLang="en-US" b="0" i="0" u="none" strike="noStrike" cap="none" normalizeH="0" baseline="0" dirty="0" smtClean="0">
+              <a:ln>
+                <a:noFill/>
+              </a:ln>
+              <a:solidFill>
+                <a:schemeClr val="tx1"/>
+              </a:solidFill>
+              <a:effectLst/>
+              <a:latin typeface="Segoe UI" panose="020B0502040204020203" pitchFamily="34" charset="0"/>
+              <a:cs typeface="Segoe UI" panose="020B0502040204020203" pitchFamily="34" charset="0"/>
+            </a:endParaRPr>
+          </a:p>
+        </p:txBody>
+      </p:sp>
+      <p:sp>
+        <p:nvSpPr>
+          <p:cNvPr id="7" name="Rectangle 2"/>
+          <p:cNvSpPr>
+            <a:spLocks noChangeArrowheads="1"/>
+          </p:cNvSpPr>
+          <p:nvPr/>
+        </p:nvSpPr>
+        <p:spPr bwMode="auto">
+          <a:xfrm>
+            <a:off x="653143" y="4033712"/>
+            <a:ext cx="10003398" cy="1200329"/>
+          </a:xfrm>
+          <a:prstGeom prst="rect">
+            <a:avLst/>
+          </a:prstGeom>
+          <a:noFill/>
+          <a:ln>
+            <a:noFill/>
+          </a:ln>
+          <a:effectLst/>
+          <a:extLst>
+            <a:ext uri="{909E8E84-426E-40DD-AFC4-6F175D3DCCD1}">
+              <a14:hiddenFill xmlns:a14="http://schemas.microsoft.com/office/drawing/2010/main">
+                <a:solidFill>
+                  <a:schemeClr val="accent1"/>
+                </a:solidFill>
+              </a14:hiddenFill>
+            </a:ext>
+            <a:ext uri="{91240B29-F687-4F45-9708-019B960494DF}">
+              <a14:hiddenLine xmlns:a14="http://schemas.microsoft.com/office/drawing/2010/main" w="9525">
+                <a:solidFill>
+                  <a:schemeClr val="tx1"/>
+                </a:solidFill>
+                <a:miter lim="800000"/>
+                <a:headEnd/>
+                <a:tailEnd/>
+              </a14:hiddenLine>
+            </a:ext>
+            <a:ext uri="{AF507438-7753-43E0-B8FC-AC1667EBCBE1}">
+              <a14:hiddenEffects xmlns:a14="http://schemas.microsoft.com/office/drawing/2010/main">
+                <a:effectLst>
+                  <a:outerShdw dist="35921" dir="2700000" algn="ctr" rotWithShape="0">
+                    <a:schemeClr val="bg2"/>
+                  </a:outerShdw>
+                </a:effectLst>
+              </a14:hiddenEffects>
+            </a:ext>
+          </a:extLst>
+        </p:spPr>
+        <p:txBody>
+          <a:bodyPr vert="horz" wrap="square" lIns="91440" tIns="45720" rIns="91440" bIns="45720" numCol="1" anchor="ctr" anchorCtr="0" compatLnSpc="1">
+            <a:prstTxWarp prst="textNoShape">
+              <a:avLst/>
+            </a:prstTxWarp>
+            <a:spAutoFit/>
+          </a:bodyPr>
+          <a:lstStyle/>
+          <a:p>
+            <a:pPr marL="0" marR="0" lvl="0" indent="0" algn="l" defTabSz="914400" rtl="0" eaLnBrk="0" fontAlgn="base" latinLnBrk="0" hangingPunct="0">
+              <a:lnSpc>
+                <a:spcPct val="100000"/>
+              </a:lnSpc>
+              <a:spcBef>
+                <a:spcPct val="0"/>
+              </a:spcBef>
+              <a:spcAft>
+                <a:spcPct val="0"/>
+              </a:spcAft>
+              <a:buClrTx/>
+              <a:buSzTx/>
+              <a:buFontTx/>
+              <a:buChar char="•"/>
+              <a:tabLst/>
+            </a:pPr>
+            <a:r>
+              <a:rPr kumimoji="0" lang="en" altLang="en-US" sz="1800" b="1" i="0" u="none" strike="noStrike" cap="none" normalizeH="0" baseline="0" dirty="0" err="1" smtClean="0">
+                <a:ln>
+                  <a:noFill/>
+                </a:ln>
+                <a:solidFill>
+                  <a:schemeClr val="tx1"/>
+                </a:solidFill>
+                <a:effectLst/>
+                <a:latin typeface="Segoe UI" panose="020B0502040204020203" pitchFamily="34" charset="0"/>
+                <a:cs typeface="Segoe UI" panose="020B0502040204020203" pitchFamily="34" charset="0"/>
+              </a:rPr>
+              <a:t>Value </a:t>
+            </a:r>
+            <a:r>
+              <a:rPr kumimoji="0" lang="en" altLang="en-US" sz="1800" b="0" i="0" u="none" strike="noStrike" cap="none" normalizeH="0" baseline="0" dirty="0" smtClean="0">
+                <a:ln>
+                  <a:noFill/>
+                </a:ln>
+                <a:solidFill>
+                  <a:schemeClr val="tx1"/>
+                </a:solidFill>
+                <a:effectLst/>
+                <a:latin typeface="Segoe UI" panose="020B0502040204020203" pitchFamily="34" charset="0"/>
+                <a:cs typeface="Segoe UI" panose="020B0502040204020203" pitchFamily="34" charset="0"/>
+              </a:rPr>
+              <a:t>→ Main </a:t>
+            </a:r>
+            <a:r>
+              <a:rPr kumimoji="0" lang="en" altLang="en-US" sz="1800" b="0" i="0" u="none" strike="noStrike" cap="none" normalizeH="0" baseline="0" dirty="0" err="1" smtClean="0">
+                <a:ln>
+                  <a:noFill/>
+                </a:ln>
+                <a:solidFill>
+                  <a:schemeClr val="tx1"/>
+                </a:solidFill>
+                <a:effectLst/>
+                <a:latin typeface="Segoe UI" panose="020B0502040204020203" pitchFamily="34" charset="0"/>
+                <a:cs typeface="Segoe UI" panose="020B0502040204020203" pitchFamily="34" charset="0"/>
+              </a:rPr>
+              <a:t>indicator ( example </a:t>
+            </a:r>
+            <a:r>
+              <a:rPr kumimoji="0" lang="en" altLang="en-US" sz="1800" b="0" i="0" u="none" strike="noStrike" cap="none" normalizeH="0" baseline="0" dirty="0" smtClean="0">
+                <a:ln>
+                  <a:noFill/>
+                </a:ln>
+                <a:solidFill>
+                  <a:schemeClr val="tx1"/>
+                </a:solidFill>
+                <a:effectLst/>
+                <a:latin typeface="Segoe UI" panose="020B0502040204020203" pitchFamily="34" charset="0"/>
+                <a:cs typeface="Segoe UI" panose="020B0502040204020203" pitchFamily="34" charset="0"/>
+              </a:rPr>
+              <a:t>: </a:t>
+            </a:r>
+            <a:r>
+              <a:rPr kumimoji="0" lang="en" altLang="en-US" sz="1800" b="0" i="0" u="none" strike="noStrike" cap="none" normalizeH="0" baseline="0" dirty="0" err="1" smtClean="0">
+                <a:ln>
+                  <a:noFill/>
+                </a:ln>
+                <a:solidFill>
+                  <a:schemeClr val="tx1"/>
+                </a:solidFill>
+                <a:effectLst/>
+                <a:latin typeface="Segoe UI" panose="020B0502040204020203" pitchFamily="34" charset="0"/>
+                <a:cs typeface="Segoe UI" panose="020B0502040204020203" pitchFamily="34" charset="0"/>
+              </a:rPr>
+              <a:t>figure</a:t>
+            </a:r>
+            <a:r>
+              <a:rPr kumimoji="0" lang="en" altLang="en-US" sz="1800" b="0" i="0" u="none" strike="noStrike" cap="none" normalizeH="0" baseline="0" dirty="0" smtClean="0">
+                <a:ln>
+                  <a:noFill/>
+                </a:ln>
+                <a:solidFill>
+                  <a:schemeClr val="tx1"/>
+                </a:solidFill>
+                <a:effectLst/>
+                <a:latin typeface="Segoe UI" panose="020B0502040204020203" pitchFamily="34" charset="0"/>
+                <a:cs typeface="Segoe UI" panose="020B0502040204020203" pitchFamily="34" charset="0"/>
+              </a:rPr>
+              <a:t> </a:t>
+            </a:r>
+            <a:r>
+              <a:rPr kumimoji="0" lang="en" altLang="en-US" sz="1800" b="0" i="0" u="none" strike="noStrike" cap="none" normalizeH="0" baseline="0" dirty="0" err="1" smtClean="0">
+                <a:ln>
+                  <a:noFill/>
+                </a:ln>
+                <a:solidFill>
+                  <a:schemeClr val="tx1"/>
+                </a:solidFill>
+                <a:effectLst/>
+                <a:latin typeface="Segoe UI" panose="020B0502040204020203" pitchFamily="34" charset="0"/>
+                <a:cs typeface="Segoe UI" panose="020B0502040204020203" pitchFamily="34" charset="0"/>
+              </a:rPr>
+              <a:t>business</a:t>
+            </a:r>
+            <a:r>
+              <a:rPr kumimoji="0" lang="en" altLang="en-US" sz="1800" b="0" i="0" u="none" strike="noStrike" cap="none" normalizeH="0" baseline="0" dirty="0" smtClean="0">
+                <a:ln>
+                  <a:noFill/>
+                </a:ln>
+                <a:solidFill>
+                  <a:schemeClr val="tx1"/>
+                </a:solidFill>
+                <a:effectLst/>
+                <a:latin typeface="Segoe UI" panose="020B0502040204020203" pitchFamily="34" charset="0"/>
+                <a:cs typeface="Segoe UI" panose="020B0502040204020203" pitchFamily="34" charset="0"/>
+              </a:rPr>
+              <a:t> </a:t>
+            </a:r>
+            <a:r>
+              <a:rPr kumimoji="0" lang="en" altLang="en-US" sz="1800" b="0" i="0" u="none" strike="noStrike" cap="none" normalizeH="0" baseline="0" dirty="0" err="1" smtClean="0">
+                <a:ln>
+                  <a:noFill/>
+                </a:ln>
+                <a:solidFill>
+                  <a:schemeClr val="tx1"/>
+                </a:solidFill>
+                <a:effectLst/>
+                <a:latin typeface="Segoe UI" panose="020B0502040204020203" pitchFamily="34" charset="0"/>
+                <a:cs typeface="Segoe UI" panose="020B0502040204020203" pitchFamily="34" charset="0"/>
+              </a:rPr>
+              <a:t>current </a:t>
+            </a:r>
+            <a:r>
+              <a:rPr kumimoji="0" lang="en" altLang="en-US" sz="1800" b="0" i="0" u="none" strike="noStrike" cap="none" normalizeH="0" baseline="0" dirty="0" smtClean="0">
+                <a:ln>
+                  <a:noFill/>
+                </a:ln>
+                <a:solidFill>
+                  <a:schemeClr val="tx1"/>
+                </a:solidFill>
+                <a:effectLst/>
+                <a:latin typeface="Segoe UI" panose="020B0502040204020203" pitchFamily="34" charset="0"/>
+                <a:cs typeface="Segoe UI" panose="020B0502040204020203" pitchFamily="34" charset="0"/>
+              </a:rPr>
+              <a:t>).</a:t>
+            </a:r>
+          </a:p>
+          <a:p>
+            <a:pPr marL="0" marR="0" lvl="0" indent="0" algn="l" defTabSz="914400" rtl="0" eaLnBrk="0" fontAlgn="base" latinLnBrk="0" hangingPunct="0">
+              <a:lnSpc>
+                <a:spcPct val="100000"/>
+              </a:lnSpc>
+              <a:spcBef>
+                <a:spcPct val="0"/>
+              </a:spcBef>
+              <a:spcAft>
+                <a:spcPct val="0"/>
+              </a:spcAft>
+              <a:buClrTx/>
+              <a:buSzTx/>
+              <a:buFontTx/>
+              <a:buChar char="•"/>
+              <a:tabLst/>
+            </a:pPr>
+            <a:r>
+              <a:rPr kumimoji="0" lang="en" altLang="en-US" sz="1800" b="1" i="0" u="none" strike="noStrike" cap="none" normalizeH="0" baseline="0" dirty="0" err="1" smtClean="0">
+                <a:ln>
+                  <a:noFill/>
+                </a:ln>
+                <a:solidFill>
+                  <a:schemeClr val="tx1"/>
+                </a:solidFill>
+                <a:effectLst/>
+                <a:latin typeface="Segoe UI" panose="020B0502040204020203" pitchFamily="34" charset="0"/>
+                <a:cs typeface="Segoe UI" panose="020B0502040204020203" pitchFamily="34" charset="0"/>
+              </a:rPr>
+              <a:t>Value</a:t>
+            </a:r>
+            <a:r>
+              <a:rPr kumimoji="0" lang="en" altLang="en-US" sz="1800" b="1" i="0" u="none" strike="noStrike" cap="none" normalizeH="0" baseline="0" dirty="0" smtClean="0">
+                <a:ln>
+                  <a:noFill/>
+                </a:ln>
+                <a:solidFill>
+                  <a:schemeClr val="tx1"/>
+                </a:solidFill>
+                <a:effectLst/>
+                <a:latin typeface="Segoe UI" panose="020B0502040204020203" pitchFamily="34" charset="0"/>
+                <a:cs typeface="Segoe UI" panose="020B0502040204020203" pitchFamily="34" charset="0"/>
+              </a:rPr>
+              <a:t> </a:t>
+            </a:r>
+            <a:r>
+              <a:rPr kumimoji="0" lang="en" altLang="en-US" sz="1800" b="1" i="0" u="none" strike="noStrike" cap="none" normalizeH="0" baseline="0" dirty="0" err="1" smtClean="0">
+                <a:ln>
+                  <a:noFill/>
+                </a:ln>
+                <a:solidFill>
+                  <a:schemeClr val="tx1"/>
+                </a:solidFill>
+                <a:effectLst/>
+                <a:latin typeface="Segoe UI" panose="020B0502040204020203" pitchFamily="34" charset="0"/>
+                <a:cs typeface="Segoe UI" panose="020B0502040204020203" pitchFamily="34" charset="0"/>
+              </a:rPr>
+              <a:t>target </a:t>
+            </a:r>
+            <a:r>
+              <a:rPr kumimoji="0" lang="en" altLang="en-US" sz="1800" b="0" i="0" u="none" strike="noStrike" cap="none" normalizeH="0" baseline="0" dirty="0" smtClean="0">
+                <a:ln>
+                  <a:noFill/>
+                </a:ln>
+                <a:solidFill>
+                  <a:schemeClr val="tx1"/>
+                </a:solidFill>
+                <a:effectLst/>
+                <a:latin typeface="Segoe UI" panose="020B0502040204020203" pitchFamily="34" charset="0"/>
+                <a:cs typeface="Segoe UI" panose="020B0502040204020203" pitchFamily="34" charset="0"/>
+              </a:rPr>
+              <a:t>→ </a:t>
+            </a:r>
+            <a:r>
+              <a:rPr kumimoji="0" lang="en" altLang="en-US" sz="1800" b="0" i="0" u="none" strike="noStrike" cap="none" normalizeH="0" baseline="0" dirty="0" err="1" smtClean="0">
+                <a:ln>
+                  <a:noFill/>
+                </a:ln>
+                <a:solidFill>
+                  <a:schemeClr val="tx1"/>
+                </a:solidFill>
+                <a:effectLst/>
+                <a:latin typeface="Segoe UI" panose="020B0502040204020203" pitchFamily="34" charset="0"/>
+                <a:cs typeface="Segoe UI" panose="020B0502040204020203" pitchFamily="34" charset="0"/>
+              </a:rPr>
+              <a:t>Objective </a:t>
+            </a:r>
+            <a:r>
+              <a:rPr kumimoji="0" lang="en" altLang="en-US" sz="1800" b="0" i="0" u="none" strike="noStrike" cap="none" normalizeH="0" baseline="0" dirty="0" smtClean="0">
+                <a:ln>
+                  <a:noFill/>
+                </a:ln>
+                <a:solidFill>
+                  <a:schemeClr val="tx1"/>
+                </a:solidFill>
+                <a:effectLst/>
+                <a:latin typeface="Segoe UI" panose="020B0502040204020203" pitchFamily="34" charset="0"/>
+                <a:cs typeface="Segoe UI" panose="020B0502040204020203" pitchFamily="34" charset="0"/>
+              </a:rPr>
+              <a:t>to be </a:t>
+            </a:r>
+            <a:r>
+              <a:rPr kumimoji="0" lang="en" altLang="en-US" sz="1800" b="0" i="0" u="none" strike="noStrike" cap="none" normalizeH="0" baseline="0" dirty="0" err="1" smtClean="0">
+                <a:ln>
+                  <a:noFill/>
+                </a:ln>
+                <a:solidFill>
+                  <a:schemeClr val="tx1"/>
+                </a:solidFill>
+                <a:effectLst/>
+                <a:latin typeface="Segoe UI" panose="020B0502040204020203" pitchFamily="34" charset="0"/>
+                <a:cs typeface="Segoe UI" panose="020B0502040204020203" pitchFamily="34" charset="0"/>
+              </a:rPr>
+              <a:t>achieved </a:t>
+            </a:r>
+            <a:r>
+              <a:rPr kumimoji="0" lang="en" altLang="en-US" sz="1800" b="0" i="0" u="none" strike="noStrike" cap="none" normalizeH="0" baseline="0" dirty="0" smtClean="0">
+                <a:ln>
+                  <a:noFill/>
+                </a:ln>
+                <a:solidFill>
+                  <a:schemeClr val="tx1"/>
+                </a:solidFill>
+                <a:effectLst/>
+                <a:latin typeface="Segoe UI" panose="020B0502040204020203" pitchFamily="34" charset="0"/>
+                <a:cs typeface="Segoe UI" panose="020B0502040204020203" pitchFamily="34" charset="0"/>
+              </a:rPr>
+              <a:t>.</a:t>
+            </a:r>
+          </a:p>
+          <a:p>
+            <a:pPr marL="0" marR="0" lvl="0" indent="0" algn="l" defTabSz="914400" rtl="0" eaLnBrk="0" fontAlgn="base" latinLnBrk="0" hangingPunct="0">
+              <a:lnSpc>
+                <a:spcPct val="100000"/>
+              </a:lnSpc>
+              <a:spcBef>
+                <a:spcPct val="0"/>
+              </a:spcBef>
+              <a:spcAft>
+                <a:spcPct val="0"/>
+              </a:spcAft>
+              <a:buClrTx/>
+              <a:buSzTx/>
+              <a:buFontTx/>
+              <a:buChar char="•"/>
+              <a:tabLst/>
+            </a:pPr>
+            <a:r>
+              <a:rPr kumimoji="0" lang="en" altLang="en-US" sz="1800" b="1" i="0" u="none" strike="noStrike" cap="none" normalizeH="0" baseline="0" dirty="0" smtClean="0">
+                <a:ln>
+                  <a:noFill/>
+                </a:ln>
+                <a:solidFill>
+                  <a:schemeClr val="tx1"/>
+                </a:solidFill>
+                <a:effectLst/>
+                <a:latin typeface="Segoe UI" panose="020B0502040204020203" pitchFamily="34" charset="0"/>
+                <a:cs typeface="Segoe UI" panose="020B0502040204020203" pitchFamily="34" charset="0"/>
+              </a:rPr>
+              <a:t>Axis </a:t>
+            </a:r>
+            <a:r>
+              <a:rPr kumimoji="0" lang="en" altLang="en-US" sz="1800" b="0" i="0" u="none" strike="noStrike" cap="none" normalizeH="0" baseline="0" dirty="0" smtClean="0">
+                <a:ln>
+                  <a:noFill/>
+                </a:ln>
+                <a:solidFill>
+                  <a:schemeClr val="tx1"/>
+                </a:solidFill>
+                <a:effectLst/>
+                <a:latin typeface="Segoe UI" panose="020B0502040204020203" pitchFamily="34" charset="0"/>
+                <a:cs typeface="Segoe UI" panose="020B0502040204020203" pitchFamily="34" charset="0"/>
+              </a:rPr>
+              <a:t>→ </a:t>
+            </a:r>
+            <a:r>
+              <a:rPr kumimoji="0" lang="en" altLang="en-US" sz="1800" b="0" i="0" u="none" strike="noStrike" cap="none" normalizeH="0" baseline="0" dirty="0" err="1" smtClean="0">
+                <a:ln>
+                  <a:noFill/>
+                </a:ln>
+                <a:solidFill>
+                  <a:schemeClr val="tx1"/>
+                </a:solidFill>
+                <a:effectLst/>
+                <a:latin typeface="Segoe UI" panose="020B0502040204020203" pitchFamily="34" charset="0"/>
+                <a:cs typeface="Segoe UI" panose="020B0502040204020203" pitchFamily="34" charset="0"/>
+              </a:rPr>
+              <a:t>Indicates </a:t>
+            </a:r>
+            <a:r>
+              <a:rPr kumimoji="0" lang="en" altLang="en-US" sz="1800" b="0" i="0" u="none" strike="noStrike" cap="none" normalizeH="0" baseline="0" dirty="0" smtClean="0">
+                <a:ln>
+                  <a:noFill/>
+                </a:ln>
+                <a:solidFill>
+                  <a:schemeClr val="tx1"/>
+                </a:solidFill>
+                <a:effectLst/>
+                <a:latin typeface="Segoe UI" panose="020B0502040204020203" pitchFamily="34" charset="0"/>
+                <a:cs typeface="Segoe UI" panose="020B0502040204020203" pitchFamily="34" charset="0"/>
+              </a:rPr>
+              <a:t>the </a:t>
+            </a:r>
+            <a:r>
+              <a:rPr kumimoji="0" lang="en" altLang="en-US" sz="1800" b="0" i="0" u="none" strike="noStrike" cap="none" normalizeH="0" baseline="0" dirty="0" err="1" smtClean="0">
+                <a:ln>
+                  <a:noFill/>
+                </a:ln>
+                <a:solidFill>
+                  <a:schemeClr val="tx1"/>
+                </a:solidFill>
+                <a:effectLst/>
+                <a:latin typeface="Segoe UI" panose="020B0502040204020203" pitchFamily="34" charset="0"/>
+                <a:cs typeface="Segoe UI" panose="020B0502040204020203" pitchFamily="34" charset="0"/>
+              </a:rPr>
+              <a:t>trend </a:t>
+            </a:r>
+            <a:r>
+              <a:rPr kumimoji="0" lang="en" altLang="en-US" sz="1800" b="0" i="0" u="none" strike="noStrike" cap="none" normalizeH="0" baseline="0" dirty="0" smtClean="0">
+                <a:ln>
+                  <a:noFill/>
+                </a:ln>
+                <a:solidFill>
+                  <a:schemeClr val="tx1"/>
+                </a:solidFill>
+                <a:effectLst/>
+                <a:latin typeface="Segoe UI" panose="020B0502040204020203" pitchFamily="34" charset="0"/>
+                <a:cs typeface="Segoe UI" panose="020B0502040204020203" pitchFamily="34" charset="0"/>
+              </a:rPr>
+              <a:t>over time.</a:t>
+            </a:r>
+          </a:p>
+          <a:p>
+            <a:pPr marL="0" marR="0" lvl="0" indent="0" algn="l" defTabSz="914400" rtl="0" eaLnBrk="0" fontAlgn="base" latinLnBrk="0" hangingPunct="0">
+              <a:lnSpc>
+                <a:spcPct val="100000"/>
+              </a:lnSpc>
+              <a:spcBef>
+                <a:spcPct val="0"/>
+              </a:spcBef>
+              <a:spcAft>
+                <a:spcPct val="0"/>
+              </a:spcAft>
+              <a:buClrTx/>
+              <a:buSzTx/>
+              <a:buFontTx/>
+              <a:buChar char="•"/>
+              <a:tabLst/>
+            </a:pPr>
+            <a:r>
+              <a:rPr kumimoji="0" lang="en" altLang="en-US" sz="1800" b="1" i="0" u="none" strike="noStrike" cap="none" normalizeH="0" baseline="0" dirty="0" err="1" smtClean="0">
+                <a:ln>
+                  <a:noFill/>
+                </a:ln>
+                <a:solidFill>
+                  <a:schemeClr val="tx1"/>
+                </a:solidFill>
+                <a:effectLst/>
+                <a:latin typeface="Segoe UI" panose="020B0502040204020203" pitchFamily="34" charset="0"/>
+                <a:cs typeface="Segoe UI" panose="020B0502040204020203" pitchFamily="34" charset="0"/>
+              </a:rPr>
+              <a:t>Colors </a:t>
+            </a:r>
+            <a:r>
+              <a:rPr kumimoji="0" lang="en" altLang="en-US" sz="1800" b="0" i="0" u="none" strike="noStrike" cap="none" normalizeH="0" baseline="0" dirty="0" smtClean="0">
+                <a:ln>
+                  <a:noFill/>
+                </a:ln>
+                <a:solidFill>
+                  <a:schemeClr val="tx1"/>
+                </a:solidFill>
+                <a:effectLst/>
+                <a:latin typeface="Segoe UI" panose="020B0502040204020203" pitchFamily="34" charset="0"/>
+                <a:cs typeface="Segoe UI" panose="020B0502040204020203" pitchFamily="34" charset="0"/>
+              </a:rPr>
+              <a:t>→ </a:t>
+            </a:r>
+            <a:r>
+              <a:rPr kumimoji="0" lang="en" altLang="en-US" sz="1800" b="0" i="0" u="none" strike="noStrike" cap="none" normalizeH="0" baseline="0" dirty="0" err="1" smtClean="0">
+                <a:ln>
+                  <a:noFill/>
+                </a:ln>
+                <a:solidFill>
+                  <a:schemeClr val="tx1"/>
+                </a:solidFill>
+                <a:effectLst/>
+                <a:latin typeface="Segoe UI" panose="020B0502040204020203" pitchFamily="34" charset="0"/>
+                <a:cs typeface="Segoe UI" panose="020B0502040204020203" pitchFamily="34" charset="0"/>
+              </a:rPr>
+              <a:t>Green</a:t>
+            </a:r>
+            <a:r>
+              <a:rPr kumimoji="0" lang="en" altLang="en-US" sz="1800" b="0" i="0" u="none" strike="noStrike" cap="none" normalizeH="0" baseline="0" dirty="0" smtClean="0">
+                <a:ln>
+                  <a:noFill/>
+                </a:ln>
+                <a:solidFill>
+                  <a:schemeClr val="tx1"/>
+                </a:solidFill>
+                <a:effectLst/>
+                <a:latin typeface="Segoe UI" panose="020B0502040204020203" pitchFamily="34" charset="0"/>
+                <a:cs typeface="Segoe UI" panose="020B0502040204020203" pitchFamily="34" charset="0"/>
+              </a:rPr>
+              <a:t> </a:t>
+            </a:r>
+            <a:r>
+              <a:rPr kumimoji="0" lang="en" altLang="en-US" sz="1800" b="0" i="0" u="none" strike="noStrike" cap="none" normalizeH="0" baseline="0" dirty="0" err="1" smtClean="0">
+                <a:ln>
+                  <a:noFill/>
+                </a:ln>
+                <a:solidFill>
+                  <a:schemeClr val="tx1"/>
+                </a:solidFill>
+                <a:effectLst/>
+                <a:latin typeface="Segoe UI" panose="020B0502040204020203" pitchFamily="34" charset="0"/>
+                <a:cs typeface="Segoe UI" panose="020B0502040204020203" pitchFamily="34" charset="0"/>
+              </a:rPr>
+              <a:t>if</a:t>
+            </a:r>
+            <a:r>
+              <a:rPr kumimoji="0" lang="en" altLang="en-US" sz="1800" b="0" i="0" u="none" strike="noStrike" cap="none" normalizeH="0" baseline="0" dirty="0" smtClean="0">
+                <a:ln>
+                  <a:noFill/>
+                </a:ln>
+                <a:solidFill>
+                  <a:schemeClr val="tx1"/>
+                </a:solidFill>
+                <a:effectLst/>
+                <a:latin typeface="Segoe UI" panose="020B0502040204020203" pitchFamily="34" charset="0"/>
+                <a:cs typeface="Segoe UI" panose="020B0502040204020203" pitchFamily="34" charset="0"/>
+              </a:rPr>
+              <a:t> </a:t>
+            </a:r>
+            <a:r>
+              <a:rPr kumimoji="0" lang="en" altLang="en-US" sz="1800" b="0" i="0" u="none" strike="noStrike" cap="none" normalizeH="0" baseline="0" dirty="0" err="1" smtClean="0">
+                <a:ln>
+                  <a:noFill/>
+                </a:ln>
+                <a:solidFill>
+                  <a:schemeClr val="tx1"/>
+                </a:solidFill>
+                <a:effectLst/>
+                <a:latin typeface="Segoe UI" panose="020B0502040204020203" pitchFamily="34" charset="0"/>
+                <a:cs typeface="Segoe UI" panose="020B0502040204020203" pitchFamily="34" charset="0"/>
+              </a:rPr>
+              <a:t>the objective</a:t>
+            </a:r>
+            <a:r>
+              <a:rPr kumimoji="0" lang="en" altLang="en-US" sz="1800" b="0" i="0" u="none" strike="noStrike" cap="none" normalizeH="0" baseline="0" dirty="0" smtClean="0">
+                <a:ln>
+                  <a:noFill/>
+                </a:ln>
+                <a:solidFill>
+                  <a:schemeClr val="tx1"/>
+                </a:solidFill>
+                <a:effectLst/>
+                <a:latin typeface="Segoe UI" panose="020B0502040204020203" pitchFamily="34" charset="0"/>
+                <a:cs typeface="Segoe UI" panose="020B0502040204020203" pitchFamily="34" charset="0"/>
+              </a:rPr>
+              <a:t> </a:t>
+            </a:r>
+            <a:r>
+              <a:rPr kumimoji="0" lang="en" altLang="en-US" sz="1800" b="0" i="0" u="none" strike="noStrike" cap="none" normalizeH="0" baseline="0" dirty="0" err="1" smtClean="0">
+                <a:ln>
+                  <a:noFill/>
+                </a:ln>
+                <a:solidFill>
+                  <a:schemeClr val="tx1"/>
+                </a:solidFill>
+                <a:effectLst/>
+                <a:latin typeface="Segoe UI" panose="020B0502040204020203" pitchFamily="34" charset="0"/>
+                <a:cs typeface="Segoe UI" panose="020B0502040204020203" pitchFamily="34" charset="0"/>
+              </a:rPr>
+              <a:t>East</a:t>
+            </a:r>
+            <a:r>
+              <a:rPr kumimoji="0" lang="en" altLang="en-US" sz="1800" b="0" i="0" u="none" strike="noStrike" cap="none" normalizeH="0" baseline="0" dirty="0" smtClean="0">
+                <a:ln>
+                  <a:noFill/>
+                </a:ln>
+                <a:solidFill>
+                  <a:schemeClr val="tx1"/>
+                </a:solidFill>
+                <a:effectLst/>
+                <a:latin typeface="Segoe UI" panose="020B0502040204020203" pitchFamily="34" charset="0"/>
+                <a:cs typeface="Segoe UI" panose="020B0502040204020203" pitchFamily="34" charset="0"/>
+              </a:rPr>
+              <a:t> </a:t>
+            </a:r>
+            <a:r>
+              <a:rPr kumimoji="0" lang="en" altLang="en-US" sz="1800" b="0" i="0" u="none" strike="noStrike" cap="none" normalizeH="0" baseline="0" dirty="0" err="1" smtClean="0">
+                <a:ln>
+                  <a:noFill/>
+                </a:ln>
+                <a:solidFill>
+                  <a:schemeClr val="tx1"/>
+                </a:solidFill>
+                <a:effectLst/>
+                <a:latin typeface="Segoe UI" panose="020B0502040204020203" pitchFamily="34" charset="0"/>
+                <a:cs typeface="Segoe UI" panose="020B0502040204020203" pitchFamily="34" charset="0"/>
+              </a:rPr>
+              <a:t>reached </a:t>
+            </a:r>
+            <a:r>
+              <a:rPr kumimoji="0" lang="en" altLang="en-US" sz="1800" b="0" i="0" u="none" strike="noStrike" cap="none" normalizeH="0" baseline="0" dirty="0" smtClean="0">
+                <a:ln>
+                  <a:noFill/>
+                </a:ln>
+                <a:solidFill>
+                  <a:schemeClr val="tx1"/>
+                </a:solidFill>
+                <a:effectLst/>
+                <a:latin typeface="Segoe UI" panose="020B0502040204020203" pitchFamily="34" charset="0"/>
+                <a:cs typeface="Segoe UI" panose="020B0502040204020203" pitchFamily="34" charset="0"/>
+              </a:rPr>
+              <a:t>, </a:t>
+            </a:r>
+            <a:r>
+              <a:rPr kumimoji="0" lang="en" altLang="en-US" sz="1800" b="0" i="0" u="none" strike="noStrike" cap="none" normalizeH="0" baseline="0" dirty="0" err="1" smtClean="0">
+                <a:ln>
+                  <a:noFill/>
+                </a:ln>
+                <a:solidFill>
+                  <a:schemeClr val="tx1"/>
+                </a:solidFill>
+                <a:effectLst/>
+                <a:latin typeface="Segoe UI" panose="020B0502040204020203" pitchFamily="34" charset="0"/>
+                <a:cs typeface="Segoe UI" panose="020B0502040204020203" pitchFamily="34" charset="0"/>
+              </a:rPr>
+              <a:t>Yellow </a:t>
+            </a:r>
+            <a:r>
+              <a:rPr lang="en" altLang="en-US" dirty="0" err="1" smtClean="0">
+                <a:latin typeface="Segoe UI" panose="020B0502040204020203" pitchFamily="34" charset="0"/>
+                <a:cs typeface="Segoe UI" panose="020B0502040204020203" pitchFamily="34" charset="0"/>
+              </a:rPr>
+              <a:t>e</a:t>
+            </a:r>
+            <a:r>
+              <a:rPr lang="en" altLang="en-US" dirty="0" smtClean="0">
+                <a:latin typeface="Segoe UI" panose="020B0502040204020203" pitchFamily="34" charset="0"/>
+                <a:cs typeface="Segoe UI" panose="020B0502040204020203" pitchFamily="34" charset="0"/>
+              </a:rPr>
+              <a:t> </a:t>
+            </a:r>
+            <a:r>
+              <a:rPr lang="en" altLang="en-US" dirty="0" err="1" smtClean="0">
+                <a:latin typeface="Segoe UI" panose="020B0502040204020203" pitchFamily="34" charset="0"/>
+                <a:cs typeface="Segoe UI" panose="020B0502040204020203" pitchFamily="34" charset="0"/>
+              </a:rPr>
+              <a:t>if </a:t>
+            </a:r>
+            <a:r>
+              <a:rPr lang="en" altLang="en-US" dirty="0" smtClean="0">
+                <a:latin typeface="Segoe UI" panose="020B0502040204020203" pitchFamily="34" charset="0"/>
+                <a:cs typeface="Segoe UI" panose="020B0502040204020203" pitchFamily="34" charset="0"/>
+              </a:rPr>
+              <a:t>the </a:t>
+            </a:r>
+            <a:r>
+              <a:rPr lang="en" altLang="en-US" dirty="0" err="1" smtClean="0">
+                <a:latin typeface="Segoe UI" panose="020B0502040204020203" pitchFamily="34" charset="0"/>
+                <a:cs typeface="Segoe UI" panose="020B0502040204020203" pitchFamily="34" charset="0"/>
+              </a:rPr>
+              <a:t>result</a:t>
+            </a:r>
+            <a:r>
+              <a:rPr lang="en" altLang="en-US" dirty="0" smtClean="0">
+                <a:latin typeface="Segoe UI" panose="020B0502040204020203" pitchFamily="34" charset="0"/>
+                <a:cs typeface="Segoe UI" panose="020B0502040204020203" pitchFamily="34" charset="0"/>
+              </a:rPr>
+              <a:t> </a:t>
+            </a:r>
+            <a:r>
+              <a:rPr lang="en" altLang="en-US" dirty="0" err="1" smtClean="0">
+                <a:latin typeface="Segoe UI" panose="020B0502040204020203" pitchFamily="34" charset="0"/>
+                <a:cs typeface="Segoe UI" panose="020B0502040204020203" pitchFamily="34" charset="0"/>
+              </a:rPr>
+              <a:t>is </a:t>
+            </a:r>
+            <a:r>
+              <a:rPr lang="en" altLang="en-US" dirty="0" smtClean="0">
+                <a:latin typeface="Segoe UI" panose="020B0502040204020203" pitchFamily="34" charset="0"/>
+                <a:cs typeface="Segoe UI" panose="020B0502040204020203" pitchFamily="34" charset="0"/>
+              </a:rPr>
+              <a:t>neutral, </a:t>
+            </a:r>
+            <a:r>
+              <a:rPr kumimoji="0" lang="en" altLang="en-US" sz="1800" b="0" i="0" u="none" strike="noStrike" cap="none" normalizeH="0" baseline="0" dirty="0" smtClean="0">
+                <a:ln>
+                  <a:noFill/>
+                </a:ln>
+                <a:solidFill>
+                  <a:schemeClr val="tx1"/>
+                </a:solidFill>
+                <a:effectLst/>
+                <a:latin typeface="Segoe UI" panose="020B0502040204020203" pitchFamily="34" charset="0"/>
+                <a:cs typeface="Segoe UI" panose="020B0502040204020203" pitchFamily="34" charset="0"/>
+              </a:rPr>
+              <a:t>red </a:t>
+            </a:r>
+            <a:r>
+              <a:rPr kumimoji="0" lang="en" altLang="en-US" sz="1800" b="0" i="0" u="none" strike="noStrike" cap="none" normalizeH="0" baseline="0" dirty="0" err="1" smtClean="0">
+                <a:ln>
+                  <a:noFill/>
+                </a:ln>
+                <a:solidFill>
+                  <a:schemeClr val="tx1"/>
+                </a:solidFill>
+                <a:effectLst/>
+                <a:latin typeface="Segoe UI" panose="020B0502040204020203" pitchFamily="34" charset="0"/>
+                <a:cs typeface="Segoe UI" panose="020B0502040204020203" pitchFamily="34" charset="0"/>
+              </a:rPr>
+              <a:t>otherwise </a:t>
+            </a:r>
+            <a:r>
+              <a:rPr kumimoji="0" lang="en" altLang="en-US" sz="1800" b="0" i="0" u="none" strike="noStrike" cap="none" normalizeH="0" baseline="0" dirty="0" smtClean="0">
+                <a:ln>
+                  <a:noFill/>
+                </a:ln>
+                <a:solidFill>
+                  <a:schemeClr val="tx1"/>
+                </a:solidFill>
+                <a:effectLst/>
+                <a:latin typeface="Segoe UI" panose="020B0502040204020203" pitchFamily="34" charset="0"/>
+                <a:cs typeface="Segoe UI" panose="020B0502040204020203" pitchFamily="34" charset="0"/>
+              </a:rPr>
+              <a:t>.</a:t>
+            </a:r>
+          </a:p>
+        </p:txBody>
+      </p:sp>
+    </p:spTree>
+    <p:extLst>
+      <p:ext uri="{BB962C8B-B14F-4D97-AF65-F5344CB8AC3E}">
+        <p14:creationId xmlns:p14="http://schemas.microsoft.com/office/powerpoint/2010/main" val="3961259801"/>
+      </p:ext>
+    </p:extLst>
+  </p:cSld>
+  <p:clrMapOvr>
+    <a:masterClrMapping/>
+  </p:clrMapOvr>
+</p:sld>
+</file>
+
+<file path=ppt/slides/slide5.xml><?xml version="1.0" encoding="utf-8"?>
+<p:sld xmlns:a="http://schemas.openxmlformats.org/drawingml/2006/main" xmlns:r="http://schemas.openxmlformats.org/officeDocument/2006/relationships" xmlns:p="http://schemas.openxmlformats.org/presentationml/2006/main">
+  <p:cSld>
+    <p:spTree>
+      <p:nvGrpSpPr>
+        <p:cNvPr id="1" name=""/>
+        <p:cNvGrpSpPr/>
+        <p:nvPr/>
+      </p:nvGrpSpPr>
+      <p:grpSpPr>
+        <a:xfrm>
+          <a:off x="0" y="0"/>
+          <a:ext cx="0" cy="0"/>
+          <a:chOff x="0" y="0"/>
+          <a:chExt cx="0" cy="0"/>
+        </a:xfrm>
+      </p:grpSpPr>
       <p:pic>
         <p:nvPicPr>
           <p:cNvPr id="3" name="Picture 2"/>
@@ -5932,8 +6758,8 @@
         </p:blipFill>
         <p:spPr>
           <a:xfrm>
-            <a:off x="623384" y="1863175"/>
-            <a:ext cx="2181692" cy="3477873"/>
+            <a:off x="429345" y="1257258"/>
+            <a:ext cx="5353797" cy="3010320"/>
           </a:xfrm>
           <a:prstGeom prst="rect">
             <a:avLst/>
@@ -5942,14 +6768,86 @@
       </p:pic>
       <p:sp>
         <p:nvSpPr>
-          <p:cNvPr id="4" name="Rectangle 3"/>
+          <p:cNvPr id="2" name="TextBox 1"/>
+          <p:cNvSpPr txBox="1"/>
+          <p:nvPr/>
+        </p:nvSpPr>
+        <p:spPr>
+          <a:xfrm>
+            <a:off x="323133" y="192505"/>
+            <a:ext cx="1215397" cy="461665"/>
+          </a:xfrm>
+          <a:prstGeom prst="rect">
+            <a:avLst/>
+          </a:prstGeom>
+          <a:noFill/>
+        </p:spPr>
+        <p:txBody>
+          <a:bodyPr wrap="none" rtlCol="0">
+            <a:spAutoFit/>
+          </a:bodyPr>
+          <a:lstStyle/>
+          <a:p>
+            <a:r>
+              <a:rPr lang="en" sz="2400" b="1" dirty="0" smtClean="0">
+                <a:latin typeface="Segoe UI" panose="020B0502040204020203" pitchFamily="34" charset="0"/>
+                <a:cs typeface="Segoe UI" panose="020B0502040204020203" pitchFamily="34" charset="0"/>
+              </a:rPr>
+              <a:t>KPIs</a:t>
+            </a:r>
+            <a:endParaRPr lang="en-US" sz="2400" b="1" dirty="0">
+              <a:latin typeface="Segoe UI" panose="020B0502040204020203" pitchFamily="34" charset="0"/>
+              <a:cs typeface="Segoe UI" panose="020B0502040204020203" pitchFamily="34" charset="0"/>
+            </a:endParaRPr>
+          </a:p>
+        </p:txBody>
+      </p:sp>
+      <p:sp>
+        <p:nvSpPr>
+          <p:cNvPr id="5" name="TextBox 4"/>
+          <p:cNvSpPr txBox="1"/>
+          <p:nvPr/>
+        </p:nvSpPr>
+        <p:spPr>
+          <a:xfrm>
+            <a:off x="429345" y="771048"/>
+            <a:ext cx="9963690" cy="369332"/>
+          </a:xfrm>
+          <a:prstGeom prst="rect">
+            <a:avLst/>
+          </a:prstGeom>
+          <a:noFill/>
+        </p:spPr>
+        <p:txBody>
+          <a:bodyPr wrap="none" rtlCol="0">
+            <a:spAutoFit/>
+          </a:bodyPr>
+          <a:lstStyle/>
+          <a:p>
+            <a:r>
+              <a:rPr lang="en" dirty="0" smtClean="0">
+                <a:latin typeface="Segoe UI" panose="020B0502040204020203" pitchFamily="34" charset="0"/>
+                <a:cs typeface="Segoe UI" panose="020B0502040204020203" pitchFamily="34" charset="0"/>
+              </a:rPr>
+              <a:t>Now we need to add the target. To do this, we need to create a metric that represents our goal.</a:t>
+            </a:r>
+            <a:endParaRPr lang="en-US" b="1" dirty="0">
+              <a:latin typeface="Segoe UI" panose="020B0502040204020203" pitchFamily="34" charset="0"/>
+              <a:cs typeface="Segoe UI" panose="020B0502040204020203" pitchFamily="34" charset="0"/>
+            </a:endParaRPr>
+          </a:p>
+        </p:txBody>
+      </p:sp>
+      <p:sp>
+        <p:nvSpPr>
+          <p:cNvPr id="9" name="Rectangle 8"/>
           <p:cNvSpPr/>
           <p:nvPr/>
         </p:nvSpPr>
         <p:spPr>
           <a:xfrm>
-            <a:off x="623384" y="2296313"/>
-            <a:ext cx="2181692" cy="295633"/>
+            <a:off x="4121813" y="2847517"/>
+            <a:ext cx="1661329" cy="295633"/>
           </a:xfrm>
           <a:prstGeom prst="rect">
             <a:avLst/>
@@ -5988,50 +6886,16 @@
           </a:p>
         </p:txBody>
       </p:sp>
-      <p:pic>
-        <p:nvPicPr>
-          <p:cNvPr id="8" name="Picture 7"/>
-          <p:cNvPicPr>
-            <a:picLocks noChangeAspect="1"/>
-          </p:cNvPicPr>
+      <p:sp>
+        <p:nvSpPr>
+          <p:cNvPr id="7" name="Rectangle 6"/>
+          <p:cNvSpPr/>
           <p:nvPr/>
-        </p:nvPicPr>
-        <p:blipFill>
-          <a:blip r:embed="rId3"/>
-          <a:stretch>
-            <a:fillRect/>
-          </a:stretch>
-        </p:blipFill>
+        </p:nvSpPr>
         <p:spPr>
           <a:xfrm>
-            <a:off x="3101125" y="1864028"/>
-            <a:ext cx="3512806" cy="3452448"/>
-          </a:xfrm>
-          <a:prstGeom prst="rect">
-            <a:avLst/>
-          </a:prstGeom>
-          <a:ln>
-            <a:noFill/>
-          </a:ln>
-          <a:effectLst>
-            <a:outerShdw blurRad="292100" dist="139700" dir="2700000" algn="tl" rotWithShape="0">
-              <a:srgbClr val="333333">
-                <a:alpha val="65000"/>
-              </a:srgbClr>
-            </a:outerShdw>
-          </a:effectLst>
-        </p:spPr>
-      </p:pic>
-      <p:sp>
-        <p:nvSpPr>
-          <p:cNvPr id="9" name="Rectangle 8"/>
-          <p:cNvSpPr/>
-          <p:nvPr/>
-        </p:nvSpPr>
-        <p:spPr>
-          <a:xfrm>
-            <a:off x="5093402" y="1883801"/>
-            <a:ext cx="324246" cy="295633"/>
+            <a:off x="4121812" y="1683027"/>
+            <a:ext cx="1661329" cy="295633"/>
           </a:xfrm>
           <a:prstGeom prst="rect">
             <a:avLst/>
@@ -6070,458 +6934,40 @@
           </a:p>
         </p:txBody>
       </p:sp>
-    </p:spTree>
-    <p:extLst>
-      <p:ext uri="{BB962C8B-B14F-4D97-AF65-F5344CB8AC3E}">
-        <p14:creationId xmlns:p14="http://schemas.microsoft.com/office/powerpoint/2010/main" val="27334072"/>
-      </p:ext>
-    </p:extLst>
-  </p:cSld>
-  <p:clrMapOvr>
-    <a:masterClrMapping/>
-  </p:clrMapOvr>
-</p:sld>
-</file>
-
-<file path=ppt/slides/slide4.xml><?xml version="1.0" encoding="utf-8"?>
-<p:sld xmlns:a="http://schemas.openxmlformats.org/drawingml/2006/main" xmlns:r="http://schemas.openxmlformats.org/officeDocument/2006/relationships" xmlns:p="http://schemas.openxmlformats.org/presentationml/2006/main">
-  <p:cSld>
-    <p:spTree>
-      <p:nvGrpSpPr>
-        <p:cNvPr id="1" name=""/>
-        <p:cNvGrpSpPr/>
-        <p:nvPr/>
-      </p:nvGrpSpPr>
-      <p:grpSpPr>
-        <a:xfrm>
-          <a:off x="0" y="0"/>
-          <a:ext cx="0" cy="0"/>
-          <a:chOff x="0" y="0"/>
-          <a:chExt cx="0" cy="0"/>
-        </a:xfrm>
-      </p:grpSpPr>
-      <p:sp>
-        <p:nvSpPr>
-          <p:cNvPr id="2" name="TextBox 1"/>
-          <p:cNvSpPr txBox="1"/>
-          <p:nvPr/>
-        </p:nvSpPr>
-        <p:spPr>
-          <a:xfrm>
-            <a:off x="323133" y="192505"/>
-            <a:ext cx="1199367" cy="461665"/>
-          </a:xfrm>
-          <a:prstGeom prst="rect">
-            <a:avLst/>
-          </a:prstGeom>
-          <a:noFill/>
-        </p:spPr>
-        <p:txBody>
-          <a:bodyPr wrap="none" rtlCol="0">
-            <a:spAutoFit/>
-          </a:bodyPr>
-          <a:lstStyle/>
-          <a:p>
-            <a:r>
-              <a:rPr lang="en-US" sz="2400" dirty="0" smtClean="0">
-                <a:latin typeface="Segoe UI" panose="020B0502040204020203" pitchFamily="34" charset="0"/>
-                <a:cs typeface="Segoe UI" panose="020B0502040204020203" pitchFamily="34" charset="0"/>
-              </a:rPr>
-              <a:t>The KPI</a:t>
-            </a:r>
-            <a:endParaRPr lang="en-US" sz="2400" dirty="0">
-              <a:latin typeface="Segoe UI" panose="020B0502040204020203" pitchFamily="34" charset="0"/>
-              <a:cs typeface="Segoe UI" panose="020B0502040204020203" pitchFamily="34" charset="0"/>
-            </a:endParaRPr>
-          </a:p>
-        </p:txBody>
-      </p:sp>
-      <p:sp>
-        <p:nvSpPr>
-          <p:cNvPr id="5" name="TextBox 4"/>
-          <p:cNvSpPr txBox="1"/>
-          <p:nvPr/>
-        </p:nvSpPr>
-        <p:spPr>
-          <a:xfrm>
-            <a:off x="429345" y="771048"/>
-            <a:ext cx="4538678" cy="523220"/>
-          </a:xfrm>
-          <a:prstGeom prst="rect">
-            <a:avLst/>
-          </a:prstGeom>
-          <a:noFill/>
-        </p:spPr>
-        <p:txBody>
-          <a:bodyPr wrap="none" rtlCol="0">
-            <a:spAutoFit/>
-          </a:bodyPr>
-          <a:lstStyle/>
-          <a:p>
-            <a:r>
-              <a:rPr lang="en-US" dirty="0" smtClean="0">
-                <a:latin typeface="Segoe UI" panose="020B0502040204020203" pitchFamily="34" charset="0"/>
-                <a:cs typeface="Segoe UI" panose="020B0502040204020203" pitchFamily="34" charset="0"/>
-              </a:rPr>
-              <a:t>Do a mouse hover on the </a:t>
-            </a:r>
-            <a:r>
-              <a:rPr lang="en-US" sz="2800" dirty="0" err="1" smtClean="0">
-                <a:latin typeface="Segoe UI" panose="020B0502040204020203" pitchFamily="34" charset="0"/>
-                <a:cs typeface="Segoe UI" panose="020B0502040204020203" pitchFamily="34" charset="0"/>
-              </a:rPr>
-              <a:t>i</a:t>
-            </a:r>
-            <a:r>
-              <a:rPr lang="en-US" dirty="0" smtClean="0">
-                <a:latin typeface="Segoe UI" panose="020B0502040204020203" pitchFamily="34" charset="0"/>
-                <a:cs typeface="Segoe UI" panose="020B0502040204020203" pitchFamily="34" charset="0"/>
-              </a:rPr>
-              <a:t> sign and click it</a:t>
-            </a:r>
-            <a:endParaRPr lang="en-US" dirty="0">
-              <a:latin typeface="Segoe UI" panose="020B0502040204020203" pitchFamily="34" charset="0"/>
-              <a:cs typeface="Segoe UI" panose="020B0502040204020203" pitchFamily="34" charset="0"/>
-            </a:endParaRPr>
-          </a:p>
-        </p:txBody>
-      </p:sp>
       <p:pic>
         <p:nvPicPr>
-          <p:cNvPr id="7" name="Picture 6"/>
+          <p:cNvPr id="4" name="Picture 3"/>
           <p:cNvPicPr>
             <a:picLocks noChangeAspect="1"/>
           </p:cNvPicPr>
           <p:nvPr/>
         </p:nvPicPr>
         <p:blipFill>
-          <a:blip r:embed="rId2"/>
+          <a:blip r:embed="rId3"/>
           <a:stretch>
             <a:fillRect/>
           </a:stretch>
         </p:blipFill>
         <p:spPr>
           <a:xfrm>
-            <a:off x="506000" y="1411146"/>
-            <a:ext cx="5734850" cy="1657581"/>
-          </a:xfrm>
-          <a:prstGeom prst="rect">
-            <a:avLst/>
-          </a:prstGeom>
-          <a:ln>
-            <a:noFill/>
-          </a:ln>
-          <a:effectLst>
-            <a:outerShdw blurRad="292100" dist="139700" dir="2700000" algn="tl" rotWithShape="0">
-              <a:srgbClr val="333333">
-                <a:alpha val="65000"/>
-              </a:srgbClr>
-            </a:outerShdw>
-          </a:effectLst>
-        </p:spPr>
-      </p:pic>
-    </p:spTree>
-    <p:extLst>
-      <p:ext uri="{BB962C8B-B14F-4D97-AF65-F5344CB8AC3E}">
-        <p14:creationId xmlns:p14="http://schemas.microsoft.com/office/powerpoint/2010/main" val="4039633834"/>
-      </p:ext>
-    </p:extLst>
-  </p:cSld>
-  <p:clrMapOvr>
-    <a:masterClrMapping/>
-  </p:clrMapOvr>
-</p:sld>
-</file>
-
-<file path=ppt/slides/slide5.xml><?xml version="1.0" encoding="utf-8"?>
-<p:sld xmlns:a="http://schemas.openxmlformats.org/drawingml/2006/main" xmlns:r="http://schemas.openxmlformats.org/officeDocument/2006/relationships" xmlns:p="http://schemas.openxmlformats.org/presentationml/2006/main">
-  <p:cSld>
-    <p:spTree>
-      <p:nvGrpSpPr>
-        <p:cNvPr id="1" name=""/>
-        <p:cNvGrpSpPr/>
-        <p:nvPr/>
-      </p:nvGrpSpPr>
-      <p:grpSpPr>
-        <a:xfrm>
-          <a:off x="0" y="0"/>
-          <a:ext cx="0" cy="0"/>
-          <a:chOff x="0" y="0"/>
-          <a:chExt cx="0" cy="0"/>
-        </a:xfrm>
-      </p:grpSpPr>
-      <p:pic>
-        <p:nvPicPr>
-          <p:cNvPr id="12" name="Picture 11"/>
-          <p:cNvPicPr>
-            <a:picLocks noChangeAspect="1"/>
-          </p:cNvPicPr>
-          <p:nvPr/>
-        </p:nvPicPr>
-        <p:blipFill>
-          <a:blip r:embed="rId2"/>
-          <a:stretch>
-            <a:fillRect/>
-          </a:stretch>
-        </p:blipFill>
-        <p:spPr>
-          <a:xfrm>
-            <a:off x="529665" y="2333066"/>
-            <a:ext cx="2155647" cy="3438771"/>
-          </a:xfrm>
-          <a:prstGeom prst="rect">
-            <a:avLst/>
-          </a:prstGeom>
-          <a:ln>
-            <a:noFill/>
-          </a:ln>
-          <a:effectLst>
-            <a:outerShdw blurRad="292100" dist="139700" dir="2700000" algn="tl" rotWithShape="0">
-              <a:srgbClr val="333333">
-                <a:alpha val="65000"/>
-              </a:srgbClr>
-            </a:outerShdw>
-          </a:effectLst>
-        </p:spPr>
-      </p:pic>
-      <p:sp>
-        <p:nvSpPr>
-          <p:cNvPr id="2" name="TextBox 1"/>
-          <p:cNvSpPr txBox="1"/>
-          <p:nvPr/>
-        </p:nvSpPr>
-        <p:spPr>
-          <a:xfrm>
-            <a:off x="323133" y="192505"/>
-            <a:ext cx="1199367" cy="461665"/>
-          </a:xfrm>
-          <a:prstGeom prst="rect">
-            <a:avLst/>
-          </a:prstGeom>
-          <a:noFill/>
-        </p:spPr>
-        <p:txBody>
-          <a:bodyPr wrap="none" rtlCol="0">
-            <a:spAutoFit/>
-          </a:bodyPr>
-          <a:lstStyle/>
-          <a:p>
-            <a:r>
-              <a:rPr lang="en-US" sz="2400" dirty="0" smtClean="0">
-                <a:latin typeface="Segoe UI" panose="020B0502040204020203" pitchFamily="34" charset="0"/>
-                <a:cs typeface="Segoe UI" panose="020B0502040204020203" pitchFamily="34" charset="0"/>
-              </a:rPr>
-              <a:t>The KPI</a:t>
-            </a:r>
-            <a:endParaRPr lang="en-US" sz="2400" dirty="0">
-              <a:latin typeface="Segoe UI" panose="020B0502040204020203" pitchFamily="34" charset="0"/>
-              <a:cs typeface="Segoe UI" panose="020B0502040204020203" pitchFamily="34" charset="0"/>
-            </a:endParaRPr>
-          </a:p>
-        </p:txBody>
-      </p:sp>
-      <p:sp>
-        <p:nvSpPr>
-          <p:cNvPr id="5" name="TextBox 4"/>
-          <p:cNvSpPr txBox="1"/>
-          <p:nvPr/>
-        </p:nvSpPr>
-        <p:spPr>
-          <a:xfrm>
-            <a:off x="429345" y="771048"/>
-            <a:ext cx="7949677" cy="369332"/>
-          </a:xfrm>
-          <a:prstGeom prst="rect">
-            <a:avLst/>
-          </a:prstGeom>
-          <a:noFill/>
-        </p:spPr>
-        <p:txBody>
-          <a:bodyPr wrap="none" rtlCol="0">
-            <a:spAutoFit/>
-          </a:bodyPr>
-          <a:lstStyle/>
-          <a:p>
-            <a:r>
-              <a:rPr lang="en-US" dirty="0" smtClean="0">
-                <a:latin typeface="Segoe UI" panose="020B0502040204020203" pitchFamily="34" charset="0"/>
-                <a:cs typeface="Segoe UI" panose="020B0502040204020203" pitchFamily="34" charset="0"/>
-              </a:rPr>
-              <a:t>Create a calculated column at the </a:t>
-            </a:r>
-            <a:r>
-              <a:rPr lang="en-US" b="1" dirty="0" err="1" smtClean="0">
-                <a:latin typeface="Segoe UI" panose="020B0502040204020203" pitchFamily="34" charset="0"/>
-                <a:cs typeface="Segoe UI" panose="020B0502040204020203" pitchFamily="34" charset="0"/>
-              </a:rPr>
-              <a:t>DimDate</a:t>
-            </a:r>
-            <a:r>
-              <a:rPr lang="en-US" dirty="0" smtClean="0">
-                <a:latin typeface="Segoe UI" panose="020B0502040204020203" pitchFamily="34" charset="0"/>
-                <a:cs typeface="Segoe UI" panose="020B0502040204020203" pitchFamily="34" charset="0"/>
-              </a:rPr>
-              <a:t> level and name it </a:t>
-            </a:r>
-            <a:r>
-              <a:rPr lang="en-US" b="1" dirty="0" smtClean="0">
-                <a:latin typeface="Segoe UI" panose="020B0502040204020203" pitchFamily="34" charset="0"/>
-                <a:cs typeface="Segoe UI" panose="020B0502040204020203" pitchFamily="34" charset="0"/>
-              </a:rPr>
-              <a:t>Week Number</a:t>
-            </a:r>
-            <a:endParaRPr lang="en-US" b="1" dirty="0">
-              <a:latin typeface="Segoe UI" panose="020B0502040204020203" pitchFamily="34" charset="0"/>
-              <a:cs typeface="Segoe UI" panose="020B0502040204020203" pitchFamily="34" charset="0"/>
-            </a:endParaRPr>
-          </a:p>
-        </p:txBody>
-      </p:sp>
-      <p:sp>
-        <p:nvSpPr>
-          <p:cNvPr id="3" name="Rectangle 2"/>
-          <p:cNvSpPr/>
-          <p:nvPr/>
-        </p:nvSpPr>
-        <p:spPr>
-          <a:xfrm>
-            <a:off x="429345" y="1257258"/>
-            <a:ext cx="4870244" cy="369332"/>
+            <a:off x="6094672" y="1257258"/>
+            <a:ext cx="5172797" cy="2391109"/>
           </a:xfrm>
           <a:prstGeom prst="rect">
             <a:avLst/>
           </a:prstGeom>
         </p:spPr>
-        <p:txBody>
-          <a:bodyPr wrap="none">
-            <a:spAutoFit/>
-          </a:bodyPr>
-          <a:lstStyle/>
-          <a:p>
-            <a:r>
-              <a:rPr lang="en-US" dirty="0">
-                <a:solidFill>
-                  <a:srgbClr val="000000"/>
-                </a:solidFill>
-                <a:latin typeface="Consolas" panose="020B0609020204030204" pitchFamily="49" charset="0"/>
-              </a:rPr>
-              <a:t>Week Number = </a:t>
-            </a:r>
-            <a:r>
-              <a:rPr lang="en-US" dirty="0">
-                <a:solidFill>
-                  <a:srgbClr val="3165BB"/>
-                </a:solidFill>
-                <a:latin typeface="Consolas" panose="020B0609020204030204" pitchFamily="49" charset="0"/>
-              </a:rPr>
-              <a:t>WEEKNUM</a:t>
-            </a:r>
-            <a:r>
-              <a:rPr lang="en-US" dirty="0">
-                <a:solidFill>
-                  <a:srgbClr val="000000"/>
-                </a:solidFill>
-                <a:latin typeface="Consolas" panose="020B0609020204030204" pitchFamily="49" charset="0"/>
-              </a:rPr>
-              <a:t>(</a:t>
-            </a:r>
-            <a:r>
-              <a:rPr lang="en-US" dirty="0" err="1">
-                <a:solidFill>
-                  <a:srgbClr val="001080"/>
-                </a:solidFill>
-                <a:latin typeface="Consolas" panose="020B0609020204030204" pitchFamily="49" charset="0"/>
-              </a:rPr>
-              <a:t>DimDate</a:t>
-            </a:r>
-            <a:r>
-              <a:rPr lang="en-US" dirty="0">
-                <a:solidFill>
-                  <a:srgbClr val="001080"/>
-                </a:solidFill>
-                <a:latin typeface="Consolas" panose="020B0609020204030204" pitchFamily="49" charset="0"/>
-              </a:rPr>
-              <a:t>[Date]</a:t>
-            </a:r>
-            <a:r>
-              <a:rPr lang="en-US" dirty="0">
-                <a:solidFill>
-                  <a:srgbClr val="000000"/>
-                </a:solidFill>
-                <a:latin typeface="Consolas" panose="020B0609020204030204" pitchFamily="49" charset="0"/>
-              </a:rPr>
-              <a:t>) </a:t>
-            </a:r>
-            <a:endParaRPr lang="en-US" b="0" dirty="0">
-              <a:solidFill>
-                <a:srgbClr val="000000"/>
-              </a:solidFill>
-              <a:effectLst/>
-              <a:latin typeface="Consolas" panose="020B0609020204030204" pitchFamily="49" charset="0"/>
-            </a:endParaRPr>
-          </a:p>
-        </p:txBody>
-      </p:sp>
-      <p:sp>
-        <p:nvSpPr>
-          <p:cNvPr id="6" name="TextBox 5"/>
-          <p:cNvSpPr txBox="1"/>
+      </p:pic>
+      <p:sp>
+        <p:nvSpPr>
+          <p:cNvPr id="10" name="Rectangle 9"/>
+          <p:cNvSpPr/>
           <p:nvPr/>
         </p:nvSpPr>
         <p:spPr>
           <a:xfrm>
-            <a:off x="429344" y="1715066"/>
-            <a:ext cx="10034692" cy="369332"/>
-          </a:xfrm>
-          <a:prstGeom prst="rect">
-            <a:avLst/>
-          </a:prstGeom>
-          <a:noFill/>
-        </p:spPr>
-        <p:txBody>
-          <a:bodyPr wrap="square" rtlCol="0">
-            <a:spAutoFit/>
-          </a:bodyPr>
-          <a:lstStyle/>
-          <a:p>
-            <a:r>
-              <a:rPr lang="en-US" dirty="0" smtClean="0">
-                <a:latin typeface="Segoe UI" panose="020B0502040204020203" pitchFamily="34" charset="0"/>
-                <a:cs typeface="Segoe UI" panose="020B0502040204020203" pitchFamily="34" charset="0"/>
-              </a:rPr>
-              <a:t>Add that calculated column at the </a:t>
-            </a:r>
-            <a:r>
-              <a:rPr lang="en-US" b="1" dirty="0" smtClean="0">
-                <a:latin typeface="Segoe UI" panose="020B0502040204020203" pitchFamily="34" charset="0"/>
-                <a:cs typeface="Segoe UI" panose="020B0502040204020203" pitchFamily="34" charset="0"/>
-              </a:rPr>
-              <a:t>Tend Axis</a:t>
-            </a:r>
-            <a:r>
-              <a:rPr lang="en-US" dirty="0" smtClean="0">
-                <a:latin typeface="Segoe UI" panose="020B0502040204020203" pitchFamily="34" charset="0"/>
-                <a:cs typeface="Segoe UI" panose="020B0502040204020203" pitchFamily="34" charset="0"/>
-              </a:rPr>
-              <a:t> level and observe the changes</a:t>
-            </a:r>
-            <a:endParaRPr lang="en-US" b="1" dirty="0">
-              <a:latin typeface="Segoe UI" panose="020B0502040204020203" pitchFamily="34" charset="0"/>
-              <a:cs typeface="Segoe UI" panose="020B0502040204020203" pitchFamily="34" charset="0"/>
-            </a:endParaRPr>
-          </a:p>
-        </p:txBody>
-      </p:sp>
-      <p:sp>
-        <p:nvSpPr>
-          <p:cNvPr id="8" name="Rectangle 7"/>
-          <p:cNvSpPr/>
-          <p:nvPr/>
-        </p:nvSpPr>
-        <p:spPr>
-          <a:xfrm>
-            <a:off x="646269" y="2775922"/>
-            <a:ext cx="2039044" cy="295633"/>
+            <a:off x="7615555" y="3240549"/>
+            <a:ext cx="1005932" cy="295633"/>
           </a:xfrm>
           <a:prstGeom prst="rect">
             <a:avLst/>
@@ -6562,14 +7008,14 @@
       </p:sp>
       <p:sp>
         <p:nvSpPr>
-          <p:cNvPr id="9" name="Rectangle 8"/>
+          <p:cNvPr id="11" name="Rectangle 10"/>
           <p:cNvSpPr/>
           <p:nvPr/>
         </p:nvSpPr>
         <p:spPr>
           <a:xfrm>
-            <a:off x="529665" y="3576287"/>
-            <a:ext cx="2155647" cy="295633"/>
+            <a:off x="9639404" y="3240548"/>
+            <a:ext cx="1005932" cy="295633"/>
           </a:xfrm>
           <a:prstGeom prst="rect">
             <a:avLst/>
@@ -6608,44 +7054,532 @@
           </a:p>
         </p:txBody>
       </p:sp>
-      <p:pic>
-        <p:nvPicPr>
-          <p:cNvPr id="11" name="Picture 10"/>
-          <p:cNvPicPr>
-            <a:picLocks noChangeAspect="1"/>
-          </p:cNvPicPr>
+      <p:sp>
+        <p:nvSpPr>
+          <p:cNvPr id="6" name="Rectangle 1"/>
+          <p:cNvSpPr>
+            <a:spLocks noChangeArrowheads="1"/>
+          </p:cNvSpPr>
           <p:nvPr/>
-        </p:nvPicPr>
-        <p:blipFill>
-          <a:blip r:embed="rId3"/>
-          <a:stretch>
-            <a:fillRect/>
-          </a:stretch>
-        </p:blipFill>
-        <p:spPr>
+        </p:nvSpPr>
+        <p:spPr bwMode="auto">
           <a:xfrm>
-            <a:off x="3451181" y="2386773"/>
-            <a:ext cx="4382112" cy="3982006"/>
+            <a:off x="323133" y="4934507"/>
+            <a:ext cx="9304022" cy="923330"/>
           </a:xfrm>
           <a:prstGeom prst="rect">
             <a:avLst/>
           </a:prstGeom>
+          <a:noFill/>
           <a:ln>
             <a:noFill/>
           </a:ln>
-          <a:effectLst>
-            <a:outerShdw blurRad="292100" dist="139700" dir="2700000" algn="tl" rotWithShape="0">
-              <a:srgbClr val="333333">
-                <a:alpha val="65000"/>
-              </a:srgbClr>
-            </a:outerShdw>
-          </a:effectLst>
+          <a:effectLst/>
+          <a:extLst>
+            <a:ext uri="{909E8E84-426E-40DD-AFC4-6F175D3DCCD1}">
+              <a14:hiddenFill xmlns:a14="http://schemas.microsoft.com/office/drawing/2010/main">
+                <a:solidFill>
+                  <a:schemeClr val="accent1"/>
+                </a:solidFill>
+              </a14:hiddenFill>
+            </a:ext>
+            <a:ext uri="{91240B29-F687-4F45-9708-019B960494DF}">
+              <a14:hiddenLine xmlns:a14="http://schemas.microsoft.com/office/drawing/2010/main" w="9525">
+                <a:solidFill>
+                  <a:schemeClr val="tx1"/>
+                </a:solidFill>
+                <a:miter lim="800000"/>
+                <a:headEnd/>
+                <a:tailEnd/>
+              </a14:hiddenLine>
+            </a:ext>
+            <a:ext uri="{AF507438-7753-43E0-B8FC-AC1667EBCBE1}">
+              <a14:hiddenEffects xmlns:a14="http://schemas.microsoft.com/office/drawing/2010/main">
+                <a:effectLst>
+                  <a:outerShdw dist="35921" dir="2700000" algn="ctr" rotWithShape="0">
+                    <a:schemeClr val="bg2"/>
+                  </a:outerShdw>
+                </a:effectLst>
+              </a14:hiddenEffects>
+            </a:ext>
+          </a:extLst>
         </p:spPr>
-      </p:pic>
+        <p:txBody>
+          <a:bodyPr vert="horz" wrap="none" lIns="91440" tIns="45720" rIns="91440" bIns="45720" numCol="1" anchor="ctr" anchorCtr="0" compatLnSpc="1">
+            <a:prstTxWarp prst="textNoShape">
+              <a:avLst/>
+            </a:prstTxWarp>
+            <a:spAutoFit/>
+          </a:bodyPr>
+          <a:lstStyle/>
+          <a:p>
+            <a:pPr marL="0" marR="0" lvl="0" indent="0" algn="l" defTabSz="914400" rtl="0" eaLnBrk="0" fontAlgn="base" latinLnBrk="0" hangingPunct="0">
+              <a:lnSpc>
+                <a:spcPct val="100000"/>
+              </a:lnSpc>
+              <a:spcBef>
+                <a:spcPct val="0"/>
+              </a:spcBef>
+              <a:spcAft>
+                <a:spcPct val="0"/>
+              </a:spcAft>
+              <a:buClrTx/>
+              <a:buSzTx/>
+              <a:tabLst/>
+            </a:pPr>
+            <a:r>
+              <a:rPr kumimoji="0" lang="en" altLang="en-US" i="0" u="none" strike="noStrike" cap="none" normalizeH="0" baseline="0" dirty="0" err="1" smtClean="0">
+                <a:ln>
+                  <a:noFill/>
+                </a:ln>
+                <a:solidFill>
+                  <a:schemeClr val="tx1"/>
+                </a:solidFill>
+                <a:effectLst/>
+                <a:latin typeface="Arial" panose="020B0604020202020204" pitchFamily="34" charset="0"/>
+              </a:rPr>
+              <a:t>Total </a:t>
+            </a:r>
+            <a:r>
+              <a:rPr kumimoji="0" lang="en" altLang="en-US" i="0" u="none" strike="noStrike" cap="none" normalizeH="0" baseline="0" dirty="0" smtClean="0">
+                <a:ln>
+                  <a:noFill/>
+                </a:ln>
+                <a:solidFill>
+                  <a:schemeClr val="tx1"/>
+                </a:solidFill>
+                <a:effectLst/>
+                <a:latin typeface="Arial" panose="020B0604020202020204" pitchFamily="34" charset="0"/>
+              </a:rPr>
+              <a:t>Sum of the </a:t>
+            </a:r>
+            <a:r>
+              <a:rPr kumimoji="0" lang="en" altLang="en-US" i="0" u="none" strike="noStrike" cap="none" normalizeH="0" baseline="0" dirty="0" err="1" smtClean="0">
+                <a:ln>
+                  <a:noFill/>
+                </a:ln>
+                <a:solidFill>
+                  <a:schemeClr val="tx1"/>
+                </a:solidFill>
+                <a:effectLst/>
+                <a:latin typeface="Arial" panose="020B0604020202020204" pitchFamily="34" charset="0"/>
+              </a:rPr>
+              <a:t>Figure</a:t>
+            </a:r>
+            <a:r>
+              <a:rPr kumimoji="0" lang="en" altLang="en-US" i="0" u="none" strike="noStrike" cap="none" normalizeH="0" baseline="0" dirty="0" smtClean="0">
+                <a:ln>
+                  <a:noFill/>
+                </a:ln>
+                <a:solidFill>
+                  <a:schemeClr val="tx1"/>
+                </a:solidFill>
+                <a:effectLst/>
+                <a:latin typeface="Arial" panose="020B0604020202020204" pitchFamily="34" charset="0"/>
+              </a:rPr>
+              <a:t> </a:t>
+            </a:r>
+            <a:r>
+              <a:rPr kumimoji="0" lang="en" altLang="en-US" i="0" u="none" strike="noStrike" cap="none" normalizeH="0" baseline="0" dirty="0" err="1" smtClean="0">
+                <a:ln>
+                  <a:noFill/>
+                </a:ln>
+                <a:solidFill>
+                  <a:schemeClr val="tx1"/>
+                </a:solidFill>
+                <a:effectLst/>
+                <a:latin typeface="Arial" panose="020B0604020202020204" pitchFamily="34" charset="0"/>
+              </a:rPr>
+              <a:t>Business </a:t>
+            </a:r>
+            <a:r>
+              <a:rPr kumimoji="0" lang="en" altLang="en-US" i="0" u="none" strike="noStrike" cap="none" normalizeH="0" baseline="0" dirty="0" smtClean="0">
+                <a:ln>
+                  <a:noFill/>
+                </a:ln>
+                <a:solidFill>
+                  <a:schemeClr val="tx1"/>
+                </a:solidFill>
+                <a:effectLst/>
+                <a:latin typeface="Arial" panose="020B0604020202020204" pitchFamily="34" charset="0"/>
+              </a:rPr>
+              <a:t>= </a:t>
+            </a:r>
+            <a:r>
+              <a:rPr kumimoji="0" lang="en" altLang="en-US" i="0" u="none" strike="noStrike" cap="none" normalizeH="0" baseline="0" dirty="0" smtClean="0">
+                <a:ln>
+                  <a:noFill/>
+                </a:ln>
+                <a:solidFill>
+                  <a:schemeClr val="tx1"/>
+                </a:solidFill>
+                <a:effectLst/>
+                <a:latin typeface="Arial Unicode MS"/>
+              </a:rPr>
+              <a:t>€32,500</a:t>
+            </a:r>
+            <a:endParaRPr kumimoji="0" lang="en-US" altLang="en-US" i="0" u="none" strike="noStrike" cap="none" normalizeH="0" baseline="0" dirty="0" smtClean="0">
+              <a:ln>
+                <a:noFill/>
+              </a:ln>
+              <a:solidFill>
+                <a:schemeClr val="tx1"/>
+              </a:solidFill>
+              <a:effectLst/>
+            </a:endParaRPr>
+          </a:p>
+          <a:p>
+            <a:pPr marL="0" marR="0" lvl="0" indent="0" algn="l" defTabSz="914400" rtl="0" eaLnBrk="0" fontAlgn="base" latinLnBrk="0" hangingPunct="0">
+              <a:lnSpc>
+                <a:spcPct val="100000"/>
+              </a:lnSpc>
+              <a:spcBef>
+                <a:spcPct val="0"/>
+              </a:spcBef>
+              <a:spcAft>
+                <a:spcPct val="0"/>
+              </a:spcAft>
+              <a:buClrTx/>
+              <a:buSzTx/>
+              <a:tabLst/>
+            </a:pPr>
+            <a:r>
+              <a:rPr kumimoji="0" lang="en" altLang="en-US" i="0" u="none" strike="noStrike" cap="none" normalizeH="0" baseline="0" dirty="0" err="1" smtClean="0">
+                <a:ln>
+                  <a:noFill/>
+                </a:ln>
+                <a:solidFill>
+                  <a:schemeClr val="tx1"/>
+                </a:solidFill>
+                <a:effectLst/>
+                <a:latin typeface="Arial" panose="020B0604020202020204" pitchFamily="34" charset="0"/>
+              </a:rPr>
+              <a:t>Total </a:t>
+            </a:r>
+            <a:r>
+              <a:rPr kumimoji="0" lang="en" altLang="en-US" i="0" u="none" strike="noStrike" cap="none" normalizeH="0" baseline="0" dirty="0" smtClean="0">
+                <a:ln>
+                  <a:noFill/>
+                </a:ln>
+                <a:solidFill>
+                  <a:schemeClr val="tx1"/>
+                </a:solidFill>
+                <a:effectLst/>
+                <a:latin typeface="Arial" panose="020B0604020202020204" pitchFamily="34" charset="0"/>
+              </a:rPr>
+              <a:t>amount of </a:t>
+            </a:r>
+            <a:r>
+              <a:rPr kumimoji="0" lang="en" altLang="en-US" i="0" u="none" strike="noStrike" cap="none" normalizeH="0" baseline="0" dirty="0" err="1" smtClean="0">
+                <a:ln>
+                  <a:noFill/>
+                </a:ln>
+                <a:solidFill>
+                  <a:schemeClr val="tx1"/>
+                </a:solidFill>
+                <a:effectLst/>
+                <a:latin typeface="Arial" panose="020B0604020202020204" pitchFamily="34" charset="0"/>
+              </a:rPr>
+              <a:t>the Objective </a:t>
+            </a:r>
+            <a:r>
+              <a:rPr kumimoji="0" lang="en" altLang="en-US" i="0" u="none" strike="noStrike" cap="none" normalizeH="0" baseline="0" dirty="0" smtClean="0">
+                <a:ln>
+                  <a:noFill/>
+                </a:ln>
+                <a:solidFill>
+                  <a:schemeClr val="tx1"/>
+                </a:solidFill>
+                <a:effectLst/>
+                <a:latin typeface="Arial" panose="020B0604020202020204" pitchFamily="34" charset="0"/>
+              </a:rPr>
+              <a:t>= </a:t>
+            </a:r>
+            <a:r>
+              <a:rPr kumimoji="0" lang="en" altLang="en-US" i="0" u="none" strike="noStrike" cap="none" normalizeH="0" baseline="0" dirty="0" smtClean="0">
+                <a:ln>
+                  <a:noFill/>
+                </a:ln>
+                <a:solidFill>
+                  <a:schemeClr val="tx1"/>
+                </a:solidFill>
+                <a:effectLst/>
+                <a:latin typeface="Arial Unicode MS"/>
+              </a:rPr>
+              <a:t>€40,000</a:t>
+            </a:r>
+            <a:endParaRPr kumimoji="0" lang="en-US" altLang="en-US" i="0" u="none" strike="noStrike" cap="none" normalizeH="0" baseline="0" dirty="0" smtClean="0">
+              <a:ln>
+                <a:noFill/>
+              </a:ln>
+              <a:solidFill>
+                <a:schemeClr val="tx1"/>
+              </a:solidFill>
+              <a:effectLst/>
+            </a:endParaRPr>
+          </a:p>
+          <a:p>
+            <a:pPr marL="0" marR="0" lvl="0" indent="0" algn="l" defTabSz="914400" rtl="0" eaLnBrk="0" fontAlgn="base" latinLnBrk="0" hangingPunct="0">
+              <a:lnSpc>
+                <a:spcPct val="100000"/>
+              </a:lnSpc>
+              <a:spcBef>
+                <a:spcPct val="0"/>
+              </a:spcBef>
+              <a:spcAft>
+                <a:spcPct val="0"/>
+              </a:spcAft>
+              <a:buClrTx/>
+              <a:buSzTx/>
+              <a:tabLst/>
+            </a:pPr>
+            <a:r>
+              <a:rPr kumimoji="0" lang="en" altLang="en-US" i="0" u="none" strike="noStrike" cap="none" normalizeH="0" baseline="0" dirty="0" err="1" smtClean="0">
+                <a:ln>
+                  <a:noFill/>
+                </a:ln>
+                <a:solidFill>
+                  <a:schemeClr val="tx1"/>
+                </a:solidFill>
+                <a:effectLst/>
+                <a:latin typeface="Arial" panose="020B0604020202020204" pitchFamily="34" charset="0"/>
+              </a:rPr>
+              <a:t>But </a:t>
+            </a:r>
+            <a:r>
+              <a:rPr kumimoji="0" lang="en" altLang="en-US" i="0" u="none" strike="noStrike" cap="none" normalizeH="0" baseline="0" dirty="0" smtClean="0">
+                <a:ln>
+                  <a:noFill/>
+                </a:ln>
+                <a:solidFill>
+                  <a:schemeClr val="tx1"/>
+                </a:solidFill>
+                <a:effectLst/>
+                <a:latin typeface="Arial" panose="020B0604020202020204" pitchFamily="34" charset="0"/>
+              </a:rPr>
+              <a:t>Power BI </a:t>
+            </a:r>
+            <a:r>
+              <a:rPr kumimoji="0" lang="en" altLang="en-US" i="0" u="none" strike="noStrike" cap="none" normalizeH="0" baseline="0" dirty="0" err="1" smtClean="0">
+                <a:ln>
+                  <a:noFill/>
+                </a:ln>
+                <a:solidFill>
+                  <a:schemeClr val="tx1"/>
+                </a:solidFill>
+                <a:effectLst/>
+                <a:latin typeface="Arial" panose="020B0604020202020204" pitchFamily="34" charset="0"/>
+              </a:rPr>
+              <a:t>takes</a:t>
+            </a:r>
+            <a:r>
+              <a:rPr kumimoji="0" lang="en" altLang="en-US" i="0" u="none" strike="noStrike" cap="none" normalizeH="0" baseline="0" dirty="0" smtClean="0">
+                <a:ln>
+                  <a:noFill/>
+                </a:ln>
+                <a:solidFill>
+                  <a:schemeClr val="tx1"/>
+                </a:solidFill>
+                <a:effectLst/>
+                <a:latin typeface="Arial" panose="020B0604020202020204" pitchFamily="34" charset="0"/>
+              </a:rPr>
+              <a:t> </a:t>
+            </a:r>
+            <a:r>
+              <a:rPr kumimoji="0" lang="en" altLang="en-US" i="0" u="none" strike="noStrike" cap="none" normalizeH="0" baseline="0" dirty="0" err="1" smtClean="0">
+                <a:ln>
+                  <a:noFill/>
+                </a:ln>
+                <a:solidFill>
+                  <a:schemeClr val="tx1"/>
+                </a:solidFill>
+                <a:effectLst/>
+                <a:latin typeface="Arial" panose="020B0604020202020204" pitchFamily="34" charset="0"/>
+              </a:rPr>
+              <a:t>uniquely</a:t>
+            </a:r>
+            <a:r>
+              <a:rPr kumimoji="0" lang="en" altLang="en-US" i="0" u="none" strike="noStrike" cap="none" normalizeH="0" baseline="0" dirty="0" smtClean="0">
+                <a:ln>
+                  <a:noFill/>
+                </a:ln>
+                <a:solidFill>
+                  <a:schemeClr val="tx1"/>
+                </a:solidFill>
+                <a:effectLst/>
+                <a:latin typeface="Arial" panose="020B0604020202020204" pitchFamily="34" charset="0"/>
+              </a:rPr>
+              <a:t> </a:t>
+            </a:r>
+            <a:r>
+              <a:rPr kumimoji="0" lang="en" altLang="en-US" i="0" u="none" strike="noStrike" cap="none" normalizeH="0" baseline="0" dirty="0" err="1" smtClean="0">
+                <a:ln>
+                  <a:noFill/>
+                </a:ln>
+                <a:solidFill>
+                  <a:schemeClr val="tx1"/>
+                </a:solidFill>
+                <a:effectLst/>
+                <a:latin typeface="Arial" panose="020B0604020202020204" pitchFamily="34" charset="0"/>
+              </a:rPr>
+              <a:t>in </a:t>
+            </a:r>
+            <a:r>
+              <a:rPr kumimoji="0" lang="en" altLang="en-US" i="0" u="none" strike="noStrike" cap="none" normalizeH="0" baseline="0" dirty="0" smtClean="0">
+                <a:ln>
+                  <a:noFill/>
+                </a:ln>
+                <a:solidFill>
+                  <a:schemeClr val="tx1"/>
+                </a:solidFill>
+                <a:effectLst/>
+                <a:latin typeface="Arial" panose="020B0604020202020204" pitchFamily="34" charset="0"/>
+              </a:rPr>
+              <a:t>charge of the </a:t>
+            </a:r>
+            <a:r>
+              <a:rPr kumimoji="0" lang="en" altLang="en-US" i="0" u="none" strike="noStrike" cap="none" normalizeH="0" baseline="0" dirty="0" err="1" smtClean="0">
+                <a:ln>
+                  <a:noFill/>
+                </a:ln>
+                <a:solidFill>
+                  <a:schemeClr val="tx1"/>
+                </a:solidFill>
+                <a:effectLst/>
+                <a:latin typeface="Arial" panose="020B0604020202020204" pitchFamily="34" charset="0"/>
+              </a:rPr>
+              <a:t>last one</a:t>
+            </a:r>
+            <a:r>
+              <a:rPr kumimoji="0" lang="en" altLang="en-US" i="0" u="none" strike="noStrike" cap="none" normalizeH="0" baseline="0" dirty="0" smtClean="0">
+                <a:ln>
+                  <a:noFill/>
+                </a:ln>
+                <a:solidFill>
+                  <a:schemeClr val="tx1"/>
+                </a:solidFill>
+                <a:effectLst/>
+                <a:latin typeface="Arial" panose="020B0604020202020204" pitchFamily="34" charset="0"/>
+              </a:rPr>
+              <a:t> </a:t>
+            </a:r>
+            <a:r>
+              <a:rPr kumimoji="0" lang="en" altLang="en-US" i="0" u="none" strike="noStrike" cap="none" normalizeH="0" baseline="0" dirty="0" err="1" smtClean="0">
+                <a:ln>
+                  <a:noFill/>
+                </a:ln>
+                <a:solidFill>
+                  <a:schemeClr val="tx1"/>
+                </a:solidFill>
+                <a:effectLst/>
+                <a:latin typeface="Arial" panose="020B0604020202020204" pitchFamily="34" charset="0"/>
+              </a:rPr>
+              <a:t>value </a:t>
+            </a:r>
+            <a:r>
+              <a:rPr kumimoji="0" lang="en" altLang="en-US" i="0" u="none" strike="noStrike" cap="none" normalizeH="0" baseline="0" dirty="0" smtClean="0">
+                <a:ln>
+                  <a:noFill/>
+                </a:ln>
+                <a:solidFill>
+                  <a:schemeClr val="tx1"/>
+                </a:solidFill>
+                <a:effectLst/>
+                <a:latin typeface="Arial" panose="020B0604020202020204" pitchFamily="34" charset="0"/>
+              </a:rPr>
+              <a:t>( </a:t>
+            </a:r>
+            <a:r>
+              <a:rPr kumimoji="0" lang="en" altLang="en-US" i="0" u="none" strike="noStrike" cap="none" normalizeH="0" baseline="0" dirty="0" smtClean="0">
+                <a:ln>
+                  <a:noFill/>
+                </a:ln>
+                <a:solidFill>
+                  <a:schemeClr val="tx1"/>
+                </a:solidFill>
+                <a:effectLst/>
+                <a:latin typeface="Arial Unicode MS"/>
+              </a:rPr>
+              <a:t>€11,000 </a:t>
+            </a:r>
+            <a:r>
+              <a:rPr kumimoji="0" lang="en" altLang="en-US" i="0" u="none" strike="noStrike" cap="none" normalizeH="0" baseline="0" dirty="0" smtClean="0">
+                <a:ln>
+                  <a:noFill/>
+                </a:ln>
+                <a:solidFill>
+                  <a:schemeClr val="tx1"/>
+                </a:solidFill>
+                <a:effectLst/>
+              </a:rPr>
+              <a:t>) </a:t>
+            </a:r>
+            <a:r>
+              <a:rPr kumimoji="0" lang="en" altLang="en-US" i="0" u="none" strike="noStrike" cap="none" normalizeH="0" baseline="0" dirty="0" err="1" smtClean="0">
+                <a:ln>
+                  <a:noFill/>
+                </a:ln>
+                <a:solidFill>
+                  <a:schemeClr val="tx1"/>
+                </a:solidFill>
+                <a:effectLst/>
+              </a:rPr>
+              <a:t>against</a:t>
+            </a:r>
+            <a:r>
+              <a:rPr kumimoji="0" lang="en" altLang="en-US" i="0" u="none" strike="noStrike" cap="none" normalizeH="0" baseline="0" dirty="0" smtClean="0">
+                <a:ln>
+                  <a:noFill/>
+                </a:ln>
+                <a:solidFill>
+                  <a:schemeClr val="tx1"/>
+                </a:solidFill>
+                <a:effectLst/>
+              </a:rPr>
+              <a:t> </a:t>
+            </a:r>
+            <a:r>
+              <a:rPr kumimoji="0" lang="en" altLang="en-US" i="0" u="none" strike="noStrike" cap="none" normalizeH="0" baseline="0" dirty="0" smtClean="0">
+                <a:ln>
+                  <a:noFill/>
+                </a:ln>
+                <a:solidFill>
+                  <a:schemeClr val="tx1"/>
+                </a:solidFill>
+                <a:effectLst/>
+                <a:latin typeface="Arial Unicode MS"/>
+              </a:rPr>
+              <a:t>€10,000</a:t>
+            </a:r>
+            <a:r>
+              <a:rPr kumimoji="0" lang="en" altLang="en-US" i="0" u="none" strike="noStrike" cap="none" normalizeH="0" baseline="0" dirty="0" smtClean="0">
+                <a:ln>
+                  <a:noFill/>
+                </a:ln>
+                <a:solidFill>
+                  <a:schemeClr val="tx1"/>
+                </a:solidFill>
+                <a:effectLst/>
+              </a:rPr>
+              <a:t> </a:t>
+            </a:r>
+            <a:endParaRPr kumimoji="0" lang="en-US" altLang="en-US" i="0" u="none" strike="noStrike" cap="none" normalizeH="0" baseline="0" dirty="0" smtClean="0">
+              <a:ln>
+                <a:noFill/>
+              </a:ln>
+              <a:solidFill>
+                <a:schemeClr val="tx1"/>
+              </a:solidFill>
+              <a:effectLst/>
+              <a:latin typeface="Arial" panose="020B0604020202020204" pitchFamily="34" charset="0"/>
+            </a:endParaRPr>
+          </a:p>
+        </p:txBody>
+      </p:sp>
     </p:spTree>
     <p:extLst>
       <p:ext uri="{BB962C8B-B14F-4D97-AF65-F5344CB8AC3E}">
-        <p14:creationId xmlns:p14="http://schemas.microsoft.com/office/powerpoint/2010/main" val="3961259801"/>
+        <p14:creationId xmlns:p14="http://schemas.microsoft.com/office/powerpoint/2010/main" val="2826291214"/>
       </p:ext>
     </p:extLst>
   </p:cSld>
@@ -6674,7 +7608,7 @@
       </p:grpSpPr>
       <p:pic>
         <p:nvPicPr>
-          <p:cNvPr id="12" name="Picture 11"/>
+          <p:cNvPr id="3" name="Picture 2"/>
           <p:cNvPicPr>
             <a:picLocks noChangeAspect="1"/>
           </p:cNvPicPr>
@@ -6688,22 +7622,12 @@
         </p:blipFill>
         <p:spPr>
           <a:xfrm>
-            <a:off x="4682277" y="1638672"/>
-            <a:ext cx="2155647" cy="3438771"/>
+            <a:off x="429345" y="1257258"/>
+            <a:ext cx="5353797" cy="3010320"/>
           </a:xfrm>
           <a:prstGeom prst="rect">
             <a:avLst/>
           </a:prstGeom>
-          <a:ln>
-            <a:noFill/>
-          </a:ln>
-          <a:effectLst>
-            <a:outerShdw blurRad="292100" dist="139700" dir="2700000" algn="tl" rotWithShape="0">
-              <a:srgbClr val="333333">
-                <a:alpha val="65000"/>
-              </a:srgbClr>
-            </a:outerShdw>
-          </a:effectLst>
         </p:spPr>
       </p:pic>
       <p:sp>
@@ -6715,7 +7639,7 @@
         <p:spPr>
           <a:xfrm>
             <a:off x="323133" y="192505"/>
-            <a:ext cx="1199367" cy="461665"/>
+            <a:ext cx="1215397" cy="461665"/>
           </a:xfrm>
           <a:prstGeom prst="rect">
             <a:avLst/>
@@ -6729,13 +7653,13 @@
           <a:lstStyle/>
           <a:p>
             <a:r>
-              <a:rPr lang="en-US" sz="2400" dirty="0" smtClean="0">
-                <a:latin typeface="Segoe UI" panose="020B0502040204020203" pitchFamily="34" charset="0"/>
-                <a:cs typeface="Segoe UI" panose="020B0502040204020203" pitchFamily="34" charset="0"/>
-              </a:rPr>
-              <a:t>The KPI</a:t>
-            </a:r>
-            <a:endParaRPr lang="en-US" sz="2400" dirty="0">
+              <a:rPr lang="en" sz="2400" b="1" dirty="0" smtClean="0">
+                <a:latin typeface="Segoe UI" panose="020B0502040204020203" pitchFamily="34" charset="0"/>
+                <a:cs typeface="Segoe UI" panose="020B0502040204020203" pitchFamily="34" charset="0"/>
+              </a:rPr>
+              <a:t>KPIs</a:t>
+            </a:r>
+            <a:endParaRPr lang="en-US" sz="2400" b="1" dirty="0">
               <a:latin typeface="Segoe UI" panose="020B0502040204020203" pitchFamily="34" charset="0"/>
               <a:cs typeface="Segoe UI" panose="020B0502040204020203" pitchFamily="34" charset="0"/>
             </a:endParaRPr>
@@ -6765,11 +7689,11 @@
           <a:lstStyle/>
           <a:p>
             <a:r>
-              <a:rPr lang="en-US" dirty="0" smtClean="0">
-                <a:latin typeface="Segoe UI" panose="020B0502040204020203" pitchFamily="34" charset="0"/>
-                <a:cs typeface="Segoe UI" panose="020B0502040204020203" pitchFamily="34" charset="0"/>
-              </a:rPr>
-              <a:t>Now the Target need to be added , for that we have to create a measure that represents our goal</a:t>
+              <a:rPr lang="en" dirty="0" smtClean="0">
+                <a:latin typeface="Segoe UI" panose="020B0502040204020203" pitchFamily="34" charset="0"/>
+                <a:cs typeface="Segoe UI" panose="020B0502040204020203" pitchFamily="34" charset="0"/>
+              </a:rPr>
+              <a:t>Now we need to add the target. To do this, we need to create a metric that represents our goal.</a:t>
             </a:r>
             <a:endParaRPr lang="en-US" b="1" dirty="0">
               <a:latin typeface="Segoe UI" panose="020B0502040204020203" pitchFamily="34" charset="0"/>
@@ -6786,8 +7710,8 @@
         </p:nvSpPr>
         <p:spPr>
           <a:xfrm>
-            <a:off x="4740579" y="3679415"/>
-            <a:ext cx="2155647" cy="295633"/>
+            <a:off x="4121813" y="2847517"/>
+            <a:ext cx="1661329" cy="295633"/>
           </a:xfrm>
           <a:prstGeom prst="rect">
             <a:avLst/>
@@ -6826,10 +7750,604 @@
           </a:p>
         </p:txBody>
       </p:sp>
+      <p:sp>
+        <p:nvSpPr>
+          <p:cNvPr id="7" name="Rectangle 6"/>
+          <p:cNvSpPr/>
+          <p:nvPr/>
+        </p:nvSpPr>
+        <p:spPr>
+          <a:xfrm>
+            <a:off x="4121812" y="1683027"/>
+            <a:ext cx="1661329" cy="295633"/>
+          </a:xfrm>
+          <a:prstGeom prst="rect">
+            <a:avLst/>
+          </a:prstGeom>
+          <a:solidFill>
+            <a:srgbClr val="FF0000">
+              <a:alpha val="25000"/>
+            </a:srgbClr>
+          </a:solidFill>
+          <a:ln>
+            <a:noFill/>
+          </a:ln>
+        </p:spPr>
+        <p:style>
+          <a:lnRef idx="2">
+            <a:schemeClr val="accent1">
+              <a:shade val="50000"/>
+            </a:schemeClr>
+          </a:lnRef>
+          <a:fillRef idx="1">
+            <a:schemeClr val="accent1"/>
+          </a:fillRef>
+          <a:effectRef idx="0">
+            <a:schemeClr val="accent1"/>
+          </a:effectRef>
+          <a:fontRef idx="minor">
+            <a:schemeClr val="lt1"/>
+          </a:fontRef>
+        </p:style>
+        <p:txBody>
+          <a:bodyPr rtlCol="0" anchor="ctr"/>
+          <a:lstStyle/>
+          <a:p>
+            <a:pPr algn="ctr"/>
+            <a:endParaRPr lang="en-US"/>
+          </a:p>
+        </p:txBody>
+      </p:sp>
+      <p:pic>
+        <p:nvPicPr>
+          <p:cNvPr id="4" name="Picture 3"/>
+          <p:cNvPicPr>
+            <a:picLocks noChangeAspect="1"/>
+          </p:cNvPicPr>
+          <p:nvPr/>
+        </p:nvPicPr>
+        <p:blipFill>
+          <a:blip r:embed="rId3"/>
+          <a:stretch>
+            <a:fillRect/>
+          </a:stretch>
+        </p:blipFill>
+        <p:spPr>
+          <a:xfrm>
+            <a:off x="6094672" y="1257258"/>
+            <a:ext cx="5172797" cy="2391109"/>
+          </a:xfrm>
+          <a:prstGeom prst="rect">
+            <a:avLst/>
+          </a:prstGeom>
+        </p:spPr>
+      </p:pic>
+      <p:sp>
+        <p:nvSpPr>
+          <p:cNvPr id="6" name="Rectangle 1"/>
+          <p:cNvSpPr>
+            <a:spLocks noChangeArrowheads="1"/>
+          </p:cNvSpPr>
+          <p:nvPr/>
+        </p:nvSpPr>
+        <p:spPr bwMode="auto">
+          <a:xfrm>
+            <a:off x="323133" y="4934507"/>
+            <a:ext cx="9304022" cy="923330"/>
+          </a:xfrm>
+          <a:prstGeom prst="rect">
+            <a:avLst/>
+          </a:prstGeom>
+          <a:noFill/>
+          <a:ln>
+            <a:noFill/>
+          </a:ln>
+          <a:effectLst/>
+          <a:extLst>
+            <a:ext uri="{909E8E84-426E-40DD-AFC4-6F175D3DCCD1}">
+              <a14:hiddenFill xmlns:a14="http://schemas.microsoft.com/office/drawing/2010/main">
+                <a:solidFill>
+                  <a:schemeClr val="accent1"/>
+                </a:solidFill>
+              </a14:hiddenFill>
+            </a:ext>
+            <a:ext uri="{91240B29-F687-4F45-9708-019B960494DF}">
+              <a14:hiddenLine xmlns:a14="http://schemas.microsoft.com/office/drawing/2010/main" w="9525">
+                <a:solidFill>
+                  <a:schemeClr val="tx1"/>
+                </a:solidFill>
+                <a:miter lim="800000"/>
+                <a:headEnd/>
+                <a:tailEnd/>
+              </a14:hiddenLine>
+            </a:ext>
+            <a:ext uri="{AF507438-7753-43E0-B8FC-AC1667EBCBE1}">
+              <a14:hiddenEffects xmlns:a14="http://schemas.microsoft.com/office/drawing/2010/main">
+                <a:effectLst>
+                  <a:outerShdw dist="35921" dir="2700000" algn="ctr" rotWithShape="0">
+                    <a:schemeClr val="bg2"/>
+                  </a:outerShdw>
+                </a:effectLst>
+              </a14:hiddenEffects>
+            </a:ext>
+          </a:extLst>
+        </p:spPr>
+        <p:txBody>
+          <a:bodyPr vert="horz" wrap="none" lIns="91440" tIns="45720" rIns="91440" bIns="45720" numCol="1" anchor="ctr" anchorCtr="0" compatLnSpc="1">
+            <a:prstTxWarp prst="textNoShape">
+              <a:avLst/>
+            </a:prstTxWarp>
+            <a:spAutoFit/>
+          </a:bodyPr>
+          <a:lstStyle/>
+          <a:p>
+            <a:pPr marL="0" marR="0" lvl="0" indent="0" algn="l" defTabSz="914400" rtl="0" eaLnBrk="0" fontAlgn="base" latinLnBrk="0" hangingPunct="0">
+              <a:lnSpc>
+                <a:spcPct val="100000"/>
+              </a:lnSpc>
+              <a:spcBef>
+                <a:spcPct val="0"/>
+              </a:spcBef>
+              <a:spcAft>
+                <a:spcPct val="0"/>
+              </a:spcAft>
+              <a:buClrTx/>
+              <a:buSzTx/>
+              <a:tabLst/>
+            </a:pPr>
+            <a:r>
+              <a:rPr kumimoji="0" lang="en" altLang="en-US" i="0" u="none" strike="noStrike" cap="none" normalizeH="0" baseline="0" dirty="0" err="1" smtClean="0">
+                <a:ln>
+                  <a:noFill/>
+                </a:ln>
+                <a:solidFill>
+                  <a:schemeClr val="tx1"/>
+                </a:solidFill>
+                <a:effectLst/>
+                <a:latin typeface="Arial" panose="020B0604020202020204" pitchFamily="34" charset="0"/>
+              </a:rPr>
+              <a:t>Total </a:t>
+            </a:r>
+            <a:r>
+              <a:rPr kumimoji="0" lang="en" altLang="en-US" i="0" u="none" strike="noStrike" cap="none" normalizeH="0" baseline="0" dirty="0" smtClean="0">
+                <a:ln>
+                  <a:noFill/>
+                </a:ln>
+                <a:solidFill>
+                  <a:schemeClr val="tx1"/>
+                </a:solidFill>
+                <a:effectLst/>
+                <a:latin typeface="Arial" panose="020B0604020202020204" pitchFamily="34" charset="0"/>
+              </a:rPr>
+              <a:t>Sum of the </a:t>
+            </a:r>
+            <a:r>
+              <a:rPr kumimoji="0" lang="en" altLang="en-US" i="0" u="none" strike="noStrike" cap="none" normalizeH="0" baseline="0" dirty="0" err="1" smtClean="0">
+                <a:ln>
+                  <a:noFill/>
+                </a:ln>
+                <a:solidFill>
+                  <a:schemeClr val="tx1"/>
+                </a:solidFill>
+                <a:effectLst/>
+                <a:latin typeface="Arial" panose="020B0604020202020204" pitchFamily="34" charset="0"/>
+              </a:rPr>
+              <a:t>Figure</a:t>
+            </a:r>
+            <a:r>
+              <a:rPr kumimoji="0" lang="en" altLang="en-US" i="0" u="none" strike="noStrike" cap="none" normalizeH="0" baseline="0" dirty="0" smtClean="0">
+                <a:ln>
+                  <a:noFill/>
+                </a:ln>
+                <a:solidFill>
+                  <a:schemeClr val="tx1"/>
+                </a:solidFill>
+                <a:effectLst/>
+                <a:latin typeface="Arial" panose="020B0604020202020204" pitchFamily="34" charset="0"/>
+              </a:rPr>
+              <a:t> </a:t>
+            </a:r>
+            <a:r>
+              <a:rPr kumimoji="0" lang="en" altLang="en-US" i="0" u="none" strike="noStrike" cap="none" normalizeH="0" baseline="0" dirty="0" err="1" smtClean="0">
+                <a:ln>
+                  <a:noFill/>
+                </a:ln>
+                <a:solidFill>
+                  <a:schemeClr val="tx1"/>
+                </a:solidFill>
+                <a:effectLst/>
+                <a:latin typeface="Arial" panose="020B0604020202020204" pitchFamily="34" charset="0"/>
+              </a:rPr>
+              <a:t>Business </a:t>
+            </a:r>
+            <a:r>
+              <a:rPr kumimoji="0" lang="en" altLang="en-US" i="0" u="none" strike="noStrike" cap="none" normalizeH="0" baseline="0" dirty="0" smtClean="0">
+                <a:ln>
+                  <a:noFill/>
+                </a:ln>
+                <a:solidFill>
+                  <a:schemeClr val="tx1"/>
+                </a:solidFill>
+                <a:effectLst/>
+                <a:latin typeface="Arial" panose="020B0604020202020204" pitchFamily="34" charset="0"/>
+              </a:rPr>
+              <a:t>= </a:t>
+            </a:r>
+            <a:r>
+              <a:rPr kumimoji="0" lang="en" altLang="en-US" i="0" u="none" strike="noStrike" cap="none" normalizeH="0" baseline="0" dirty="0" smtClean="0">
+                <a:ln>
+                  <a:noFill/>
+                </a:ln>
+                <a:solidFill>
+                  <a:schemeClr val="tx1"/>
+                </a:solidFill>
+                <a:effectLst/>
+                <a:latin typeface="Arial Unicode MS"/>
+              </a:rPr>
+              <a:t>€32,500</a:t>
+            </a:r>
+            <a:endParaRPr kumimoji="0" lang="en-US" altLang="en-US" i="0" u="none" strike="noStrike" cap="none" normalizeH="0" baseline="0" dirty="0" smtClean="0">
+              <a:ln>
+                <a:noFill/>
+              </a:ln>
+              <a:solidFill>
+                <a:schemeClr val="tx1"/>
+              </a:solidFill>
+              <a:effectLst/>
+            </a:endParaRPr>
+          </a:p>
+          <a:p>
+            <a:pPr marL="0" marR="0" lvl="0" indent="0" algn="l" defTabSz="914400" rtl="0" eaLnBrk="0" fontAlgn="base" latinLnBrk="0" hangingPunct="0">
+              <a:lnSpc>
+                <a:spcPct val="100000"/>
+              </a:lnSpc>
+              <a:spcBef>
+                <a:spcPct val="0"/>
+              </a:spcBef>
+              <a:spcAft>
+                <a:spcPct val="0"/>
+              </a:spcAft>
+              <a:buClrTx/>
+              <a:buSzTx/>
+              <a:tabLst/>
+            </a:pPr>
+            <a:r>
+              <a:rPr kumimoji="0" lang="en" altLang="en-US" i="0" u="none" strike="noStrike" cap="none" normalizeH="0" baseline="0" dirty="0" err="1" smtClean="0">
+                <a:ln>
+                  <a:noFill/>
+                </a:ln>
+                <a:solidFill>
+                  <a:schemeClr val="tx1"/>
+                </a:solidFill>
+                <a:effectLst/>
+                <a:latin typeface="Arial" panose="020B0604020202020204" pitchFamily="34" charset="0"/>
+              </a:rPr>
+              <a:t>Total </a:t>
+            </a:r>
+            <a:r>
+              <a:rPr kumimoji="0" lang="en" altLang="en-US" i="0" u="none" strike="noStrike" cap="none" normalizeH="0" baseline="0" dirty="0" smtClean="0">
+                <a:ln>
+                  <a:noFill/>
+                </a:ln>
+                <a:solidFill>
+                  <a:schemeClr val="tx1"/>
+                </a:solidFill>
+                <a:effectLst/>
+                <a:latin typeface="Arial" panose="020B0604020202020204" pitchFamily="34" charset="0"/>
+              </a:rPr>
+              <a:t>amount of </a:t>
+            </a:r>
+            <a:r>
+              <a:rPr kumimoji="0" lang="en" altLang="en-US" i="0" u="none" strike="noStrike" cap="none" normalizeH="0" baseline="0" dirty="0" err="1" smtClean="0">
+                <a:ln>
+                  <a:noFill/>
+                </a:ln>
+                <a:solidFill>
+                  <a:schemeClr val="tx1"/>
+                </a:solidFill>
+                <a:effectLst/>
+                <a:latin typeface="Arial" panose="020B0604020202020204" pitchFamily="34" charset="0"/>
+              </a:rPr>
+              <a:t>the Objective </a:t>
+            </a:r>
+            <a:r>
+              <a:rPr kumimoji="0" lang="en" altLang="en-US" i="0" u="none" strike="noStrike" cap="none" normalizeH="0" baseline="0" dirty="0" smtClean="0">
+                <a:ln>
+                  <a:noFill/>
+                </a:ln>
+                <a:solidFill>
+                  <a:schemeClr val="tx1"/>
+                </a:solidFill>
+                <a:effectLst/>
+                <a:latin typeface="Arial" panose="020B0604020202020204" pitchFamily="34" charset="0"/>
+              </a:rPr>
+              <a:t>= </a:t>
+            </a:r>
+            <a:r>
+              <a:rPr kumimoji="0" lang="en" altLang="en-US" i="0" u="none" strike="noStrike" cap="none" normalizeH="0" baseline="0" dirty="0" smtClean="0">
+                <a:ln>
+                  <a:noFill/>
+                </a:ln>
+                <a:solidFill>
+                  <a:schemeClr val="tx1"/>
+                </a:solidFill>
+                <a:effectLst/>
+                <a:latin typeface="Arial Unicode MS"/>
+              </a:rPr>
+              <a:t>€40,000</a:t>
+            </a:r>
+            <a:endParaRPr kumimoji="0" lang="en-US" altLang="en-US" i="0" u="none" strike="noStrike" cap="none" normalizeH="0" baseline="0" dirty="0" smtClean="0">
+              <a:ln>
+                <a:noFill/>
+              </a:ln>
+              <a:solidFill>
+                <a:schemeClr val="tx1"/>
+              </a:solidFill>
+              <a:effectLst/>
+            </a:endParaRPr>
+          </a:p>
+          <a:p>
+            <a:pPr marL="0" marR="0" lvl="0" indent="0" algn="l" defTabSz="914400" rtl="0" eaLnBrk="0" fontAlgn="base" latinLnBrk="0" hangingPunct="0">
+              <a:lnSpc>
+                <a:spcPct val="100000"/>
+              </a:lnSpc>
+              <a:spcBef>
+                <a:spcPct val="0"/>
+              </a:spcBef>
+              <a:spcAft>
+                <a:spcPct val="0"/>
+              </a:spcAft>
+              <a:buClrTx/>
+              <a:buSzTx/>
+              <a:tabLst/>
+            </a:pPr>
+            <a:r>
+              <a:rPr kumimoji="0" lang="en" altLang="en-US" i="0" u="none" strike="noStrike" cap="none" normalizeH="0" baseline="0" dirty="0" err="1" smtClean="0">
+                <a:ln>
+                  <a:noFill/>
+                </a:ln>
+                <a:solidFill>
+                  <a:schemeClr val="tx1"/>
+                </a:solidFill>
+                <a:effectLst/>
+                <a:latin typeface="Arial" panose="020B0604020202020204" pitchFamily="34" charset="0"/>
+              </a:rPr>
+              <a:t>But </a:t>
+            </a:r>
+            <a:r>
+              <a:rPr kumimoji="0" lang="en" altLang="en-US" i="0" u="none" strike="noStrike" cap="none" normalizeH="0" baseline="0" dirty="0" smtClean="0">
+                <a:ln>
+                  <a:noFill/>
+                </a:ln>
+                <a:solidFill>
+                  <a:schemeClr val="tx1"/>
+                </a:solidFill>
+                <a:effectLst/>
+                <a:latin typeface="Arial" panose="020B0604020202020204" pitchFamily="34" charset="0"/>
+              </a:rPr>
+              <a:t>Power BI </a:t>
+            </a:r>
+            <a:r>
+              <a:rPr kumimoji="0" lang="en" altLang="en-US" i="0" u="none" strike="noStrike" cap="none" normalizeH="0" baseline="0" dirty="0" err="1" smtClean="0">
+                <a:ln>
+                  <a:noFill/>
+                </a:ln>
+                <a:solidFill>
+                  <a:schemeClr val="tx1"/>
+                </a:solidFill>
+                <a:effectLst/>
+                <a:latin typeface="Arial" panose="020B0604020202020204" pitchFamily="34" charset="0"/>
+              </a:rPr>
+              <a:t>takes</a:t>
+            </a:r>
+            <a:r>
+              <a:rPr kumimoji="0" lang="en" altLang="en-US" i="0" u="none" strike="noStrike" cap="none" normalizeH="0" baseline="0" dirty="0" smtClean="0">
+                <a:ln>
+                  <a:noFill/>
+                </a:ln>
+                <a:solidFill>
+                  <a:schemeClr val="tx1"/>
+                </a:solidFill>
+                <a:effectLst/>
+                <a:latin typeface="Arial" panose="020B0604020202020204" pitchFamily="34" charset="0"/>
+              </a:rPr>
+              <a:t> </a:t>
+            </a:r>
+            <a:r>
+              <a:rPr kumimoji="0" lang="en" altLang="en-US" i="0" u="none" strike="noStrike" cap="none" normalizeH="0" baseline="0" dirty="0" err="1" smtClean="0">
+                <a:ln>
+                  <a:noFill/>
+                </a:ln>
+                <a:solidFill>
+                  <a:schemeClr val="tx1"/>
+                </a:solidFill>
+                <a:effectLst/>
+                <a:latin typeface="Arial" panose="020B0604020202020204" pitchFamily="34" charset="0"/>
+              </a:rPr>
+              <a:t>uniquely</a:t>
+            </a:r>
+            <a:r>
+              <a:rPr kumimoji="0" lang="en" altLang="en-US" i="0" u="none" strike="noStrike" cap="none" normalizeH="0" baseline="0" dirty="0" smtClean="0">
+                <a:ln>
+                  <a:noFill/>
+                </a:ln>
+                <a:solidFill>
+                  <a:schemeClr val="tx1"/>
+                </a:solidFill>
+                <a:effectLst/>
+                <a:latin typeface="Arial" panose="020B0604020202020204" pitchFamily="34" charset="0"/>
+              </a:rPr>
+              <a:t> </a:t>
+            </a:r>
+            <a:r>
+              <a:rPr kumimoji="0" lang="en" altLang="en-US" i="0" u="none" strike="noStrike" cap="none" normalizeH="0" baseline="0" dirty="0" err="1" smtClean="0">
+                <a:ln>
+                  <a:noFill/>
+                </a:ln>
+                <a:solidFill>
+                  <a:schemeClr val="tx1"/>
+                </a:solidFill>
+                <a:effectLst/>
+                <a:latin typeface="Arial" panose="020B0604020202020204" pitchFamily="34" charset="0"/>
+              </a:rPr>
+              <a:t>in </a:t>
+            </a:r>
+            <a:r>
+              <a:rPr kumimoji="0" lang="en" altLang="en-US" i="0" u="none" strike="noStrike" cap="none" normalizeH="0" baseline="0" dirty="0" smtClean="0">
+                <a:ln>
+                  <a:noFill/>
+                </a:ln>
+                <a:solidFill>
+                  <a:schemeClr val="tx1"/>
+                </a:solidFill>
+                <a:effectLst/>
+                <a:latin typeface="Arial" panose="020B0604020202020204" pitchFamily="34" charset="0"/>
+              </a:rPr>
+              <a:t>charge of the </a:t>
+            </a:r>
+            <a:r>
+              <a:rPr kumimoji="0" lang="en" altLang="en-US" i="0" u="none" strike="noStrike" cap="none" normalizeH="0" baseline="0" dirty="0" err="1" smtClean="0">
+                <a:ln>
+                  <a:noFill/>
+                </a:ln>
+                <a:solidFill>
+                  <a:schemeClr val="tx1"/>
+                </a:solidFill>
+                <a:effectLst/>
+                <a:latin typeface="Arial" panose="020B0604020202020204" pitchFamily="34" charset="0"/>
+              </a:rPr>
+              <a:t>last one</a:t>
+            </a:r>
+            <a:r>
+              <a:rPr kumimoji="0" lang="en" altLang="en-US" i="0" u="none" strike="noStrike" cap="none" normalizeH="0" baseline="0" dirty="0" smtClean="0">
+                <a:ln>
+                  <a:noFill/>
+                </a:ln>
+                <a:solidFill>
+                  <a:schemeClr val="tx1"/>
+                </a:solidFill>
+                <a:effectLst/>
+                <a:latin typeface="Arial" panose="020B0604020202020204" pitchFamily="34" charset="0"/>
+              </a:rPr>
+              <a:t> </a:t>
+            </a:r>
+            <a:r>
+              <a:rPr kumimoji="0" lang="en" altLang="en-US" i="0" u="none" strike="noStrike" cap="none" normalizeH="0" baseline="0" dirty="0" err="1" smtClean="0">
+                <a:ln>
+                  <a:noFill/>
+                </a:ln>
+                <a:solidFill>
+                  <a:schemeClr val="tx1"/>
+                </a:solidFill>
+                <a:effectLst/>
+                <a:latin typeface="Arial" panose="020B0604020202020204" pitchFamily="34" charset="0"/>
+              </a:rPr>
+              <a:t>value </a:t>
+            </a:r>
+            <a:r>
+              <a:rPr kumimoji="0" lang="en" altLang="en-US" i="0" u="none" strike="noStrike" cap="none" normalizeH="0" baseline="0" dirty="0" smtClean="0">
+                <a:ln>
+                  <a:noFill/>
+                </a:ln>
+                <a:solidFill>
+                  <a:schemeClr val="tx1"/>
+                </a:solidFill>
+                <a:effectLst/>
+                <a:latin typeface="Arial" panose="020B0604020202020204" pitchFamily="34" charset="0"/>
+              </a:rPr>
+              <a:t>( </a:t>
+            </a:r>
+            <a:r>
+              <a:rPr kumimoji="0" lang="en" altLang="en-US" i="0" u="none" strike="noStrike" cap="none" normalizeH="0" baseline="0" dirty="0" smtClean="0">
+                <a:ln>
+                  <a:noFill/>
+                </a:ln>
+                <a:solidFill>
+                  <a:schemeClr val="tx1"/>
+                </a:solidFill>
+                <a:effectLst/>
+                <a:latin typeface="Arial Unicode MS"/>
+              </a:rPr>
+              <a:t>€11,000 </a:t>
+            </a:r>
+            <a:r>
+              <a:rPr kumimoji="0" lang="en" altLang="en-US" i="0" u="none" strike="noStrike" cap="none" normalizeH="0" baseline="0" dirty="0" smtClean="0">
+                <a:ln>
+                  <a:noFill/>
+                </a:ln>
+                <a:solidFill>
+                  <a:schemeClr val="tx1"/>
+                </a:solidFill>
+                <a:effectLst/>
+              </a:rPr>
+              <a:t>) </a:t>
+            </a:r>
+            <a:r>
+              <a:rPr kumimoji="0" lang="en" altLang="en-US" i="0" u="none" strike="noStrike" cap="none" normalizeH="0" baseline="0" dirty="0" err="1" smtClean="0">
+                <a:ln>
+                  <a:noFill/>
+                </a:ln>
+                <a:solidFill>
+                  <a:schemeClr val="tx1"/>
+                </a:solidFill>
+                <a:effectLst/>
+              </a:rPr>
+              <a:t>against</a:t>
+            </a:r>
+            <a:r>
+              <a:rPr kumimoji="0" lang="en" altLang="en-US" i="0" u="none" strike="noStrike" cap="none" normalizeH="0" baseline="0" dirty="0" smtClean="0">
+                <a:ln>
+                  <a:noFill/>
+                </a:ln>
+                <a:solidFill>
+                  <a:schemeClr val="tx1"/>
+                </a:solidFill>
+                <a:effectLst/>
+              </a:rPr>
+              <a:t> </a:t>
+            </a:r>
+            <a:r>
+              <a:rPr kumimoji="0" lang="en" altLang="en-US" i="0" u="none" strike="noStrike" cap="none" normalizeH="0" baseline="0" dirty="0" smtClean="0">
+                <a:ln>
+                  <a:noFill/>
+                </a:ln>
+                <a:solidFill>
+                  <a:schemeClr val="tx1"/>
+                </a:solidFill>
+                <a:effectLst/>
+                <a:latin typeface="Arial Unicode MS"/>
+              </a:rPr>
+              <a:t>€10,000</a:t>
+            </a:r>
+            <a:r>
+              <a:rPr kumimoji="0" lang="en" altLang="en-US" i="0" u="none" strike="noStrike" cap="none" normalizeH="0" baseline="0" dirty="0" smtClean="0">
+                <a:ln>
+                  <a:noFill/>
+                </a:ln>
+                <a:solidFill>
+                  <a:schemeClr val="tx1"/>
+                </a:solidFill>
+                <a:effectLst/>
+              </a:rPr>
+              <a:t> </a:t>
+            </a:r>
+            <a:endParaRPr kumimoji="0" lang="en-US" altLang="en-US" i="0" u="none" strike="noStrike" cap="none" normalizeH="0" baseline="0" dirty="0" smtClean="0">
+              <a:ln>
+                <a:noFill/>
+              </a:ln>
+              <a:solidFill>
+                <a:schemeClr val="tx1"/>
+              </a:solidFill>
+              <a:effectLst/>
+              <a:latin typeface="Arial" panose="020B0604020202020204" pitchFamily="34" charset="0"/>
+            </a:endParaRPr>
+          </a:p>
+        </p:txBody>
+      </p:sp>
     </p:spTree>
     <p:extLst>
       <p:ext uri="{BB962C8B-B14F-4D97-AF65-F5344CB8AC3E}">
-        <p14:creationId xmlns:p14="http://schemas.microsoft.com/office/powerpoint/2010/main" val="2826291214"/>
+        <p14:creationId xmlns:p14="http://schemas.microsoft.com/office/powerpoint/2010/main" val="1233665257"/>
       </p:ext>
     </p:extLst>
   </p:cSld>
@@ -6865,7 +8383,7 @@
         <p:spPr>
           <a:xfrm>
             <a:off x="323133" y="192505"/>
-            <a:ext cx="1199367" cy="461665"/>
+            <a:ext cx="1215397" cy="461665"/>
           </a:xfrm>
           <a:prstGeom prst="rect">
             <a:avLst/>
@@ -6879,13 +8397,13 @@
           <a:lstStyle/>
           <a:p>
             <a:r>
-              <a:rPr lang="en-US" sz="2400" dirty="0" smtClean="0">
-                <a:latin typeface="Segoe UI" panose="020B0502040204020203" pitchFamily="34" charset="0"/>
-                <a:cs typeface="Segoe UI" panose="020B0502040204020203" pitchFamily="34" charset="0"/>
-              </a:rPr>
-              <a:t>The KPI</a:t>
-            </a:r>
-            <a:endParaRPr lang="en-US" sz="2400" dirty="0">
+              <a:rPr lang="en" sz="2400" b="1" dirty="0" smtClean="0">
+                <a:latin typeface="Segoe UI" panose="020B0502040204020203" pitchFamily="34" charset="0"/>
+                <a:cs typeface="Segoe UI" panose="020B0502040204020203" pitchFamily="34" charset="0"/>
+              </a:rPr>
+              <a:t>KPIs</a:t>
+            </a:r>
+            <a:endParaRPr lang="en-US" sz="2400" b="1" dirty="0">
               <a:latin typeface="Segoe UI" panose="020B0502040204020203" pitchFamily="34" charset="0"/>
               <a:cs typeface="Segoe UI" panose="020B0502040204020203" pitchFamily="34" charset="0"/>
             </a:endParaRPr>
@@ -6901,7 +8419,7 @@
         <p:spPr>
           <a:xfrm>
             <a:off x="429345" y="771048"/>
-            <a:ext cx="4025204" cy="369332"/>
+            <a:ext cx="10763652" cy="369332"/>
           </a:xfrm>
           <a:prstGeom prst="rect">
             <a:avLst/>
@@ -6915,11 +8433,11 @@
           <a:lstStyle/>
           <a:p>
             <a:r>
-              <a:rPr lang="en-US" dirty="0" smtClean="0">
-                <a:latin typeface="Segoe UI" panose="020B0502040204020203" pitchFamily="34" charset="0"/>
-                <a:cs typeface="Segoe UI" panose="020B0502040204020203" pitchFamily="34" charset="0"/>
-              </a:rPr>
-              <a:t>Then we create two measures for test </a:t>
+              <a:rPr lang="en" dirty="0" smtClean="0">
+                <a:latin typeface="Segoe UI" panose="020B0502040204020203" pitchFamily="34" charset="0"/>
+                <a:cs typeface="Segoe UI" panose="020B0502040204020203" pitchFamily="34" charset="0"/>
+              </a:rPr>
+              <a:t>It is also possible to take into consideration the sum, in this case it is necessary to create the aggregations</a:t>
             </a:r>
             <a:endParaRPr lang="en-US" b="1" dirty="0">
               <a:latin typeface="Segoe UI" panose="020B0502040204020203" pitchFamily="34" charset="0"/>
@@ -6930,14 +8448,14 @@
       </p:sp>
       <p:sp>
         <p:nvSpPr>
-          <p:cNvPr id="3" name="Rectangle 2"/>
+          <p:cNvPr id="10" name="Rectangle 9"/>
           <p:cNvSpPr/>
           <p:nvPr/>
         </p:nvSpPr>
         <p:spPr>
           <a:xfrm>
-            <a:off x="429344" y="1140380"/>
-            <a:ext cx="7820881" cy="369332"/>
+            <a:off x="538556" y="1310415"/>
+            <a:ext cx="11300517" cy="369332"/>
           </a:xfrm>
           <a:prstGeom prst="rect">
             <a:avLst/>
@@ -6950,94 +8468,130 @@
           <a:lstStyle/>
           <a:p>
             <a:r>
-              <a:rPr lang="en-US" dirty="0">
+              <a:rPr lang="en" dirty="0">
                 <a:solidFill>
                   <a:srgbClr val="000000"/>
                 </a:solidFill>
                 <a:latin typeface="Consolas" panose="020B0609020204030204" pitchFamily="49" charset="0"/>
               </a:rPr>
-              <a:t>Target </a:t>
-            </a:r>
-            <a:r>
-              <a:rPr lang="en-US" dirty="0" err="1">
+              <a:t>Total Sales = </a:t>
+            </a:r>
+            <a:r>
+              <a:rPr lang="en" dirty="0">
+                <a:solidFill>
+                  <a:srgbClr val="3165BB"/>
+                </a:solidFill>
+                <a:latin typeface="Consolas" panose="020B0609020204030204" pitchFamily="49" charset="0"/>
+              </a:rPr>
+              <a:t>CALCULATE </a:t>
+            </a:r>
+            <a:r>
+              <a:rPr lang="en" dirty="0">
                 <a:solidFill>
                   <a:srgbClr val="000000"/>
                 </a:solidFill>
                 <a:latin typeface="Consolas" panose="020B0609020204030204" pitchFamily="49" charset="0"/>
               </a:rPr>
-              <a:t>SalesQuantity</a:t>
-            </a:r>
-            <a:r>
-              <a:rPr lang="en-US" dirty="0">
+              <a:t>( </a:t>
+            </a:r>
+            <a:r>
+              <a:rPr lang="en" dirty="0">
+                <a:solidFill>
+                  <a:srgbClr val="3165BB"/>
+                </a:solidFill>
+                <a:latin typeface="Consolas" panose="020B0609020204030204" pitchFamily="49" charset="0"/>
+              </a:rPr>
+              <a:t>SUM </a:t>
+            </a:r>
+            <a:r>
+              <a:rPr lang="en" dirty="0">
                 <a:solidFill>
                   <a:srgbClr val="000000"/>
                 </a:solidFill>
                 <a:latin typeface="Consolas" panose="020B0609020204030204" pitchFamily="49" charset="0"/>
               </a:rPr>
-              <a:t> = </a:t>
-            </a:r>
-            <a:r>
-              <a:rPr lang="en-US" dirty="0">
+              <a:t>( </a:t>
+            </a:r>
+            <a:r>
+              <a:rPr lang="en" dirty="0" err="1">
+                <a:solidFill>
+                  <a:srgbClr val="001080"/>
+                </a:solidFill>
+                <a:latin typeface="Consolas" panose="020B0609020204030204" pitchFamily="49" charset="0"/>
+              </a:rPr>
+              <a:t>SalesFact </a:t>
+            </a:r>
+            <a:r>
+              <a:rPr lang="en" dirty="0">
+                <a:solidFill>
+                  <a:srgbClr val="000000"/>
+                </a:solidFill>
+                <a:latin typeface="Consolas" panose="020B0609020204030204" pitchFamily="49" charset="0"/>
+              </a:rPr>
+              <a:t>[ </a:t>
+            </a:r>
+            <a:r>
+              <a:rPr lang="en" dirty="0" err="1">
+                <a:solidFill>
+                  <a:srgbClr val="000000"/>
+                </a:solidFill>
+                <a:latin typeface="Consolas" panose="020B0609020204030204" pitchFamily="49" charset="0"/>
+              </a:rPr>
+              <a:t>SalesFact </a:t>
+            </a:r>
+            <a:r>
+              <a:rPr lang="en" dirty="0">
+                <a:solidFill>
+                  <a:srgbClr val="5F5F5F"/>
+                </a:solidFill>
+                <a:latin typeface="Consolas" panose="020B0609020204030204" pitchFamily="49" charset="0"/>
+              </a:rPr>
+              <a:t>] </a:t>
+            </a:r>
+            <a:r>
+              <a:rPr lang="en" dirty="0">
+                <a:solidFill>
+                  <a:srgbClr val="000000"/>
+                </a:solidFill>
+                <a:latin typeface="Consolas" panose="020B0609020204030204" pitchFamily="49" charset="0"/>
+              </a:rPr>
+              <a:t>), </a:t>
+            </a:r>
+            <a:r>
+              <a:rPr lang="en" dirty="0">
                 <a:solidFill>
                   <a:srgbClr val="3165BB"/>
                 </a:solidFill>
                 <a:latin typeface="Consolas" panose="020B0609020204030204" pitchFamily="49" charset="0"/>
               </a:rPr>
-              <a:t>AVERAGE</a:t>
-            </a:r>
-            <a:r>
-              <a:rPr lang="en-US" dirty="0">
+              <a:t>ALL </a:t>
+            </a:r>
+            <a:r>
+              <a:rPr lang="en" dirty="0">
                 <a:solidFill>
                   <a:srgbClr val="000000"/>
                 </a:solidFill>
                 <a:latin typeface="Consolas" panose="020B0609020204030204" pitchFamily="49" charset="0"/>
               </a:rPr>
-              <a:t>(</a:t>
-            </a:r>
-            <a:r>
-              <a:rPr lang="en-US" dirty="0" err="1">
+              <a:t>( </a:t>
+            </a:r>
+            <a:r>
+              <a:rPr lang="en" dirty="0" err="1">
                 <a:solidFill>
                   <a:srgbClr val="001080"/>
                 </a:solidFill>
                 <a:latin typeface="Consolas" panose="020B0609020204030204" pitchFamily="49" charset="0"/>
               </a:rPr>
-              <a:t>FactSales</a:t>
-            </a:r>
-            <a:r>
-              <a:rPr lang="en-US" dirty="0">
-                <a:solidFill>
-                  <a:srgbClr val="001080"/>
+              <a:t>SalesFact </a:t>
+            </a:r>
+            <a:r>
+              <a:rPr lang="en" dirty="0">
+                <a:solidFill>
+                  <a:srgbClr val="000000"/>
                 </a:solidFill>
                 <a:latin typeface="Consolas" panose="020B0609020204030204" pitchFamily="49" charset="0"/>
               </a:rPr>
-              <a:t>[</a:t>
-            </a:r>
-            <a:r>
-              <a:rPr lang="en-US" dirty="0" err="1">
-                <a:solidFill>
-                  <a:srgbClr val="001080"/>
-                </a:solidFill>
-                <a:latin typeface="Consolas" panose="020B0609020204030204" pitchFamily="49" charset="0"/>
-              </a:rPr>
-              <a:t>SalesQuantity</a:t>
-            </a:r>
-            <a:r>
-              <a:rPr lang="en-US" dirty="0">
-                <a:solidFill>
-                  <a:srgbClr val="001080"/>
-                </a:solidFill>
-                <a:latin typeface="Consolas" panose="020B0609020204030204" pitchFamily="49" charset="0"/>
-              </a:rPr>
-              <a:t>]</a:t>
-            </a:r>
-            <a:r>
-              <a:rPr lang="en-US" dirty="0">
-                <a:solidFill>
-                  <a:srgbClr val="000000"/>
-                </a:solidFill>
-                <a:latin typeface="Consolas" panose="020B0609020204030204" pitchFamily="49" charset="0"/>
-              </a:rPr>
-              <a:t>)</a:t>
+              <a:t>))</a:t>
             </a:r>
             <a:endParaRPr lang="en-US" b="0" dirty="0">
               <a:solidFill>
@@ -7051,14 +8605,14 @@
       </p:sp>
       <p:sp>
         <p:nvSpPr>
-          <p:cNvPr id="4" name="Rectangle 3"/>
+          <p:cNvPr id="11" name="Rectangle 10"/>
           <p:cNvSpPr/>
           <p:nvPr/>
         </p:nvSpPr>
         <p:spPr>
           <a:xfrm>
-            <a:off x="429343" y="1509712"/>
-            <a:ext cx="7629167" cy="369332"/>
+            <a:off x="538555" y="1736676"/>
+            <a:ext cx="10716127" cy="369332"/>
           </a:xfrm>
           <a:prstGeom prst="rect">
             <a:avLst/>
@@ -7071,94 +8625,148 @@
           <a:lstStyle/>
           <a:p>
             <a:r>
-              <a:rPr lang="en-US" dirty="0">
+              <a:rPr lang="en" dirty="0">
                 <a:solidFill>
                   <a:srgbClr val="000000"/>
                 </a:solidFill>
                 <a:latin typeface="Consolas" panose="020B0609020204030204" pitchFamily="49" charset="0"/>
               </a:rPr>
+              <a:t>Total </a:t>
+            </a:r>
+            <a:r>
+              <a:rPr lang="en" dirty="0" err="1">
+                <a:solidFill>
+                  <a:srgbClr val="000000"/>
+                </a:solidFill>
+                <a:latin typeface="Consolas" panose="020B0609020204030204" pitchFamily="49" charset="0"/>
+              </a:rPr>
               <a:t>Target </a:t>
             </a:r>
             <a:r>
-              <a:rPr lang="en-US" dirty="0" err="1">
+              <a:rPr lang="en" dirty="0">
                 <a:solidFill>
                   <a:srgbClr val="000000"/>
                 </a:solidFill>
                 <a:latin typeface="Consolas" panose="020B0609020204030204" pitchFamily="49" charset="0"/>
               </a:rPr>
-              <a:t>ReturnQuantity</a:t>
-            </a:r>
-            <a:r>
-              <a:rPr lang="en-US" dirty="0">
+              <a:t>= </a:t>
+            </a:r>
+            <a:r>
+              <a:rPr lang="en" dirty="0">
+                <a:solidFill>
+                  <a:srgbClr val="3165BB"/>
+                </a:solidFill>
+                <a:latin typeface="Consolas" panose="020B0609020204030204" pitchFamily="49" charset="0"/>
+              </a:rPr>
+              <a:t>CALCULATE </a:t>
+            </a:r>
+            <a:r>
+              <a:rPr lang="en" dirty="0">
                 <a:solidFill>
                   <a:srgbClr val="000000"/>
                 </a:solidFill>
                 <a:latin typeface="Consolas" panose="020B0609020204030204" pitchFamily="49" charset="0"/>
               </a:rPr>
-              <a:t> = </a:t>
-            </a:r>
-            <a:r>
-              <a:rPr lang="en-US" dirty="0">
+              <a:t>( </a:t>
+            </a:r>
+            <a:r>
+              <a:rPr lang="en" dirty="0">
                 <a:solidFill>
                   <a:srgbClr val="3165BB"/>
                 </a:solidFill>
                 <a:latin typeface="Consolas" panose="020B0609020204030204" pitchFamily="49" charset="0"/>
               </a:rPr>
-              <a:t>AVERAGE</a:t>
-            </a:r>
-            <a:r>
-              <a:rPr lang="en-US" dirty="0">
+              <a:t>SUM </a:t>
+            </a:r>
+            <a:r>
+              <a:rPr lang="en" dirty="0">
                 <a:solidFill>
                   <a:srgbClr val="000000"/>
                 </a:solidFill>
                 <a:latin typeface="Consolas" panose="020B0609020204030204" pitchFamily="49" charset="0"/>
               </a:rPr>
-              <a:t>(</a:t>
-            </a:r>
-            <a:r>
-              <a:rPr lang="en-US" dirty="0" err="1">
+              <a:t>( </a:t>
+            </a:r>
+            <a:r>
+              <a:rPr lang="en" dirty="0" err="1">
                 <a:solidFill>
                   <a:srgbClr val="001080"/>
                 </a:solidFill>
                 <a:latin typeface="Consolas" panose="020B0609020204030204" pitchFamily="49" charset="0"/>
               </a:rPr>
-              <a:t>FactSales</a:t>
-            </a:r>
-            <a:r>
-              <a:rPr lang="en-US" dirty="0">
+              <a:t>SalesFact </a:t>
+            </a:r>
+            <a:r>
+              <a:rPr lang="en" dirty="0">
                 <a:solidFill>
                   <a:srgbClr val="001080"/>
                 </a:solidFill>
                 <a:latin typeface="Consolas" panose="020B0609020204030204" pitchFamily="49" charset="0"/>
               </a:rPr>
-              <a:t>[</a:t>
-            </a:r>
-            <a:r>
-              <a:rPr lang="en-US" dirty="0" err="1">
+              <a:t>[ </a:t>
+            </a:r>
+            <a:r>
+              <a:rPr lang="en" dirty="0" err="1">
                 <a:solidFill>
                   <a:srgbClr val="001080"/>
                 </a:solidFill>
                 <a:latin typeface="Consolas" panose="020B0609020204030204" pitchFamily="49" charset="0"/>
               </a:rPr>
-              <a:t>ReturnQuantity</a:t>
-            </a:r>
-            <a:r>
-              <a:rPr lang="en-US" dirty="0">
+              <a:t>Target </a:t>
+            </a:r>
+            <a:r>
+              <a:rPr lang="en" dirty="0">
                 <a:solidFill>
                   <a:srgbClr val="001080"/>
                 </a:solidFill>
                 <a:latin typeface="Consolas" panose="020B0609020204030204" pitchFamily="49" charset="0"/>
               </a:rPr>
-              <a:t>]</a:t>
-            </a:r>
-            <a:r>
-              <a:rPr lang="en-US" dirty="0">
+              <a:t>] </a:t>
+            </a:r>
+            <a:r>
+              <a:rPr lang="en" dirty="0">
                 <a:solidFill>
                   <a:srgbClr val="000000"/>
                 </a:solidFill>
                 <a:latin typeface="Consolas" panose="020B0609020204030204" pitchFamily="49" charset="0"/>
               </a:rPr>
-              <a:t>)</a:t>
+              <a:t>), </a:t>
+            </a:r>
+            <a:r>
+              <a:rPr lang="en" dirty="0">
+                <a:solidFill>
+                  <a:srgbClr val="3165BB"/>
+                </a:solidFill>
+                <a:latin typeface="Consolas" panose="020B0609020204030204" pitchFamily="49" charset="0"/>
+              </a:rPr>
+              <a:t>ALL </a:t>
+            </a:r>
+            <a:r>
+              <a:rPr lang="en" dirty="0">
+                <a:solidFill>
+                  <a:srgbClr val="000000"/>
+                </a:solidFill>
+                <a:latin typeface="Consolas" panose="020B0609020204030204" pitchFamily="49" charset="0"/>
+              </a:rPr>
+              <a:t>( </a:t>
+            </a:r>
+            <a:r>
+              <a:rPr lang="en" dirty="0" err="1">
+                <a:solidFill>
+                  <a:srgbClr val="001080"/>
+                </a:solidFill>
+                <a:latin typeface="Consolas" panose="020B0609020204030204" pitchFamily="49" charset="0"/>
+              </a:rPr>
+              <a:t>SalesFact </a:t>
+            </a:r>
+            <a:r>
+              <a:rPr lang="en" dirty="0">
+                <a:solidFill>
+                  <a:srgbClr val="000000"/>
+                </a:solidFill>
+                <a:latin typeface="Consolas" panose="020B0609020204030204" pitchFamily="49" charset="0"/>
+              </a:rPr>
+              <a:t>))</a:t>
             </a:r>
             <a:endParaRPr lang="en-US" b="0" dirty="0">
               <a:solidFill>
@@ -7172,41 +8780,7 @@
       </p:sp>
       <p:pic>
         <p:nvPicPr>
-          <p:cNvPr id="6" name="Picture 5"/>
-          <p:cNvPicPr>
-            <a:picLocks noChangeAspect="1"/>
-          </p:cNvPicPr>
-          <p:nvPr/>
-        </p:nvPicPr>
-        <p:blipFill>
-          <a:blip r:embed="rId2"/>
-          <a:stretch>
-            <a:fillRect/>
-          </a:stretch>
-        </p:blipFill>
-        <p:spPr>
-          <a:xfrm>
-            <a:off x="591861" y="2780720"/>
-            <a:ext cx="2116963" cy="3394441"/>
-          </a:xfrm>
-          <a:prstGeom prst="rect">
-            <a:avLst/>
-          </a:prstGeom>
-          <a:ln>
-            <a:noFill/>
-          </a:ln>
-          <a:effectLst>
-            <a:outerShdw blurRad="292100" dist="139700" dir="2700000" algn="tl" rotWithShape="0">
-              <a:srgbClr val="333333">
-                <a:alpha val="65000"/>
-              </a:srgbClr>
-            </a:outerShdw>
-          </a:effectLst>
-        </p:spPr>
-      </p:pic>
-      <p:pic>
-        <p:nvPicPr>
-          <p:cNvPr id="7" name="Picture 6"/>
+          <p:cNvPr id="12" name="Picture 11"/>
           <p:cNvPicPr>
             <a:picLocks noChangeAspect="1"/>
           </p:cNvPicPr>
@@ -7220,92 +8794,114 @@
         </p:blipFill>
         <p:spPr>
           <a:xfrm>
-            <a:off x="2943851" y="2780720"/>
-            <a:ext cx="4116967" cy="2305502"/>
+            <a:off x="538555" y="2454798"/>
+            <a:ext cx="6114623" cy="2048450"/>
           </a:xfrm>
           <a:prstGeom prst="rect">
             <a:avLst/>
           </a:prstGeom>
-          <a:ln>
-            <a:noFill/>
-          </a:ln>
-          <a:effectLst>
-            <a:outerShdw blurRad="292100" dist="139700" dir="2700000" algn="tl" rotWithShape="0">
-              <a:srgbClr val="333333">
-                <a:alpha val="65000"/>
-              </a:srgbClr>
-            </a:outerShdw>
-          </a:effectLst>
         </p:spPr>
       </p:pic>
       <p:sp>
         <p:nvSpPr>
-          <p:cNvPr id="10" name="TextBox 9"/>
-          <p:cNvSpPr txBox="1"/>
+          <p:cNvPr id="13" name="Rectangle 12"/>
+          <p:cNvSpPr/>
           <p:nvPr/>
         </p:nvSpPr>
         <p:spPr>
           <a:xfrm>
-            <a:off x="429343" y="2063710"/>
-            <a:ext cx="4109010" cy="369332"/>
+            <a:off x="4816206" y="4050675"/>
+            <a:ext cx="1661329" cy="295633"/>
           </a:xfrm>
           <a:prstGeom prst="rect">
             <a:avLst/>
           </a:prstGeom>
-          <a:noFill/>
+          <a:solidFill>
+            <a:srgbClr val="FF0000">
+              <a:alpha val="25000"/>
+            </a:srgbClr>
+          </a:solidFill>
+          <a:ln>
+            <a:noFill/>
+          </a:ln>
         </p:spPr>
-        <p:txBody>
-          <a:bodyPr wrap="none" rtlCol="0">
-            <a:spAutoFit/>
-          </a:bodyPr>
-          <a:lstStyle/>
-          <a:p>
-            <a:r>
-              <a:rPr lang="fr-FR" dirty="0" smtClean="0">
-                <a:latin typeface="Segoe UI" panose="020B0502040204020203" pitchFamily="34" charset="0"/>
-                <a:cs typeface="Segoe UI" panose="020B0502040204020203" pitchFamily="34" charset="0"/>
-              </a:rPr>
-              <a:t>First configure the KPI </a:t>
-            </a:r>
-            <a:r>
-              <a:rPr lang="fr-FR" dirty="0" err="1" smtClean="0">
-                <a:latin typeface="Segoe UI" panose="020B0502040204020203" pitchFamily="34" charset="0"/>
-                <a:cs typeface="Segoe UI" panose="020B0502040204020203" pitchFamily="34" charset="0"/>
-              </a:rPr>
-              <a:t>visual</a:t>
-            </a:r>
-            <a:r>
-              <a:rPr lang="fr-FR" dirty="0" smtClean="0">
-                <a:latin typeface="Segoe UI" panose="020B0502040204020203" pitchFamily="34" charset="0"/>
-                <a:cs typeface="Segoe UI" panose="020B0502040204020203" pitchFamily="34" charset="0"/>
-              </a:rPr>
-              <a:t> as </a:t>
-            </a:r>
-            <a:r>
-              <a:rPr lang="fr-FR" dirty="0" err="1" smtClean="0">
-                <a:latin typeface="Segoe UI" panose="020B0502040204020203" pitchFamily="34" charset="0"/>
-                <a:cs typeface="Segoe UI" panose="020B0502040204020203" pitchFamily="34" charset="0"/>
-              </a:rPr>
-              <a:t>Follow</a:t>
-            </a:r>
-            <a:r>
-              <a:rPr lang="fr-FR" dirty="0" smtClean="0">
-                <a:latin typeface="Segoe UI" panose="020B0502040204020203" pitchFamily="34" charset="0"/>
-                <a:cs typeface="Segoe UI" panose="020B0502040204020203" pitchFamily="34" charset="0"/>
-              </a:rPr>
-              <a:t> </a:t>
-            </a:r>
-            <a:endParaRPr lang="en-US" b="1" dirty="0">
-              <a:latin typeface="Segoe UI" panose="020B0502040204020203" pitchFamily="34" charset="0"/>
-              <a:cs typeface="Segoe UI" panose="020B0502040204020203" pitchFamily="34" charset="0"/>
-            </a:endParaRPr>
+        <p:style>
+          <a:lnRef idx="2">
+            <a:schemeClr val="accent1">
+              <a:shade val="50000"/>
+            </a:schemeClr>
+          </a:lnRef>
+          <a:fillRef idx="1">
+            <a:schemeClr val="accent1"/>
+          </a:fillRef>
+          <a:effectRef idx="0">
+            <a:schemeClr val="accent1"/>
+          </a:effectRef>
+          <a:fontRef idx="minor">
+            <a:schemeClr val="lt1"/>
+          </a:fontRef>
+        </p:style>
+        <p:txBody>
+          <a:bodyPr rtlCol="0" anchor="ctr"/>
+          <a:lstStyle/>
+          <a:p>
+            <a:pPr algn="ctr"/>
+            <a:endParaRPr lang="en-US"/>
+          </a:p>
+        </p:txBody>
+      </p:sp>
+      <p:sp>
+        <p:nvSpPr>
+          <p:cNvPr id="14" name="Rectangle 13"/>
+          <p:cNvSpPr/>
+          <p:nvPr/>
+        </p:nvSpPr>
+        <p:spPr>
+          <a:xfrm>
+            <a:off x="4816206" y="2796808"/>
+            <a:ext cx="1661329" cy="295633"/>
+          </a:xfrm>
+          <a:prstGeom prst="rect">
+            <a:avLst/>
+          </a:prstGeom>
+          <a:solidFill>
+            <a:srgbClr val="FF0000">
+              <a:alpha val="25000"/>
+            </a:srgbClr>
+          </a:solidFill>
+          <a:ln>
+            <a:noFill/>
+          </a:ln>
+        </p:spPr>
+        <p:style>
+          <a:lnRef idx="2">
+            <a:schemeClr val="accent1">
+              <a:shade val="50000"/>
+            </a:schemeClr>
+          </a:lnRef>
+          <a:fillRef idx="1">
+            <a:schemeClr val="accent1"/>
+          </a:fillRef>
+          <a:effectRef idx="0">
+            <a:schemeClr val="accent1"/>
+          </a:effectRef>
+          <a:fontRef idx="minor">
+            <a:schemeClr val="lt1"/>
+          </a:fontRef>
+        </p:style>
+        <p:txBody>
+          <a:bodyPr rtlCol="0" anchor="ctr"/>
+          <a:lstStyle/>
+          <a:p>
+            <a:pPr algn="ctr"/>
+            <a:endParaRPr lang="en-US"/>
           </a:p>
         </p:txBody>
       </p:sp>
     </p:spTree>
     <p:extLst>
       <p:ext uri="{BB962C8B-B14F-4D97-AF65-F5344CB8AC3E}">
-        <p14:creationId xmlns:p14="http://schemas.microsoft.com/office/powerpoint/2010/main" val="261647143"/>
+        <p14:creationId xmlns:p14="http://schemas.microsoft.com/office/powerpoint/2010/main" val="175078716"/>
       </p:ext>
     </p:extLst>
   </p:cSld>
@@ -7341,7 +8937,7 @@
         <p:spPr>
           <a:xfrm>
             <a:off x="323133" y="192505"/>
-            <a:ext cx="1199367" cy="461665"/>
+            <a:ext cx="1215397" cy="461665"/>
           </a:xfrm>
           <a:prstGeom prst="rect">
             <a:avLst/>
@@ -7355,13 +8951,13 @@
           <a:lstStyle/>
           <a:p>
             <a:r>
-              <a:rPr lang="en-US" sz="2400" dirty="0" smtClean="0">
-                <a:latin typeface="Segoe UI" panose="020B0502040204020203" pitchFamily="34" charset="0"/>
-                <a:cs typeface="Segoe UI" panose="020B0502040204020203" pitchFamily="34" charset="0"/>
-              </a:rPr>
-              <a:t>The KPI</a:t>
-            </a:r>
-            <a:endParaRPr lang="en-US" sz="2400" dirty="0">
+              <a:rPr lang="en" sz="2400" b="1" dirty="0" smtClean="0">
+                <a:latin typeface="Segoe UI" panose="020B0502040204020203" pitchFamily="34" charset="0"/>
+                <a:cs typeface="Segoe UI" panose="020B0502040204020203" pitchFamily="34" charset="0"/>
+              </a:rPr>
+              <a:t>KPIs</a:t>
+            </a:r>
+            <a:endParaRPr lang="en-US" sz="2400" b="1" dirty="0">
               <a:latin typeface="Segoe UI" panose="020B0502040204020203" pitchFamily="34" charset="0"/>
               <a:cs typeface="Segoe UI" panose="020B0502040204020203" pitchFamily="34" charset="0"/>
             </a:endParaRPr>
@@ -7370,14 +8966,14 @@
       </p:sp>
       <p:sp>
         <p:nvSpPr>
-          <p:cNvPr id="10" name="TextBox 9"/>
+          <p:cNvPr id="5" name="TextBox 4"/>
           <p:cNvSpPr txBox="1"/>
           <p:nvPr/>
         </p:nvSpPr>
         <p:spPr>
           <a:xfrm>
-            <a:off x="408717" y="654170"/>
-            <a:ext cx="6309612" cy="369332"/>
+            <a:off x="429345" y="771048"/>
+            <a:ext cx="6261651" cy="369332"/>
           </a:xfrm>
           <a:prstGeom prst="rect">
             <a:avLst/>
@@ -7391,60 +8987,11 @@
           <a:lstStyle/>
           <a:p>
             <a:r>
-              <a:rPr lang="fr-FR" dirty="0" err="1" smtClean="0">
-                <a:latin typeface="Segoe UI" panose="020B0502040204020203" pitchFamily="34" charset="0"/>
-                <a:cs typeface="Segoe UI" panose="020B0502040204020203" pitchFamily="34" charset="0"/>
-              </a:rPr>
-              <a:t>Add</a:t>
-            </a:r>
-            <a:r>
-              <a:rPr lang="fr-FR" dirty="0" smtClean="0">
-                <a:latin typeface="Segoe UI" panose="020B0502040204020203" pitchFamily="34" charset="0"/>
-                <a:cs typeface="Segoe UI" panose="020B0502040204020203" pitchFamily="34" charset="0"/>
-              </a:rPr>
-              <a:t> a second KPI </a:t>
-            </a:r>
-            <a:r>
-              <a:rPr lang="fr-FR" dirty="0" err="1" smtClean="0">
-                <a:latin typeface="Segoe UI" panose="020B0502040204020203" pitchFamily="34" charset="0"/>
-                <a:cs typeface="Segoe UI" panose="020B0502040204020203" pitchFamily="34" charset="0"/>
-              </a:rPr>
-              <a:t>visual</a:t>
-            </a:r>
-            <a:r>
-              <a:rPr lang="fr-FR" dirty="0" smtClean="0">
-                <a:latin typeface="Segoe UI" panose="020B0502040204020203" pitchFamily="34" charset="0"/>
-                <a:cs typeface="Segoe UI" panose="020B0502040204020203" pitchFamily="34" charset="0"/>
-              </a:rPr>
-              <a:t> as </a:t>
-            </a:r>
-            <a:r>
-              <a:rPr lang="fr-FR" dirty="0" err="1" smtClean="0">
-                <a:latin typeface="Segoe UI" panose="020B0502040204020203" pitchFamily="34" charset="0"/>
-                <a:cs typeface="Segoe UI" panose="020B0502040204020203" pitchFamily="34" charset="0"/>
-              </a:rPr>
-              <a:t>Follow</a:t>
-            </a:r>
-            <a:r>
-              <a:rPr lang="fr-FR" dirty="0" smtClean="0">
-                <a:latin typeface="Segoe UI" panose="020B0502040204020203" pitchFamily="34" charset="0"/>
-                <a:cs typeface="Segoe UI" panose="020B0502040204020203" pitchFamily="34" charset="0"/>
-              </a:rPr>
-              <a:t> and observe the </a:t>
-            </a:r>
-            <a:r>
-              <a:rPr lang="fr-FR" dirty="0" err="1" smtClean="0">
-                <a:latin typeface="Segoe UI" panose="020B0502040204020203" pitchFamily="34" charset="0"/>
-                <a:cs typeface="Segoe UI" panose="020B0502040204020203" pitchFamily="34" charset="0"/>
-              </a:rPr>
-              <a:t>behavior</a:t>
-            </a:r>
-            <a:r>
-              <a:rPr lang="fr-FR" dirty="0" smtClean="0">
-                <a:latin typeface="Segoe UI" panose="020B0502040204020203" pitchFamily="34" charset="0"/>
-                <a:cs typeface="Segoe UI" panose="020B0502040204020203" pitchFamily="34" charset="0"/>
-              </a:rPr>
-              <a:t> </a:t>
+              <a:rPr lang="en" dirty="0" smtClean="0">
+                <a:latin typeface="Segoe UI" panose="020B0502040204020203" pitchFamily="34" charset="0"/>
+                <a:cs typeface="Segoe UI" panose="020B0502040204020203" pitchFamily="34" charset="0"/>
+              </a:rPr>
+              <a:t>It is also possible to calculate a dynamic objective</a:t>
             </a:r>
             <a:endParaRPr lang="en-US" b="1" dirty="0">
               <a:latin typeface="Segoe UI" panose="020B0502040204020203" pitchFamily="34" charset="0"/>
@@ -7453,43 +9000,130 @@
           </a:p>
         </p:txBody>
       </p:sp>
-      <p:pic>
-        <p:nvPicPr>
-          <p:cNvPr id="8" name="Picture 7"/>
-          <p:cNvPicPr>
-            <a:picLocks noChangeAspect="1"/>
-          </p:cNvPicPr>
+      <p:sp>
+        <p:nvSpPr>
+          <p:cNvPr id="3" name="Rectangle 2"/>
+          <p:cNvSpPr/>
           <p:nvPr/>
-        </p:nvPicPr>
-        <p:blipFill>
-          <a:blip r:embed="rId2"/>
-          <a:stretch>
-            <a:fillRect/>
-          </a:stretch>
-        </p:blipFill>
+        </p:nvSpPr>
         <p:spPr>
           <a:xfrm>
-            <a:off x="521562" y="1204729"/>
-            <a:ext cx="2146011" cy="3278629"/>
+            <a:off x="429345" y="1257258"/>
+            <a:ext cx="9250920" cy="369332"/>
           </a:xfrm>
           <a:prstGeom prst="rect">
             <a:avLst/>
           </a:prstGeom>
-          <a:ln>
-            <a:noFill/>
-          </a:ln>
-          <a:effectLst>
-            <a:outerShdw blurRad="292100" dist="139700" dir="2700000" algn="tl" rotWithShape="0">
-              <a:srgbClr val="333333">
-                <a:alpha val="65000"/>
-              </a:srgbClr>
-            </a:outerShdw>
-          </a:effectLst>
         </p:spPr>
-      </p:pic>
+        <p:txBody>
+          <a:bodyPr wrap="square">
+            <a:spAutoFit/>
+          </a:bodyPr>
+          <a:lstStyle/>
+          <a:p>
+            <a:r>
+              <a:rPr lang="en" dirty="0" err="1">
+                <a:solidFill>
+                  <a:srgbClr val="000000"/>
+                </a:solidFill>
+                <a:latin typeface="Consolas" panose="020B0609020204030204" pitchFamily="49" charset="0"/>
+              </a:rPr>
+              <a:t>Dynamic_Objective </a:t>
+            </a:r>
+            <a:r>
+              <a:rPr lang="en" dirty="0">
+                <a:solidFill>
+                  <a:srgbClr val="000000"/>
+                </a:solidFill>
+                <a:latin typeface="Consolas" panose="020B0609020204030204" pitchFamily="49" charset="0"/>
+              </a:rPr>
+              <a:t>= </a:t>
+            </a:r>
+            <a:r>
+              <a:rPr lang="en" dirty="0">
+                <a:solidFill>
+                  <a:srgbClr val="3165BB"/>
+                </a:solidFill>
+                <a:latin typeface="Consolas" panose="020B0609020204030204" pitchFamily="49" charset="0"/>
+              </a:rPr>
+              <a:t>AVERAGE </a:t>
+            </a:r>
+            <a:r>
+              <a:rPr lang="en" dirty="0">
+                <a:solidFill>
+                  <a:srgbClr val="000000"/>
+                </a:solidFill>
+                <a:latin typeface="Consolas" panose="020B0609020204030204" pitchFamily="49" charset="0"/>
+              </a:rPr>
+              <a:t>( </a:t>
+            </a:r>
+            <a:r>
+              <a:rPr lang="en" dirty="0" err="1">
+                <a:solidFill>
+                  <a:srgbClr val="001080"/>
+                </a:solidFill>
+                <a:latin typeface="Consolas" panose="020B0609020204030204" pitchFamily="49" charset="0"/>
+              </a:rPr>
+              <a:t>SalesFact </a:t>
+            </a:r>
+            <a:r>
+              <a:rPr lang="en" dirty="0">
+                <a:solidFill>
+                  <a:srgbClr val="001080"/>
+                </a:solidFill>
+                <a:latin typeface="Consolas" panose="020B0609020204030204" pitchFamily="49" charset="0"/>
+              </a:rPr>
+              <a:t>[ </a:t>
+            </a:r>
+            <a:r>
+              <a:rPr lang="en" dirty="0" err="1">
+                <a:solidFill>
+                  <a:srgbClr val="001080"/>
+                </a:solidFill>
+                <a:latin typeface="Consolas" panose="020B0609020204030204" pitchFamily="49" charset="0"/>
+              </a:rPr>
+              <a:t>Turnover </a:t>
+            </a:r>
+            <a:r>
+              <a:rPr lang="en" dirty="0">
+                <a:solidFill>
+                  <a:srgbClr val="001080"/>
+                </a:solidFill>
+                <a:latin typeface="Consolas" panose="020B0609020204030204" pitchFamily="49" charset="0"/>
+              </a:rPr>
+              <a:t>] </a:t>
+            </a:r>
+            <a:r>
+              <a:rPr lang="en" dirty="0">
+                <a:solidFill>
+                  <a:srgbClr val="000000"/>
+                </a:solidFill>
+                <a:latin typeface="Consolas" panose="020B0609020204030204" pitchFamily="49" charset="0"/>
+              </a:rPr>
+              <a:t>) * </a:t>
+            </a:r>
+            <a:r>
+              <a:rPr lang="en" dirty="0">
+                <a:solidFill>
+                  <a:srgbClr val="098658"/>
+                </a:solidFill>
+                <a:latin typeface="Consolas" panose="020B0609020204030204" pitchFamily="49" charset="0"/>
+              </a:rPr>
+              <a:t>1.2</a:t>
+            </a:r>
+            <a:endParaRPr lang="en-US" b="0" dirty="0">
+              <a:solidFill>
+                <a:srgbClr val="000000"/>
+              </a:solidFill>
+              <a:effectLst/>
+              <a:latin typeface="Consolas" panose="020B0609020204030204" pitchFamily="49" charset="0"/>
+            </a:endParaRPr>
+          </a:p>
+        </p:txBody>
+      </p:sp>
       <p:pic>
         <p:nvPicPr>
-          <p:cNvPr id="9" name="Picture 8"/>
+          <p:cNvPr id="4" name="Picture 3"/>
           <p:cNvPicPr>
             <a:picLocks noChangeAspect="1"/>
           </p:cNvPicPr>
@@ -7503,28 +9137,114 @@
         </p:blipFill>
         <p:spPr>
           <a:xfrm>
-            <a:off x="2928033" y="1280355"/>
-            <a:ext cx="3885086" cy="1607223"/>
+            <a:off x="581133" y="1879303"/>
+            <a:ext cx="6349673" cy="2080805"/>
           </a:xfrm>
           <a:prstGeom prst="rect">
             <a:avLst/>
           </a:prstGeom>
+        </p:spPr>
+      </p:pic>
+      <p:sp>
+        <p:nvSpPr>
+          <p:cNvPr id="15" name="Rectangle 14"/>
+          <p:cNvSpPr/>
+          <p:nvPr/>
+        </p:nvSpPr>
+        <p:spPr>
+          <a:xfrm>
+            <a:off x="4939960" y="3396343"/>
+            <a:ext cx="1751036" cy="268132"/>
+          </a:xfrm>
+          <a:prstGeom prst="rect">
+            <a:avLst/>
+          </a:prstGeom>
+          <a:solidFill>
+            <a:srgbClr val="FF0000">
+              <a:alpha val="25000"/>
+            </a:srgbClr>
+          </a:solidFill>
           <a:ln>
             <a:noFill/>
           </a:ln>
-          <a:effectLst>
-            <a:outerShdw blurRad="292100" dist="139700" dir="2700000" algn="tl" rotWithShape="0">
-              <a:srgbClr val="333333">
-                <a:alpha val="65000"/>
-              </a:srgbClr>
-            </a:outerShdw>
-          </a:effectLst>
         </p:spPr>
-      </p:pic>
+        <p:style>
+          <a:lnRef idx="2">
+            <a:schemeClr val="accent1">
+              <a:shade val="50000"/>
+            </a:schemeClr>
+          </a:lnRef>
+          <a:fillRef idx="1">
+            <a:schemeClr val="accent1"/>
+          </a:fillRef>
+          <a:effectRef idx="0">
+            <a:schemeClr val="accent1"/>
+          </a:effectRef>
+          <a:fontRef idx="minor">
+            <a:schemeClr val="lt1"/>
+          </a:fontRef>
+        </p:style>
+        <p:txBody>
+          <a:bodyPr rtlCol="0" anchor="ctr"/>
+          <a:lstStyle/>
+          <a:p>
+            <a:pPr algn="ctr"/>
+            <a:endParaRPr lang="en-US"/>
+          </a:p>
+        </p:txBody>
+      </p:sp>
+      <p:sp>
+        <p:nvSpPr>
+          <p:cNvPr id="16" name="Rectangle 15"/>
+          <p:cNvSpPr/>
+          <p:nvPr/>
+        </p:nvSpPr>
+        <p:spPr>
+          <a:xfrm>
+            <a:off x="4939960" y="2142476"/>
+            <a:ext cx="1751036" cy="268132"/>
+          </a:xfrm>
+          <a:prstGeom prst="rect">
+            <a:avLst/>
+          </a:prstGeom>
+          <a:solidFill>
+            <a:srgbClr val="FF0000">
+              <a:alpha val="25000"/>
+            </a:srgbClr>
+          </a:solidFill>
+          <a:ln>
+            <a:noFill/>
+          </a:ln>
+        </p:spPr>
+        <p:style>
+          <a:lnRef idx="2">
+            <a:schemeClr val="accent1">
+              <a:shade val="50000"/>
+            </a:schemeClr>
+          </a:lnRef>
+          <a:fillRef idx="1">
+            <a:schemeClr val="accent1"/>
+          </a:fillRef>
+          <a:effectRef idx="0">
+            <a:schemeClr val="accent1"/>
+          </a:effectRef>
+          <a:fontRef idx="minor">
+            <a:schemeClr val="lt1"/>
+          </a:fontRef>
+        </p:style>
+        <p:txBody>
+          <a:bodyPr rtlCol="0" anchor="ctr"/>
+          <a:lstStyle/>
+          <a:p>
+            <a:pPr algn="ctr"/>
+            <a:endParaRPr lang="en-US"/>
+          </a:p>
+        </p:txBody>
+      </p:sp>
     </p:spTree>
     <p:extLst>
       <p:ext uri="{BB962C8B-B14F-4D97-AF65-F5344CB8AC3E}">
-        <p14:creationId xmlns:p14="http://schemas.microsoft.com/office/powerpoint/2010/main" val="139054810"/>
+        <p14:creationId xmlns:p14="http://schemas.microsoft.com/office/powerpoint/2010/main" val="2863439300"/>
       </p:ext>
     </p:extLst>
   </p:cSld>
@@ -7560,7 +9280,7 @@
         <p:spPr>
           <a:xfrm>
             <a:off x="323133" y="192505"/>
-            <a:ext cx="1199367" cy="461665"/>
+            <a:ext cx="1215397" cy="461665"/>
           </a:xfrm>
           <a:prstGeom prst="rect">
             <a:avLst/>
@@ -7574,13 +9294,13 @@
           <a:lstStyle/>
           <a:p>
             <a:r>
-              <a:rPr lang="en-US" sz="2400" dirty="0" smtClean="0">
-                <a:latin typeface="Segoe UI" panose="020B0502040204020203" pitchFamily="34" charset="0"/>
-                <a:cs typeface="Segoe UI" panose="020B0502040204020203" pitchFamily="34" charset="0"/>
-              </a:rPr>
-              <a:t>The KPI</a:t>
-            </a:r>
-            <a:endParaRPr lang="en-US" sz="2400" dirty="0">
+              <a:rPr lang="en" sz="2400" b="1" dirty="0" smtClean="0">
+                <a:latin typeface="Segoe UI" panose="020B0502040204020203" pitchFamily="34" charset="0"/>
+                <a:cs typeface="Segoe UI" panose="020B0502040204020203" pitchFamily="34" charset="0"/>
+              </a:rPr>
+              <a:t>KPIs</a:t>
+            </a:r>
+            <a:endParaRPr lang="en-US" sz="2400" b="1" dirty="0">
               <a:latin typeface="Segoe UI" panose="020B0502040204020203" pitchFamily="34" charset="0"/>
               <a:cs typeface="Segoe UI" panose="020B0502040204020203" pitchFamily="34" charset="0"/>
             </a:endParaRPr>
@@ -7610,11 +9330,11 @@
           <a:lstStyle/>
           <a:p>
             <a:r>
-              <a:rPr lang="en-US" dirty="0" smtClean="0">
-                <a:latin typeface="Segoe UI" panose="020B0502040204020203" pitchFamily="34" charset="0"/>
-                <a:cs typeface="Segoe UI" panose="020B0502040204020203" pitchFamily="34" charset="0"/>
-              </a:rPr>
-              <a:t>Change the label value to be not a percentage</a:t>
+              <a:rPr lang="en" dirty="0" smtClean="0">
+                <a:latin typeface="Segoe UI" panose="020B0502040204020203" pitchFamily="34" charset="0"/>
+                <a:cs typeface="Segoe UI" panose="020B0502040204020203" pitchFamily="34" charset="0"/>
+              </a:rPr>
+              <a:t>Change the label value to be something other than a percentage</a:t>
             </a:r>
             <a:endParaRPr lang="en-US" b="1" dirty="0">
               <a:latin typeface="Segoe UI" panose="020B0502040204020203" pitchFamily="34" charset="0"/>

--- a/English/6.Visuals/13.The KPI.pptx
+++ b/English/6.Visuals/13.The KPI.pptx
@@ -5,7 +5,7 @@
     <p:sldMasterId id="2147483648" r:id="rId1"/>
   </p:sldMasterIdLst>
   <p:notesMasterIdLst>
-    <p:notesMasterId r:id="rId16"/>
+    <p:notesMasterId r:id="rId14"/>
   </p:notesMasterIdLst>
   <p:sldIdLst>
     <p:sldId id="256" r:id="rId2"/>
@@ -13,15 +13,13 @@
     <p:sldId id="273" r:id="rId4"/>
     <p:sldId id="261" r:id="rId5"/>
     <p:sldId id="263" r:id="rId6"/>
-    <p:sldId id="274" r:id="rId7"/>
-    <p:sldId id="275" r:id="rId8"/>
+    <p:sldId id="275" r:id="rId7"/>
+    <p:sldId id="279" r:id="rId8"/>
     <p:sldId id="276" r:id="rId9"/>
     <p:sldId id="266" r:id="rId10"/>
     <p:sldId id="262" r:id="rId11"/>
-    <p:sldId id="268" r:id="rId12"/>
-    <p:sldId id="270" r:id="rId13"/>
-    <p:sldId id="278" r:id="rId14"/>
-    <p:sldId id="258" r:id="rId15"/>
+    <p:sldId id="270" r:id="rId12"/>
+    <p:sldId id="258" r:id="rId13"/>
   </p:sldIdLst>
   <p:sldSz cx="12192000" cy="6858000"/>
   <p:notesSz cx="6858000" cy="9144000"/>
@@ -210,7 +208,7 @@
           <a:p>
             <a:fld id="{056BA3B8-9F76-4D81-B71D-76CB85363062}" type="datetimeFigureOut">
               <a:rPr lang="en-US" smtClean="0"/>
-              <a:t>4/3/2025</a:t>
+              <a:t>4/5/2025</a:t>
             </a:fld>
             <a:endParaRPr lang="en-US"/>
           </a:p>
@@ -543,7 +541,7 @@
           <a:p>
             <a:fld id="{C583D03D-12F8-4E91-BBC2-CE3A863157FF}" type="slidenum">
               <a:rPr lang="en-US" smtClean="0"/>
-              <a:t>7</a:t>
+              <a:t>6</a:t>
             </a:fld>
             <a:endParaRPr lang="en-US"/>
           </a:p>
@@ -563,6 +561,90 @@
 </file>
 
 <file path=ppt/notesSlides/notesSlide2.xml><?xml version="1.0" encoding="utf-8"?>
+<p:notes xmlns:a="http://schemas.openxmlformats.org/drawingml/2006/main" xmlns:r="http://schemas.openxmlformats.org/officeDocument/2006/relationships" xmlns:p="http://schemas.openxmlformats.org/presentationml/2006/main">
+  <p:cSld>
+    <p:spTree>
+      <p:nvGrpSpPr>
+        <p:cNvPr id="1" name=""/>
+        <p:cNvGrpSpPr/>
+        <p:nvPr/>
+      </p:nvGrpSpPr>
+      <p:grpSpPr>
+        <a:xfrm>
+          <a:off x="0" y="0"/>
+          <a:ext cx="0" cy="0"/>
+          <a:chOff x="0" y="0"/>
+          <a:chExt cx="0" cy="0"/>
+        </a:xfrm>
+      </p:grpSpPr>
+      <p:sp>
+        <p:nvSpPr>
+          <p:cNvPr id="2" name="Slide Image Placeholder 1"/>
+          <p:cNvSpPr>
+            <a:spLocks noGrp="1" noRot="1" noChangeAspect="1"/>
+          </p:cNvSpPr>
+          <p:nvPr>
+            <p:ph type="sldImg"/>
+          </p:nvPr>
+        </p:nvSpPr>
+        <p:spPr/>
+      </p:sp>
+      <p:sp>
+        <p:nvSpPr>
+          <p:cNvPr id="3" name="Notes Placeholder 2"/>
+          <p:cNvSpPr>
+            <a:spLocks noGrp="1"/>
+          </p:cNvSpPr>
+          <p:nvPr>
+            <p:ph type="body" idx="1"/>
+          </p:nvPr>
+        </p:nvSpPr>
+        <p:spPr/>
+        <p:txBody>
+          <a:bodyPr/>
+          <a:lstStyle/>
+          <a:p>
+            <a:endParaRPr lang="en-US" dirty="0"/>
+          </a:p>
+        </p:txBody>
+      </p:sp>
+      <p:sp>
+        <p:nvSpPr>
+          <p:cNvPr id="4" name="Slide Number Placeholder 3"/>
+          <p:cNvSpPr>
+            <a:spLocks noGrp="1"/>
+          </p:cNvSpPr>
+          <p:nvPr>
+            <p:ph type="sldNum" sz="quarter" idx="10"/>
+          </p:nvPr>
+        </p:nvSpPr>
+        <p:spPr/>
+        <p:txBody>
+          <a:bodyPr/>
+          <a:lstStyle/>
+          <a:p>
+            <a:fld id="{C583D03D-12F8-4E91-BBC2-CE3A863157FF}" type="slidenum">
+              <a:rPr lang="en-US" smtClean="0"/>
+              <a:t>7</a:t>
+            </a:fld>
+            <a:endParaRPr lang="en-US"/>
+          </a:p>
+        </p:txBody>
+      </p:sp>
+    </p:spTree>
+    <p:extLst>
+      <p:ext uri="{BB962C8B-B14F-4D97-AF65-F5344CB8AC3E}">
+        <p14:creationId xmlns:p14="http://schemas.microsoft.com/office/powerpoint/2010/main" val="354995930"/>
+      </p:ext>
+    </p:extLst>
+  </p:cSld>
+  <p:clrMapOvr>
+    <a:masterClrMapping/>
+  </p:clrMapOvr>
+</p:notes>
+</file>
+
+<file path=ppt/notesSlides/notesSlide3.xml><?xml version="1.0" encoding="utf-8"?>
 <p:notes xmlns:a="http://schemas.openxmlformats.org/drawingml/2006/main" xmlns:r="http://schemas.openxmlformats.org/officeDocument/2006/relationships" xmlns:p="http://schemas.openxmlformats.org/presentationml/2006/main">
   <p:cSld>
     <p:spTree>
@@ -777,7 +859,7 @@
           <a:p>
             <a:fld id="{6F01DA4D-20EA-48D2-973C-0311EC3005D6}" type="datetimeFigureOut">
               <a:rPr lang="en-US" smtClean="0"/>
-              <a:t>4/3/2025</a:t>
+              <a:t>4/5/2025</a:t>
             </a:fld>
             <a:endParaRPr lang="en-US"/>
           </a:p>
@@ -947,7 +1029,7 @@
           <a:p>
             <a:fld id="{6F01DA4D-20EA-48D2-973C-0311EC3005D6}" type="datetimeFigureOut">
               <a:rPr lang="en-US" smtClean="0"/>
-              <a:t>4/3/2025</a:t>
+              <a:t>4/5/2025</a:t>
             </a:fld>
             <a:endParaRPr lang="en-US"/>
           </a:p>
@@ -1127,7 +1209,7 @@
           <a:p>
             <a:fld id="{6F01DA4D-20EA-48D2-973C-0311EC3005D6}" type="datetimeFigureOut">
               <a:rPr lang="en-US" smtClean="0"/>
-              <a:t>4/3/2025</a:t>
+              <a:t>4/5/2025</a:t>
             </a:fld>
             <a:endParaRPr lang="en-US"/>
           </a:p>
@@ -1297,7 +1379,7 @@
           <a:p>
             <a:fld id="{6F01DA4D-20EA-48D2-973C-0311EC3005D6}" type="datetimeFigureOut">
               <a:rPr lang="en-US" smtClean="0"/>
-              <a:t>4/3/2025</a:t>
+              <a:t>4/5/2025</a:t>
             </a:fld>
             <a:endParaRPr lang="en-US"/>
           </a:p>
@@ -1543,7 +1625,7 @@
           <a:p>
             <a:fld id="{6F01DA4D-20EA-48D2-973C-0311EC3005D6}" type="datetimeFigureOut">
               <a:rPr lang="en-US" smtClean="0"/>
-              <a:t>4/3/2025</a:t>
+              <a:t>4/5/2025</a:t>
             </a:fld>
             <a:endParaRPr lang="en-US"/>
           </a:p>
@@ -1775,7 +1857,7 @@
           <a:p>
             <a:fld id="{6F01DA4D-20EA-48D2-973C-0311EC3005D6}" type="datetimeFigureOut">
               <a:rPr lang="en-US" smtClean="0"/>
-              <a:t>4/3/2025</a:t>
+              <a:t>4/5/2025</a:t>
             </a:fld>
             <a:endParaRPr lang="en-US"/>
           </a:p>
@@ -2142,7 +2224,7 @@
           <a:p>
             <a:fld id="{6F01DA4D-20EA-48D2-973C-0311EC3005D6}" type="datetimeFigureOut">
               <a:rPr lang="en-US" smtClean="0"/>
-              <a:t>4/3/2025</a:t>
+              <a:t>4/5/2025</a:t>
             </a:fld>
             <a:endParaRPr lang="en-US"/>
           </a:p>
@@ -2260,7 +2342,7 @@
           <a:p>
             <a:fld id="{6F01DA4D-20EA-48D2-973C-0311EC3005D6}" type="datetimeFigureOut">
               <a:rPr lang="en-US" smtClean="0"/>
-              <a:t>4/3/2025</a:t>
+              <a:t>4/5/2025</a:t>
             </a:fld>
             <a:endParaRPr lang="en-US"/>
           </a:p>
@@ -2355,7 +2437,7 @@
           <a:p>
             <a:fld id="{6F01DA4D-20EA-48D2-973C-0311EC3005D6}" type="datetimeFigureOut">
               <a:rPr lang="en-US" smtClean="0"/>
-              <a:t>4/3/2025</a:t>
+              <a:t>4/5/2025</a:t>
             </a:fld>
             <a:endParaRPr lang="en-US"/>
           </a:p>
@@ -2632,7 +2714,7 @@
           <a:p>
             <a:fld id="{6F01DA4D-20EA-48D2-973C-0311EC3005D6}" type="datetimeFigureOut">
               <a:rPr lang="en-US" smtClean="0"/>
-              <a:t>4/3/2025</a:t>
+              <a:t>4/5/2025</a:t>
             </a:fld>
             <a:endParaRPr lang="en-US"/>
           </a:p>
@@ -2885,7 +2967,7 @@
           <a:p>
             <a:fld id="{6F01DA4D-20EA-48D2-973C-0311EC3005D6}" type="datetimeFigureOut">
               <a:rPr lang="en-US" smtClean="0"/>
-              <a:t>4/3/2025</a:t>
+              <a:t>4/5/2025</a:t>
             </a:fld>
             <a:endParaRPr lang="en-US"/>
           </a:p>
@@ -3098,7 +3180,7 @@
           <a:p>
             <a:fld id="{6F01DA4D-20EA-48D2-973C-0311EC3005D6}" type="datetimeFigureOut">
               <a:rPr lang="en-US" smtClean="0"/>
-              <a:t>4/3/2025</a:t>
+              <a:t>4/5/2025</a:t>
             </a:fld>
             <a:endParaRPr lang="en-US"/>
           </a:p>
@@ -3741,8 +3823,8 @@
         </p:nvSpPr>
         <p:spPr>
           <a:xfrm>
-            <a:off x="429345" y="750422"/>
-            <a:ext cx="9665146" cy="369332"/>
+            <a:off x="415595" y="729797"/>
+            <a:ext cx="10483511" cy="369332"/>
           </a:xfrm>
           <a:prstGeom prst="rect">
             <a:avLst/>
@@ -3760,56 +3842,7 @@
                 <a:latin typeface="Segoe UI" panose="020B0502040204020203" pitchFamily="34" charset="0"/>
                 <a:cs typeface="Segoe UI" panose="020B0502040204020203" pitchFamily="34" charset="0"/>
               </a:rPr>
-              <a:t>Add a table visual with the </a:t>
-            </a:r>
-            <a:r>
-              <a:rPr lang="en" b="1" dirty="0" smtClean="0">
-                <a:latin typeface="Segoe UI" panose="020B0502040204020203" pitchFamily="34" charset="0"/>
-                <a:cs typeface="Segoe UI" panose="020B0502040204020203" pitchFamily="34" charset="0"/>
-              </a:rPr>
-              <a:t>Month field </a:t>
-            </a:r>
-            <a:r>
-              <a:rPr lang="en" dirty="0" smtClean="0">
-                <a:latin typeface="Segoe UI" panose="020B0502040204020203" pitchFamily="34" charset="0"/>
-                <a:cs typeface="Segoe UI" panose="020B0502040204020203" pitchFamily="34" charset="0"/>
-              </a:rPr>
-              <a:t>from </a:t>
-            </a:r>
-            <a:r>
-              <a:rPr lang="en" b="1" dirty="0" smtClean="0">
-                <a:latin typeface="Segoe UI" panose="020B0502040204020203" pitchFamily="34" charset="0"/>
-                <a:cs typeface="Segoe UI" panose="020B0502040204020203" pitchFamily="34" charset="0"/>
-              </a:rPr>
-              <a:t>DimDate </a:t>
-            </a:r>
-            <a:r>
-              <a:rPr lang="en" dirty="0" smtClean="0">
-                <a:latin typeface="Segoe UI" panose="020B0502040204020203" pitchFamily="34" charset="0"/>
-                <a:cs typeface="Segoe UI" panose="020B0502040204020203" pitchFamily="34" charset="0"/>
-              </a:rPr>
-              <a:t>and </a:t>
-            </a:r>
-            <a:r>
-              <a:rPr lang="en" b="1" dirty="0" smtClean="0">
-                <a:latin typeface="Segoe UI" panose="020B0502040204020203" pitchFamily="34" charset="0"/>
-                <a:cs typeface="Segoe UI" panose="020B0502040204020203" pitchFamily="34" charset="0"/>
-              </a:rPr>
-              <a:t>SalesQuantity </a:t>
-            </a:r>
-            <a:r>
-              <a:rPr lang="en" dirty="0" smtClean="0">
-                <a:latin typeface="Segoe UI" panose="020B0502040204020203" pitchFamily="34" charset="0"/>
-                <a:cs typeface="Segoe UI" panose="020B0502040204020203" pitchFamily="34" charset="0"/>
-              </a:rPr>
-              <a:t>from </a:t>
-            </a:r>
-            <a:r>
-              <a:rPr lang="en" b="1" dirty="0" smtClean="0">
-                <a:latin typeface="Segoe UI" panose="020B0502040204020203" pitchFamily="34" charset="0"/>
-                <a:cs typeface="Segoe UI" panose="020B0502040204020203" pitchFamily="34" charset="0"/>
-              </a:rPr>
-              <a:t>FactSales</a:t>
+              <a:t>Add a calculated column that returns a particular shape based on whether the goal was met or not</a:t>
             </a:r>
             <a:endParaRPr lang="en-US" b="1" dirty="0">
               <a:latin typeface="Segoe UI" panose="020B0502040204020203" pitchFamily="34" charset="0"/>
@@ -3818,9 +3851,250 @@
           </a:p>
         </p:txBody>
       </p:sp>
+      <p:sp>
+        <p:nvSpPr>
+          <p:cNvPr id="7" name="TextBox 6"/>
+          <p:cNvSpPr txBox="1"/>
+          <p:nvPr/>
+        </p:nvSpPr>
+        <p:spPr>
+          <a:xfrm>
+            <a:off x="415595" y="2079236"/>
+            <a:ext cx="7911268" cy="369332"/>
+          </a:xfrm>
+          <a:prstGeom prst="rect">
+            <a:avLst/>
+          </a:prstGeom>
+          <a:noFill/>
+        </p:spPr>
+        <p:txBody>
+          <a:bodyPr wrap="none" rtlCol="0">
+            <a:spAutoFit/>
+          </a:bodyPr>
+          <a:lstStyle/>
+          <a:p>
+            <a:r>
+              <a:rPr lang="en" dirty="0" smtClean="0">
+                <a:latin typeface="Segoe UI" panose="020B0502040204020203" pitchFamily="34" charset="0"/>
+                <a:cs typeface="Segoe UI" panose="020B0502040204020203" pitchFamily="34" charset="0"/>
+              </a:rPr>
+              <a:t>The above measure compares the amount of </a:t>
+            </a:r>
+            <a:r>
+              <a:rPr lang="en" b="1" dirty="0" smtClean="0">
+                <a:latin typeface="Segoe UI" panose="020B0502040204020203" pitchFamily="34" charset="0"/>
+                <a:cs typeface="Segoe UI" panose="020B0502040204020203" pitchFamily="34" charset="0"/>
+              </a:rPr>
+              <a:t>Turnover </a:t>
+            </a:r>
+            <a:r>
+              <a:rPr lang="en" dirty="0" smtClean="0">
+                <a:latin typeface="Segoe UI" panose="020B0502040204020203" pitchFamily="34" charset="0"/>
+                <a:cs typeface="Segoe UI" panose="020B0502040204020203" pitchFamily="34" charset="0"/>
+              </a:rPr>
+              <a:t>to a </a:t>
+            </a:r>
+            <a:r>
+              <a:rPr lang="en" b="1" dirty="0" smtClean="0">
+                <a:latin typeface="Segoe UI" panose="020B0502040204020203" pitchFamily="34" charset="0"/>
+                <a:cs typeface="Segoe UI" panose="020B0502040204020203" pitchFamily="34" charset="0"/>
+              </a:rPr>
+              <a:t>target</a:t>
+            </a:r>
+            <a:endParaRPr lang="en-US" b="1" dirty="0">
+              <a:latin typeface="Segoe UI" panose="020B0502040204020203" pitchFamily="34" charset="0"/>
+              <a:cs typeface="Segoe UI" panose="020B0502040204020203" pitchFamily="34" charset="0"/>
+            </a:endParaRPr>
+          </a:p>
+        </p:txBody>
+      </p:sp>
+      <p:sp>
+        <p:nvSpPr>
+          <p:cNvPr id="3" name="Rectangle 2"/>
+          <p:cNvSpPr/>
+          <p:nvPr/>
+        </p:nvSpPr>
+        <p:spPr>
+          <a:xfrm>
+            <a:off x="415595" y="1266017"/>
+            <a:ext cx="10761141" cy="646331"/>
+          </a:xfrm>
+          <a:prstGeom prst="rect">
+            <a:avLst/>
+          </a:prstGeom>
+        </p:spPr>
+        <p:txBody>
+          <a:bodyPr wrap="square">
+            <a:spAutoFit/>
+          </a:bodyPr>
+          <a:lstStyle/>
+          <a:p>
+            <a:r>
+              <a:rPr lang="en" dirty="0">
+                <a:solidFill>
+                  <a:srgbClr val="000000"/>
+                </a:solidFill>
+                <a:latin typeface="Consolas" panose="020B0609020204030204" pitchFamily="49" charset="0"/>
+              </a:rPr>
+              <a:t>KPI Turnover = </a:t>
+            </a:r>
+            <a:r>
+              <a:rPr lang="en" dirty="0">
+                <a:solidFill>
+                  <a:srgbClr val="3165BB"/>
+                </a:solidFill>
+                <a:latin typeface="Consolas" panose="020B0609020204030204" pitchFamily="49" charset="0"/>
+              </a:rPr>
+              <a:t>IF </a:t>
+            </a:r>
+            <a:r>
+              <a:rPr lang="en" dirty="0">
+                <a:solidFill>
+                  <a:srgbClr val="000000"/>
+                </a:solidFill>
+                <a:latin typeface="Consolas" panose="020B0609020204030204" pitchFamily="49" charset="0"/>
+              </a:rPr>
+              <a:t>( </a:t>
+            </a:r>
+            <a:r>
+              <a:rPr lang="en" dirty="0" smtClean="0">
+                <a:solidFill>
+                  <a:srgbClr val="001080"/>
+                </a:solidFill>
+                <a:latin typeface="Consolas" panose="020B0609020204030204" pitchFamily="49" charset="0"/>
+              </a:rPr>
+              <a:t>Sales[</a:t>
+            </a:r>
+            <a:r>
+              <a:rPr lang="en" dirty="0" smtClean="0">
+                <a:solidFill>
+                  <a:srgbClr val="001080"/>
+                </a:solidFill>
+                <a:latin typeface="Consolas" panose="020B0609020204030204" pitchFamily="49" charset="0"/>
+              </a:rPr>
+              <a:t>Turnover</a:t>
+            </a:r>
+            <a:r>
+              <a:rPr lang="en" dirty="0" smtClean="0">
+                <a:solidFill>
+                  <a:srgbClr val="001080"/>
+                </a:solidFill>
+                <a:latin typeface="Consolas" panose="020B0609020204030204" pitchFamily="49" charset="0"/>
+              </a:rPr>
+              <a:t>] </a:t>
+            </a:r>
+            <a:r>
+              <a:rPr lang="en" dirty="0">
+                <a:solidFill>
+                  <a:srgbClr val="000000"/>
+                </a:solidFill>
+                <a:latin typeface="Consolas" panose="020B0609020204030204" pitchFamily="49" charset="0"/>
+              </a:rPr>
+              <a:t>&gt; </a:t>
+            </a:r>
+            <a:r>
+              <a:rPr lang="en" dirty="0" smtClean="0">
+                <a:solidFill>
+                  <a:srgbClr val="001080"/>
+                </a:solidFill>
+                <a:latin typeface="Consolas" panose="020B0609020204030204" pitchFamily="49" charset="0"/>
+              </a:rPr>
+              <a:t>Sales[Target] </a:t>
+            </a:r>
+            <a:r>
+              <a:rPr lang="en" dirty="0">
+                <a:solidFill>
+                  <a:srgbClr val="000000"/>
+                </a:solidFill>
+                <a:latin typeface="Consolas" panose="020B0609020204030204" pitchFamily="49" charset="0"/>
+              </a:rPr>
+              <a:t>, </a:t>
+            </a:r>
+            <a:r>
+              <a:rPr lang="en" dirty="0">
+                <a:solidFill>
+                  <a:srgbClr val="3165BB"/>
+                </a:solidFill>
+                <a:latin typeface="Consolas" panose="020B0609020204030204" pitchFamily="49" charset="0"/>
+              </a:rPr>
+              <a:t>UNICHAR </a:t>
+            </a:r>
+            <a:r>
+              <a:rPr lang="en" dirty="0">
+                <a:solidFill>
+                  <a:srgbClr val="000000"/>
+                </a:solidFill>
+                <a:latin typeface="Consolas" panose="020B0609020204030204" pitchFamily="49" charset="0"/>
+              </a:rPr>
+              <a:t>( </a:t>
+            </a:r>
+            <a:r>
+              <a:rPr lang="en" dirty="0">
+                <a:solidFill>
+                  <a:srgbClr val="098658"/>
+                </a:solidFill>
+                <a:latin typeface="Consolas" panose="020B0609020204030204" pitchFamily="49" charset="0"/>
+              </a:rPr>
+              <a:t>128994 </a:t>
+            </a:r>
+            <a:r>
+              <a:rPr lang="en" dirty="0">
+                <a:solidFill>
+                  <a:srgbClr val="000000"/>
+                </a:solidFill>
+                <a:latin typeface="Consolas" panose="020B0609020204030204" pitchFamily="49" charset="0"/>
+              </a:rPr>
+              <a:t>), </a:t>
+            </a:r>
+            <a:r>
+              <a:rPr lang="en" dirty="0">
+                <a:solidFill>
+                  <a:srgbClr val="3165BB"/>
+                </a:solidFill>
+                <a:latin typeface="Consolas" panose="020B0609020204030204" pitchFamily="49" charset="0"/>
+              </a:rPr>
+              <a:t>UNICHAR </a:t>
+            </a:r>
+            <a:r>
+              <a:rPr lang="en" dirty="0">
+                <a:solidFill>
+                  <a:srgbClr val="000000"/>
+                </a:solidFill>
+                <a:latin typeface="Consolas" panose="020B0609020204030204" pitchFamily="49" charset="0"/>
+              </a:rPr>
+              <a:t>( </a:t>
+            </a:r>
+            <a:r>
+              <a:rPr lang="en" dirty="0">
+                <a:solidFill>
+                  <a:srgbClr val="098658"/>
+                </a:solidFill>
+                <a:latin typeface="Consolas" panose="020B0609020204030204" pitchFamily="49" charset="0"/>
+              </a:rPr>
+              <a:t>128308 </a:t>
+            </a:r>
+            <a:r>
+              <a:rPr lang="en" dirty="0">
+                <a:solidFill>
+                  <a:srgbClr val="000000"/>
+                </a:solidFill>
+                <a:latin typeface="Consolas" panose="020B0609020204030204" pitchFamily="49" charset="0"/>
+              </a:rPr>
+              <a:t>))</a:t>
+            </a:r>
+            <a:endParaRPr lang="fr-FR" b="0" dirty="0">
+              <a:solidFill>
+                <a:srgbClr val="000000"/>
+              </a:solidFill>
+              <a:effectLst/>
+              <a:latin typeface="Consolas" panose="020B0609020204030204" pitchFamily="49" charset="0"/>
+            </a:endParaRPr>
+          </a:p>
+        </p:txBody>
+      </p:sp>
       <p:pic>
         <p:nvPicPr>
-          <p:cNvPr id="10" name="Picture 9"/>
+          <p:cNvPr id="6" name="Picture 5"/>
           <p:cNvPicPr>
             <a:picLocks noChangeAspect="1"/>
           </p:cNvPicPr>
@@ -3834,385 +4108,8 @@
         </p:blipFill>
         <p:spPr>
           <a:xfrm>
-            <a:off x="429345" y="1271008"/>
-            <a:ext cx="3039271" cy="3644751"/>
-          </a:xfrm>
-          <a:prstGeom prst="rect">
-            <a:avLst/>
-          </a:prstGeom>
-          <a:ln>
-            <a:noFill/>
-          </a:ln>
-          <a:effectLst>
-            <a:outerShdw blurRad="292100" dist="139700" dir="2700000" algn="tl" rotWithShape="0">
-              <a:srgbClr val="333333">
-                <a:alpha val="65000"/>
-              </a:srgbClr>
-            </a:outerShdw>
-          </a:effectLst>
-        </p:spPr>
-      </p:pic>
-    </p:spTree>
-    <p:extLst>
-      <p:ext uri="{BB962C8B-B14F-4D97-AF65-F5344CB8AC3E}">
-        <p14:creationId xmlns:p14="http://schemas.microsoft.com/office/powerpoint/2010/main" val="3970470899"/>
-      </p:ext>
-    </p:extLst>
-  </p:cSld>
-  <p:clrMapOvr>
-    <a:masterClrMapping/>
-  </p:clrMapOvr>
-</p:sld>
-</file>
-
-<file path=ppt/slides/slide12.xml><?xml version="1.0" encoding="utf-8"?>
-<p:sld xmlns:a="http://schemas.openxmlformats.org/drawingml/2006/main" xmlns:r="http://schemas.openxmlformats.org/officeDocument/2006/relationships" xmlns:p="http://schemas.openxmlformats.org/presentationml/2006/main">
-  <p:cSld>
-    <p:spTree>
-      <p:nvGrpSpPr>
-        <p:cNvPr id="1" name=""/>
-        <p:cNvGrpSpPr/>
-        <p:nvPr/>
-      </p:nvGrpSpPr>
-      <p:grpSpPr>
-        <a:xfrm>
-          <a:off x="0" y="0"/>
-          <a:ext cx="0" cy="0"/>
-          <a:chOff x="0" y="0"/>
-          <a:chExt cx="0" cy="0"/>
-        </a:xfrm>
-      </p:grpSpPr>
-      <p:sp>
-        <p:nvSpPr>
-          <p:cNvPr id="2" name="TextBox 1"/>
-          <p:cNvSpPr txBox="1"/>
-          <p:nvPr/>
-        </p:nvSpPr>
-        <p:spPr>
-          <a:xfrm>
-            <a:off x="323133" y="192505"/>
-            <a:ext cx="1215397" cy="461665"/>
-          </a:xfrm>
-          <a:prstGeom prst="rect">
-            <a:avLst/>
-          </a:prstGeom>
-          <a:noFill/>
-        </p:spPr>
-        <p:txBody>
-          <a:bodyPr wrap="none" rtlCol="0">
-            <a:spAutoFit/>
-          </a:bodyPr>
-          <a:lstStyle/>
-          <a:p>
-            <a:r>
-              <a:rPr lang="en" sz="2400" b="1" dirty="0" smtClean="0">
-                <a:latin typeface="Segoe UI" panose="020B0502040204020203" pitchFamily="34" charset="0"/>
-                <a:cs typeface="Segoe UI" panose="020B0502040204020203" pitchFamily="34" charset="0"/>
-              </a:rPr>
-              <a:t>KPIs</a:t>
-            </a:r>
-            <a:endParaRPr lang="en-US" sz="2400" b="1" dirty="0">
-              <a:latin typeface="Segoe UI" panose="020B0502040204020203" pitchFamily="34" charset="0"/>
-              <a:cs typeface="Segoe UI" panose="020B0502040204020203" pitchFamily="34" charset="0"/>
-            </a:endParaRPr>
-          </a:p>
-        </p:txBody>
-      </p:sp>
-      <p:sp>
-        <p:nvSpPr>
-          <p:cNvPr id="5" name="TextBox 4"/>
-          <p:cNvSpPr txBox="1"/>
-          <p:nvPr/>
-        </p:nvSpPr>
-        <p:spPr>
-          <a:xfrm>
-            <a:off x="415595" y="729797"/>
-            <a:ext cx="10483511" cy="369332"/>
-          </a:xfrm>
-          <a:prstGeom prst="rect">
-            <a:avLst/>
-          </a:prstGeom>
-          <a:noFill/>
-        </p:spPr>
-        <p:txBody>
-          <a:bodyPr wrap="none" rtlCol="0">
-            <a:spAutoFit/>
-          </a:bodyPr>
-          <a:lstStyle/>
-          <a:p>
-            <a:r>
-              <a:rPr lang="en" dirty="0" smtClean="0">
-                <a:latin typeface="Segoe UI" panose="020B0502040204020203" pitchFamily="34" charset="0"/>
-                <a:cs typeface="Segoe UI" panose="020B0502040204020203" pitchFamily="34" charset="0"/>
-              </a:rPr>
-              <a:t>Add a calculated column that returns a particular shape based on whether the goal was met or not</a:t>
-            </a:r>
-            <a:endParaRPr lang="en-US" b="1" dirty="0">
-              <a:latin typeface="Segoe UI" panose="020B0502040204020203" pitchFamily="34" charset="0"/>
-              <a:cs typeface="Segoe UI" panose="020B0502040204020203" pitchFamily="34" charset="0"/>
-            </a:endParaRPr>
-          </a:p>
-        </p:txBody>
-      </p:sp>
-      <p:sp>
-        <p:nvSpPr>
-          <p:cNvPr id="7" name="TextBox 6"/>
-          <p:cNvSpPr txBox="1"/>
-          <p:nvPr/>
-        </p:nvSpPr>
-        <p:spPr>
-          <a:xfrm>
-            <a:off x="415595" y="2079236"/>
-            <a:ext cx="7911268" cy="369332"/>
-          </a:xfrm>
-          <a:prstGeom prst="rect">
-            <a:avLst/>
-          </a:prstGeom>
-          <a:noFill/>
-        </p:spPr>
-        <p:txBody>
-          <a:bodyPr wrap="none" rtlCol="0">
-            <a:spAutoFit/>
-          </a:bodyPr>
-          <a:lstStyle/>
-          <a:p>
-            <a:r>
-              <a:rPr lang="en" dirty="0" smtClean="0">
-                <a:latin typeface="Segoe UI" panose="020B0502040204020203" pitchFamily="34" charset="0"/>
-                <a:cs typeface="Segoe UI" panose="020B0502040204020203" pitchFamily="34" charset="0"/>
-              </a:rPr>
-              <a:t>The above measure compares the amount of </a:t>
-            </a:r>
-            <a:r>
-              <a:rPr lang="en" b="1" dirty="0" smtClean="0">
-                <a:latin typeface="Segoe UI" panose="020B0502040204020203" pitchFamily="34" charset="0"/>
-                <a:cs typeface="Segoe UI" panose="020B0502040204020203" pitchFamily="34" charset="0"/>
-              </a:rPr>
-              <a:t>Turnover </a:t>
-            </a:r>
-            <a:r>
-              <a:rPr lang="en" dirty="0" smtClean="0">
-                <a:latin typeface="Segoe UI" panose="020B0502040204020203" pitchFamily="34" charset="0"/>
-                <a:cs typeface="Segoe UI" panose="020B0502040204020203" pitchFamily="34" charset="0"/>
-              </a:rPr>
-              <a:t>to a </a:t>
-            </a:r>
-            <a:r>
-              <a:rPr lang="en" b="1" dirty="0" smtClean="0">
-                <a:latin typeface="Segoe UI" panose="020B0502040204020203" pitchFamily="34" charset="0"/>
-                <a:cs typeface="Segoe UI" panose="020B0502040204020203" pitchFamily="34" charset="0"/>
-              </a:rPr>
-              <a:t>target</a:t>
-            </a:r>
-            <a:endParaRPr lang="en-US" b="1" dirty="0">
-              <a:latin typeface="Segoe UI" panose="020B0502040204020203" pitchFamily="34" charset="0"/>
-              <a:cs typeface="Segoe UI" panose="020B0502040204020203" pitchFamily="34" charset="0"/>
-            </a:endParaRPr>
-          </a:p>
-        </p:txBody>
-      </p:sp>
-      <p:sp>
-        <p:nvSpPr>
-          <p:cNvPr id="3" name="Rectangle 2"/>
-          <p:cNvSpPr/>
-          <p:nvPr/>
-        </p:nvSpPr>
-        <p:spPr>
-          <a:xfrm>
-            <a:off x="415595" y="1266017"/>
-            <a:ext cx="10761141" cy="646331"/>
-          </a:xfrm>
-          <a:prstGeom prst="rect">
-            <a:avLst/>
-          </a:prstGeom>
-        </p:spPr>
-        <p:txBody>
-          <a:bodyPr wrap="square">
-            <a:spAutoFit/>
-          </a:bodyPr>
-          <a:lstStyle/>
-          <a:p>
-            <a:r>
-              <a:rPr lang="en" dirty="0">
-                <a:solidFill>
-                  <a:srgbClr val="000000"/>
-                </a:solidFill>
-                <a:latin typeface="Consolas" panose="020B0609020204030204" pitchFamily="49" charset="0"/>
-              </a:rPr>
-              <a:t>KPI Turnover = </a:t>
-            </a:r>
-            <a:r>
-              <a:rPr lang="en" dirty="0">
-                <a:solidFill>
-                  <a:srgbClr val="3165BB"/>
-                </a:solidFill>
-                <a:latin typeface="Consolas" panose="020B0609020204030204" pitchFamily="49" charset="0"/>
-              </a:rPr>
-              <a:t>IF </a:t>
-            </a:r>
-            <a:r>
-              <a:rPr lang="en" dirty="0">
-                <a:solidFill>
-                  <a:srgbClr val="000000"/>
-                </a:solidFill>
-                <a:latin typeface="Consolas" panose="020B0609020204030204" pitchFamily="49" charset="0"/>
-              </a:rPr>
-              <a:t>( </a:t>
-            </a:r>
-            <a:r>
-              <a:rPr lang="en" dirty="0" err="1">
-                <a:solidFill>
-                  <a:srgbClr val="001080"/>
-                </a:solidFill>
-                <a:latin typeface="Consolas" panose="020B0609020204030204" pitchFamily="49" charset="0"/>
-              </a:rPr>
-              <a:t>SalesFact </a:t>
-            </a:r>
-            <a:r>
-              <a:rPr lang="en" dirty="0">
-                <a:solidFill>
-                  <a:srgbClr val="001080"/>
-                </a:solidFill>
-                <a:latin typeface="Consolas" panose="020B0609020204030204" pitchFamily="49" charset="0"/>
-              </a:rPr>
-              <a:t>[ Turnover ] </a:t>
-            </a:r>
-            <a:r>
-              <a:rPr lang="en" dirty="0">
-                <a:solidFill>
-                  <a:srgbClr val="000000"/>
-                </a:solidFill>
-                <a:latin typeface="Consolas" panose="020B0609020204030204" pitchFamily="49" charset="0"/>
-              </a:rPr>
-              <a:t>&gt; </a:t>
-            </a:r>
-            <a:r>
-              <a:rPr lang="en" dirty="0" err="1">
-                <a:solidFill>
-                  <a:srgbClr val="001080"/>
-                </a:solidFill>
-                <a:latin typeface="Consolas" panose="020B0609020204030204" pitchFamily="49" charset="0"/>
-              </a:rPr>
-              <a:t>SalesFact </a:t>
-            </a:r>
-            <a:r>
-              <a:rPr lang="en" dirty="0">
-                <a:solidFill>
-                  <a:srgbClr val="001080"/>
-                </a:solidFill>
-                <a:latin typeface="Consolas" panose="020B0609020204030204" pitchFamily="49" charset="0"/>
-              </a:rPr>
-              <a:t>[ Target ] </a:t>
-            </a:r>
-            <a:r>
-              <a:rPr lang="en" dirty="0">
-                <a:solidFill>
-                  <a:srgbClr val="000000"/>
-                </a:solidFill>
-                <a:latin typeface="Consolas" panose="020B0609020204030204" pitchFamily="49" charset="0"/>
-              </a:rPr>
-              <a:t>, </a:t>
-            </a:r>
-            <a:r>
-              <a:rPr lang="en" dirty="0">
-                <a:solidFill>
-                  <a:srgbClr val="3165BB"/>
-                </a:solidFill>
-                <a:latin typeface="Consolas" panose="020B0609020204030204" pitchFamily="49" charset="0"/>
-              </a:rPr>
-              <a:t>UNICHAR </a:t>
-            </a:r>
-            <a:r>
-              <a:rPr lang="en" dirty="0">
-                <a:solidFill>
-                  <a:srgbClr val="000000"/>
-                </a:solidFill>
-                <a:latin typeface="Consolas" panose="020B0609020204030204" pitchFamily="49" charset="0"/>
-              </a:rPr>
-              <a:t>( </a:t>
-            </a:r>
-            <a:r>
-              <a:rPr lang="en" dirty="0">
-                <a:solidFill>
-                  <a:srgbClr val="098658"/>
-                </a:solidFill>
-                <a:latin typeface="Consolas" panose="020B0609020204030204" pitchFamily="49" charset="0"/>
-              </a:rPr>
-              <a:t>128994 </a:t>
-            </a:r>
-            <a:r>
-              <a:rPr lang="en" dirty="0">
-                <a:solidFill>
-                  <a:srgbClr val="000000"/>
-                </a:solidFill>
-                <a:latin typeface="Consolas" panose="020B0609020204030204" pitchFamily="49" charset="0"/>
-              </a:rPr>
-              <a:t>), </a:t>
-            </a:r>
-            <a:r>
-              <a:rPr lang="en" dirty="0">
-                <a:solidFill>
-                  <a:srgbClr val="3165BB"/>
-                </a:solidFill>
-                <a:latin typeface="Consolas" panose="020B0609020204030204" pitchFamily="49" charset="0"/>
-              </a:rPr>
-              <a:t>UNICHAR </a:t>
-            </a:r>
-            <a:r>
-              <a:rPr lang="en" dirty="0">
-                <a:solidFill>
-                  <a:srgbClr val="000000"/>
-                </a:solidFill>
-                <a:latin typeface="Consolas" panose="020B0609020204030204" pitchFamily="49" charset="0"/>
-              </a:rPr>
-              <a:t>( </a:t>
-            </a:r>
-            <a:r>
-              <a:rPr lang="en" dirty="0">
-                <a:solidFill>
-                  <a:srgbClr val="098658"/>
-                </a:solidFill>
-                <a:latin typeface="Consolas" panose="020B0609020204030204" pitchFamily="49" charset="0"/>
-              </a:rPr>
-              <a:t>128308 </a:t>
-            </a:r>
-            <a:r>
-              <a:rPr lang="en" dirty="0">
-                <a:solidFill>
-                  <a:srgbClr val="000000"/>
-                </a:solidFill>
-                <a:latin typeface="Consolas" panose="020B0609020204030204" pitchFamily="49" charset="0"/>
-              </a:rPr>
-              <a:t>))</a:t>
-            </a:r>
-            <a:endParaRPr lang="fr-FR" b="0" dirty="0">
-              <a:solidFill>
-                <a:srgbClr val="000000"/>
-              </a:solidFill>
-              <a:effectLst/>
-              <a:latin typeface="Consolas" panose="020B0609020204030204" pitchFamily="49" charset="0"/>
-            </a:endParaRPr>
-          </a:p>
-        </p:txBody>
-      </p:sp>
-      <p:pic>
-        <p:nvPicPr>
-          <p:cNvPr id="4" name="Picture 3"/>
-          <p:cNvPicPr>
-            <a:picLocks noChangeAspect="1"/>
-          </p:cNvPicPr>
-          <p:nvPr/>
-        </p:nvPicPr>
-        <p:blipFill>
-          <a:blip r:embed="rId2"/>
-          <a:stretch>
-            <a:fillRect/>
-          </a:stretch>
-        </p:blipFill>
-        <p:spPr>
-          <a:xfrm>
-            <a:off x="415595" y="2615456"/>
-            <a:ext cx="7752682" cy="1891866"/>
+            <a:off x="415594" y="2615456"/>
+            <a:ext cx="7419779" cy="1854944"/>
           </a:xfrm>
           <a:prstGeom prst="rect">
             <a:avLst/>
@@ -4232,295 +4129,7 @@
 </p:sld>
 </file>
 
-<file path=ppt/slides/slide13.xml><?xml version="1.0" encoding="utf-8"?>
-<p:sld xmlns:a="http://schemas.openxmlformats.org/drawingml/2006/main" xmlns:r="http://schemas.openxmlformats.org/officeDocument/2006/relationships" xmlns:p="http://schemas.openxmlformats.org/presentationml/2006/main">
-  <p:cSld>
-    <p:spTree>
-      <p:nvGrpSpPr>
-        <p:cNvPr id="1" name=""/>
-        <p:cNvGrpSpPr/>
-        <p:nvPr/>
-      </p:nvGrpSpPr>
-      <p:grpSpPr>
-        <a:xfrm>
-          <a:off x="0" y="0"/>
-          <a:ext cx="0" cy="0"/>
-          <a:chOff x="0" y="0"/>
-          <a:chExt cx="0" cy="0"/>
-        </a:xfrm>
-      </p:grpSpPr>
-      <p:sp>
-        <p:nvSpPr>
-          <p:cNvPr id="2" name="TextBox 1"/>
-          <p:cNvSpPr txBox="1"/>
-          <p:nvPr/>
-        </p:nvSpPr>
-        <p:spPr>
-          <a:xfrm>
-            <a:off x="323133" y="192505"/>
-            <a:ext cx="1215397" cy="461665"/>
-          </a:xfrm>
-          <a:prstGeom prst="rect">
-            <a:avLst/>
-          </a:prstGeom>
-          <a:noFill/>
-        </p:spPr>
-        <p:txBody>
-          <a:bodyPr wrap="none" rtlCol="0">
-            <a:spAutoFit/>
-          </a:bodyPr>
-          <a:lstStyle/>
-          <a:p>
-            <a:r>
-              <a:rPr lang="en" sz="2400" b="1" dirty="0" smtClean="0">
-                <a:latin typeface="Segoe UI" panose="020B0502040204020203" pitchFamily="34" charset="0"/>
-                <a:cs typeface="Segoe UI" panose="020B0502040204020203" pitchFamily="34" charset="0"/>
-              </a:rPr>
-              <a:t>KPIs</a:t>
-            </a:r>
-            <a:endParaRPr lang="en-US" sz="2400" b="1" dirty="0">
-              <a:latin typeface="Segoe UI" panose="020B0502040204020203" pitchFamily="34" charset="0"/>
-              <a:cs typeface="Segoe UI" panose="020B0502040204020203" pitchFamily="34" charset="0"/>
-            </a:endParaRPr>
-          </a:p>
-        </p:txBody>
-      </p:sp>
-      <p:sp>
-        <p:nvSpPr>
-          <p:cNvPr id="3" name="Rectangle 2"/>
-          <p:cNvSpPr/>
-          <p:nvPr/>
-        </p:nvSpPr>
-        <p:spPr>
-          <a:xfrm>
-            <a:off x="482600" y="934072"/>
-            <a:ext cx="10058400" cy="2031325"/>
-          </a:xfrm>
-          <a:prstGeom prst="rect">
-            <a:avLst/>
-          </a:prstGeom>
-        </p:spPr>
-        <p:txBody>
-          <a:bodyPr wrap="square">
-            <a:spAutoFit/>
-          </a:bodyPr>
-          <a:lstStyle/>
-          <a:p>
-            <a:r>
-              <a:rPr lang="en" b="1" dirty="0" smtClean="0">
-                <a:latin typeface="Segoe UI" panose="020B0502040204020203" pitchFamily="34" charset="0"/>
-                <a:cs typeface="Segoe UI" panose="020B0502040204020203" pitchFamily="34" charset="0"/>
-              </a:rPr>
-              <a:t>For </a:t>
-            </a:r>
-            <a:r>
-              <a:rPr lang="en" b="1" dirty="0">
-                <a:latin typeface="Segoe UI" panose="020B0502040204020203" pitchFamily="34" charset="0"/>
-                <a:cs typeface="Segoe UI" panose="020B0502040204020203" pitchFamily="34" charset="0"/>
-              </a:rPr>
-              <a:t>more advanced alternatives to the standard KPI </a:t>
-            </a:r>
-            <a:r>
-              <a:rPr lang="en" dirty="0">
-                <a:latin typeface="Segoe UI" panose="020B0502040204020203" pitchFamily="34" charset="0"/>
-                <a:cs typeface="Segoe UI" panose="020B0502040204020203" pitchFamily="34" charset="0"/>
-              </a:rPr>
-              <a:t>, here are some interesting visuals on </a:t>
-            </a:r>
-            <a:r>
-              <a:rPr lang="en" dirty="0" err="1">
-                <a:latin typeface="Segoe UI" panose="020B0502040204020203" pitchFamily="34" charset="0"/>
-                <a:cs typeface="Segoe UI" panose="020B0502040204020203" pitchFamily="34" charset="0"/>
-              </a:rPr>
-              <a:t>AppSource</a:t>
-            </a:r>
-            <a:r>
-              <a:rPr lang="en" dirty="0">
-                <a:latin typeface="Segoe UI" panose="020B0502040204020203" pitchFamily="34" charset="0"/>
-                <a:cs typeface="Segoe UI" panose="020B0502040204020203" pitchFamily="34" charset="0"/>
-              </a:rPr>
-              <a:t> </a:t>
-            </a:r>
-            <a:r>
-              <a:rPr lang="en" dirty="0" smtClean="0">
-                <a:latin typeface="Segoe UI" panose="020B0502040204020203" pitchFamily="34" charset="0"/>
-                <a:cs typeface="Segoe UI" panose="020B0502040204020203" pitchFamily="34" charset="0"/>
-              </a:rPr>
-              <a:t>:</a:t>
-            </a:r>
-          </a:p>
-          <a:p>
-            <a:endParaRPr lang="fr-FR" dirty="0">
-              <a:latin typeface="Segoe UI" panose="020B0502040204020203" pitchFamily="34" charset="0"/>
-              <a:cs typeface="Segoe UI" panose="020B0502040204020203" pitchFamily="34" charset="0"/>
-            </a:endParaRPr>
-          </a:p>
-          <a:p>
-            <a:pPr lvl="1">
-              <a:buFont typeface="Arial" panose="020B0604020202020204" pitchFamily="34" charset="0"/>
-              <a:buChar char="•"/>
-            </a:pPr>
-            <a:r>
-              <a:rPr lang="en" b="1" dirty="0">
-                <a:latin typeface="Segoe UI" panose="020B0502040204020203" pitchFamily="34" charset="0"/>
-                <a:cs typeface="Segoe UI" panose="020B0502040204020203" pitchFamily="34" charset="0"/>
-              </a:rPr>
-              <a:t>"Advanced </a:t>
-            </a:r>
-            <a:r>
-              <a:rPr lang="en" b="1" dirty="0" err="1">
-                <a:latin typeface="Segoe UI" panose="020B0502040204020203" pitchFamily="34" charset="0"/>
-                <a:cs typeface="Segoe UI" panose="020B0502040204020203" pitchFamily="34" charset="0"/>
-              </a:rPr>
-              <a:t>Card </a:t>
-            </a:r>
-            <a:r>
-              <a:rPr lang="en" b="1" dirty="0">
-                <a:latin typeface="Segoe UI" panose="020B0502040204020203" pitchFamily="34" charset="0"/>
-                <a:cs typeface="Segoe UI" panose="020B0502040204020203" pitchFamily="34" charset="0"/>
-              </a:rPr>
-              <a:t>" </a:t>
-            </a:r>
-            <a:r>
-              <a:rPr lang="en" dirty="0">
-                <a:latin typeface="Segoe UI" panose="020B0502040204020203" pitchFamily="34" charset="0"/>
-                <a:cs typeface="Segoe UI" panose="020B0502040204020203" pitchFamily="34" charset="0"/>
-              </a:rPr>
-              <a:t>→ Allows you to display indicators with dynamic colors.</a:t>
-            </a:r>
-          </a:p>
-          <a:p>
-            <a:pPr lvl="1">
-              <a:buFont typeface="Arial" panose="020B0604020202020204" pitchFamily="34" charset="0"/>
-              <a:buChar char="•"/>
-            </a:pPr>
-            <a:r>
-              <a:rPr lang="en" b="1" dirty="0">
-                <a:latin typeface="Segoe UI" panose="020B0502040204020203" pitchFamily="34" charset="0"/>
-                <a:cs typeface="Segoe UI" panose="020B0502040204020203" pitchFamily="34" charset="0"/>
-              </a:rPr>
-              <a:t>"Bullet Chart" </a:t>
-            </a:r>
-            <a:r>
-              <a:rPr lang="en" dirty="0">
-                <a:latin typeface="Segoe UI" panose="020B0502040204020203" pitchFamily="34" charset="0"/>
-                <a:cs typeface="Segoe UI" panose="020B0502040204020203" pitchFamily="34" charset="0"/>
-              </a:rPr>
-              <a:t>→ Compares an actual value to a target.</a:t>
-            </a:r>
-          </a:p>
-          <a:p>
-            <a:pPr lvl="1">
-              <a:buFont typeface="Arial" panose="020B0604020202020204" pitchFamily="34" charset="0"/>
-              <a:buChar char="•"/>
-            </a:pPr>
-            <a:r>
-              <a:rPr lang="en" b="1" dirty="0">
-                <a:latin typeface="Segoe UI" panose="020B0502040204020203" pitchFamily="34" charset="0"/>
-                <a:cs typeface="Segoe UI" panose="020B0502040204020203" pitchFamily="34" charset="0"/>
-              </a:rPr>
-              <a:t>"Smart KPI List" ( </a:t>
-            </a:r>
-            <a:r>
-              <a:rPr lang="en" b="1" dirty="0" err="1">
-                <a:latin typeface="Segoe UI" panose="020B0502040204020203" pitchFamily="34" charset="0"/>
-                <a:cs typeface="Segoe UI" panose="020B0502040204020203" pitchFamily="34" charset="0"/>
-              </a:rPr>
-              <a:t>OKViz </a:t>
-            </a:r>
-            <a:r>
-              <a:rPr lang="en" b="1" dirty="0">
-                <a:latin typeface="Segoe UI" panose="020B0502040204020203" pitchFamily="34" charset="0"/>
-                <a:cs typeface="Segoe UI" panose="020B0502040204020203" pitchFamily="34" charset="0"/>
-              </a:rPr>
-              <a:t>) </a:t>
-            </a:r>
-            <a:r>
-              <a:rPr lang="en" dirty="0">
-                <a:latin typeface="Segoe UI" panose="020B0502040204020203" pitchFamily="34" charset="0"/>
-                <a:cs typeface="Segoe UI" panose="020B0502040204020203" pitchFamily="34" charset="0"/>
-              </a:rPr>
-              <a:t>→ Displays multiple </a:t>
-            </a:r>
-            <a:r>
-              <a:rPr lang="en" dirty="0" err="1">
-                <a:latin typeface="Segoe UI" panose="020B0502040204020203" pitchFamily="34" charset="0"/>
-                <a:cs typeface="Segoe UI" panose="020B0502040204020203" pitchFamily="34" charset="0"/>
-              </a:rPr>
-              <a:t>KPIs </a:t>
-            </a:r>
-            <a:r>
-              <a:rPr lang="en" dirty="0">
-                <a:latin typeface="Segoe UI" panose="020B0502040204020203" pitchFamily="34" charset="0"/>
-                <a:cs typeface="Segoe UI" panose="020B0502040204020203" pitchFamily="34" charset="0"/>
-              </a:rPr>
-              <a:t>with color codes.</a:t>
-            </a:r>
-          </a:p>
-          <a:p>
-            <a:pPr lvl="1">
-              <a:buFont typeface="Arial" panose="020B0604020202020204" pitchFamily="34" charset="0"/>
-              <a:buChar char="•"/>
-            </a:pPr>
-            <a:r>
-              <a:rPr lang="en" b="1" dirty="0">
-                <a:latin typeface="Segoe UI" panose="020B0502040204020203" pitchFamily="34" charset="0"/>
-                <a:cs typeface="Segoe UI" panose="020B0502040204020203" pitchFamily="34" charset="0"/>
-              </a:rPr>
-              <a:t>" </a:t>
-            </a:r>
-            <a:r>
-              <a:rPr lang="en" b="1" dirty="0" err="1">
-                <a:latin typeface="Segoe UI" panose="020B0502040204020203" pitchFamily="34" charset="0"/>
-                <a:cs typeface="Segoe UI" panose="020B0502040204020203" pitchFamily="34" charset="0"/>
-              </a:rPr>
-              <a:t>Card</a:t>
-            </a:r>
-            <a:r>
-              <a:rPr lang="en" b="1" dirty="0">
-                <a:latin typeface="Segoe UI" panose="020B0502040204020203" pitchFamily="34" charset="0"/>
-                <a:cs typeface="Segoe UI" panose="020B0502040204020203" pitchFamily="34" charset="0"/>
-              </a:rPr>
-              <a:t> </a:t>
-            </a:r>
-            <a:r>
-              <a:rPr lang="en" b="1" dirty="0" err="1">
-                <a:latin typeface="Segoe UI" panose="020B0502040204020203" pitchFamily="34" charset="0"/>
-                <a:cs typeface="Segoe UI" panose="020B0502040204020203" pitchFamily="34" charset="0"/>
-              </a:rPr>
-              <a:t>with </a:t>
-            </a:r>
-            <a:r>
-              <a:rPr lang="en" b="1" dirty="0">
-                <a:latin typeface="Segoe UI" panose="020B0502040204020203" pitchFamily="34" charset="0"/>
-                <a:cs typeface="Segoe UI" panose="020B0502040204020203" pitchFamily="34" charset="0"/>
-              </a:rPr>
-              <a:t>States" </a:t>
-            </a:r>
-            <a:r>
-              <a:rPr lang="en" dirty="0">
-                <a:latin typeface="Segoe UI" panose="020B0502040204020203" pitchFamily="34" charset="0"/>
-                <a:cs typeface="Segoe UI" panose="020B0502040204020203" pitchFamily="34" charset="0"/>
-              </a:rPr>
-              <a:t>→ Indicates whether the goal is achieved with colors.</a:t>
-            </a:r>
-          </a:p>
-        </p:txBody>
-      </p:sp>
-    </p:spTree>
-    <p:extLst>
-      <p:ext uri="{BB962C8B-B14F-4D97-AF65-F5344CB8AC3E}">
-        <p14:creationId xmlns:p14="http://schemas.microsoft.com/office/powerpoint/2010/main" val="110582642"/>
-      </p:ext>
-    </p:extLst>
-  </p:cSld>
-  <p:clrMapOvr>
-    <a:masterClrMapping/>
-  </p:clrMapOvr>
-</p:sld>
-</file>
-
-<file path=ppt/slides/slide14.xml><?xml version="1.0" encoding="utf-8"?>
+<file path=ppt/slides/slide12.xml><?xml version="1.0" encoding="utf-8"?>
 <p:sld xmlns:a="http://schemas.openxmlformats.org/drawingml/2006/main" xmlns:r="http://schemas.openxmlformats.org/officeDocument/2006/relationships" xmlns:p="http://schemas.openxmlformats.org/presentationml/2006/main">
   <p:cSld>
     <p:bg>
@@ -4790,7 +4399,7 @@
           <p:nvPr>
             <p:extLst>
               <p:ext uri="{D42A27DB-BD31-4B8C-83A1-F6EECF244321}">
-                <p14:modId xmlns:p14="http://schemas.microsoft.com/office/powerpoint/2010/main" val="3661759786"/>
+                <p14:modId xmlns:p14="http://schemas.microsoft.com/office/powerpoint/2010/main" val="605386924"/>
               </p:ext>
             </p:extLst>
           </p:nvPr>
@@ -4938,7 +4547,7 @@
                         <a:rPr lang="en" sz="1800" b="1" u="none" strike="noStrike" dirty="0" smtClean="0">
                           <a:effectLst/>
                         </a:rPr>
-                        <a:t>€ </a:t>
+                        <a:t>5000</a:t>
                       </a:r>
                       <a:endParaRPr lang="en-US" sz="1800" b="1" i="0" u="none" strike="noStrike" dirty="0">
                         <a:solidFill>
@@ -4958,10 +4567,10 @@
                     <a:p>
                       <a:pPr algn="ctr" fontAlgn="ctr"/>
                       <a:r>
-                        <a:rPr lang="en" sz="1800" b="1" u="none" strike="noStrike" dirty="0">
+                        <a:rPr lang="en" sz="1800" b="1" u="none" strike="noStrike" dirty="0" smtClean="0">
                           <a:effectLst/>
                         </a:rPr>
-                        <a:t>€10,000.00</a:t>
+                        <a:t>10000</a:t>
                       </a:r>
                       <a:endParaRPr lang="en-US" sz="1800" b="1" i="0" u="none" strike="noStrike" dirty="0">
                         <a:solidFill>
@@ -5011,10 +4620,10 @@
                     <a:p>
                       <a:pPr algn="ctr" fontAlgn="ctr"/>
                       <a:r>
-                        <a:rPr lang="en" sz="1800" b="1" u="none" strike="noStrike" dirty="0">
+                        <a:rPr lang="en" sz="1800" b="1" u="none" strike="noStrike" dirty="0" smtClean="0">
                           <a:effectLst/>
                         </a:rPr>
-                        <a:t>€7,000.00</a:t>
+                        <a:t>7000</a:t>
                       </a:r>
                       <a:endParaRPr lang="en-US" sz="1800" b="1" i="0" u="none" strike="noStrike" dirty="0">
                         <a:solidFill>
@@ -5034,10 +4643,10 @@
                     <a:p>
                       <a:pPr algn="ctr" fontAlgn="ctr"/>
                       <a:r>
-                        <a:rPr lang="en" sz="1800" b="1" u="none" strike="noStrike" dirty="0">
+                        <a:rPr lang="en" sz="1800" b="1" u="none" strike="noStrike" dirty="0" smtClean="0">
                           <a:effectLst/>
                         </a:rPr>
-                        <a:t>€10,000.00</a:t>
+                        <a:t>10000</a:t>
                       </a:r>
                       <a:endParaRPr lang="en-US" sz="1800" b="1" i="0" u="none" strike="noStrike" dirty="0">
                         <a:solidFill>
@@ -5087,10 +4696,10 @@
                     <a:p>
                       <a:pPr algn="ctr" fontAlgn="ctr"/>
                       <a:r>
-                        <a:rPr lang="en" sz="1800" b="1" u="none" strike="noStrike" dirty="0">
+                        <a:rPr lang="en" sz="1800" b="1" u="none" strike="noStrike" dirty="0" smtClean="0">
                           <a:effectLst/>
                         </a:rPr>
-                        <a:t>€9,500.00</a:t>
+                        <a:t>9500</a:t>
                       </a:r>
                       <a:endParaRPr lang="en-US" sz="1800" b="1" i="0" u="none" strike="noStrike" dirty="0">
                         <a:solidFill>
@@ -5110,10 +4719,10 @@
                     <a:p>
                       <a:pPr algn="ctr" fontAlgn="ctr"/>
                       <a:r>
-                        <a:rPr lang="en" sz="1800" b="1" u="none" strike="noStrike" dirty="0">
+                        <a:rPr lang="en" sz="1800" b="1" u="none" strike="noStrike" dirty="0" smtClean="0">
                           <a:effectLst/>
                         </a:rPr>
-                        <a:t>€10,000.00</a:t>
+                        <a:t>10000</a:t>
                       </a:r>
                       <a:endParaRPr lang="en-US" sz="1800" b="1" i="0" u="none" strike="noStrike" dirty="0">
                         <a:solidFill>
@@ -5163,10 +4772,10 @@
                     <a:p>
                       <a:pPr algn="ctr" fontAlgn="ctr"/>
                       <a:r>
-                        <a:rPr lang="en" sz="1800" b="1" u="none" strike="noStrike" dirty="0">
+                        <a:rPr lang="en" sz="1800" b="1" u="none" strike="noStrike" dirty="0" smtClean="0">
                           <a:effectLst/>
                         </a:rPr>
-                        <a:t>€11,000.00</a:t>
+                        <a:t>11000</a:t>
                       </a:r>
                       <a:endParaRPr lang="en-US" sz="1800" b="1" i="0" u="none" strike="noStrike" dirty="0">
                         <a:solidFill>
@@ -5186,10 +4795,10 @@
                     <a:p>
                       <a:pPr algn="ctr" fontAlgn="ctr"/>
                       <a:r>
-                        <a:rPr lang="en" sz="1800" b="1" u="none" strike="noStrike" dirty="0">
+                        <a:rPr lang="en" sz="1800" b="1" u="none" strike="noStrike" dirty="0" smtClean="0">
                           <a:effectLst/>
                         </a:rPr>
-                        <a:t>€10,000.00</a:t>
+                        <a:t>10000</a:t>
                       </a:r>
                       <a:endParaRPr lang="en-US" sz="1800" b="1" i="0" u="none" strike="noStrike" dirty="0">
                         <a:solidFill>
@@ -5432,7 +5041,7 @@
         <p:spPr bwMode="auto">
           <a:xfrm>
             <a:off x="323133" y="948650"/>
-            <a:ext cx="9374233" cy="2585323"/>
+            <a:ext cx="7517892" cy="2585323"/>
           </a:xfrm>
           <a:prstGeom prst="rect">
             <a:avLst/>
@@ -5870,7 +5479,21 @@
                 <a:latin typeface="Segoe UI" panose="020B0502040204020203" pitchFamily="34" charset="0"/>
                 <a:cs typeface="Segoe UI" panose="020B0502040204020203" pitchFamily="34" charset="0"/>
               </a:rPr>
-              <a:t>Target Value field </a:t>
+              <a:t>Target </a:t>
+            </a:r>
+            <a:r>
+              <a:rPr kumimoji="0" lang="en" altLang="en-US" b="1" i="0" u="none" strike="noStrike" cap="none" normalizeH="0" baseline="0" dirty="0" smtClean="0">
+                <a:ln>
+                  <a:noFill/>
+                </a:ln>
+                <a:solidFill>
+                  <a:schemeClr val="tx1"/>
+                </a:solidFill>
+                <a:effectLst/>
+                <a:latin typeface="Segoe UI" panose="020B0502040204020203" pitchFamily="34" charset="0"/>
+                <a:cs typeface="Segoe UI" panose="020B0502040204020203" pitchFamily="34" charset="0"/>
+              </a:rPr>
+              <a:t>field </a:t>
             </a:r>
             <a:r>
               <a:rPr kumimoji="0" lang="en" altLang="en-US" b="0" i="0" u="none" strike="noStrike" cap="none" normalizeH="0" baseline="0" dirty="0" smtClean="0">
@@ -5924,7 +5547,21 @@
                 <a:latin typeface="Segoe UI" panose="020B0502040204020203" pitchFamily="34" charset="0"/>
                 <a:cs typeface="Segoe UI" panose="020B0502040204020203" pitchFamily="34" charset="0"/>
               </a:rPr>
-              <a:t>Date into the Axis </a:t>
+              <a:t>Date into the </a:t>
+            </a:r>
+            <a:r>
+              <a:rPr kumimoji="0" lang="en" altLang="en-US" b="1" i="0" u="none" strike="noStrike" cap="none" normalizeH="0" baseline="0" dirty="0" smtClean="0">
+                <a:ln>
+                  <a:noFill/>
+                </a:ln>
+                <a:solidFill>
+                  <a:schemeClr val="tx1"/>
+                </a:solidFill>
+                <a:effectLst/>
+                <a:latin typeface="Segoe UI" panose="020B0502040204020203" pitchFamily="34" charset="0"/>
+                <a:cs typeface="Segoe UI" panose="020B0502040204020203" pitchFamily="34" charset="0"/>
+              </a:rPr>
+              <a:t>Trend Axis </a:t>
             </a:r>
             <a:r>
               <a:rPr kumimoji="0" lang="en" altLang="en-US" b="0" i="0" u="none" strike="noStrike" cap="none" normalizeH="0" baseline="0" dirty="0" smtClean="0">
@@ -6430,7 +6067,7 @@
               <a:tabLst/>
             </a:pPr>
             <a:r>
-              <a:rPr kumimoji="0" lang="en" altLang="en-US" sz="1800" b="1" i="0" u="none" strike="noStrike" cap="none" normalizeH="0" baseline="0" dirty="0" err="1" smtClean="0">
+              <a:rPr kumimoji="0" lang="en" altLang="en-US" sz="1800" b="1" i="0" u="none" strike="noStrike" cap="none" normalizeH="0" baseline="0" dirty="0" smtClean="0">
                 <a:ln>
                   <a:noFill/>
                 </a:ln>
@@ -6455,21 +6092,21 @@
                 <a:latin typeface="Segoe UI" panose="020B0502040204020203" pitchFamily="34" charset="0"/>
                 <a:cs typeface="Segoe UI" panose="020B0502040204020203" pitchFamily="34" charset="0"/>
               </a:rPr>
-              <a:t>→ </a:t>
-            </a:r>
-            <a:r>
-              <a:rPr kumimoji="0" lang="en" altLang="en-US" sz="1800" b="0" i="0" u="none" strike="noStrike" cap="none" normalizeH="0" baseline="0" dirty="0" err="1" smtClean="0">
-                <a:ln>
-                  <a:noFill/>
-                </a:ln>
-                <a:solidFill>
-                  <a:schemeClr val="tx1"/>
-                </a:solidFill>
-                <a:effectLst/>
+              <a:t>→ Green if the objective East reached , Yellow </a:t>
+            </a:r>
+            <a:r>
+              <a:rPr lang="en" altLang="en-US" dirty="0" smtClean="0">
                 <a:latin typeface="Segoe UI" panose="020B0502040204020203" pitchFamily="34" charset="0"/>
                 <a:cs typeface="Segoe UI" panose="020B0502040204020203" pitchFamily="34" charset="0"/>
               </a:rPr>
-              <a:t>Green</a:t>
+              <a:t> </a:t>
+            </a:r>
+            <a:r>
+              <a:rPr lang="en" altLang="en-US" dirty="0" smtClean="0">
+                <a:latin typeface="Segoe UI" panose="020B0502040204020203" pitchFamily="34" charset="0"/>
+                <a:cs typeface="Segoe UI" panose="020B0502040204020203" pitchFamily="34" charset="0"/>
+              </a:rPr>
+              <a:t>if the result is neutral, </a:t>
             </a:r>
             <a:r>
               <a:rPr kumimoji="0" lang="en" altLang="en-US" sz="1800" b="0" i="0" u="none" strike="noStrike" cap="none" normalizeH="0" baseline="0" dirty="0" smtClean="0">
@@ -6483,231 +6120,7 @@
                 <a:latin typeface="Segoe UI" panose="020B0502040204020203" pitchFamily="34" charset="0"/>
                 <a:cs typeface="Segoe UI" panose="020B0502040204020203" pitchFamily="34" charset="0"/>
               </a:rPr>
-              <a:t> </a:t>
-            </a:r>
-            <a:r>
-              <a:rPr kumimoji="0" lang="en" altLang="en-US" sz="1800" b="0" i="0" u="none" strike="noStrike" cap="none" normalizeH="0" baseline="0" dirty="0" err="1" smtClean="0">
-                <a:ln>
-                  <a:noFill/>
-                </a:ln>
-                <a:solidFill>
-                  <a:schemeClr val="tx1"/>
-                </a:solidFill>
-                <a:effectLst/>
-                <a:latin typeface="Segoe UI" panose="020B0502040204020203" pitchFamily="34" charset="0"/>
-                <a:cs typeface="Segoe UI" panose="020B0502040204020203" pitchFamily="34" charset="0"/>
-              </a:rPr>
-              <a:t>if</a:t>
-            </a:r>
-            <a:r>
-              <a:rPr kumimoji="0" lang="en" altLang="en-US" sz="1800" b="0" i="0" u="none" strike="noStrike" cap="none" normalizeH="0" baseline="0" dirty="0" smtClean="0">
-                <a:ln>
-                  <a:noFill/>
-                </a:ln>
-                <a:solidFill>
-                  <a:schemeClr val="tx1"/>
-                </a:solidFill>
-                <a:effectLst/>
-                <a:latin typeface="Segoe UI" panose="020B0502040204020203" pitchFamily="34" charset="0"/>
-                <a:cs typeface="Segoe UI" panose="020B0502040204020203" pitchFamily="34" charset="0"/>
-              </a:rPr>
-              <a:t> </a:t>
-            </a:r>
-            <a:r>
-              <a:rPr kumimoji="0" lang="en" altLang="en-US" sz="1800" b="0" i="0" u="none" strike="noStrike" cap="none" normalizeH="0" baseline="0" dirty="0" err="1" smtClean="0">
-                <a:ln>
-                  <a:noFill/>
-                </a:ln>
-                <a:solidFill>
-                  <a:schemeClr val="tx1"/>
-                </a:solidFill>
-                <a:effectLst/>
-                <a:latin typeface="Segoe UI" panose="020B0502040204020203" pitchFamily="34" charset="0"/>
-                <a:cs typeface="Segoe UI" panose="020B0502040204020203" pitchFamily="34" charset="0"/>
-              </a:rPr>
-              <a:t>the objective</a:t>
-            </a:r>
-            <a:r>
-              <a:rPr kumimoji="0" lang="en" altLang="en-US" sz="1800" b="0" i="0" u="none" strike="noStrike" cap="none" normalizeH="0" baseline="0" dirty="0" smtClean="0">
-                <a:ln>
-                  <a:noFill/>
-                </a:ln>
-                <a:solidFill>
-                  <a:schemeClr val="tx1"/>
-                </a:solidFill>
-                <a:effectLst/>
-                <a:latin typeface="Segoe UI" panose="020B0502040204020203" pitchFamily="34" charset="0"/>
-                <a:cs typeface="Segoe UI" panose="020B0502040204020203" pitchFamily="34" charset="0"/>
-              </a:rPr>
-              <a:t> </a:t>
-            </a:r>
-            <a:r>
-              <a:rPr kumimoji="0" lang="en" altLang="en-US" sz="1800" b="0" i="0" u="none" strike="noStrike" cap="none" normalizeH="0" baseline="0" dirty="0" err="1" smtClean="0">
-                <a:ln>
-                  <a:noFill/>
-                </a:ln>
-                <a:solidFill>
-                  <a:schemeClr val="tx1"/>
-                </a:solidFill>
-                <a:effectLst/>
-                <a:latin typeface="Segoe UI" panose="020B0502040204020203" pitchFamily="34" charset="0"/>
-                <a:cs typeface="Segoe UI" panose="020B0502040204020203" pitchFamily="34" charset="0"/>
-              </a:rPr>
-              <a:t>East</a:t>
-            </a:r>
-            <a:r>
-              <a:rPr kumimoji="0" lang="en" altLang="en-US" sz="1800" b="0" i="0" u="none" strike="noStrike" cap="none" normalizeH="0" baseline="0" dirty="0" smtClean="0">
-                <a:ln>
-                  <a:noFill/>
-                </a:ln>
-                <a:solidFill>
-                  <a:schemeClr val="tx1"/>
-                </a:solidFill>
-                <a:effectLst/>
-                <a:latin typeface="Segoe UI" panose="020B0502040204020203" pitchFamily="34" charset="0"/>
-                <a:cs typeface="Segoe UI" panose="020B0502040204020203" pitchFamily="34" charset="0"/>
-              </a:rPr>
-              <a:t> </a:t>
-            </a:r>
-            <a:r>
-              <a:rPr kumimoji="0" lang="en" altLang="en-US" sz="1800" b="0" i="0" u="none" strike="noStrike" cap="none" normalizeH="0" baseline="0" dirty="0" err="1" smtClean="0">
-                <a:ln>
-                  <a:noFill/>
-                </a:ln>
-                <a:solidFill>
-                  <a:schemeClr val="tx1"/>
-                </a:solidFill>
-                <a:effectLst/>
-                <a:latin typeface="Segoe UI" panose="020B0502040204020203" pitchFamily="34" charset="0"/>
-                <a:cs typeface="Segoe UI" panose="020B0502040204020203" pitchFamily="34" charset="0"/>
-              </a:rPr>
-              <a:t>reached </a:t>
-            </a:r>
-            <a:r>
-              <a:rPr kumimoji="0" lang="en" altLang="en-US" sz="1800" b="0" i="0" u="none" strike="noStrike" cap="none" normalizeH="0" baseline="0" dirty="0" smtClean="0">
-                <a:ln>
-                  <a:noFill/>
-                </a:ln>
-                <a:solidFill>
-                  <a:schemeClr val="tx1"/>
-                </a:solidFill>
-                <a:effectLst/>
-                <a:latin typeface="Segoe UI" panose="020B0502040204020203" pitchFamily="34" charset="0"/>
-                <a:cs typeface="Segoe UI" panose="020B0502040204020203" pitchFamily="34" charset="0"/>
-              </a:rPr>
-              <a:t>, </a:t>
-            </a:r>
-            <a:r>
-              <a:rPr kumimoji="0" lang="en" altLang="en-US" sz="1800" b="0" i="0" u="none" strike="noStrike" cap="none" normalizeH="0" baseline="0" dirty="0" err="1" smtClean="0">
-                <a:ln>
-                  <a:noFill/>
-                </a:ln>
-                <a:solidFill>
-                  <a:schemeClr val="tx1"/>
-                </a:solidFill>
-                <a:effectLst/>
-                <a:latin typeface="Segoe UI" panose="020B0502040204020203" pitchFamily="34" charset="0"/>
-                <a:cs typeface="Segoe UI" panose="020B0502040204020203" pitchFamily="34" charset="0"/>
-              </a:rPr>
-              <a:t>Yellow </a:t>
-            </a:r>
-            <a:r>
-              <a:rPr lang="en" altLang="en-US" dirty="0" err="1" smtClean="0">
-                <a:latin typeface="Segoe UI" panose="020B0502040204020203" pitchFamily="34" charset="0"/>
-                <a:cs typeface="Segoe UI" panose="020B0502040204020203" pitchFamily="34" charset="0"/>
-              </a:rPr>
-              <a:t>e</a:t>
-            </a:r>
-            <a:r>
-              <a:rPr lang="en" altLang="en-US" dirty="0" smtClean="0">
-                <a:latin typeface="Segoe UI" panose="020B0502040204020203" pitchFamily="34" charset="0"/>
-                <a:cs typeface="Segoe UI" panose="020B0502040204020203" pitchFamily="34" charset="0"/>
-              </a:rPr>
-              <a:t> </a:t>
-            </a:r>
-            <a:r>
-              <a:rPr lang="en" altLang="en-US" dirty="0" err="1" smtClean="0">
-                <a:latin typeface="Segoe UI" panose="020B0502040204020203" pitchFamily="34" charset="0"/>
-                <a:cs typeface="Segoe UI" panose="020B0502040204020203" pitchFamily="34" charset="0"/>
-              </a:rPr>
-              <a:t>if </a:t>
-            </a:r>
-            <a:r>
-              <a:rPr lang="en" altLang="en-US" dirty="0" smtClean="0">
-                <a:latin typeface="Segoe UI" panose="020B0502040204020203" pitchFamily="34" charset="0"/>
-                <a:cs typeface="Segoe UI" panose="020B0502040204020203" pitchFamily="34" charset="0"/>
-              </a:rPr>
-              <a:t>the </a:t>
-            </a:r>
-            <a:r>
-              <a:rPr lang="en" altLang="en-US" dirty="0" err="1" smtClean="0">
-                <a:latin typeface="Segoe UI" panose="020B0502040204020203" pitchFamily="34" charset="0"/>
-                <a:cs typeface="Segoe UI" panose="020B0502040204020203" pitchFamily="34" charset="0"/>
-              </a:rPr>
-              <a:t>result</a:t>
-            </a:r>
-            <a:r>
-              <a:rPr lang="en" altLang="en-US" dirty="0" smtClean="0">
-                <a:latin typeface="Segoe UI" panose="020B0502040204020203" pitchFamily="34" charset="0"/>
-                <a:cs typeface="Segoe UI" panose="020B0502040204020203" pitchFamily="34" charset="0"/>
-              </a:rPr>
-              <a:t> </a:t>
-            </a:r>
-            <a:r>
-              <a:rPr lang="en" altLang="en-US" dirty="0" err="1" smtClean="0">
-                <a:latin typeface="Segoe UI" panose="020B0502040204020203" pitchFamily="34" charset="0"/>
-                <a:cs typeface="Segoe UI" panose="020B0502040204020203" pitchFamily="34" charset="0"/>
-              </a:rPr>
-              <a:t>is </a:t>
-            </a:r>
-            <a:r>
-              <a:rPr lang="en" altLang="en-US" dirty="0" smtClean="0">
-                <a:latin typeface="Segoe UI" panose="020B0502040204020203" pitchFamily="34" charset="0"/>
-                <a:cs typeface="Segoe UI" panose="020B0502040204020203" pitchFamily="34" charset="0"/>
-              </a:rPr>
-              <a:t>neutral, </a:t>
-            </a:r>
-            <a:r>
-              <a:rPr kumimoji="0" lang="en" altLang="en-US" sz="1800" b="0" i="0" u="none" strike="noStrike" cap="none" normalizeH="0" baseline="0" dirty="0" smtClean="0">
-                <a:ln>
-                  <a:noFill/>
-                </a:ln>
-                <a:solidFill>
-                  <a:schemeClr val="tx1"/>
-                </a:solidFill>
-                <a:effectLst/>
-                <a:latin typeface="Segoe UI" panose="020B0502040204020203" pitchFamily="34" charset="0"/>
-                <a:cs typeface="Segoe UI" panose="020B0502040204020203" pitchFamily="34" charset="0"/>
-              </a:rPr>
-              <a:t>red </a:t>
-            </a:r>
-            <a:r>
-              <a:rPr kumimoji="0" lang="en" altLang="en-US" sz="1800" b="0" i="0" u="none" strike="noStrike" cap="none" normalizeH="0" baseline="0" dirty="0" err="1" smtClean="0">
-                <a:ln>
-                  <a:noFill/>
-                </a:ln>
-                <a:solidFill>
-                  <a:schemeClr val="tx1"/>
-                </a:solidFill>
-                <a:effectLst/>
-                <a:latin typeface="Segoe UI" panose="020B0502040204020203" pitchFamily="34" charset="0"/>
-                <a:cs typeface="Segoe UI" panose="020B0502040204020203" pitchFamily="34" charset="0"/>
-              </a:rPr>
-              <a:t>otherwise </a:t>
-            </a:r>
-            <a:r>
-              <a:rPr kumimoji="0" lang="en" altLang="en-US" sz="1800" b="0" i="0" u="none" strike="noStrike" cap="none" normalizeH="0" baseline="0" dirty="0" smtClean="0">
-                <a:ln>
-                  <a:noFill/>
-                </a:ln>
-                <a:solidFill>
-                  <a:schemeClr val="tx1"/>
-                </a:solidFill>
-                <a:effectLst/>
-                <a:latin typeface="Segoe UI" panose="020B0502040204020203" pitchFamily="34" charset="0"/>
-                <a:cs typeface="Segoe UI" panose="020B0502040204020203" pitchFamily="34" charset="0"/>
-              </a:rPr>
-              <a:t>.</a:t>
+              <a:t>red otherwise .</a:t>
             </a:r>
           </a:p>
         </p:txBody>
@@ -6744,6 +6157,30 @@
       </p:grpSpPr>
       <p:pic>
         <p:nvPicPr>
+          <p:cNvPr id="8" name="Picture 7"/>
+          <p:cNvPicPr>
+            <a:picLocks noChangeAspect="1"/>
+          </p:cNvPicPr>
+          <p:nvPr/>
+        </p:nvPicPr>
+        <p:blipFill>
+          <a:blip r:embed="rId2"/>
+          <a:stretch>
+            <a:fillRect/>
+          </a:stretch>
+        </p:blipFill>
+        <p:spPr>
+          <a:xfrm>
+            <a:off x="6130564" y="1257258"/>
+            <a:ext cx="5163271" cy="2353003"/>
+          </a:xfrm>
+          <a:prstGeom prst="rect">
+            <a:avLst/>
+          </a:prstGeom>
+        </p:spPr>
+      </p:pic>
+      <p:pic>
+        <p:nvPicPr>
           <p:cNvPr id="3" name="Picture 2"/>
           <p:cNvPicPr>
             <a:picLocks noChangeAspect="1"/>
@@ -6751,7 +6188,7 @@
           <p:nvPr/>
         </p:nvPicPr>
         <p:blipFill>
-          <a:blip r:embed="rId2"/>
+          <a:blip r:embed="rId3"/>
           <a:stretch>
             <a:fillRect/>
           </a:stretch>
@@ -6934,30 +6371,6 @@
           </a:p>
         </p:txBody>
       </p:sp>
-      <p:pic>
-        <p:nvPicPr>
-          <p:cNvPr id="4" name="Picture 3"/>
-          <p:cNvPicPr>
-            <a:picLocks noChangeAspect="1"/>
-          </p:cNvPicPr>
-          <p:nvPr/>
-        </p:nvPicPr>
-        <p:blipFill>
-          <a:blip r:embed="rId3"/>
-          <a:stretch>
-            <a:fillRect/>
-          </a:stretch>
-        </p:blipFill>
-        <p:spPr>
-          <a:xfrm>
-            <a:off x="6094672" y="1257258"/>
-            <a:ext cx="5172797" cy="2391109"/>
-          </a:xfrm>
-          <a:prstGeom prst="rect">
-            <a:avLst/>
-          </a:prstGeom>
-        </p:spPr>
-      </p:pic>
       <p:sp>
         <p:nvSpPr>
           <p:cNvPr id="10" name="Rectangle 9"/>
@@ -7576,6 +6989,30 @@
           </a:p>
         </p:txBody>
       </p:sp>
+      <p:pic>
+        <p:nvPicPr>
+          <p:cNvPr id="12" name="Picture 11"/>
+          <p:cNvPicPr>
+            <a:picLocks noChangeAspect="1"/>
+          </p:cNvPicPr>
+          <p:nvPr/>
+        </p:nvPicPr>
+        <p:blipFill>
+          <a:blip r:embed="rId4"/>
+          <a:stretch>
+            <a:fillRect/>
+          </a:stretch>
+        </p:blipFill>
+        <p:spPr>
+          <a:xfrm>
+            <a:off x="581745" y="1321099"/>
+            <a:ext cx="3043969" cy="1701501"/>
+          </a:xfrm>
+          <a:prstGeom prst="rect">
+            <a:avLst/>
+          </a:prstGeom>
+        </p:spPr>
+      </p:pic>
     </p:spTree>
     <p:extLst>
       <p:ext uri="{BB962C8B-B14F-4D97-AF65-F5344CB8AC3E}">
@@ -7606,30 +7043,6 @@
           <a:chExt cx="0" cy="0"/>
         </a:xfrm>
       </p:grpSpPr>
-      <p:pic>
-        <p:nvPicPr>
-          <p:cNvPr id="3" name="Picture 2"/>
-          <p:cNvPicPr>
-            <a:picLocks noChangeAspect="1"/>
-          </p:cNvPicPr>
-          <p:nvPr/>
-        </p:nvPicPr>
-        <p:blipFill>
-          <a:blip r:embed="rId2"/>
-          <a:stretch>
-            <a:fillRect/>
-          </a:stretch>
-        </p:blipFill>
-        <p:spPr>
-          <a:xfrm>
-            <a:off x="429345" y="1257258"/>
-            <a:ext cx="5353797" cy="3010320"/>
-          </a:xfrm>
-          <a:prstGeom prst="rect">
-            <a:avLst/>
-          </a:prstGeom>
-        </p:spPr>
-      </p:pic>
       <p:sp>
         <p:nvSpPr>
           <p:cNvPr id="2" name="TextBox 1"/>
@@ -7675,750 +7088,6 @@
         <p:spPr>
           <a:xfrm>
             <a:off x="429345" y="771048"/>
-            <a:ext cx="9963690" cy="369332"/>
-          </a:xfrm>
-          <a:prstGeom prst="rect">
-            <a:avLst/>
-          </a:prstGeom>
-          <a:noFill/>
-        </p:spPr>
-        <p:txBody>
-          <a:bodyPr wrap="none" rtlCol="0">
-            <a:spAutoFit/>
-          </a:bodyPr>
-          <a:lstStyle/>
-          <a:p>
-            <a:r>
-              <a:rPr lang="en" dirty="0" smtClean="0">
-                <a:latin typeface="Segoe UI" panose="020B0502040204020203" pitchFamily="34" charset="0"/>
-                <a:cs typeface="Segoe UI" panose="020B0502040204020203" pitchFamily="34" charset="0"/>
-              </a:rPr>
-              <a:t>Now we need to add the target. To do this, we need to create a metric that represents our goal.</a:t>
-            </a:r>
-            <a:endParaRPr lang="en-US" b="1" dirty="0">
-              <a:latin typeface="Segoe UI" panose="020B0502040204020203" pitchFamily="34" charset="0"/>
-              <a:cs typeface="Segoe UI" panose="020B0502040204020203" pitchFamily="34" charset="0"/>
-            </a:endParaRPr>
-          </a:p>
-        </p:txBody>
-      </p:sp>
-      <p:sp>
-        <p:nvSpPr>
-          <p:cNvPr id="9" name="Rectangle 8"/>
-          <p:cNvSpPr/>
-          <p:nvPr/>
-        </p:nvSpPr>
-        <p:spPr>
-          <a:xfrm>
-            <a:off x="4121813" y="2847517"/>
-            <a:ext cx="1661329" cy="295633"/>
-          </a:xfrm>
-          <a:prstGeom prst="rect">
-            <a:avLst/>
-          </a:prstGeom>
-          <a:solidFill>
-            <a:srgbClr val="FF0000">
-              <a:alpha val="25000"/>
-            </a:srgbClr>
-          </a:solidFill>
-          <a:ln>
-            <a:noFill/>
-          </a:ln>
-        </p:spPr>
-        <p:style>
-          <a:lnRef idx="2">
-            <a:schemeClr val="accent1">
-              <a:shade val="50000"/>
-            </a:schemeClr>
-          </a:lnRef>
-          <a:fillRef idx="1">
-            <a:schemeClr val="accent1"/>
-          </a:fillRef>
-          <a:effectRef idx="0">
-            <a:schemeClr val="accent1"/>
-          </a:effectRef>
-          <a:fontRef idx="minor">
-            <a:schemeClr val="lt1"/>
-          </a:fontRef>
-        </p:style>
-        <p:txBody>
-          <a:bodyPr rtlCol="0" anchor="ctr"/>
-          <a:lstStyle/>
-          <a:p>
-            <a:pPr algn="ctr"/>
-            <a:endParaRPr lang="en-US"/>
-          </a:p>
-        </p:txBody>
-      </p:sp>
-      <p:sp>
-        <p:nvSpPr>
-          <p:cNvPr id="7" name="Rectangle 6"/>
-          <p:cNvSpPr/>
-          <p:nvPr/>
-        </p:nvSpPr>
-        <p:spPr>
-          <a:xfrm>
-            <a:off x="4121812" y="1683027"/>
-            <a:ext cx="1661329" cy="295633"/>
-          </a:xfrm>
-          <a:prstGeom prst="rect">
-            <a:avLst/>
-          </a:prstGeom>
-          <a:solidFill>
-            <a:srgbClr val="FF0000">
-              <a:alpha val="25000"/>
-            </a:srgbClr>
-          </a:solidFill>
-          <a:ln>
-            <a:noFill/>
-          </a:ln>
-        </p:spPr>
-        <p:style>
-          <a:lnRef idx="2">
-            <a:schemeClr val="accent1">
-              <a:shade val="50000"/>
-            </a:schemeClr>
-          </a:lnRef>
-          <a:fillRef idx="1">
-            <a:schemeClr val="accent1"/>
-          </a:fillRef>
-          <a:effectRef idx="0">
-            <a:schemeClr val="accent1"/>
-          </a:effectRef>
-          <a:fontRef idx="minor">
-            <a:schemeClr val="lt1"/>
-          </a:fontRef>
-        </p:style>
-        <p:txBody>
-          <a:bodyPr rtlCol="0" anchor="ctr"/>
-          <a:lstStyle/>
-          <a:p>
-            <a:pPr algn="ctr"/>
-            <a:endParaRPr lang="en-US"/>
-          </a:p>
-        </p:txBody>
-      </p:sp>
-      <p:pic>
-        <p:nvPicPr>
-          <p:cNvPr id="4" name="Picture 3"/>
-          <p:cNvPicPr>
-            <a:picLocks noChangeAspect="1"/>
-          </p:cNvPicPr>
-          <p:nvPr/>
-        </p:nvPicPr>
-        <p:blipFill>
-          <a:blip r:embed="rId3"/>
-          <a:stretch>
-            <a:fillRect/>
-          </a:stretch>
-        </p:blipFill>
-        <p:spPr>
-          <a:xfrm>
-            <a:off x="6094672" y="1257258"/>
-            <a:ext cx="5172797" cy="2391109"/>
-          </a:xfrm>
-          <a:prstGeom prst="rect">
-            <a:avLst/>
-          </a:prstGeom>
-        </p:spPr>
-      </p:pic>
-      <p:sp>
-        <p:nvSpPr>
-          <p:cNvPr id="6" name="Rectangle 1"/>
-          <p:cNvSpPr>
-            <a:spLocks noChangeArrowheads="1"/>
-          </p:cNvSpPr>
-          <p:nvPr/>
-        </p:nvSpPr>
-        <p:spPr bwMode="auto">
-          <a:xfrm>
-            <a:off x="323133" y="4934507"/>
-            <a:ext cx="9304022" cy="923330"/>
-          </a:xfrm>
-          <a:prstGeom prst="rect">
-            <a:avLst/>
-          </a:prstGeom>
-          <a:noFill/>
-          <a:ln>
-            <a:noFill/>
-          </a:ln>
-          <a:effectLst/>
-          <a:extLst>
-            <a:ext uri="{909E8E84-426E-40DD-AFC4-6F175D3DCCD1}">
-              <a14:hiddenFill xmlns:a14="http://schemas.microsoft.com/office/drawing/2010/main">
-                <a:solidFill>
-                  <a:schemeClr val="accent1"/>
-                </a:solidFill>
-              </a14:hiddenFill>
-            </a:ext>
-            <a:ext uri="{91240B29-F687-4F45-9708-019B960494DF}">
-              <a14:hiddenLine xmlns:a14="http://schemas.microsoft.com/office/drawing/2010/main" w="9525">
-                <a:solidFill>
-                  <a:schemeClr val="tx1"/>
-                </a:solidFill>
-                <a:miter lim="800000"/>
-                <a:headEnd/>
-                <a:tailEnd/>
-              </a14:hiddenLine>
-            </a:ext>
-            <a:ext uri="{AF507438-7753-43E0-B8FC-AC1667EBCBE1}">
-              <a14:hiddenEffects xmlns:a14="http://schemas.microsoft.com/office/drawing/2010/main">
-                <a:effectLst>
-                  <a:outerShdw dist="35921" dir="2700000" algn="ctr" rotWithShape="0">
-                    <a:schemeClr val="bg2"/>
-                  </a:outerShdw>
-                </a:effectLst>
-              </a14:hiddenEffects>
-            </a:ext>
-          </a:extLst>
-        </p:spPr>
-        <p:txBody>
-          <a:bodyPr vert="horz" wrap="none" lIns="91440" tIns="45720" rIns="91440" bIns="45720" numCol="1" anchor="ctr" anchorCtr="0" compatLnSpc="1">
-            <a:prstTxWarp prst="textNoShape">
-              <a:avLst/>
-            </a:prstTxWarp>
-            <a:spAutoFit/>
-          </a:bodyPr>
-          <a:lstStyle/>
-          <a:p>
-            <a:pPr marL="0" marR="0" lvl="0" indent="0" algn="l" defTabSz="914400" rtl="0" eaLnBrk="0" fontAlgn="base" latinLnBrk="0" hangingPunct="0">
-              <a:lnSpc>
-                <a:spcPct val="100000"/>
-              </a:lnSpc>
-              <a:spcBef>
-                <a:spcPct val="0"/>
-              </a:spcBef>
-              <a:spcAft>
-                <a:spcPct val="0"/>
-              </a:spcAft>
-              <a:buClrTx/>
-              <a:buSzTx/>
-              <a:tabLst/>
-            </a:pPr>
-            <a:r>
-              <a:rPr kumimoji="0" lang="en" altLang="en-US" i="0" u="none" strike="noStrike" cap="none" normalizeH="0" baseline="0" dirty="0" err="1" smtClean="0">
-                <a:ln>
-                  <a:noFill/>
-                </a:ln>
-                <a:solidFill>
-                  <a:schemeClr val="tx1"/>
-                </a:solidFill>
-                <a:effectLst/>
-                <a:latin typeface="Arial" panose="020B0604020202020204" pitchFamily="34" charset="0"/>
-              </a:rPr>
-              <a:t>Total </a:t>
-            </a:r>
-            <a:r>
-              <a:rPr kumimoji="0" lang="en" altLang="en-US" i="0" u="none" strike="noStrike" cap="none" normalizeH="0" baseline="0" dirty="0" smtClean="0">
-                <a:ln>
-                  <a:noFill/>
-                </a:ln>
-                <a:solidFill>
-                  <a:schemeClr val="tx1"/>
-                </a:solidFill>
-                <a:effectLst/>
-                <a:latin typeface="Arial" panose="020B0604020202020204" pitchFamily="34" charset="0"/>
-              </a:rPr>
-              <a:t>Sum of the </a:t>
-            </a:r>
-            <a:r>
-              <a:rPr kumimoji="0" lang="en" altLang="en-US" i="0" u="none" strike="noStrike" cap="none" normalizeH="0" baseline="0" dirty="0" err="1" smtClean="0">
-                <a:ln>
-                  <a:noFill/>
-                </a:ln>
-                <a:solidFill>
-                  <a:schemeClr val="tx1"/>
-                </a:solidFill>
-                <a:effectLst/>
-                <a:latin typeface="Arial" panose="020B0604020202020204" pitchFamily="34" charset="0"/>
-              </a:rPr>
-              <a:t>Figure</a:t>
-            </a:r>
-            <a:r>
-              <a:rPr kumimoji="0" lang="en" altLang="en-US" i="0" u="none" strike="noStrike" cap="none" normalizeH="0" baseline="0" dirty="0" smtClean="0">
-                <a:ln>
-                  <a:noFill/>
-                </a:ln>
-                <a:solidFill>
-                  <a:schemeClr val="tx1"/>
-                </a:solidFill>
-                <a:effectLst/>
-                <a:latin typeface="Arial" panose="020B0604020202020204" pitchFamily="34" charset="0"/>
-              </a:rPr>
-              <a:t> </a:t>
-            </a:r>
-            <a:r>
-              <a:rPr kumimoji="0" lang="en" altLang="en-US" i="0" u="none" strike="noStrike" cap="none" normalizeH="0" baseline="0" dirty="0" err="1" smtClean="0">
-                <a:ln>
-                  <a:noFill/>
-                </a:ln>
-                <a:solidFill>
-                  <a:schemeClr val="tx1"/>
-                </a:solidFill>
-                <a:effectLst/>
-                <a:latin typeface="Arial" panose="020B0604020202020204" pitchFamily="34" charset="0"/>
-              </a:rPr>
-              <a:t>Business </a:t>
-            </a:r>
-            <a:r>
-              <a:rPr kumimoji="0" lang="en" altLang="en-US" i="0" u="none" strike="noStrike" cap="none" normalizeH="0" baseline="0" dirty="0" smtClean="0">
-                <a:ln>
-                  <a:noFill/>
-                </a:ln>
-                <a:solidFill>
-                  <a:schemeClr val="tx1"/>
-                </a:solidFill>
-                <a:effectLst/>
-                <a:latin typeface="Arial" panose="020B0604020202020204" pitchFamily="34" charset="0"/>
-              </a:rPr>
-              <a:t>= </a:t>
-            </a:r>
-            <a:r>
-              <a:rPr kumimoji="0" lang="en" altLang="en-US" i="0" u="none" strike="noStrike" cap="none" normalizeH="0" baseline="0" dirty="0" smtClean="0">
-                <a:ln>
-                  <a:noFill/>
-                </a:ln>
-                <a:solidFill>
-                  <a:schemeClr val="tx1"/>
-                </a:solidFill>
-                <a:effectLst/>
-                <a:latin typeface="Arial Unicode MS"/>
-              </a:rPr>
-              <a:t>€32,500</a:t>
-            </a:r>
-            <a:endParaRPr kumimoji="0" lang="en-US" altLang="en-US" i="0" u="none" strike="noStrike" cap="none" normalizeH="0" baseline="0" dirty="0" smtClean="0">
-              <a:ln>
-                <a:noFill/>
-              </a:ln>
-              <a:solidFill>
-                <a:schemeClr val="tx1"/>
-              </a:solidFill>
-              <a:effectLst/>
-            </a:endParaRPr>
-          </a:p>
-          <a:p>
-            <a:pPr marL="0" marR="0" lvl="0" indent="0" algn="l" defTabSz="914400" rtl="0" eaLnBrk="0" fontAlgn="base" latinLnBrk="0" hangingPunct="0">
-              <a:lnSpc>
-                <a:spcPct val="100000"/>
-              </a:lnSpc>
-              <a:spcBef>
-                <a:spcPct val="0"/>
-              </a:spcBef>
-              <a:spcAft>
-                <a:spcPct val="0"/>
-              </a:spcAft>
-              <a:buClrTx/>
-              <a:buSzTx/>
-              <a:tabLst/>
-            </a:pPr>
-            <a:r>
-              <a:rPr kumimoji="0" lang="en" altLang="en-US" i="0" u="none" strike="noStrike" cap="none" normalizeH="0" baseline="0" dirty="0" err="1" smtClean="0">
-                <a:ln>
-                  <a:noFill/>
-                </a:ln>
-                <a:solidFill>
-                  <a:schemeClr val="tx1"/>
-                </a:solidFill>
-                <a:effectLst/>
-                <a:latin typeface="Arial" panose="020B0604020202020204" pitchFamily="34" charset="0"/>
-              </a:rPr>
-              <a:t>Total </a:t>
-            </a:r>
-            <a:r>
-              <a:rPr kumimoji="0" lang="en" altLang="en-US" i="0" u="none" strike="noStrike" cap="none" normalizeH="0" baseline="0" dirty="0" smtClean="0">
-                <a:ln>
-                  <a:noFill/>
-                </a:ln>
-                <a:solidFill>
-                  <a:schemeClr val="tx1"/>
-                </a:solidFill>
-                <a:effectLst/>
-                <a:latin typeface="Arial" panose="020B0604020202020204" pitchFamily="34" charset="0"/>
-              </a:rPr>
-              <a:t>amount of </a:t>
-            </a:r>
-            <a:r>
-              <a:rPr kumimoji="0" lang="en" altLang="en-US" i="0" u="none" strike="noStrike" cap="none" normalizeH="0" baseline="0" dirty="0" err="1" smtClean="0">
-                <a:ln>
-                  <a:noFill/>
-                </a:ln>
-                <a:solidFill>
-                  <a:schemeClr val="tx1"/>
-                </a:solidFill>
-                <a:effectLst/>
-                <a:latin typeface="Arial" panose="020B0604020202020204" pitchFamily="34" charset="0"/>
-              </a:rPr>
-              <a:t>the Objective </a:t>
-            </a:r>
-            <a:r>
-              <a:rPr kumimoji="0" lang="en" altLang="en-US" i="0" u="none" strike="noStrike" cap="none" normalizeH="0" baseline="0" dirty="0" smtClean="0">
-                <a:ln>
-                  <a:noFill/>
-                </a:ln>
-                <a:solidFill>
-                  <a:schemeClr val="tx1"/>
-                </a:solidFill>
-                <a:effectLst/>
-                <a:latin typeface="Arial" panose="020B0604020202020204" pitchFamily="34" charset="0"/>
-              </a:rPr>
-              <a:t>= </a:t>
-            </a:r>
-            <a:r>
-              <a:rPr kumimoji="0" lang="en" altLang="en-US" i="0" u="none" strike="noStrike" cap="none" normalizeH="0" baseline="0" dirty="0" smtClean="0">
-                <a:ln>
-                  <a:noFill/>
-                </a:ln>
-                <a:solidFill>
-                  <a:schemeClr val="tx1"/>
-                </a:solidFill>
-                <a:effectLst/>
-                <a:latin typeface="Arial Unicode MS"/>
-              </a:rPr>
-              <a:t>€40,000</a:t>
-            </a:r>
-            <a:endParaRPr kumimoji="0" lang="en-US" altLang="en-US" i="0" u="none" strike="noStrike" cap="none" normalizeH="0" baseline="0" dirty="0" smtClean="0">
-              <a:ln>
-                <a:noFill/>
-              </a:ln>
-              <a:solidFill>
-                <a:schemeClr val="tx1"/>
-              </a:solidFill>
-              <a:effectLst/>
-            </a:endParaRPr>
-          </a:p>
-          <a:p>
-            <a:pPr marL="0" marR="0" lvl="0" indent="0" algn="l" defTabSz="914400" rtl="0" eaLnBrk="0" fontAlgn="base" latinLnBrk="0" hangingPunct="0">
-              <a:lnSpc>
-                <a:spcPct val="100000"/>
-              </a:lnSpc>
-              <a:spcBef>
-                <a:spcPct val="0"/>
-              </a:spcBef>
-              <a:spcAft>
-                <a:spcPct val="0"/>
-              </a:spcAft>
-              <a:buClrTx/>
-              <a:buSzTx/>
-              <a:tabLst/>
-            </a:pPr>
-            <a:r>
-              <a:rPr kumimoji="0" lang="en" altLang="en-US" i="0" u="none" strike="noStrike" cap="none" normalizeH="0" baseline="0" dirty="0" err="1" smtClean="0">
-                <a:ln>
-                  <a:noFill/>
-                </a:ln>
-                <a:solidFill>
-                  <a:schemeClr val="tx1"/>
-                </a:solidFill>
-                <a:effectLst/>
-                <a:latin typeface="Arial" panose="020B0604020202020204" pitchFamily="34" charset="0"/>
-              </a:rPr>
-              <a:t>But </a:t>
-            </a:r>
-            <a:r>
-              <a:rPr kumimoji="0" lang="en" altLang="en-US" i="0" u="none" strike="noStrike" cap="none" normalizeH="0" baseline="0" dirty="0" smtClean="0">
-                <a:ln>
-                  <a:noFill/>
-                </a:ln>
-                <a:solidFill>
-                  <a:schemeClr val="tx1"/>
-                </a:solidFill>
-                <a:effectLst/>
-                <a:latin typeface="Arial" panose="020B0604020202020204" pitchFamily="34" charset="0"/>
-              </a:rPr>
-              <a:t>Power BI </a:t>
-            </a:r>
-            <a:r>
-              <a:rPr kumimoji="0" lang="en" altLang="en-US" i="0" u="none" strike="noStrike" cap="none" normalizeH="0" baseline="0" dirty="0" err="1" smtClean="0">
-                <a:ln>
-                  <a:noFill/>
-                </a:ln>
-                <a:solidFill>
-                  <a:schemeClr val="tx1"/>
-                </a:solidFill>
-                <a:effectLst/>
-                <a:latin typeface="Arial" panose="020B0604020202020204" pitchFamily="34" charset="0"/>
-              </a:rPr>
-              <a:t>takes</a:t>
-            </a:r>
-            <a:r>
-              <a:rPr kumimoji="0" lang="en" altLang="en-US" i="0" u="none" strike="noStrike" cap="none" normalizeH="0" baseline="0" dirty="0" smtClean="0">
-                <a:ln>
-                  <a:noFill/>
-                </a:ln>
-                <a:solidFill>
-                  <a:schemeClr val="tx1"/>
-                </a:solidFill>
-                <a:effectLst/>
-                <a:latin typeface="Arial" panose="020B0604020202020204" pitchFamily="34" charset="0"/>
-              </a:rPr>
-              <a:t> </a:t>
-            </a:r>
-            <a:r>
-              <a:rPr kumimoji="0" lang="en" altLang="en-US" i="0" u="none" strike="noStrike" cap="none" normalizeH="0" baseline="0" dirty="0" err="1" smtClean="0">
-                <a:ln>
-                  <a:noFill/>
-                </a:ln>
-                <a:solidFill>
-                  <a:schemeClr val="tx1"/>
-                </a:solidFill>
-                <a:effectLst/>
-                <a:latin typeface="Arial" panose="020B0604020202020204" pitchFamily="34" charset="0"/>
-              </a:rPr>
-              <a:t>uniquely</a:t>
-            </a:r>
-            <a:r>
-              <a:rPr kumimoji="0" lang="en" altLang="en-US" i="0" u="none" strike="noStrike" cap="none" normalizeH="0" baseline="0" dirty="0" smtClean="0">
-                <a:ln>
-                  <a:noFill/>
-                </a:ln>
-                <a:solidFill>
-                  <a:schemeClr val="tx1"/>
-                </a:solidFill>
-                <a:effectLst/>
-                <a:latin typeface="Arial" panose="020B0604020202020204" pitchFamily="34" charset="0"/>
-              </a:rPr>
-              <a:t> </a:t>
-            </a:r>
-            <a:r>
-              <a:rPr kumimoji="0" lang="en" altLang="en-US" i="0" u="none" strike="noStrike" cap="none" normalizeH="0" baseline="0" dirty="0" err="1" smtClean="0">
-                <a:ln>
-                  <a:noFill/>
-                </a:ln>
-                <a:solidFill>
-                  <a:schemeClr val="tx1"/>
-                </a:solidFill>
-                <a:effectLst/>
-                <a:latin typeface="Arial" panose="020B0604020202020204" pitchFamily="34" charset="0"/>
-              </a:rPr>
-              <a:t>in </a:t>
-            </a:r>
-            <a:r>
-              <a:rPr kumimoji="0" lang="en" altLang="en-US" i="0" u="none" strike="noStrike" cap="none" normalizeH="0" baseline="0" dirty="0" smtClean="0">
-                <a:ln>
-                  <a:noFill/>
-                </a:ln>
-                <a:solidFill>
-                  <a:schemeClr val="tx1"/>
-                </a:solidFill>
-                <a:effectLst/>
-                <a:latin typeface="Arial" panose="020B0604020202020204" pitchFamily="34" charset="0"/>
-              </a:rPr>
-              <a:t>charge of the </a:t>
-            </a:r>
-            <a:r>
-              <a:rPr kumimoji="0" lang="en" altLang="en-US" i="0" u="none" strike="noStrike" cap="none" normalizeH="0" baseline="0" dirty="0" err="1" smtClean="0">
-                <a:ln>
-                  <a:noFill/>
-                </a:ln>
-                <a:solidFill>
-                  <a:schemeClr val="tx1"/>
-                </a:solidFill>
-                <a:effectLst/>
-                <a:latin typeface="Arial" panose="020B0604020202020204" pitchFamily="34" charset="0"/>
-              </a:rPr>
-              <a:t>last one</a:t>
-            </a:r>
-            <a:r>
-              <a:rPr kumimoji="0" lang="en" altLang="en-US" i="0" u="none" strike="noStrike" cap="none" normalizeH="0" baseline="0" dirty="0" smtClean="0">
-                <a:ln>
-                  <a:noFill/>
-                </a:ln>
-                <a:solidFill>
-                  <a:schemeClr val="tx1"/>
-                </a:solidFill>
-                <a:effectLst/>
-                <a:latin typeface="Arial" panose="020B0604020202020204" pitchFamily="34" charset="0"/>
-              </a:rPr>
-              <a:t> </a:t>
-            </a:r>
-            <a:r>
-              <a:rPr kumimoji="0" lang="en" altLang="en-US" i="0" u="none" strike="noStrike" cap="none" normalizeH="0" baseline="0" dirty="0" err="1" smtClean="0">
-                <a:ln>
-                  <a:noFill/>
-                </a:ln>
-                <a:solidFill>
-                  <a:schemeClr val="tx1"/>
-                </a:solidFill>
-                <a:effectLst/>
-                <a:latin typeface="Arial" panose="020B0604020202020204" pitchFamily="34" charset="0"/>
-              </a:rPr>
-              <a:t>value </a:t>
-            </a:r>
-            <a:r>
-              <a:rPr kumimoji="0" lang="en" altLang="en-US" i="0" u="none" strike="noStrike" cap="none" normalizeH="0" baseline="0" dirty="0" smtClean="0">
-                <a:ln>
-                  <a:noFill/>
-                </a:ln>
-                <a:solidFill>
-                  <a:schemeClr val="tx1"/>
-                </a:solidFill>
-                <a:effectLst/>
-                <a:latin typeface="Arial" panose="020B0604020202020204" pitchFamily="34" charset="0"/>
-              </a:rPr>
-              <a:t>( </a:t>
-            </a:r>
-            <a:r>
-              <a:rPr kumimoji="0" lang="en" altLang="en-US" i="0" u="none" strike="noStrike" cap="none" normalizeH="0" baseline="0" dirty="0" smtClean="0">
-                <a:ln>
-                  <a:noFill/>
-                </a:ln>
-                <a:solidFill>
-                  <a:schemeClr val="tx1"/>
-                </a:solidFill>
-                <a:effectLst/>
-                <a:latin typeface="Arial Unicode MS"/>
-              </a:rPr>
-              <a:t>€11,000 </a:t>
-            </a:r>
-            <a:r>
-              <a:rPr kumimoji="0" lang="en" altLang="en-US" i="0" u="none" strike="noStrike" cap="none" normalizeH="0" baseline="0" dirty="0" smtClean="0">
-                <a:ln>
-                  <a:noFill/>
-                </a:ln>
-                <a:solidFill>
-                  <a:schemeClr val="tx1"/>
-                </a:solidFill>
-                <a:effectLst/>
-              </a:rPr>
-              <a:t>) </a:t>
-            </a:r>
-            <a:r>
-              <a:rPr kumimoji="0" lang="en" altLang="en-US" i="0" u="none" strike="noStrike" cap="none" normalizeH="0" baseline="0" dirty="0" err="1" smtClean="0">
-                <a:ln>
-                  <a:noFill/>
-                </a:ln>
-                <a:solidFill>
-                  <a:schemeClr val="tx1"/>
-                </a:solidFill>
-                <a:effectLst/>
-              </a:rPr>
-              <a:t>against</a:t>
-            </a:r>
-            <a:r>
-              <a:rPr kumimoji="0" lang="en" altLang="en-US" i="0" u="none" strike="noStrike" cap="none" normalizeH="0" baseline="0" dirty="0" smtClean="0">
-                <a:ln>
-                  <a:noFill/>
-                </a:ln>
-                <a:solidFill>
-                  <a:schemeClr val="tx1"/>
-                </a:solidFill>
-                <a:effectLst/>
-              </a:rPr>
-              <a:t> </a:t>
-            </a:r>
-            <a:r>
-              <a:rPr kumimoji="0" lang="en" altLang="en-US" i="0" u="none" strike="noStrike" cap="none" normalizeH="0" baseline="0" dirty="0" smtClean="0">
-                <a:ln>
-                  <a:noFill/>
-                </a:ln>
-                <a:solidFill>
-                  <a:schemeClr val="tx1"/>
-                </a:solidFill>
-                <a:effectLst/>
-                <a:latin typeface="Arial Unicode MS"/>
-              </a:rPr>
-              <a:t>€10,000</a:t>
-            </a:r>
-            <a:r>
-              <a:rPr kumimoji="0" lang="en" altLang="en-US" i="0" u="none" strike="noStrike" cap="none" normalizeH="0" baseline="0" dirty="0" smtClean="0">
-                <a:ln>
-                  <a:noFill/>
-                </a:ln>
-                <a:solidFill>
-                  <a:schemeClr val="tx1"/>
-                </a:solidFill>
-                <a:effectLst/>
-              </a:rPr>
-              <a:t> </a:t>
-            </a:r>
-            <a:endParaRPr kumimoji="0" lang="en-US" altLang="en-US" i="0" u="none" strike="noStrike" cap="none" normalizeH="0" baseline="0" dirty="0" smtClean="0">
-              <a:ln>
-                <a:noFill/>
-              </a:ln>
-              <a:solidFill>
-                <a:schemeClr val="tx1"/>
-              </a:solidFill>
-              <a:effectLst/>
-              <a:latin typeface="Arial" panose="020B0604020202020204" pitchFamily="34" charset="0"/>
-            </a:endParaRPr>
-          </a:p>
-        </p:txBody>
-      </p:sp>
-    </p:spTree>
-    <p:extLst>
-      <p:ext uri="{BB962C8B-B14F-4D97-AF65-F5344CB8AC3E}">
-        <p14:creationId xmlns:p14="http://schemas.microsoft.com/office/powerpoint/2010/main" val="1233665257"/>
-      </p:ext>
-    </p:extLst>
-  </p:cSld>
-  <p:clrMapOvr>
-    <a:masterClrMapping/>
-  </p:clrMapOvr>
-</p:sld>
-</file>
-
-<file path=ppt/slides/slide7.xml><?xml version="1.0" encoding="utf-8"?>
-<p:sld xmlns:a="http://schemas.openxmlformats.org/drawingml/2006/main" xmlns:r="http://schemas.openxmlformats.org/officeDocument/2006/relationships" xmlns:p="http://schemas.openxmlformats.org/presentationml/2006/main">
-  <p:cSld>
-    <p:spTree>
-      <p:nvGrpSpPr>
-        <p:cNvPr id="1" name=""/>
-        <p:cNvGrpSpPr/>
-        <p:nvPr/>
-      </p:nvGrpSpPr>
-      <p:grpSpPr>
-        <a:xfrm>
-          <a:off x="0" y="0"/>
-          <a:ext cx="0" cy="0"/>
-          <a:chOff x="0" y="0"/>
-          <a:chExt cx="0" cy="0"/>
-        </a:xfrm>
-      </p:grpSpPr>
-      <p:sp>
-        <p:nvSpPr>
-          <p:cNvPr id="2" name="TextBox 1"/>
-          <p:cNvSpPr txBox="1"/>
-          <p:nvPr/>
-        </p:nvSpPr>
-        <p:spPr>
-          <a:xfrm>
-            <a:off x="323133" y="192505"/>
-            <a:ext cx="1215397" cy="461665"/>
-          </a:xfrm>
-          <a:prstGeom prst="rect">
-            <a:avLst/>
-          </a:prstGeom>
-          <a:noFill/>
-        </p:spPr>
-        <p:txBody>
-          <a:bodyPr wrap="none" rtlCol="0">
-            <a:spAutoFit/>
-          </a:bodyPr>
-          <a:lstStyle/>
-          <a:p>
-            <a:r>
-              <a:rPr lang="en" sz="2400" b="1" dirty="0" smtClean="0">
-                <a:latin typeface="Segoe UI" panose="020B0502040204020203" pitchFamily="34" charset="0"/>
-                <a:cs typeface="Segoe UI" panose="020B0502040204020203" pitchFamily="34" charset="0"/>
-              </a:rPr>
-              <a:t>KPIs</a:t>
-            </a:r>
-            <a:endParaRPr lang="en-US" sz="2400" b="1" dirty="0">
-              <a:latin typeface="Segoe UI" panose="020B0502040204020203" pitchFamily="34" charset="0"/>
-              <a:cs typeface="Segoe UI" panose="020B0502040204020203" pitchFamily="34" charset="0"/>
-            </a:endParaRPr>
-          </a:p>
-        </p:txBody>
-      </p:sp>
-      <p:sp>
-        <p:nvSpPr>
-          <p:cNvPr id="5" name="TextBox 4"/>
-          <p:cNvSpPr txBox="1"/>
-          <p:nvPr/>
-        </p:nvSpPr>
-        <p:spPr>
-          <a:xfrm>
-            <a:off x="429345" y="771048"/>
             <a:ext cx="10763652" cy="369332"/>
           </a:xfrm>
           <a:prstGeom prst="rect">
@@ -8442,338 +7111,6 @@
             <a:endParaRPr lang="en-US" b="1" dirty="0">
               <a:latin typeface="Segoe UI" panose="020B0502040204020203" pitchFamily="34" charset="0"/>
               <a:cs typeface="Segoe UI" panose="020B0502040204020203" pitchFamily="34" charset="0"/>
-            </a:endParaRPr>
-          </a:p>
-        </p:txBody>
-      </p:sp>
-      <p:sp>
-        <p:nvSpPr>
-          <p:cNvPr id="10" name="Rectangle 9"/>
-          <p:cNvSpPr/>
-          <p:nvPr/>
-        </p:nvSpPr>
-        <p:spPr>
-          <a:xfrm>
-            <a:off x="538556" y="1310415"/>
-            <a:ext cx="11300517" cy="369332"/>
-          </a:xfrm>
-          <a:prstGeom prst="rect">
-            <a:avLst/>
-          </a:prstGeom>
-        </p:spPr>
-        <p:txBody>
-          <a:bodyPr wrap="square">
-            <a:spAutoFit/>
-          </a:bodyPr>
-          <a:lstStyle/>
-          <a:p>
-            <a:r>
-              <a:rPr lang="en" dirty="0">
-                <a:solidFill>
-                  <a:srgbClr val="000000"/>
-                </a:solidFill>
-                <a:latin typeface="Consolas" panose="020B0609020204030204" pitchFamily="49" charset="0"/>
-              </a:rPr>
-              <a:t>Total Sales = </a:t>
-            </a:r>
-            <a:r>
-              <a:rPr lang="en" dirty="0">
-                <a:solidFill>
-                  <a:srgbClr val="3165BB"/>
-                </a:solidFill>
-                <a:latin typeface="Consolas" panose="020B0609020204030204" pitchFamily="49" charset="0"/>
-              </a:rPr>
-              <a:t>CALCULATE </a:t>
-            </a:r>
-            <a:r>
-              <a:rPr lang="en" dirty="0">
-                <a:solidFill>
-                  <a:srgbClr val="000000"/>
-                </a:solidFill>
-                <a:latin typeface="Consolas" panose="020B0609020204030204" pitchFamily="49" charset="0"/>
-              </a:rPr>
-              <a:t>( </a:t>
-            </a:r>
-            <a:r>
-              <a:rPr lang="en" dirty="0">
-                <a:solidFill>
-                  <a:srgbClr val="3165BB"/>
-                </a:solidFill>
-                <a:latin typeface="Consolas" panose="020B0609020204030204" pitchFamily="49" charset="0"/>
-              </a:rPr>
-              <a:t>SUM </a:t>
-            </a:r>
-            <a:r>
-              <a:rPr lang="en" dirty="0">
-                <a:solidFill>
-                  <a:srgbClr val="000000"/>
-                </a:solidFill>
-                <a:latin typeface="Consolas" panose="020B0609020204030204" pitchFamily="49" charset="0"/>
-              </a:rPr>
-              <a:t>( </a:t>
-            </a:r>
-            <a:r>
-              <a:rPr lang="en" dirty="0" err="1">
-                <a:solidFill>
-                  <a:srgbClr val="001080"/>
-                </a:solidFill>
-                <a:latin typeface="Consolas" panose="020B0609020204030204" pitchFamily="49" charset="0"/>
-              </a:rPr>
-              <a:t>SalesFact </a:t>
-            </a:r>
-            <a:r>
-              <a:rPr lang="en" dirty="0">
-                <a:solidFill>
-                  <a:srgbClr val="000000"/>
-                </a:solidFill>
-                <a:latin typeface="Consolas" panose="020B0609020204030204" pitchFamily="49" charset="0"/>
-              </a:rPr>
-              <a:t>[ </a:t>
-            </a:r>
-            <a:r>
-              <a:rPr lang="en" dirty="0" err="1">
-                <a:solidFill>
-                  <a:srgbClr val="000000"/>
-                </a:solidFill>
-                <a:latin typeface="Consolas" panose="020B0609020204030204" pitchFamily="49" charset="0"/>
-              </a:rPr>
-              <a:t>SalesFact </a:t>
-            </a:r>
-            <a:r>
-              <a:rPr lang="en" dirty="0">
-                <a:solidFill>
-                  <a:srgbClr val="5F5F5F"/>
-                </a:solidFill>
-                <a:latin typeface="Consolas" panose="020B0609020204030204" pitchFamily="49" charset="0"/>
-              </a:rPr>
-              <a:t>] </a:t>
-            </a:r>
-            <a:r>
-              <a:rPr lang="en" dirty="0">
-                <a:solidFill>
-                  <a:srgbClr val="000000"/>
-                </a:solidFill>
-                <a:latin typeface="Consolas" panose="020B0609020204030204" pitchFamily="49" charset="0"/>
-              </a:rPr>
-              <a:t>), </a:t>
-            </a:r>
-            <a:r>
-              <a:rPr lang="en" dirty="0">
-                <a:solidFill>
-                  <a:srgbClr val="3165BB"/>
-                </a:solidFill>
-                <a:latin typeface="Consolas" panose="020B0609020204030204" pitchFamily="49" charset="0"/>
-              </a:rPr>
-              <a:t>ALL </a:t>
-            </a:r>
-            <a:r>
-              <a:rPr lang="en" dirty="0">
-                <a:solidFill>
-                  <a:srgbClr val="000000"/>
-                </a:solidFill>
-                <a:latin typeface="Consolas" panose="020B0609020204030204" pitchFamily="49" charset="0"/>
-              </a:rPr>
-              <a:t>( </a:t>
-            </a:r>
-            <a:r>
-              <a:rPr lang="en" dirty="0" err="1">
-                <a:solidFill>
-                  <a:srgbClr val="001080"/>
-                </a:solidFill>
-                <a:latin typeface="Consolas" panose="020B0609020204030204" pitchFamily="49" charset="0"/>
-              </a:rPr>
-              <a:t>SalesFact </a:t>
-            </a:r>
-            <a:r>
-              <a:rPr lang="en" dirty="0">
-                <a:solidFill>
-                  <a:srgbClr val="000000"/>
-                </a:solidFill>
-                <a:latin typeface="Consolas" panose="020B0609020204030204" pitchFamily="49" charset="0"/>
-              </a:rPr>
-              <a:t>))</a:t>
-            </a:r>
-            <a:endParaRPr lang="en-US" b="0" dirty="0">
-              <a:solidFill>
-                <a:srgbClr val="000000"/>
-              </a:solidFill>
-              <a:effectLst/>
-              <a:latin typeface="Consolas" panose="020B0609020204030204" pitchFamily="49" charset="0"/>
-            </a:endParaRPr>
-          </a:p>
-        </p:txBody>
-      </p:sp>
-      <p:sp>
-        <p:nvSpPr>
-          <p:cNvPr id="11" name="Rectangle 10"/>
-          <p:cNvSpPr/>
-          <p:nvPr/>
-        </p:nvSpPr>
-        <p:spPr>
-          <a:xfrm>
-            <a:off x="538555" y="1736676"/>
-            <a:ext cx="10716127" cy="369332"/>
-          </a:xfrm>
-          <a:prstGeom prst="rect">
-            <a:avLst/>
-          </a:prstGeom>
-        </p:spPr>
-        <p:txBody>
-          <a:bodyPr wrap="square">
-            <a:spAutoFit/>
-          </a:bodyPr>
-          <a:lstStyle/>
-          <a:p>
-            <a:r>
-              <a:rPr lang="en" dirty="0">
-                <a:solidFill>
-                  <a:srgbClr val="000000"/>
-                </a:solidFill>
-                <a:latin typeface="Consolas" panose="020B0609020204030204" pitchFamily="49" charset="0"/>
-              </a:rPr>
-              <a:t>Total </a:t>
-            </a:r>
-            <a:r>
-              <a:rPr lang="en" dirty="0" err="1">
-                <a:solidFill>
-                  <a:srgbClr val="000000"/>
-                </a:solidFill>
-                <a:latin typeface="Consolas" panose="020B0609020204030204" pitchFamily="49" charset="0"/>
-              </a:rPr>
-              <a:t>Target </a:t>
-            </a:r>
-            <a:r>
-              <a:rPr lang="en" dirty="0">
-                <a:solidFill>
-                  <a:srgbClr val="000000"/>
-                </a:solidFill>
-                <a:latin typeface="Consolas" panose="020B0609020204030204" pitchFamily="49" charset="0"/>
-              </a:rPr>
-              <a:t>= </a:t>
-            </a:r>
-            <a:r>
-              <a:rPr lang="en" dirty="0">
-                <a:solidFill>
-                  <a:srgbClr val="3165BB"/>
-                </a:solidFill>
-                <a:latin typeface="Consolas" panose="020B0609020204030204" pitchFamily="49" charset="0"/>
-              </a:rPr>
-              <a:t>CALCULATE </a:t>
-            </a:r>
-            <a:r>
-              <a:rPr lang="en" dirty="0">
-                <a:solidFill>
-                  <a:srgbClr val="000000"/>
-                </a:solidFill>
-                <a:latin typeface="Consolas" panose="020B0609020204030204" pitchFamily="49" charset="0"/>
-              </a:rPr>
-              <a:t>( </a:t>
-            </a:r>
-            <a:r>
-              <a:rPr lang="en" dirty="0">
-                <a:solidFill>
-                  <a:srgbClr val="3165BB"/>
-                </a:solidFill>
-                <a:latin typeface="Consolas" panose="020B0609020204030204" pitchFamily="49" charset="0"/>
-              </a:rPr>
-              <a:t>SUM </a:t>
-            </a:r>
-            <a:r>
-              <a:rPr lang="en" dirty="0">
-                <a:solidFill>
-                  <a:srgbClr val="000000"/>
-                </a:solidFill>
-                <a:latin typeface="Consolas" panose="020B0609020204030204" pitchFamily="49" charset="0"/>
-              </a:rPr>
-              <a:t>( </a:t>
-            </a:r>
-            <a:r>
-              <a:rPr lang="en" dirty="0" err="1">
-                <a:solidFill>
-                  <a:srgbClr val="001080"/>
-                </a:solidFill>
-                <a:latin typeface="Consolas" panose="020B0609020204030204" pitchFamily="49" charset="0"/>
-              </a:rPr>
-              <a:t>SalesFact </a:t>
-            </a:r>
-            <a:r>
-              <a:rPr lang="en" dirty="0">
-                <a:solidFill>
-                  <a:srgbClr val="001080"/>
-                </a:solidFill>
-                <a:latin typeface="Consolas" panose="020B0609020204030204" pitchFamily="49" charset="0"/>
-              </a:rPr>
-              <a:t>[ </a:t>
-            </a:r>
-            <a:r>
-              <a:rPr lang="en" dirty="0" err="1">
-                <a:solidFill>
-                  <a:srgbClr val="001080"/>
-                </a:solidFill>
-                <a:latin typeface="Consolas" panose="020B0609020204030204" pitchFamily="49" charset="0"/>
-              </a:rPr>
-              <a:t>Target </a:t>
-            </a:r>
-            <a:r>
-              <a:rPr lang="en" dirty="0">
-                <a:solidFill>
-                  <a:srgbClr val="001080"/>
-                </a:solidFill>
-                <a:latin typeface="Consolas" panose="020B0609020204030204" pitchFamily="49" charset="0"/>
-              </a:rPr>
-              <a:t>] </a:t>
-            </a:r>
-            <a:r>
-              <a:rPr lang="en" dirty="0">
-                <a:solidFill>
-                  <a:srgbClr val="000000"/>
-                </a:solidFill>
-                <a:latin typeface="Consolas" panose="020B0609020204030204" pitchFamily="49" charset="0"/>
-              </a:rPr>
-              <a:t>), </a:t>
-            </a:r>
-            <a:r>
-              <a:rPr lang="en" dirty="0">
-                <a:solidFill>
-                  <a:srgbClr val="3165BB"/>
-                </a:solidFill>
-                <a:latin typeface="Consolas" panose="020B0609020204030204" pitchFamily="49" charset="0"/>
-              </a:rPr>
-              <a:t>ALL </a:t>
-            </a:r>
-            <a:r>
-              <a:rPr lang="en" dirty="0">
-                <a:solidFill>
-                  <a:srgbClr val="000000"/>
-                </a:solidFill>
-                <a:latin typeface="Consolas" panose="020B0609020204030204" pitchFamily="49" charset="0"/>
-              </a:rPr>
-              <a:t>( </a:t>
-            </a:r>
-            <a:r>
-              <a:rPr lang="en" dirty="0" err="1">
-                <a:solidFill>
-                  <a:srgbClr val="001080"/>
-                </a:solidFill>
-                <a:latin typeface="Consolas" panose="020B0609020204030204" pitchFamily="49" charset="0"/>
-              </a:rPr>
-              <a:t>SalesFact </a:t>
-            </a:r>
-            <a:r>
-              <a:rPr lang="en" dirty="0">
-                <a:solidFill>
-                  <a:srgbClr val="000000"/>
-                </a:solidFill>
-                <a:latin typeface="Consolas" panose="020B0609020204030204" pitchFamily="49" charset="0"/>
-              </a:rPr>
-              <a:t>))</a:t>
-            </a:r>
-            <a:endParaRPr lang="en-US" b="0" dirty="0">
-              <a:solidFill>
-                <a:srgbClr val="000000"/>
-              </a:solidFill>
-              <a:effectLst/>
-              <a:latin typeface="Consolas" panose="020B0609020204030204" pitchFamily="49" charset="0"/>
             </a:endParaRPr>
           </a:p>
         </p:txBody>
@@ -8898,10 +7235,348 @@
           </a:p>
         </p:txBody>
       </p:sp>
+      <p:sp>
+        <p:nvSpPr>
+          <p:cNvPr id="3" name="Rectangle 2"/>
+          <p:cNvSpPr/>
+          <p:nvPr/>
+        </p:nvSpPr>
+        <p:spPr>
+          <a:xfrm>
+            <a:off x="538555" y="1243072"/>
+            <a:ext cx="9434322" cy="369332"/>
+          </a:xfrm>
+          <a:prstGeom prst="rect">
+            <a:avLst/>
+          </a:prstGeom>
+        </p:spPr>
+        <p:txBody>
+          <a:bodyPr wrap="square">
+            <a:spAutoFit/>
+          </a:bodyPr>
+          <a:lstStyle/>
+          <a:p>
+            <a:r>
+              <a:rPr lang="en-US" dirty="0">
+                <a:solidFill>
+                  <a:srgbClr val="000000"/>
+                </a:solidFill>
+                <a:latin typeface="Consolas" panose="020B0609020204030204" pitchFamily="49" charset="0"/>
+              </a:rPr>
+              <a:t>Total Sales = </a:t>
+            </a:r>
+            <a:r>
+              <a:rPr lang="en-US" dirty="0">
+                <a:solidFill>
+                  <a:srgbClr val="3165BB"/>
+                </a:solidFill>
+                <a:latin typeface="Consolas" panose="020B0609020204030204" pitchFamily="49" charset="0"/>
+              </a:rPr>
+              <a:t>CALCULATE</a:t>
+            </a:r>
+            <a:r>
+              <a:rPr lang="en-US" dirty="0">
+                <a:solidFill>
+                  <a:srgbClr val="000000"/>
+                </a:solidFill>
+                <a:latin typeface="Consolas" panose="020B0609020204030204" pitchFamily="49" charset="0"/>
+              </a:rPr>
+              <a:t> ( </a:t>
+            </a:r>
+            <a:r>
+              <a:rPr lang="en-US" dirty="0">
+                <a:solidFill>
+                  <a:srgbClr val="3165BB"/>
+                </a:solidFill>
+                <a:latin typeface="Consolas" panose="020B0609020204030204" pitchFamily="49" charset="0"/>
+              </a:rPr>
+              <a:t>SUM</a:t>
+            </a:r>
+            <a:r>
+              <a:rPr lang="en-US" dirty="0">
+                <a:solidFill>
+                  <a:srgbClr val="000000"/>
+                </a:solidFill>
+                <a:latin typeface="Consolas" panose="020B0609020204030204" pitchFamily="49" charset="0"/>
+              </a:rPr>
+              <a:t> ( Sales[Turnover]), </a:t>
+            </a:r>
+            <a:r>
+              <a:rPr lang="en-US" dirty="0">
+                <a:solidFill>
+                  <a:srgbClr val="3165BB"/>
+                </a:solidFill>
+                <a:latin typeface="Consolas" panose="020B0609020204030204" pitchFamily="49" charset="0"/>
+              </a:rPr>
+              <a:t>ALL</a:t>
+            </a:r>
+            <a:r>
+              <a:rPr lang="en-US" dirty="0">
+                <a:solidFill>
+                  <a:srgbClr val="000000"/>
+                </a:solidFill>
+                <a:latin typeface="Consolas" panose="020B0609020204030204" pitchFamily="49" charset="0"/>
+              </a:rPr>
+              <a:t> ( Sales ))</a:t>
+            </a:r>
+            <a:endParaRPr lang="en-US" b="0" dirty="0">
+              <a:solidFill>
+                <a:srgbClr val="000000"/>
+              </a:solidFill>
+              <a:effectLst/>
+              <a:latin typeface="Consolas" panose="020B0609020204030204" pitchFamily="49" charset="0"/>
+            </a:endParaRPr>
+          </a:p>
+        </p:txBody>
+      </p:sp>
+      <p:sp>
+        <p:nvSpPr>
+          <p:cNvPr id="4" name="Rectangle 3"/>
+          <p:cNvSpPr/>
+          <p:nvPr/>
+        </p:nvSpPr>
+        <p:spPr>
+          <a:xfrm>
+            <a:off x="538555" y="1664269"/>
+            <a:ext cx="9838267" cy="369332"/>
+          </a:xfrm>
+          <a:prstGeom prst="rect">
+            <a:avLst/>
+          </a:prstGeom>
+        </p:spPr>
+        <p:txBody>
+          <a:bodyPr wrap="square">
+            <a:spAutoFit/>
+          </a:bodyPr>
+          <a:lstStyle/>
+          <a:p>
+            <a:r>
+              <a:rPr lang="en-US" dirty="0">
+                <a:solidFill>
+                  <a:srgbClr val="000000"/>
+                </a:solidFill>
+                <a:latin typeface="Consolas" panose="020B0609020204030204" pitchFamily="49" charset="0"/>
+              </a:rPr>
+              <a:t>Total Target = </a:t>
+            </a:r>
+            <a:r>
+              <a:rPr lang="en-US" dirty="0">
+                <a:solidFill>
+                  <a:srgbClr val="3165BB"/>
+                </a:solidFill>
+                <a:latin typeface="Consolas" panose="020B0609020204030204" pitchFamily="49" charset="0"/>
+              </a:rPr>
+              <a:t>CALCULATE</a:t>
+            </a:r>
+            <a:r>
+              <a:rPr lang="en-US" dirty="0">
+                <a:solidFill>
+                  <a:srgbClr val="000000"/>
+                </a:solidFill>
+                <a:latin typeface="Consolas" panose="020B0609020204030204" pitchFamily="49" charset="0"/>
+              </a:rPr>
+              <a:t> ( </a:t>
+            </a:r>
+            <a:r>
+              <a:rPr lang="en-US" dirty="0">
+                <a:solidFill>
+                  <a:srgbClr val="3165BB"/>
+                </a:solidFill>
+                <a:latin typeface="Consolas" panose="020B0609020204030204" pitchFamily="49" charset="0"/>
+              </a:rPr>
+              <a:t>SUM</a:t>
+            </a:r>
+            <a:r>
+              <a:rPr lang="en-US" dirty="0">
+                <a:solidFill>
+                  <a:srgbClr val="000000"/>
+                </a:solidFill>
+                <a:latin typeface="Consolas" panose="020B0609020204030204" pitchFamily="49" charset="0"/>
+              </a:rPr>
+              <a:t> ( Sales[Objective]), </a:t>
+            </a:r>
+            <a:r>
+              <a:rPr lang="en-US" dirty="0">
+                <a:solidFill>
+                  <a:srgbClr val="3165BB"/>
+                </a:solidFill>
+                <a:latin typeface="Consolas" panose="020B0609020204030204" pitchFamily="49" charset="0"/>
+              </a:rPr>
+              <a:t>ALL</a:t>
+            </a:r>
+            <a:r>
+              <a:rPr lang="en-US" dirty="0">
+                <a:solidFill>
+                  <a:srgbClr val="000000"/>
+                </a:solidFill>
+                <a:latin typeface="Consolas" panose="020B0609020204030204" pitchFamily="49" charset="0"/>
+              </a:rPr>
+              <a:t> ( Sales ))</a:t>
+            </a:r>
+            <a:endParaRPr lang="en-US" b="0" dirty="0">
+              <a:solidFill>
+                <a:srgbClr val="000000"/>
+              </a:solidFill>
+              <a:effectLst/>
+              <a:latin typeface="Consolas" panose="020B0609020204030204" pitchFamily="49" charset="0"/>
+            </a:endParaRPr>
+          </a:p>
+        </p:txBody>
+      </p:sp>
+      <p:pic>
+        <p:nvPicPr>
+          <p:cNvPr id="6" name="Picture 5"/>
+          <p:cNvPicPr>
+            <a:picLocks noChangeAspect="1"/>
+          </p:cNvPicPr>
+          <p:nvPr/>
+        </p:nvPicPr>
+        <p:blipFill>
+          <a:blip r:embed="rId4"/>
+          <a:stretch>
+            <a:fillRect/>
+          </a:stretch>
+        </p:blipFill>
+        <p:spPr>
+          <a:xfrm>
+            <a:off x="930831" y="2667407"/>
+            <a:ext cx="3285013" cy="1743726"/>
+          </a:xfrm>
+          <a:prstGeom prst="rect">
+            <a:avLst/>
+          </a:prstGeom>
+        </p:spPr>
+      </p:pic>
     </p:spTree>
     <p:extLst>
       <p:ext uri="{BB962C8B-B14F-4D97-AF65-F5344CB8AC3E}">
         <p14:creationId xmlns:p14="http://schemas.microsoft.com/office/powerpoint/2010/main" val="175078716"/>
+      </p:ext>
+    </p:extLst>
+  </p:cSld>
+  <p:clrMapOvr>
+    <a:masterClrMapping/>
+  </p:clrMapOvr>
+</p:sld>
+</file>
+
+<file path=ppt/slides/slide7.xml><?xml version="1.0" encoding="utf-8"?>
+<p:sld xmlns:a="http://schemas.openxmlformats.org/drawingml/2006/main" xmlns:r="http://schemas.openxmlformats.org/officeDocument/2006/relationships" xmlns:p="http://schemas.openxmlformats.org/presentationml/2006/main">
+  <p:cSld>
+    <p:spTree>
+      <p:nvGrpSpPr>
+        <p:cNvPr id="1" name=""/>
+        <p:cNvGrpSpPr/>
+        <p:nvPr/>
+      </p:nvGrpSpPr>
+      <p:grpSpPr>
+        <a:xfrm>
+          <a:off x="0" y="0"/>
+          <a:ext cx="0" cy="0"/>
+          <a:chOff x="0" y="0"/>
+          <a:chExt cx="0" cy="0"/>
+        </a:xfrm>
+      </p:grpSpPr>
+      <p:sp>
+        <p:nvSpPr>
+          <p:cNvPr id="2" name="TextBox 1"/>
+          <p:cNvSpPr txBox="1"/>
+          <p:nvPr/>
+        </p:nvSpPr>
+        <p:spPr>
+          <a:xfrm>
+            <a:off x="323133" y="192505"/>
+            <a:ext cx="1215397" cy="461665"/>
+          </a:xfrm>
+          <a:prstGeom prst="rect">
+            <a:avLst/>
+          </a:prstGeom>
+          <a:noFill/>
+        </p:spPr>
+        <p:txBody>
+          <a:bodyPr wrap="none" rtlCol="0">
+            <a:spAutoFit/>
+          </a:bodyPr>
+          <a:lstStyle/>
+          <a:p>
+            <a:r>
+              <a:rPr lang="en" sz="2400" b="1" dirty="0" smtClean="0">
+                <a:latin typeface="Segoe UI" panose="020B0502040204020203" pitchFamily="34" charset="0"/>
+                <a:cs typeface="Segoe UI" panose="020B0502040204020203" pitchFamily="34" charset="0"/>
+              </a:rPr>
+              <a:t>KPIs</a:t>
+            </a:r>
+            <a:endParaRPr lang="en-US" sz="2400" b="1" dirty="0">
+              <a:latin typeface="Segoe UI" panose="020B0502040204020203" pitchFamily="34" charset="0"/>
+              <a:cs typeface="Segoe UI" panose="020B0502040204020203" pitchFamily="34" charset="0"/>
+            </a:endParaRPr>
+          </a:p>
+        </p:txBody>
+      </p:sp>
+      <p:sp>
+        <p:nvSpPr>
+          <p:cNvPr id="5" name="TextBox 4"/>
+          <p:cNvSpPr txBox="1"/>
+          <p:nvPr/>
+        </p:nvSpPr>
+        <p:spPr>
+          <a:xfrm>
+            <a:off x="429345" y="771048"/>
+            <a:ext cx="10001588" cy="646331"/>
+          </a:xfrm>
+          <a:prstGeom prst="rect">
+            <a:avLst/>
+          </a:prstGeom>
+          <a:noFill/>
+        </p:spPr>
+        <p:txBody>
+          <a:bodyPr wrap="square" rtlCol="0">
+            <a:spAutoFit/>
+          </a:bodyPr>
+          <a:lstStyle/>
+          <a:p>
+            <a:r>
+              <a:rPr lang="en" dirty="0" smtClean="0">
+                <a:latin typeface="Segoe UI" panose="020B0502040204020203" pitchFamily="34" charset="0"/>
+                <a:cs typeface="Segoe UI" panose="020B0502040204020203" pitchFamily="34" charset="0"/>
+              </a:rPr>
+              <a:t>Then the  result is, first KPI indicates related indicator according to the last recorded data, meanwhile the second KPI is taking the sum of both recorded values and objectives   </a:t>
+            </a:r>
+            <a:endParaRPr lang="en-US" b="1" dirty="0">
+              <a:latin typeface="Segoe UI" panose="020B0502040204020203" pitchFamily="34" charset="0"/>
+              <a:cs typeface="Segoe UI" panose="020B0502040204020203" pitchFamily="34" charset="0"/>
+            </a:endParaRPr>
+          </a:p>
+        </p:txBody>
+      </p:sp>
+      <p:pic>
+        <p:nvPicPr>
+          <p:cNvPr id="10" name="Picture 9"/>
+          <p:cNvPicPr>
+            <a:picLocks noChangeAspect="1"/>
+          </p:cNvPicPr>
+          <p:nvPr/>
+        </p:nvPicPr>
+        <p:blipFill>
+          <a:blip r:embed="rId3"/>
+          <a:stretch>
+            <a:fillRect/>
+          </a:stretch>
+        </p:blipFill>
+        <p:spPr>
+          <a:xfrm>
+            <a:off x="500933" y="1985391"/>
+            <a:ext cx="8392696" cy="2029108"/>
+          </a:xfrm>
+          <a:prstGeom prst="rect">
+            <a:avLst/>
+          </a:prstGeom>
+        </p:spPr>
+      </p:pic>
+    </p:spTree>
+    <p:extLst>
+      <p:ext uri="{BB962C8B-B14F-4D97-AF65-F5344CB8AC3E}">
+        <p14:creationId xmlns:p14="http://schemas.microsoft.com/office/powerpoint/2010/main" val="3574858071"/>
       </p:ext>
     </p:extLst>
   </p:cSld>
@@ -9022,76 +7697,49 @@
           <a:lstStyle/>
           <a:p>
             <a:r>
-              <a:rPr lang="en" dirty="0" err="1">
+              <a:rPr lang="en" dirty="0">
                 <a:solidFill>
                   <a:srgbClr val="000000"/>
                 </a:solidFill>
                 <a:latin typeface="Consolas" panose="020B0609020204030204" pitchFamily="49" charset="0"/>
               </a:rPr>
-              <a:t>Dynamic_Objective </a:t>
+              <a:t>Dynamic_Objective = </a:t>
             </a:r>
             <a:r>
               <a:rPr lang="en" dirty="0">
                 <a:solidFill>
+                  <a:srgbClr val="3165BB"/>
+                </a:solidFill>
+                <a:latin typeface="Consolas" panose="020B0609020204030204" pitchFamily="49" charset="0"/>
+              </a:rPr>
+              <a:t>AVERAGE </a:t>
+            </a:r>
+            <a:r>
+              <a:rPr lang="en" dirty="0">
+                <a:solidFill>
                   <a:srgbClr val="000000"/>
                 </a:solidFill>
                 <a:latin typeface="Consolas" panose="020B0609020204030204" pitchFamily="49" charset="0"/>
               </a:rPr>
-              <a:t>= </a:t>
+              <a:t>( </a:t>
+            </a:r>
+            <a:r>
+              <a:rPr lang="en" dirty="0" smtClean="0">
+                <a:solidFill>
+                  <a:srgbClr val="001080"/>
+                </a:solidFill>
+                <a:latin typeface="Consolas" panose="020B0609020204030204" pitchFamily="49" charset="0"/>
+              </a:rPr>
+              <a:t>Sales[ </a:t>
             </a:r>
             <a:r>
               <a:rPr lang="en" dirty="0">
                 <a:solidFill>
-                  <a:srgbClr val="3165BB"/>
+                  <a:srgbClr val="001080"/>
                 </a:solidFill>
                 <a:latin typeface="Consolas" panose="020B0609020204030204" pitchFamily="49" charset="0"/>
               </a:rPr>
-              <a:t>AVERAGE </a:t>
-            </a:r>
-            <a:r>
-              <a:rPr lang="en" dirty="0">
-                <a:solidFill>
-                  <a:srgbClr val="000000"/>
-                </a:solidFill>
-                <a:latin typeface="Consolas" panose="020B0609020204030204" pitchFamily="49" charset="0"/>
-              </a:rPr>
-              <a:t>( </a:t>
-            </a:r>
-            <a:r>
-              <a:rPr lang="en" dirty="0" err="1">
-                <a:solidFill>
-                  <a:srgbClr val="001080"/>
-                </a:solidFill>
-                <a:latin typeface="Consolas" panose="020B0609020204030204" pitchFamily="49" charset="0"/>
-              </a:rPr>
-              <a:t>SalesFact </a:t>
-            </a:r>
-            <a:r>
-              <a:rPr lang="en" dirty="0">
-                <a:solidFill>
-                  <a:srgbClr val="001080"/>
-                </a:solidFill>
-                <a:latin typeface="Consolas" panose="020B0609020204030204" pitchFamily="49" charset="0"/>
-              </a:rPr>
-              <a:t>[ </a:t>
-            </a:r>
-            <a:r>
-              <a:rPr lang="en" dirty="0" err="1">
-                <a:solidFill>
-                  <a:srgbClr val="001080"/>
-                </a:solidFill>
-                <a:latin typeface="Consolas" panose="020B0609020204030204" pitchFamily="49" charset="0"/>
-              </a:rPr>
-              <a:t>Turnover </a:t>
-            </a:r>
-            <a:r>
-              <a:rPr lang="en" dirty="0">
-                <a:solidFill>
-                  <a:srgbClr val="001080"/>
-                </a:solidFill>
-                <a:latin typeface="Consolas" panose="020B0609020204030204" pitchFamily="49" charset="0"/>
-              </a:rPr>
-              <a:t>] </a:t>
+              <a:t>Turnover ] </a:t>
             </a:r>
             <a:r>
               <a:rPr lang="en" dirty="0">
@@ -9241,6 +7889,30 @@
           </a:p>
         </p:txBody>
       </p:sp>
+      <p:pic>
+        <p:nvPicPr>
+          <p:cNvPr id="6" name="Picture 5"/>
+          <p:cNvPicPr>
+            <a:picLocks noChangeAspect="1"/>
+          </p:cNvPicPr>
+          <p:nvPr/>
+        </p:nvPicPr>
+        <p:blipFill>
+          <a:blip r:embed="rId4"/>
+          <a:stretch>
+            <a:fillRect/>
+          </a:stretch>
+        </p:blipFill>
+        <p:spPr>
+          <a:xfrm>
+            <a:off x="860044" y="2109819"/>
+            <a:ext cx="3365041" cy="1784848"/>
+          </a:xfrm>
+          <a:prstGeom prst="rect">
+            <a:avLst/>
+          </a:prstGeom>
+        </p:spPr>
+      </p:pic>
     </p:spTree>
     <p:extLst>
       <p:ext uri="{BB962C8B-B14F-4D97-AF65-F5344CB8AC3E}">
